--- a/Info/TeamPPT_Final2.pptx
+++ b/Info/TeamPPT_Final2.pptx
@@ -26,6 +26,7 @@
     <p:sldId id="275" r:id="rId20"/>
     <p:sldId id="276" r:id="rId21"/>
     <p:sldId id="277" r:id="rId22"/>
+    <p:sldId id="282" r:id="rId23"/>
   </p:sldIdLst>
   <p:sldSz cx="9144000" cy="6858000" type="screen4x3"/>
   <p:notesSz cx="6858000" cy="9144000"/>
@@ -170,7 +171,7 @@
           <a:blip r:embed="rId3">
             <a:extLst>
               <a:ext uri="{28A0092B-C50C-407E-A947-70E740481C1C}">
-                <a14:useLocalDpi xmlns:a14="http://schemas.microsoft.com/office/drawing/2010/main" xmlns="" val="0"/>
+                <a14:useLocalDpi xmlns="" xmlns:a14="http://schemas.microsoft.com/office/drawing/2010/main" val="0"/>
               </a:ext>
             </a:extLst>
           </a:blip>
@@ -190,7 +191,7 @@
           <a:noFill/>
           <a:extLst>
             <a:ext uri="{909E8E84-426E-40DD-AFC4-6F175D3DCCD1}">
-              <a14:hiddenFill xmlns:a14="http://schemas.microsoft.com/office/drawing/2010/main" xmlns="">
+              <a14:hiddenFill xmlns="" xmlns:a14="http://schemas.microsoft.com/office/drawing/2010/main">
                 <a:solidFill>
                   <a:srgbClr val="FFFFFF"/>
                 </a:solidFill>
@@ -241,7 +242,7 @@
     </p:spTree>
     <p:extLst>
       <p:ext uri="{BB962C8B-B14F-4D97-AF65-F5344CB8AC3E}">
-        <p14:creationId xmlns:p14="http://schemas.microsoft.com/office/powerpoint/2010/main" xmlns="" val="2032416694"/>
+        <p14:creationId xmlns="" xmlns:p14="http://schemas.microsoft.com/office/powerpoint/2010/main" val="2032416694"/>
       </p:ext>
     </p:extLst>
   </p:cSld>
@@ -454,7 +455,7 @@
     </p:spTree>
     <p:extLst>
       <p:ext uri="{BB962C8B-B14F-4D97-AF65-F5344CB8AC3E}">
-        <p14:creationId xmlns:p14="http://schemas.microsoft.com/office/powerpoint/2010/main" xmlns="" val="2825368943"/>
+        <p14:creationId xmlns="" xmlns:p14="http://schemas.microsoft.com/office/powerpoint/2010/main" val="2825368943"/>
       </p:ext>
     </p:extLst>
   </p:cSld>
@@ -667,7 +668,7 @@
     </p:spTree>
     <p:extLst>
       <p:ext uri="{BB962C8B-B14F-4D97-AF65-F5344CB8AC3E}">
-        <p14:creationId xmlns:p14="http://schemas.microsoft.com/office/powerpoint/2010/main" xmlns="" val="2221001295"/>
+        <p14:creationId xmlns="" xmlns:p14="http://schemas.microsoft.com/office/powerpoint/2010/main" val="2221001295"/>
       </p:ext>
     </p:extLst>
   </p:cSld>
@@ -942,7 +943,7 @@
     </p:spTree>
     <p:extLst>
       <p:ext uri="{BB962C8B-B14F-4D97-AF65-F5344CB8AC3E}">
-        <p14:creationId xmlns:p14="http://schemas.microsoft.com/office/powerpoint/2010/main" xmlns="" val="1125379394"/>
+        <p14:creationId xmlns="" xmlns:p14="http://schemas.microsoft.com/office/powerpoint/2010/main" val="1125379394"/>
       </p:ext>
     </p:extLst>
   </p:cSld>
@@ -1042,7 +1043,7 @@
     </p:spTree>
     <p:extLst>
       <p:ext uri="{BB962C8B-B14F-4D97-AF65-F5344CB8AC3E}">
-        <p14:creationId xmlns:p14="http://schemas.microsoft.com/office/powerpoint/2010/main" xmlns="" val="3694015714"/>
+        <p14:creationId xmlns="" xmlns:p14="http://schemas.microsoft.com/office/powerpoint/2010/main" val="3694015714"/>
       </p:ext>
     </p:extLst>
   </p:cSld>
@@ -1321,7 +1322,7 @@
     </p:spTree>
     <p:extLst>
       <p:ext uri="{BB962C8B-B14F-4D97-AF65-F5344CB8AC3E}">
-        <p14:creationId xmlns:p14="http://schemas.microsoft.com/office/powerpoint/2010/main" xmlns="" val="1819799790"/>
+        <p14:creationId xmlns="" xmlns:p14="http://schemas.microsoft.com/office/powerpoint/2010/main" val="1819799790"/>
       </p:ext>
     </p:extLst>
   </p:cSld>
@@ -1650,7 +1651,7 @@
     </p:spTree>
     <p:extLst>
       <p:ext uri="{BB962C8B-B14F-4D97-AF65-F5344CB8AC3E}">
-        <p14:creationId xmlns:p14="http://schemas.microsoft.com/office/powerpoint/2010/main" xmlns="" val="1845900609"/>
+        <p14:creationId xmlns="" xmlns:p14="http://schemas.microsoft.com/office/powerpoint/2010/main" val="1845900609"/>
       </p:ext>
     </p:extLst>
   </p:cSld>
@@ -2119,7 +2120,7 @@
     </p:spTree>
     <p:extLst>
       <p:ext uri="{BB962C8B-B14F-4D97-AF65-F5344CB8AC3E}">
-        <p14:creationId xmlns:p14="http://schemas.microsoft.com/office/powerpoint/2010/main" xmlns="" val="1834140844"/>
+        <p14:creationId xmlns="" xmlns:p14="http://schemas.microsoft.com/office/powerpoint/2010/main" val="1834140844"/>
       </p:ext>
     </p:extLst>
   </p:cSld>
@@ -2272,7 +2273,7 @@
     </p:spTree>
     <p:extLst>
       <p:ext uri="{BB962C8B-B14F-4D97-AF65-F5344CB8AC3E}">
-        <p14:creationId xmlns:p14="http://schemas.microsoft.com/office/powerpoint/2010/main" xmlns="" val="3978738694"/>
+        <p14:creationId xmlns="" xmlns:p14="http://schemas.microsoft.com/office/powerpoint/2010/main" val="3978738694"/>
       </p:ext>
     </p:extLst>
   </p:cSld>
@@ -2394,7 +2395,7 @@
     </p:spTree>
     <p:extLst>
       <p:ext uri="{BB962C8B-B14F-4D97-AF65-F5344CB8AC3E}">
-        <p14:creationId xmlns:p14="http://schemas.microsoft.com/office/powerpoint/2010/main" xmlns="" val="3760371323"/>
+        <p14:creationId xmlns="" xmlns:p14="http://schemas.microsoft.com/office/powerpoint/2010/main" val="3760371323"/>
       </p:ext>
     </p:extLst>
   </p:cSld>
@@ -2707,7 +2708,7 @@
     </p:spTree>
     <p:extLst>
       <p:ext uri="{BB962C8B-B14F-4D97-AF65-F5344CB8AC3E}">
-        <p14:creationId xmlns:p14="http://schemas.microsoft.com/office/powerpoint/2010/main" xmlns="" val="2046782160"/>
+        <p14:creationId xmlns="" xmlns:p14="http://schemas.microsoft.com/office/powerpoint/2010/main" val="2046782160"/>
       </p:ext>
     </p:extLst>
   </p:cSld>
@@ -2996,7 +2997,7 @@
     </p:spTree>
     <p:extLst>
       <p:ext uri="{BB962C8B-B14F-4D97-AF65-F5344CB8AC3E}">
-        <p14:creationId xmlns:p14="http://schemas.microsoft.com/office/powerpoint/2010/main" xmlns="" val="2028806487"/>
+        <p14:creationId xmlns="" xmlns:p14="http://schemas.microsoft.com/office/powerpoint/2010/main" val="2028806487"/>
       </p:ext>
     </p:extLst>
   </p:cSld>
@@ -3041,7 +3042,7 @@
     </p:spTree>
     <p:extLst>
       <p:ext uri="{BB962C8B-B14F-4D97-AF65-F5344CB8AC3E}">
-        <p14:creationId xmlns:p14="http://schemas.microsoft.com/office/powerpoint/2010/main" xmlns="" val="437338208"/>
+        <p14:creationId xmlns="" xmlns:p14="http://schemas.microsoft.com/office/powerpoint/2010/main" val="437338208"/>
       </p:ext>
     </p:extLst>
   </p:cSld>
@@ -3413,7 +3414,7 @@
     </p:spTree>
     <p:extLst>
       <p:ext uri="{BB962C8B-B14F-4D97-AF65-F5344CB8AC3E}">
-        <p14:creationId xmlns:p14="http://schemas.microsoft.com/office/powerpoint/2010/main" xmlns="" val="1941221791"/>
+        <p14:creationId xmlns="" xmlns:p14="http://schemas.microsoft.com/office/powerpoint/2010/main" val="1941221791"/>
       </p:ext>
     </p:extLst>
   </p:cSld>
@@ -3642,7 +3643,7 @@
     </p:spTree>
     <p:extLst>
       <p:ext uri="{BB962C8B-B14F-4D97-AF65-F5344CB8AC3E}">
-        <p14:creationId xmlns:p14="http://schemas.microsoft.com/office/powerpoint/2010/main" xmlns="" val="2814019064"/>
+        <p14:creationId xmlns="" xmlns:p14="http://schemas.microsoft.com/office/powerpoint/2010/main" val="2814019064"/>
       </p:ext>
     </p:extLst>
   </p:cSld>
@@ -3918,7 +3919,7 @@
     </p:spTree>
     <p:extLst>
       <p:ext uri="{BB962C8B-B14F-4D97-AF65-F5344CB8AC3E}">
-        <p14:creationId xmlns:p14="http://schemas.microsoft.com/office/powerpoint/2010/main" xmlns="" val="891763176"/>
+        <p14:creationId xmlns="" xmlns:p14="http://schemas.microsoft.com/office/powerpoint/2010/main" val="891763176"/>
       </p:ext>
     </p:extLst>
   </p:cSld>
@@ -4012,7 +4013,7 @@
           <a:blip r:embed="rId2">
             <a:extLst>
               <a:ext uri="{28A0092B-C50C-407E-A947-70E740481C1C}">
-                <a14:useLocalDpi xmlns:a14="http://schemas.microsoft.com/office/drawing/2010/main" xmlns="" val="0"/>
+                <a14:useLocalDpi xmlns="" xmlns:a14="http://schemas.microsoft.com/office/drawing/2010/main" val="0"/>
               </a:ext>
             </a:extLst>
           </a:blip>
@@ -4034,14 +4035,14 @@
           <a:effectLst/>
           <a:extLst>
             <a:ext uri="{909E8E84-426E-40DD-AFC4-6F175D3DCCD1}">
-              <a14:hiddenFill xmlns:a14="http://schemas.microsoft.com/office/drawing/2010/main" xmlns="">
+              <a14:hiddenFill xmlns="" xmlns:a14="http://schemas.microsoft.com/office/drawing/2010/main">
                 <a:solidFill>
                   <a:schemeClr val="accent1"/>
                 </a:solidFill>
               </a14:hiddenFill>
             </a:ext>
             <a:ext uri="{91240B29-F687-4F45-9708-019B960494DF}">
-              <a14:hiddenLine xmlns:a14="http://schemas.microsoft.com/office/drawing/2010/main" xmlns="" w="9525">
+              <a14:hiddenLine xmlns="" xmlns:a14="http://schemas.microsoft.com/office/drawing/2010/main" w="9525">
                 <a:solidFill>
                   <a:schemeClr val="tx1"/>
                 </a:solidFill>
@@ -4051,7 +4052,7 @@
               </a14:hiddenLine>
             </a:ext>
             <a:ext uri="{AF507438-7753-43E0-B8FC-AC1667EBCBE1}">
-              <a14:hiddenEffects xmlns:a14="http://schemas.microsoft.com/office/drawing/2010/main" xmlns="">
+              <a14:hiddenEffects xmlns="" xmlns:a14="http://schemas.microsoft.com/office/drawing/2010/main">
                 <a:effectLst>
                   <a:outerShdw dist="35921" dir="2700000" algn="ctr" rotWithShape="0">
                     <a:schemeClr val="bg2"/>
@@ -4129,7 +4130,7 @@
     </p:spTree>
     <p:extLst>
       <p:ext uri="{BB962C8B-B14F-4D97-AF65-F5344CB8AC3E}">
-        <p14:creationId xmlns:p14="http://schemas.microsoft.com/office/powerpoint/2010/main" xmlns="" val="891763176"/>
+        <p14:creationId xmlns="" xmlns:p14="http://schemas.microsoft.com/office/powerpoint/2010/main" val="891763176"/>
       </p:ext>
     </p:extLst>
   </p:cSld>
@@ -4224,7 +4225,7 @@
           <a:blip r:embed="rId2">
             <a:extLst>
               <a:ext uri="{28A0092B-C50C-407E-A947-70E740481C1C}">
-                <a14:useLocalDpi xmlns:a14="http://schemas.microsoft.com/office/drawing/2010/main" xmlns="" val="0"/>
+                <a14:useLocalDpi xmlns="" xmlns:a14="http://schemas.microsoft.com/office/drawing/2010/main" val="0"/>
               </a:ext>
             </a:extLst>
           </a:blip>
@@ -4257,14 +4258,14 @@
           </a:effectLst>
           <a:extLst>
             <a:ext uri="{909E8E84-426E-40DD-AFC4-6F175D3DCCD1}">
-              <a14:hiddenFill xmlns:a14="http://schemas.microsoft.com/office/drawing/2010/main" xmlns="">
+              <a14:hiddenFill xmlns="" xmlns:a14="http://schemas.microsoft.com/office/drawing/2010/main">
                 <a:solidFill>
                   <a:schemeClr val="accent1"/>
                 </a:solidFill>
               </a14:hiddenFill>
             </a:ext>
             <a:ext uri="{91240B29-F687-4F45-9708-019B960494DF}">
-              <a14:hiddenLine xmlns:a14="http://schemas.microsoft.com/office/drawing/2010/main" xmlns="" w="9525">
+              <a14:hiddenLine xmlns="" xmlns:a14="http://schemas.microsoft.com/office/drawing/2010/main" w="9525">
                 <a:solidFill>
                   <a:schemeClr val="tx1"/>
                 </a:solidFill>
@@ -4274,7 +4275,7 @@
               </a14:hiddenLine>
             </a:ext>
             <a:ext uri="{AF507438-7753-43E0-B8FC-AC1667EBCBE1}">
-              <a14:hiddenEffects xmlns:a14="http://schemas.microsoft.com/office/drawing/2010/main" xmlns="">
+              <a14:hiddenEffects xmlns="" xmlns:a14="http://schemas.microsoft.com/office/drawing/2010/main">
                 <a:effectLst>
                   <a:outerShdw dist="35921" dir="2700000" algn="ctr" rotWithShape="0">
                     <a:schemeClr val="bg2"/>
@@ -4297,7 +4298,7 @@
           <a:blip r:embed="rId3">
             <a:extLst>
               <a:ext uri="{28A0092B-C50C-407E-A947-70E740481C1C}">
-                <a14:useLocalDpi xmlns:a14="http://schemas.microsoft.com/office/drawing/2010/main" xmlns="" val="0"/>
+                <a14:useLocalDpi xmlns="" xmlns:a14="http://schemas.microsoft.com/office/drawing/2010/main" val="0"/>
               </a:ext>
             </a:extLst>
           </a:blip>
@@ -4330,14 +4331,14 @@
           </a:effectLst>
           <a:extLst>
             <a:ext uri="{909E8E84-426E-40DD-AFC4-6F175D3DCCD1}">
-              <a14:hiddenFill xmlns:a14="http://schemas.microsoft.com/office/drawing/2010/main" xmlns="">
+              <a14:hiddenFill xmlns="" xmlns:a14="http://schemas.microsoft.com/office/drawing/2010/main">
                 <a:solidFill>
                   <a:schemeClr val="accent1"/>
                 </a:solidFill>
               </a14:hiddenFill>
             </a:ext>
             <a:ext uri="{91240B29-F687-4F45-9708-019B960494DF}">
-              <a14:hiddenLine xmlns:a14="http://schemas.microsoft.com/office/drawing/2010/main" xmlns="" w="9525">
+              <a14:hiddenLine xmlns="" xmlns:a14="http://schemas.microsoft.com/office/drawing/2010/main" w="9525">
                 <a:solidFill>
                   <a:schemeClr val="tx1"/>
                 </a:solidFill>
@@ -4347,7 +4348,7 @@
               </a14:hiddenLine>
             </a:ext>
             <a:ext uri="{AF507438-7753-43E0-B8FC-AC1667EBCBE1}">
-              <a14:hiddenEffects xmlns:a14="http://schemas.microsoft.com/office/drawing/2010/main" xmlns="">
+              <a14:hiddenEffects xmlns="" xmlns:a14="http://schemas.microsoft.com/office/drawing/2010/main">
                 <a:effectLst>
                   <a:outerShdw dist="35921" dir="2700000" algn="ctr" rotWithShape="0">
                     <a:schemeClr val="bg2"/>
@@ -4370,7 +4371,7 @@
           <a:blip r:embed="rId4">
             <a:extLst>
               <a:ext uri="{28A0092B-C50C-407E-A947-70E740481C1C}">
-                <a14:useLocalDpi xmlns:a14="http://schemas.microsoft.com/office/drawing/2010/main" xmlns="" val="0"/>
+                <a14:useLocalDpi xmlns="" xmlns:a14="http://schemas.microsoft.com/office/drawing/2010/main" val="0"/>
               </a:ext>
             </a:extLst>
           </a:blip>
@@ -4403,14 +4404,14 @@
           </a:effectLst>
           <a:extLst>
             <a:ext uri="{909E8E84-426E-40DD-AFC4-6F175D3DCCD1}">
-              <a14:hiddenFill xmlns:a14="http://schemas.microsoft.com/office/drawing/2010/main" xmlns="">
+              <a14:hiddenFill xmlns="" xmlns:a14="http://schemas.microsoft.com/office/drawing/2010/main">
                 <a:solidFill>
                   <a:schemeClr val="accent1"/>
                 </a:solidFill>
               </a14:hiddenFill>
             </a:ext>
             <a:ext uri="{91240B29-F687-4F45-9708-019B960494DF}">
-              <a14:hiddenLine xmlns:a14="http://schemas.microsoft.com/office/drawing/2010/main" xmlns="" w="9525">
+              <a14:hiddenLine xmlns="" xmlns:a14="http://schemas.microsoft.com/office/drawing/2010/main" w="9525">
                 <a:solidFill>
                   <a:schemeClr val="tx1"/>
                 </a:solidFill>
@@ -4420,7 +4421,7 @@
               </a14:hiddenLine>
             </a:ext>
             <a:ext uri="{AF507438-7753-43E0-B8FC-AC1667EBCBE1}">
-              <a14:hiddenEffects xmlns:a14="http://schemas.microsoft.com/office/drawing/2010/main" xmlns="">
+              <a14:hiddenEffects xmlns="" xmlns:a14="http://schemas.microsoft.com/office/drawing/2010/main">
                 <a:effectLst>
                   <a:outerShdw dist="35921" dir="2700000" algn="ctr" rotWithShape="0">
                     <a:schemeClr val="bg2"/>
@@ -4434,7 +4435,7 @@
     </p:spTree>
     <p:extLst>
       <p:ext uri="{BB962C8B-B14F-4D97-AF65-F5344CB8AC3E}">
-        <p14:creationId xmlns:p14="http://schemas.microsoft.com/office/powerpoint/2010/main" xmlns="" val="891763176"/>
+        <p14:creationId xmlns="" xmlns:p14="http://schemas.microsoft.com/office/powerpoint/2010/main" val="891763176"/>
       </p:ext>
     </p:extLst>
   </p:cSld>
@@ -4828,7 +4829,7 @@
     </p:spTree>
     <p:extLst>
       <p:ext uri="{BB962C8B-B14F-4D97-AF65-F5344CB8AC3E}">
-        <p14:creationId xmlns:p14="http://schemas.microsoft.com/office/powerpoint/2010/main" xmlns="" val="891763176"/>
+        <p14:creationId xmlns="" xmlns:p14="http://schemas.microsoft.com/office/powerpoint/2010/main" val="891763176"/>
       </p:ext>
     </p:extLst>
   </p:cSld>
@@ -5990,7 +5991,7 @@
     </p:spTree>
     <p:extLst>
       <p:ext uri="{BB962C8B-B14F-4D97-AF65-F5344CB8AC3E}">
-        <p14:creationId xmlns:p14="http://schemas.microsoft.com/office/powerpoint/2010/main" xmlns="" val="891763176"/>
+        <p14:creationId xmlns="" xmlns:p14="http://schemas.microsoft.com/office/powerpoint/2010/main" val="891763176"/>
       </p:ext>
     </p:extLst>
   </p:cSld>
@@ -6563,6 +6564,87 @@
 </p:sld>
 </file>
 
+<file path=ppt/slides/slide22.xml><?xml version="1.0" encoding="utf-8"?>
+<p:sld xmlns:a="http://schemas.openxmlformats.org/drawingml/2006/main" xmlns:r="http://schemas.openxmlformats.org/officeDocument/2006/relationships" xmlns:p="http://schemas.openxmlformats.org/presentationml/2006/main">
+  <p:cSld>
+    <p:spTree>
+      <p:nvGrpSpPr>
+        <p:cNvPr id="1" name=""/>
+        <p:cNvGrpSpPr/>
+        <p:nvPr/>
+      </p:nvGrpSpPr>
+      <p:grpSpPr>
+        <a:xfrm>
+          <a:off x="0" y="0"/>
+          <a:ext cx="0" cy="0"/>
+          <a:chOff x="0" y="0"/>
+          <a:chExt cx="0" cy="0"/>
+        </a:xfrm>
+      </p:grpSpPr>
+      <p:sp>
+        <p:nvSpPr>
+          <p:cNvPr id="5" name="Title 1"/>
+          <p:cNvSpPr>
+            <a:spLocks noGrp="1"/>
+          </p:cNvSpPr>
+          <p:nvPr>
+            <p:ph type="title"/>
+          </p:nvPr>
+        </p:nvSpPr>
+        <p:spPr>
+          <a:xfrm>
+            <a:off x="4572000" y="3931122"/>
+            <a:ext cx="4000528" cy="1069514"/>
+          </a:xfrm>
+        </p:spPr>
+        <p:txBody>
+          <a:bodyPr/>
+          <a:lstStyle/>
+          <a:p>
+            <a:r>
+              <a:rPr lang="en-US" altLang="ko-KR" sz="6000" dirty="0" smtClean="0">
+                <a:solidFill>
+                  <a:schemeClr val="tx1">
+                    <a:lumMod val="75000"/>
+                    <a:lumOff val="25000"/>
+                  </a:schemeClr>
+                </a:solidFill>
+                <a:latin typeface="Calibri" pitchFamily="34" charset="0"/>
+                <a:ea typeface="Arial Unicode MS" pitchFamily="50" charset="-127"/>
+                <a:cs typeface="Calibri" pitchFamily="34" charset="0"/>
+              </a:rPr>
+              <a:t>Thank you !</a:t>
+            </a:r>
+            <a:endParaRPr lang="ko-KR" altLang="en-US" sz="6000" dirty="0">
+              <a:solidFill>
+                <a:schemeClr val="tx1">
+                  <a:lumMod val="75000"/>
+                  <a:lumOff val="25000"/>
+                </a:schemeClr>
+              </a:solidFill>
+              <a:latin typeface="Calibri" pitchFamily="34" charset="0"/>
+              <a:ea typeface="Arial Unicode MS" pitchFamily="50" charset="-127"/>
+              <a:cs typeface="Calibri" pitchFamily="34" charset="0"/>
+            </a:endParaRPr>
+          </a:p>
+        </p:txBody>
+      </p:sp>
+    </p:spTree>
+  </p:cSld>
+  <p:clrMapOvr>
+    <a:masterClrMapping/>
+  </p:clrMapOvr>
+  <p:transition/>
+  <p:timing>
+    <p:tnLst>
+      <p:par>
+        <p:cTn id="1" dur="indefinite" restart="never" nodeType="tmRoot"/>
+      </p:par>
+    </p:tnLst>
+  </p:timing>
+</p:sld>
+</file>
+
 <file path=ppt/slides/slide3.xml><?xml version="1.0" encoding="utf-8"?>
 <p:sld xmlns:a="http://schemas.openxmlformats.org/drawingml/2006/main" xmlns:r="http://schemas.openxmlformats.org/officeDocument/2006/relationships" xmlns:p="http://schemas.openxmlformats.org/presentationml/2006/main">
   <p:cSld>
@@ -6760,7 +6842,7 @@
     </p:spTree>
     <p:extLst>
       <p:ext uri="{BB962C8B-B14F-4D97-AF65-F5344CB8AC3E}">
-        <p14:creationId xmlns:p14="http://schemas.microsoft.com/office/powerpoint/2010/main" xmlns="" val="891763176"/>
+        <p14:creationId xmlns="" xmlns:p14="http://schemas.microsoft.com/office/powerpoint/2010/main" val="891763176"/>
       </p:ext>
     </p:extLst>
   </p:cSld>
@@ -7243,7 +7325,7 @@
     </p:spTree>
     <p:extLst>
       <p:ext uri="{BB962C8B-B14F-4D97-AF65-F5344CB8AC3E}">
-        <p14:creationId xmlns:p14="http://schemas.microsoft.com/office/powerpoint/2010/main" xmlns="" val="891763176"/>
+        <p14:creationId xmlns="" xmlns:p14="http://schemas.microsoft.com/office/powerpoint/2010/main" val="891763176"/>
       </p:ext>
     </p:extLst>
   </p:cSld>
@@ -7411,7 +7493,7 @@
     </p:spTree>
     <p:extLst>
       <p:ext uri="{BB962C8B-B14F-4D97-AF65-F5344CB8AC3E}">
-        <p14:creationId xmlns:p14="http://schemas.microsoft.com/office/powerpoint/2010/main" xmlns="" val="891763176"/>
+        <p14:creationId xmlns="" xmlns:p14="http://schemas.microsoft.com/office/powerpoint/2010/main" val="891763176"/>
       </p:ext>
     </p:extLst>
   </p:cSld>
@@ -7622,7 +7704,7 @@
     </p:spTree>
     <p:extLst>
       <p:ext uri="{BB962C8B-B14F-4D97-AF65-F5344CB8AC3E}">
-        <p14:creationId xmlns:p14="http://schemas.microsoft.com/office/powerpoint/2010/main" xmlns="" val="891763176"/>
+        <p14:creationId xmlns="" xmlns:p14="http://schemas.microsoft.com/office/powerpoint/2010/main" val="891763176"/>
       </p:ext>
     </p:extLst>
   </p:cSld>
@@ -8068,7 +8150,7 @@
     </p:spTree>
     <p:extLst>
       <p:ext uri="{BB962C8B-B14F-4D97-AF65-F5344CB8AC3E}">
-        <p14:creationId xmlns:p14="http://schemas.microsoft.com/office/powerpoint/2010/main" xmlns="" val="891763176"/>
+        <p14:creationId xmlns="" xmlns:p14="http://schemas.microsoft.com/office/powerpoint/2010/main" val="891763176"/>
       </p:ext>
     </p:extLst>
   </p:cSld>
@@ -8252,7 +8334,7 @@
     </p:spTree>
     <p:extLst>
       <p:ext uri="{BB962C8B-B14F-4D97-AF65-F5344CB8AC3E}">
-        <p14:creationId xmlns:p14="http://schemas.microsoft.com/office/powerpoint/2010/main" xmlns="" val="891763176"/>
+        <p14:creationId xmlns="" xmlns:p14="http://schemas.microsoft.com/office/powerpoint/2010/main" val="891763176"/>
       </p:ext>
     </p:extLst>
   </p:cSld>
@@ -8393,7 +8475,7 @@
     </p:spTree>
     <p:extLst>
       <p:ext uri="{BB962C8B-B14F-4D97-AF65-F5344CB8AC3E}">
-        <p14:creationId xmlns:p14="http://schemas.microsoft.com/office/powerpoint/2010/main" xmlns="" val="891763176"/>
+        <p14:creationId xmlns="" xmlns:p14="http://schemas.microsoft.com/office/powerpoint/2010/main" val="891763176"/>
       </p:ext>
     </p:extLst>
   </p:cSld>

--- a/Info/TeamPPT_Final2.pptx
+++ b/Info/TeamPPT_Final2.pptx
@@ -7,26 +7,29 @@
   <p:sldIdLst>
     <p:sldId id="256" r:id="rId2"/>
     <p:sldId id="257" r:id="rId3"/>
-    <p:sldId id="258" r:id="rId4"/>
-    <p:sldId id="269" r:id="rId5"/>
-    <p:sldId id="262" r:id="rId6"/>
-    <p:sldId id="264" r:id="rId7"/>
-    <p:sldId id="265" r:id="rId8"/>
-    <p:sldId id="267" r:id="rId9"/>
-    <p:sldId id="268" r:id="rId10"/>
-    <p:sldId id="278" r:id="rId11"/>
-    <p:sldId id="279" r:id="rId12"/>
-    <p:sldId id="280" r:id="rId13"/>
-    <p:sldId id="281" r:id="rId14"/>
-    <p:sldId id="270" r:id="rId15"/>
-    <p:sldId id="271" r:id="rId16"/>
-    <p:sldId id="272" r:id="rId17"/>
-    <p:sldId id="273" r:id="rId18"/>
-    <p:sldId id="274" r:id="rId19"/>
-    <p:sldId id="275" r:id="rId20"/>
-    <p:sldId id="276" r:id="rId21"/>
-    <p:sldId id="277" r:id="rId22"/>
-    <p:sldId id="282" r:id="rId23"/>
+    <p:sldId id="283" r:id="rId4"/>
+    <p:sldId id="285" r:id="rId5"/>
+    <p:sldId id="284" r:id="rId6"/>
+    <p:sldId id="258" r:id="rId7"/>
+    <p:sldId id="269" r:id="rId8"/>
+    <p:sldId id="262" r:id="rId9"/>
+    <p:sldId id="264" r:id="rId10"/>
+    <p:sldId id="265" r:id="rId11"/>
+    <p:sldId id="267" r:id="rId12"/>
+    <p:sldId id="268" r:id="rId13"/>
+    <p:sldId id="278" r:id="rId14"/>
+    <p:sldId id="279" r:id="rId15"/>
+    <p:sldId id="280" r:id="rId16"/>
+    <p:sldId id="281" r:id="rId17"/>
+    <p:sldId id="270" r:id="rId18"/>
+    <p:sldId id="271" r:id="rId19"/>
+    <p:sldId id="272" r:id="rId20"/>
+    <p:sldId id="273" r:id="rId21"/>
+    <p:sldId id="274" r:id="rId22"/>
+    <p:sldId id="275" r:id="rId23"/>
+    <p:sldId id="276" r:id="rId24"/>
+    <p:sldId id="277" r:id="rId25"/>
+    <p:sldId id="282" r:id="rId26"/>
   </p:sldIdLst>
   <p:sldSz cx="9144000" cy="6858000" type="screen4x3"/>
   <p:notesSz cx="6858000" cy="9144000"/>
@@ -171,7 +174,7 @@
           <a:blip r:embed="rId3">
             <a:extLst>
               <a:ext uri="{28A0092B-C50C-407E-A947-70E740481C1C}">
-                <a14:useLocalDpi xmlns="" xmlns:a14="http://schemas.microsoft.com/office/drawing/2010/main" val="0"/>
+                <a14:useLocalDpi xmlns:a14="http://schemas.microsoft.com/office/drawing/2010/main" xmlns="" val="0"/>
               </a:ext>
             </a:extLst>
           </a:blip>
@@ -191,7 +194,7 @@
           <a:noFill/>
           <a:extLst>
             <a:ext uri="{909E8E84-426E-40DD-AFC4-6F175D3DCCD1}">
-              <a14:hiddenFill xmlns="" xmlns:a14="http://schemas.microsoft.com/office/drawing/2010/main">
+              <a14:hiddenFill xmlns:a14="http://schemas.microsoft.com/office/drawing/2010/main" xmlns="">
                 <a:solidFill>
                   <a:srgbClr val="FFFFFF"/>
                 </a:solidFill>
@@ -242,7 +245,7 @@
     </p:spTree>
     <p:extLst>
       <p:ext uri="{BB962C8B-B14F-4D97-AF65-F5344CB8AC3E}">
-        <p14:creationId xmlns="" xmlns:p14="http://schemas.microsoft.com/office/powerpoint/2010/main" val="2032416694"/>
+        <p14:creationId xmlns:p14="http://schemas.microsoft.com/office/powerpoint/2010/main" xmlns="" val="2032416694"/>
       </p:ext>
     </p:extLst>
   </p:cSld>
@@ -455,7 +458,7 @@
     </p:spTree>
     <p:extLst>
       <p:ext uri="{BB962C8B-B14F-4D97-AF65-F5344CB8AC3E}">
-        <p14:creationId xmlns="" xmlns:p14="http://schemas.microsoft.com/office/powerpoint/2010/main" val="2825368943"/>
+        <p14:creationId xmlns:p14="http://schemas.microsoft.com/office/powerpoint/2010/main" xmlns="" val="2825368943"/>
       </p:ext>
     </p:extLst>
   </p:cSld>
@@ -668,7 +671,7 @@
     </p:spTree>
     <p:extLst>
       <p:ext uri="{BB962C8B-B14F-4D97-AF65-F5344CB8AC3E}">
-        <p14:creationId xmlns="" xmlns:p14="http://schemas.microsoft.com/office/powerpoint/2010/main" val="2221001295"/>
+        <p14:creationId xmlns:p14="http://schemas.microsoft.com/office/powerpoint/2010/main" xmlns="" val="2221001295"/>
       </p:ext>
     </p:extLst>
   </p:cSld>
@@ -943,7 +946,7 @@
     </p:spTree>
     <p:extLst>
       <p:ext uri="{BB962C8B-B14F-4D97-AF65-F5344CB8AC3E}">
-        <p14:creationId xmlns="" xmlns:p14="http://schemas.microsoft.com/office/powerpoint/2010/main" val="1125379394"/>
+        <p14:creationId xmlns:p14="http://schemas.microsoft.com/office/powerpoint/2010/main" xmlns="" val="1125379394"/>
       </p:ext>
     </p:extLst>
   </p:cSld>
@@ -1043,7 +1046,7 @@
     </p:spTree>
     <p:extLst>
       <p:ext uri="{BB962C8B-B14F-4D97-AF65-F5344CB8AC3E}">
-        <p14:creationId xmlns="" xmlns:p14="http://schemas.microsoft.com/office/powerpoint/2010/main" val="3694015714"/>
+        <p14:creationId xmlns:p14="http://schemas.microsoft.com/office/powerpoint/2010/main" xmlns="" val="3694015714"/>
       </p:ext>
     </p:extLst>
   </p:cSld>
@@ -1322,7 +1325,7 @@
     </p:spTree>
     <p:extLst>
       <p:ext uri="{BB962C8B-B14F-4D97-AF65-F5344CB8AC3E}">
-        <p14:creationId xmlns="" xmlns:p14="http://schemas.microsoft.com/office/powerpoint/2010/main" val="1819799790"/>
+        <p14:creationId xmlns:p14="http://schemas.microsoft.com/office/powerpoint/2010/main" xmlns="" val="1819799790"/>
       </p:ext>
     </p:extLst>
   </p:cSld>
@@ -1651,7 +1654,7 @@
     </p:spTree>
     <p:extLst>
       <p:ext uri="{BB962C8B-B14F-4D97-AF65-F5344CB8AC3E}">
-        <p14:creationId xmlns="" xmlns:p14="http://schemas.microsoft.com/office/powerpoint/2010/main" val="1845900609"/>
+        <p14:creationId xmlns:p14="http://schemas.microsoft.com/office/powerpoint/2010/main" xmlns="" val="1845900609"/>
       </p:ext>
     </p:extLst>
   </p:cSld>
@@ -2120,7 +2123,7 @@
     </p:spTree>
     <p:extLst>
       <p:ext uri="{BB962C8B-B14F-4D97-AF65-F5344CB8AC3E}">
-        <p14:creationId xmlns="" xmlns:p14="http://schemas.microsoft.com/office/powerpoint/2010/main" val="1834140844"/>
+        <p14:creationId xmlns:p14="http://schemas.microsoft.com/office/powerpoint/2010/main" xmlns="" val="1834140844"/>
       </p:ext>
     </p:extLst>
   </p:cSld>
@@ -2273,7 +2276,7 @@
     </p:spTree>
     <p:extLst>
       <p:ext uri="{BB962C8B-B14F-4D97-AF65-F5344CB8AC3E}">
-        <p14:creationId xmlns="" xmlns:p14="http://schemas.microsoft.com/office/powerpoint/2010/main" val="3978738694"/>
+        <p14:creationId xmlns:p14="http://schemas.microsoft.com/office/powerpoint/2010/main" xmlns="" val="3978738694"/>
       </p:ext>
     </p:extLst>
   </p:cSld>
@@ -2395,7 +2398,7 @@
     </p:spTree>
     <p:extLst>
       <p:ext uri="{BB962C8B-B14F-4D97-AF65-F5344CB8AC3E}">
-        <p14:creationId xmlns="" xmlns:p14="http://schemas.microsoft.com/office/powerpoint/2010/main" val="3760371323"/>
+        <p14:creationId xmlns:p14="http://schemas.microsoft.com/office/powerpoint/2010/main" xmlns="" val="3760371323"/>
       </p:ext>
     </p:extLst>
   </p:cSld>
@@ -2708,7 +2711,7 @@
     </p:spTree>
     <p:extLst>
       <p:ext uri="{BB962C8B-B14F-4D97-AF65-F5344CB8AC3E}">
-        <p14:creationId xmlns="" xmlns:p14="http://schemas.microsoft.com/office/powerpoint/2010/main" val="2046782160"/>
+        <p14:creationId xmlns:p14="http://schemas.microsoft.com/office/powerpoint/2010/main" xmlns="" val="2046782160"/>
       </p:ext>
     </p:extLst>
   </p:cSld>
@@ -2997,7 +3000,7 @@
     </p:spTree>
     <p:extLst>
       <p:ext uri="{BB962C8B-B14F-4D97-AF65-F5344CB8AC3E}">
-        <p14:creationId xmlns="" xmlns:p14="http://schemas.microsoft.com/office/powerpoint/2010/main" val="2028806487"/>
+        <p14:creationId xmlns:p14="http://schemas.microsoft.com/office/powerpoint/2010/main" xmlns="" val="2028806487"/>
       </p:ext>
     </p:extLst>
   </p:cSld>
@@ -3042,7 +3045,7 @@
     </p:spTree>
     <p:extLst>
       <p:ext uri="{BB962C8B-B14F-4D97-AF65-F5344CB8AC3E}">
-        <p14:creationId xmlns="" xmlns:p14="http://schemas.microsoft.com/office/powerpoint/2010/main" val="437338208"/>
+        <p14:creationId xmlns:p14="http://schemas.microsoft.com/office/powerpoint/2010/main" xmlns="" val="437338208"/>
       </p:ext>
     </p:extLst>
   </p:cSld>
@@ -3414,7 +3417,7 @@
     </p:spTree>
     <p:extLst>
       <p:ext uri="{BB962C8B-B14F-4D97-AF65-F5344CB8AC3E}">
-        <p14:creationId xmlns="" xmlns:p14="http://schemas.microsoft.com/office/powerpoint/2010/main" val="1941221791"/>
+        <p14:creationId xmlns:p14="http://schemas.microsoft.com/office/powerpoint/2010/main" xmlns="" val="1941221791"/>
       </p:ext>
     </p:extLst>
   </p:cSld>
@@ -3433,6 +3436,777 @@
 </file>
 
 <file path=ppt/slides/slide10.xml><?xml version="1.0" encoding="utf-8"?>
+<p:sld xmlns:a="http://schemas.openxmlformats.org/drawingml/2006/main" xmlns:r="http://schemas.openxmlformats.org/officeDocument/2006/relationships" xmlns:p="http://schemas.openxmlformats.org/presentationml/2006/main">
+  <p:cSld>
+    <p:spTree>
+      <p:nvGrpSpPr>
+        <p:cNvPr id="1" name=""/>
+        <p:cNvGrpSpPr/>
+        <p:nvPr/>
+      </p:nvGrpSpPr>
+      <p:grpSpPr>
+        <a:xfrm>
+          <a:off x="0" y="0"/>
+          <a:ext cx="0" cy="0"/>
+          <a:chOff x="0" y="0"/>
+          <a:chExt cx="0" cy="0"/>
+        </a:xfrm>
+      </p:grpSpPr>
+      <p:sp>
+        <p:nvSpPr>
+          <p:cNvPr id="2" name="Title 1"/>
+          <p:cNvSpPr>
+            <a:spLocks noGrp="1"/>
+          </p:cNvSpPr>
+          <p:nvPr>
+            <p:ph type="title"/>
+          </p:nvPr>
+        </p:nvSpPr>
+        <p:spPr>
+          <a:xfrm>
+            <a:off x="1259632" y="0"/>
+            <a:ext cx="7884368" cy="1069514"/>
+          </a:xfrm>
+        </p:spPr>
+        <p:txBody>
+          <a:bodyPr/>
+          <a:lstStyle/>
+          <a:p>
+            <a:r>
+              <a:rPr lang="en-US" altLang="ko-KR" sz="4400" dirty="0" err="1" smtClean="0">
+                <a:solidFill>
+                  <a:schemeClr val="tx1">
+                    <a:lumMod val="75000"/>
+                    <a:lumOff val="25000"/>
+                  </a:schemeClr>
+                </a:solidFill>
+                <a:latin typeface="Calibri" pitchFamily="34" charset="0"/>
+                <a:ea typeface="Arial Unicode MS" pitchFamily="50" charset="-127"/>
+                <a:cs typeface="Calibri" pitchFamily="34" charset="0"/>
+              </a:rPr>
+              <a:t>WorkTime</a:t>
+            </a:r>
+            <a:r>
+              <a:rPr lang="en-US" altLang="ko-KR" sz="4400" dirty="0" smtClean="0">
+                <a:solidFill>
+                  <a:schemeClr val="tx1">
+                    <a:lumMod val="75000"/>
+                    <a:lumOff val="25000"/>
+                  </a:schemeClr>
+                </a:solidFill>
+                <a:latin typeface="Calibri" pitchFamily="34" charset="0"/>
+                <a:ea typeface="Arial Unicode MS" pitchFamily="50" charset="-127"/>
+                <a:cs typeface="Calibri" pitchFamily="34" charset="0"/>
+              </a:rPr>
+              <a:t> Management</a:t>
+            </a:r>
+            <a:endParaRPr lang="ko-KR" altLang="en-US" sz="4400" dirty="0">
+              <a:solidFill>
+                <a:schemeClr val="tx1">
+                  <a:lumMod val="75000"/>
+                  <a:lumOff val="25000"/>
+                </a:schemeClr>
+              </a:solidFill>
+              <a:latin typeface="Calibri" pitchFamily="34" charset="0"/>
+              <a:ea typeface="Arial Unicode MS" pitchFamily="50" charset="-127"/>
+              <a:cs typeface="Calibri" pitchFamily="34" charset="0"/>
+            </a:endParaRPr>
+          </a:p>
+        </p:txBody>
+      </p:sp>
+      <p:sp>
+        <p:nvSpPr>
+          <p:cNvPr id="3" name="Content Placeholder 2"/>
+          <p:cNvSpPr>
+            <a:spLocks noGrp="1"/>
+          </p:cNvSpPr>
+          <p:nvPr>
+            <p:ph idx="1"/>
+          </p:nvPr>
+        </p:nvSpPr>
+        <p:spPr>
+          <a:xfrm>
+            <a:off x="1835696" y="1484784"/>
+            <a:ext cx="6851104" cy="4525963"/>
+          </a:xfrm>
+        </p:spPr>
+        <p:txBody>
+          <a:bodyPr>
+            <a:normAutofit/>
+          </a:bodyPr>
+          <a:lstStyle/>
+          <a:p>
+            <a:pPr>
+              <a:lnSpc>
+                <a:spcPct val="120000"/>
+              </a:lnSpc>
+            </a:pPr>
+            <a:r>
+              <a:rPr lang="ko-KR" altLang="en-US" sz="3000" dirty="0" smtClean="0">
+                <a:solidFill>
+                  <a:schemeClr val="tx1">
+                    <a:lumMod val="75000"/>
+                    <a:lumOff val="25000"/>
+                  </a:schemeClr>
+                </a:solidFill>
+                <a:latin typeface="Calibri" pitchFamily="34" charset="0"/>
+                <a:cs typeface="Calibri" pitchFamily="34" charset="0"/>
+              </a:rPr>
+              <a:t>근태 관리 페이지</a:t>
+            </a:r>
+            <a:endParaRPr lang="en-US" altLang="ko-KR" sz="3000" dirty="0" smtClean="0">
+              <a:solidFill>
+                <a:schemeClr val="tx1">
+                  <a:lumMod val="75000"/>
+                  <a:lumOff val="25000"/>
+                </a:schemeClr>
+              </a:solidFill>
+              <a:latin typeface="Calibri" pitchFamily="34" charset="0"/>
+              <a:cs typeface="Calibri" pitchFamily="34" charset="0"/>
+            </a:endParaRPr>
+          </a:p>
+          <a:p>
+            <a:pPr>
+              <a:lnSpc>
+                <a:spcPct val="120000"/>
+              </a:lnSpc>
+              <a:buFont typeface="Wingdings" pitchFamily="2" charset="2"/>
+              <a:buChar char="ü"/>
+            </a:pPr>
+            <a:r>
+              <a:rPr lang="ko-KR" altLang="en-US" sz="1900" dirty="0" smtClean="0">
+                <a:solidFill>
+                  <a:schemeClr val="tx1">
+                    <a:lumMod val="50000"/>
+                    <a:lumOff val="50000"/>
+                  </a:schemeClr>
+                </a:solidFill>
+                <a:latin typeface="Calibri" pitchFamily="34" charset="0"/>
+                <a:cs typeface="Calibri" pitchFamily="34" charset="0"/>
+              </a:rPr>
+              <a:t>회원 및 관리자의 근태를 관리할 수 있는 폼</a:t>
+            </a:r>
+            <a:endParaRPr lang="en-US" altLang="ko-KR" sz="1900" dirty="0" smtClean="0">
+              <a:solidFill>
+                <a:schemeClr val="tx1">
+                  <a:lumMod val="50000"/>
+                  <a:lumOff val="50000"/>
+                </a:schemeClr>
+              </a:solidFill>
+              <a:latin typeface="Calibri" pitchFamily="34" charset="0"/>
+              <a:cs typeface="Calibri" pitchFamily="34" charset="0"/>
+            </a:endParaRPr>
+          </a:p>
+          <a:p>
+            <a:pPr>
+              <a:buFont typeface="Wingdings" pitchFamily="2" charset="2"/>
+              <a:buChar char="ü"/>
+            </a:pPr>
+            <a:endParaRPr lang="en-US" altLang="ko-KR" sz="2200" dirty="0" smtClean="0">
+              <a:solidFill>
+                <a:schemeClr val="tx1">
+                  <a:lumMod val="50000"/>
+                  <a:lumOff val="50000"/>
+                </a:schemeClr>
+              </a:solidFill>
+              <a:latin typeface="Calibri" pitchFamily="34" charset="0"/>
+              <a:cs typeface="Calibri" pitchFamily="34" charset="0"/>
+            </a:endParaRPr>
+          </a:p>
+          <a:p>
+            <a:pPr>
+              <a:lnSpc>
+                <a:spcPct val="120000"/>
+              </a:lnSpc>
+            </a:pPr>
+            <a:r>
+              <a:rPr lang="ko-KR" altLang="en-US" sz="3000" dirty="0" smtClean="0">
+                <a:solidFill>
+                  <a:schemeClr val="tx1">
+                    <a:lumMod val="75000"/>
+                    <a:lumOff val="25000"/>
+                  </a:schemeClr>
+                </a:solidFill>
+                <a:latin typeface="Calibri" pitchFamily="34" charset="0"/>
+                <a:cs typeface="Calibri" pitchFamily="34" charset="0"/>
+              </a:rPr>
+              <a:t>관리자 근태 관리</a:t>
+            </a:r>
+            <a:endParaRPr lang="en-US" altLang="ko-KR" sz="3000" dirty="0" smtClean="0">
+              <a:solidFill>
+                <a:schemeClr val="tx1">
+                  <a:lumMod val="75000"/>
+                  <a:lumOff val="25000"/>
+                </a:schemeClr>
+              </a:solidFill>
+              <a:latin typeface="Calibri" pitchFamily="34" charset="0"/>
+              <a:cs typeface="Calibri" pitchFamily="34" charset="0"/>
+            </a:endParaRPr>
+          </a:p>
+          <a:p>
+            <a:pPr>
+              <a:lnSpc>
+                <a:spcPct val="120000"/>
+              </a:lnSpc>
+              <a:buFont typeface="Wingdings" pitchFamily="2" charset="2"/>
+              <a:buChar char="ü"/>
+            </a:pPr>
+            <a:r>
+              <a:rPr lang="ko-KR" altLang="en-US" sz="1900" dirty="0" smtClean="0">
+                <a:solidFill>
+                  <a:schemeClr val="tx1">
+                    <a:lumMod val="50000"/>
+                    <a:lumOff val="50000"/>
+                  </a:schemeClr>
+                </a:solidFill>
+                <a:latin typeface="Calibri" pitchFamily="34" charset="0"/>
+                <a:cs typeface="Calibri" pitchFamily="34" charset="0"/>
+              </a:rPr>
+              <a:t>관리자는 회원의  근태 확인</a:t>
+            </a:r>
+            <a:r>
+              <a:rPr lang="en-US" altLang="ko-KR" sz="1900" dirty="0" smtClean="0">
+                <a:solidFill>
+                  <a:schemeClr val="tx1">
+                    <a:lumMod val="50000"/>
+                    <a:lumOff val="50000"/>
+                  </a:schemeClr>
+                </a:solidFill>
+                <a:latin typeface="Calibri" pitchFamily="34" charset="0"/>
+                <a:cs typeface="Calibri" pitchFamily="34" charset="0"/>
+              </a:rPr>
+              <a:t> </a:t>
+            </a:r>
+            <a:r>
+              <a:rPr lang="ko-KR" altLang="en-US" sz="1900" dirty="0" smtClean="0">
+                <a:solidFill>
+                  <a:schemeClr val="tx1">
+                    <a:lumMod val="50000"/>
+                    <a:lumOff val="50000"/>
+                  </a:schemeClr>
+                </a:solidFill>
+                <a:latin typeface="Calibri" pitchFamily="34" charset="0"/>
+                <a:cs typeface="Calibri" pitchFamily="34" charset="0"/>
+              </a:rPr>
+              <a:t>및 수정</a:t>
+            </a:r>
+            <a:r>
+              <a:rPr lang="en-US" altLang="ko-KR" sz="1900" dirty="0" smtClean="0">
+                <a:solidFill>
+                  <a:schemeClr val="tx1">
+                    <a:lumMod val="50000"/>
+                    <a:lumOff val="50000"/>
+                  </a:schemeClr>
+                </a:solidFill>
+                <a:latin typeface="Calibri" pitchFamily="34" charset="0"/>
+                <a:cs typeface="Calibri" pitchFamily="34" charset="0"/>
+              </a:rPr>
+              <a:t>, </a:t>
+            </a:r>
+            <a:r>
+              <a:rPr lang="ko-KR" altLang="en-US" sz="1900" dirty="0" smtClean="0">
+                <a:solidFill>
+                  <a:schemeClr val="tx1">
+                    <a:lumMod val="50000"/>
+                    <a:lumOff val="50000"/>
+                  </a:schemeClr>
+                </a:solidFill>
+                <a:latin typeface="Calibri" pitchFamily="34" charset="0"/>
+                <a:cs typeface="Calibri" pitchFamily="34" charset="0"/>
+              </a:rPr>
+              <a:t>삭제 가능</a:t>
+            </a:r>
+            <a:endParaRPr lang="en-US" altLang="ko-KR" sz="1900" dirty="0" smtClean="0">
+              <a:solidFill>
+                <a:schemeClr val="tx1">
+                  <a:lumMod val="50000"/>
+                  <a:lumOff val="50000"/>
+                </a:schemeClr>
+              </a:solidFill>
+              <a:latin typeface="Calibri" pitchFamily="34" charset="0"/>
+              <a:cs typeface="Calibri" pitchFamily="34" charset="0"/>
+            </a:endParaRPr>
+          </a:p>
+          <a:p>
+            <a:pPr>
+              <a:lnSpc>
+                <a:spcPct val="120000"/>
+              </a:lnSpc>
+              <a:buFont typeface="Wingdings" pitchFamily="2" charset="2"/>
+              <a:buChar char="ü"/>
+            </a:pPr>
+            <a:endParaRPr lang="en-US" altLang="ko-KR" sz="2400" dirty="0" smtClean="0">
+              <a:solidFill>
+                <a:schemeClr val="tx1">
+                  <a:lumMod val="50000"/>
+                  <a:lumOff val="50000"/>
+                </a:schemeClr>
+              </a:solidFill>
+              <a:latin typeface="Calibri" pitchFamily="34" charset="0"/>
+              <a:cs typeface="Calibri" pitchFamily="34" charset="0"/>
+            </a:endParaRPr>
+          </a:p>
+          <a:p>
+            <a:pPr>
+              <a:lnSpc>
+                <a:spcPct val="120000"/>
+              </a:lnSpc>
+            </a:pPr>
+            <a:r>
+              <a:rPr lang="ko-KR" altLang="en-US" sz="3000" dirty="0" smtClean="0">
+                <a:solidFill>
+                  <a:schemeClr val="tx1">
+                    <a:lumMod val="75000"/>
+                    <a:lumOff val="25000"/>
+                  </a:schemeClr>
+                </a:solidFill>
+                <a:latin typeface="Calibri" pitchFamily="34" charset="0"/>
+                <a:cs typeface="Calibri" pitchFamily="34" charset="0"/>
+              </a:rPr>
+              <a:t>회원 근태 관리</a:t>
+            </a:r>
+            <a:endParaRPr lang="en-US" altLang="ko-KR" sz="3000" dirty="0" smtClean="0">
+              <a:solidFill>
+                <a:schemeClr val="tx1">
+                  <a:lumMod val="75000"/>
+                  <a:lumOff val="25000"/>
+                </a:schemeClr>
+              </a:solidFill>
+              <a:latin typeface="Calibri" pitchFamily="34" charset="0"/>
+              <a:cs typeface="Calibri" pitchFamily="34" charset="0"/>
+            </a:endParaRPr>
+          </a:p>
+          <a:p>
+            <a:pPr>
+              <a:lnSpc>
+                <a:spcPct val="120000"/>
+              </a:lnSpc>
+              <a:buFont typeface="Wingdings" pitchFamily="2" charset="2"/>
+              <a:buChar char="ü"/>
+            </a:pPr>
+            <a:r>
+              <a:rPr lang="ko-KR" altLang="en-US" sz="1900" dirty="0" smtClean="0">
+                <a:solidFill>
+                  <a:schemeClr val="tx1">
+                    <a:lumMod val="50000"/>
+                    <a:lumOff val="50000"/>
+                  </a:schemeClr>
+                </a:solidFill>
+                <a:latin typeface="Calibri" pitchFamily="34" charset="0"/>
+                <a:cs typeface="Calibri" pitchFamily="34" charset="0"/>
+              </a:rPr>
+              <a:t>회원은 자신의 근태 확인 및 출근</a:t>
+            </a:r>
+            <a:r>
+              <a:rPr lang="en-US" altLang="ko-KR" sz="1900" dirty="0" smtClean="0">
+                <a:solidFill>
+                  <a:schemeClr val="tx1">
+                    <a:lumMod val="50000"/>
+                    <a:lumOff val="50000"/>
+                  </a:schemeClr>
+                </a:solidFill>
+                <a:latin typeface="Calibri" pitchFamily="34" charset="0"/>
+                <a:cs typeface="Calibri" pitchFamily="34" charset="0"/>
+              </a:rPr>
+              <a:t>, </a:t>
+            </a:r>
+            <a:r>
+              <a:rPr lang="ko-KR" altLang="en-US" sz="1900" dirty="0" smtClean="0">
+                <a:solidFill>
+                  <a:schemeClr val="tx1">
+                    <a:lumMod val="50000"/>
+                    <a:lumOff val="50000"/>
+                  </a:schemeClr>
+                </a:solidFill>
+                <a:latin typeface="Calibri" pitchFamily="34" charset="0"/>
+                <a:cs typeface="Calibri" pitchFamily="34" charset="0"/>
+              </a:rPr>
+              <a:t>퇴근시간 입력 가능</a:t>
+            </a:r>
+            <a:endParaRPr lang="en-US" altLang="ko-KR" sz="1900" dirty="0" smtClean="0">
+              <a:solidFill>
+                <a:schemeClr val="tx1">
+                  <a:lumMod val="50000"/>
+                  <a:lumOff val="50000"/>
+                </a:schemeClr>
+              </a:solidFill>
+              <a:latin typeface="Calibri" pitchFamily="34" charset="0"/>
+              <a:cs typeface="Calibri" pitchFamily="34" charset="0"/>
+            </a:endParaRPr>
+          </a:p>
+          <a:p>
+            <a:endParaRPr lang="en-US" altLang="ko-KR" sz="4000" dirty="0" smtClean="0">
+              <a:solidFill>
+                <a:schemeClr val="tx1">
+                  <a:lumMod val="75000"/>
+                  <a:lumOff val="25000"/>
+                </a:schemeClr>
+              </a:solidFill>
+              <a:latin typeface="Calibri" pitchFamily="34" charset="0"/>
+              <a:cs typeface="Calibri" pitchFamily="34" charset="0"/>
+            </a:endParaRPr>
+          </a:p>
+          <a:p>
+            <a:endParaRPr lang="en-US" altLang="ko-KR" sz="4000" dirty="0" smtClean="0">
+              <a:solidFill>
+                <a:schemeClr val="tx1">
+                  <a:lumMod val="50000"/>
+                  <a:lumOff val="50000"/>
+                </a:schemeClr>
+              </a:solidFill>
+              <a:latin typeface="Calibri" pitchFamily="34" charset="0"/>
+              <a:cs typeface="Calibri" pitchFamily="34" charset="0"/>
+            </a:endParaRPr>
+          </a:p>
+        </p:txBody>
+      </p:sp>
+    </p:spTree>
+    <p:extLst>
+      <p:ext uri="{BB962C8B-B14F-4D97-AF65-F5344CB8AC3E}">
+        <p14:creationId xmlns:p14="http://schemas.microsoft.com/office/powerpoint/2010/main" xmlns="" val="891763176"/>
+      </p:ext>
+    </p:extLst>
+  </p:cSld>
+  <p:clrMapOvr>
+    <a:masterClrMapping/>
+  </p:clrMapOvr>
+  <p:transition/>
+  <p:timing>
+    <p:tnLst>
+      <p:par>
+        <p:cTn id="1" dur="indefinite" restart="never" nodeType="tmRoot"/>
+      </p:par>
+    </p:tnLst>
+  </p:timing>
+</p:sld>
+</file>
+
+<file path=ppt/slides/slide11.xml><?xml version="1.0" encoding="utf-8"?>
+<p:sld xmlns:a="http://schemas.openxmlformats.org/drawingml/2006/main" xmlns:r="http://schemas.openxmlformats.org/officeDocument/2006/relationships" xmlns:p="http://schemas.openxmlformats.org/presentationml/2006/main">
+  <p:cSld>
+    <p:spTree>
+      <p:nvGrpSpPr>
+        <p:cNvPr id="1" name=""/>
+        <p:cNvGrpSpPr/>
+        <p:nvPr/>
+      </p:nvGrpSpPr>
+      <p:grpSpPr>
+        <a:xfrm>
+          <a:off x="0" y="0"/>
+          <a:ext cx="0" cy="0"/>
+          <a:chOff x="0" y="0"/>
+          <a:chExt cx="0" cy="0"/>
+        </a:xfrm>
+      </p:grpSpPr>
+      <p:sp>
+        <p:nvSpPr>
+          <p:cNvPr id="2" name="Title 1"/>
+          <p:cNvSpPr>
+            <a:spLocks noGrp="1"/>
+          </p:cNvSpPr>
+          <p:nvPr>
+            <p:ph type="title"/>
+          </p:nvPr>
+        </p:nvSpPr>
+        <p:spPr>
+          <a:xfrm>
+            <a:off x="1259632" y="0"/>
+            <a:ext cx="7884368" cy="1069514"/>
+          </a:xfrm>
+        </p:spPr>
+        <p:txBody>
+          <a:bodyPr/>
+          <a:lstStyle/>
+          <a:p>
+            <a:r>
+              <a:rPr lang="en-US" altLang="ko-KR" sz="4400" dirty="0" err="1" smtClean="0">
+                <a:solidFill>
+                  <a:schemeClr val="tx1">
+                    <a:lumMod val="75000"/>
+                    <a:lumOff val="25000"/>
+                  </a:schemeClr>
+                </a:solidFill>
+                <a:latin typeface="Calibri" pitchFamily="34" charset="0"/>
+                <a:ea typeface="Arial Unicode MS" pitchFamily="50" charset="-127"/>
+                <a:cs typeface="Calibri" pitchFamily="34" charset="0"/>
+              </a:rPr>
+              <a:t>WorkTime</a:t>
+            </a:r>
+            <a:r>
+              <a:rPr lang="en-US" altLang="ko-KR" sz="4400" dirty="0" smtClean="0">
+                <a:solidFill>
+                  <a:schemeClr val="tx1">
+                    <a:lumMod val="75000"/>
+                    <a:lumOff val="25000"/>
+                  </a:schemeClr>
+                </a:solidFill>
+                <a:latin typeface="Calibri" pitchFamily="34" charset="0"/>
+                <a:ea typeface="Arial Unicode MS" pitchFamily="50" charset="-127"/>
+                <a:cs typeface="Calibri" pitchFamily="34" charset="0"/>
+              </a:rPr>
+              <a:t> Management</a:t>
+            </a:r>
+            <a:endParaRPr lang="ko-KR" altLang="en-US" sz="4400" dirty="0">
+              <a:solidFill>
+                <a:schemeClr val="tx1">
+                  <a:lumMod val="75000"/>
+                  <a:lumOff val="25000"/>
+                </a:schemeClr>
+              </a:solidFill>
+              <a:latin typeface="Calibri" pitchFamily="34" charset="0"/>
+              <a:ea typeface="Arial Unicode MS" pitchFamily="50" charset="-127"/>
+              <a:cs typeface="Calibri" pitchFamily="34" charset="0"/>
+            </a:endParaRPr>
+          </a:p>
+        </p:txBody>
+      </p:sp>
+      <p:pic>
+        <p:nvPicPr>
+          <p:cNvPr id="1027" name="Picture 3"/>
+          <p:cNvPicPr>
+            <a:picLocks noChangeAspect="1" noChangeArrowheads="1"/>
+          </p:cNvPicPr>
+          <p:nvPr/>
+        </p:nvPicPr>
+        <p:blipFill>
+          <a:blip r:embed="rId2"/>
+          <a:srcRect/>
+          <a:stretch>
+            <a:fillRect/>
+          </a:stretch>
+        </p:blipFill>
+        <p:spPr bwMode="auto">
+          <a:xfrm>
+            <a:off x="1285852" y="1357298"/>
+            <a:ext cx="6215074" cy="3504666"/>
+          </a:xfrm>
+          <a:prstGeom prst="rect">
+            <a:avLst/>
+          </a:prstGeom>
+          <a:noFill/>
+          <a:ln w="9525">
+            <a:solidFill>
+              <a:schemeClr val="tx1"/>
+            </a:solidFill>
+            <a:miter lim="800000"/>
+            <a:headEnd/>
+            <a:tailEnd/>
+          </a:ln>
+          <a:effectLst>
+            <a:outerShdw blurRad="50800" dist="38100" algn="l" rotWithShape="0">
+              <a:prstClr val="black">
+                <a:alpha val="40000"/>
+              </a:prstClr>
+            </a:outerShdw>
+          </a:effectLst>
+        </p:spPr>
+      </p:pic>
+      <p:pic>
+        <p:nvPicPr>
+          <p:cNvPr id="1029" name="Picture 5"/>
+          <p:cNvPicPr>
+            <a:picLocks noGrp="1" noChangeAspect="1" noChangeArrowheads="1"/>
+          </p:cNvPicPr>
+          <p:nvPr>
+            <p:ph idx="1"/>
+          </p:nvPr>
+        </p:nvPicPr>
+        <p:blipFill>
+          <a:blip r:embed="rId3"/>
+          <a:srcRect/>
+          <a:stretch>
+            <a:fillRect/>
+          </a:stretch>
+        </p:blipFill>
+        <p:spPr bwMode="auto">
+          <a:xfrm>
+            <a:off x="2000232" y="4429132"/>
+            <a:ext cx="6715172" cy="1928826"/>
+          </a:xfrm>
+          <a:prstGeom prst="rect">
+            <a:avLst/>
+          </a:prstGeom>
+          <a:noFill/>
+          <a:ln w="9525">
+            <a:solidFill>
+              <a:schemeClr val="tx1"/>
+            </a:solidFill>
+            <a:miter lim="800000"/>
+            <a:headEnd/>
+            <a:tailEnd/>
+          </a:ln>
+          <a:effectLst>
+            <a:outerShdw blurRad="50800" dist="38100" dir="2700000" algn="tl" rotWithShape="0">
+              <a:prstClr val="black">
+                <a:alpha val="40000"/>
+              </a:prstClr>
+            </a:outerShdw>
+          </a:effectLst>
+        </p:spPr>
+      </p:pic>
+    </p:spTree>
+    <p:extLst>
+      <p:ext uri="{BB962C8B-B14F-4D97-AF65-F5344CB8AC3E}">
+        <p14:creationId xmlns:p14="http://schemas.microsoft.com/office/powerpoint/2010/main" xmlns="" val="891763176"/>
+      </p:ext>
+    </p:extLst>
+  </p:cSld>
+  <p:clrMapOvr>
+    <a:masterClrMapping/>
+  </p:clrMapOvr>
+  <p:transition/>
+  <p:timing>
+    <p:tnLst>
+      <p:par>
+        <p:cTn id="1" dur="indefinite" restart="never" nodeType="tmRoot"/>
+      </p:par>
+    </p:tnLst>
+  </p:timing>
+</p:sld>
+</file>
+
+<file path=ppt/slides/slide12.xml><?xml version="1.0" encoding="utf-8"?>
+<p:sld xmlns:a="http://schemas.openxmlformats.org/drawingml/2006/main" xmlns:r="http://schemas.openxmlformats.org/officeDocument/2006/relationships" xmlns:p="http://schemas.openxmlformats.org/presentationml/2006/main">
+  <p:cSld>
+    <p:spTree>
+      <p:nvGrpSpPr>
+        <p:cNvPr id="1" name=""/>
+        <p:cNvGrpSpPr/>
+        <p:nvPr/>
+      </p:nvGrpSpPr>
+      <p:grpSpPr>
+        <a:xfrm>
+          <a:off x="0" y="0"/>
+          <a:ext cx="0" cy="0"/>
+          <a:chOff x="0" y="0"/>
+          <a:chExt cx="0" cy="0"/>
+        </a:xfrm>
+      </p:grpSpPr>
+      <p:sp>
+        <p:nvSpPr>
+          <p:cNvPr id="2" name="Title 1"/>
+          <p:cNvSpPr>
+            <a:spLocks noGrp="1"/>
+          </p:cNvSpPr>
+          <p:nvPr>
+            <p:ph type="title"/>
+          </p:nvPr>
+        </p:nvSpPr>
+        <p:spPr>
+          <a:xfrm>
+            <a:off x="1259632" y="0"/>
+            <a:ext cx="7884368" cy="1069514"/>
+          </a:xfrm>
+        </p:spPr>
+        <p:txBody>
+          <a:bodyPr/>
+          <a:lstStyle/>
+          <a:p>
+            <a:r>
+              <a:rPr lang="en-US" altLang="ko-KR" sz="4400" dirty="0" err="1" smtClean="0">
+                <a:solidFill>
+                  <a:schemeClr val="tx1">
+                    <a:lumMod val="75000"/>
+                    <a:lumOff val="25000"/>
+                  </a:schemeClr>
+                </a:solidFill>
+                <a:latin typeface="Calibri" pitchFamily="34" charset="0"/>
+                <a:ea typeface="Arial Unicode MS" pitchFamily="50" charset="-127"/>
+                <a:cs typeface="Calibri" pitchFamily="34" charset="0"/>
+              </a:rPr>
+              <a:t>WorkTime</a:t>
+            </a:r>
+            <a:r>
+              <a:rPr lang="en-US" altLang="ko-KR" sz="4400" dirty="0" smtClean="0">
+                <a:solidFill>
+                  <a:schemeClr val="tx1">
+                    <a:lumMod val="75000"/>
+                    <a:lumOff val="25000"/>
+                  </a:schemeClr>
+                </a:solidFill>
+                <a:latin typeface="Calibri" pitchFamily="34" charset="0"/>
+                <a:ea typeface="Arial Unicode MS" pitchFamily="50" charset="-127"/>
+                <a:cs typeface="Calibri" pitchFamily="34" charset="0"/>
+              </a:rPr>
+              <a:t> Management</a:t>
+            </a:r>
+            <a:endParaRPr lang="ko-KR" altLang="en-US" sz="4400" dirty="0">
+              <a:solidFill>
+                <a:schemeClr val="tx1">
+                  <a:lumMod val="75000"/>
+                  <a:lumOff val="25000"/>
+                </a:schemeClr>
+              </a:solidFill>
+              <a:latin typeface="Calibri" pitchFamily="34" charset="0"/>
+              <a:ea typeface="Arial Unicode MS" pitchFamily="50" charset="-127"/>
+              <a:cs typeface="Calibri" pitchFamily="34" charset="0"/>
+            </a:endParaRPr>
+          </a:p>
+        </p:txBody>
+      </p:sp>
+      <p:pic>
+        <p:nvPicPr>
+          <p:cNvPr id="2050" name="Picture 2"/>
+          <p:cNvPicPr>
+            <a:picLocks noChangeAspect="1" noChangeArrowheads="1"/>
+          </p:cNvPicPr>
+          <p:nvPr/>
+        </p:nvPicPr>
+        <p:blipFill>
+          <a:blip r:embed="rId2"/>
+          <a:srcRect/>
+          <a:stretch>
+            <a:fillRect/>
+          </a:stretch>
+        </p:blipFill>
+        <p:spPr bwMode="auto">
+          <a:xfrm>
+            <a:off x="1500166" y="1123954"/>
+            <a:ext cx="6102227" cy="4876814"/>
+          </a:xfrm>
+          <a:prstGeom prst="rect">
+            <a:avLst/>
+          </a:prstGeom>
+          <a:noFill/>
+          <a:ln w="9525">
+            <a:solidFill>
+              <a:schemeClr val="tx1"/>
+            </a:solidFill>
+            <a:miter lim="800000"/>
+            <a:headEnd/>
+            <a:tailEnd/>
+          </a:ln>
+          <a:effectLst>
+            <a:outerShdw blurRad="50800" dist="38100" dir="2700000" algn="tl" rotWithShape="0">
+              <a:prstClr val="black">
+                <a:alpha val="40000"/>
+              </a:prstClr>
+            </a:outerShdw>
+          </a:effectLst>
+        </p:spPr>
+      </p:pic>
+    </p:spTree>
+    <p:extLst>
+      <p:ext uri="{BB962C8B-B14F-4D97-AF65-F5344CB8AC3E}">
+        <p14:creationId xmlns:p14="http://schemas.microsoft.com/office/powerpoint/2010/main" xmlns="" val="891763176"/>
+      </p:ext>
+    </p:extLst>
+  </p:cSld>
+  <p:clrMapOvr>
+    <a:masterClrMapping/>
+  </p:clrMapOvr>
+  <p:transition/>
+  <p:timing>
+    <p:tnLst>
+      <p:par>
+        <p:cTn id="1" dur="indefinite" restart="never" nodeType="tmRoot"/>
+      </p:par>
+    </p:tnLst>
+  </p:timing>
+</p:sld>
+</file>
+
+<file path=ppt/slides/slide13.xml><?xml version="1.0" encoding="utf-8"?>
 <p:sld xmlns:a="http://schemas.openxmlformats.org/drawingml/2006/main" xmlns:r="http://schemas.openxmlformats.org/officeDocument/2006/relationships" xmlns:p="http://schemas.openxmlformats.org/presentationml/2006/main">
   <p:cSld>
     <p:spTree>
@@ -3643,7 +4417,7 @@
     </p:spTree>
     <p:extLst>
       <p:ext uri="{BB962C8B-B14F-4D97-AF65-F5344CB8AC3E}">
-        <p14:creationId xmlns="" xmlns:p14="http://schemas.microsoft.com/office/powerpoint/2010/main" val="2814019064"/>
+        <p14:creationId xmlns:p14="http://schemas.microsoft.com/office/powerpoint/2010/main" xmlns="" val="2814019064"/>
       </p:ext>
     </p:extLst>
   </p:cSld>
@@ -3651,798 +4425,6 @@
     <a:masterClrMapping/>
   </p:clrMapOvr>
   <p:transition/>
-  <p:timing>
-    <p:tnLst>
-      <p:par>
-        <p:cTn id="1" dur="indefinite" restart="never" nodeType="tmRoot"/>
-      </p:par>
-    </p:tnLst>
-  </p:timing>
-</p:sld>
-</file>
-
-<file path=ppt/slides/slide11.xml><?xml version="1.0" encoding="utf-8"?>
-<p:sld xmlns:a="http://schemas.openxmlformats.org/drawingml/2006/main" xmlns:r="http://schemas.openxmlformats.org/officeDocument/2006/relationships" xmlns:p="http://schemas.openxmlformats.org/presentationml/2006/main">
-  <p:cSld>
-    <p:spTree>
-      <p:nvGrpSpPr>
-        <p:cNvPr id="1" name=""/>
-        <p:cNvGrpSpPr/>
-        <p:nvPr/>
-      </p:nvGrpSpPr>
-      <p:grpSpPr>
-        <a:xfrm>
-          <a:off x="0" y="0"/>
-          <a:ext cx="0" cy="0"/>
-          <a:chOff x="0" y="0"/>
-          <a:chExt cx="0" cy="0"/>
-        </a:xfrm>
-      </p:grpSpPr>
-      <p:sp>
-        <p:nvSpPr>
-          <p:cNvPr id="2" name="Title 1"/>
-          <p:cNvSpPr>
-            <a:spLocks noGrp="1"/>
-          </p:cNvSpPr>
-          <p:nvPr>
-            <p:ph type="title"/>
-          </p:nvPr>
-        </p:nvSpPr>
-        <p:spPr>
-          <a:xfrm>
-            <a:off x="1259632" y="0"/>
-            <a:ext cx="7884368" cy="1069514"/>
-          </a:xfrm>
-        </p:spPr>
-        <p:txBody>
-          <a:bodyPr/>
-          <a:lstStyle/>
-          <a:p>
-            <a:r>
-              <a:rPr lang="en-US" altLang="ko-KR" sz="4400" dirty="0" smtClean="0">
-                <a:solidFill>
-                  <a:schemeClr val="tx1">
-                    <a:lumMod val="75000"/>
-                    <a:lumOff val="25000"/>
-                  </a:schemeClr>
-                </a:solidFill>
-                <a:latin typeface="Calibri" pitchFamily="34" charset="0"/>
-                <a:ea typeface="Arial Unicode MS" pitchFamily="50" charset="-127"/>
-                <a:cs typeface="Calibri" pitchFamily="34" charset="0"/>
-              </a:rPr>
-              <a:t>Organic Molecules List </a:t>
-            </a:r>
-            <a:endParaRPr lang="ko-KR" altLang="en-US" sz="4400" dirty="0">
-              <a:solidFill>
-                <a:schemeClr val="tx1">
-                  <a:lumMod val="75000"/>
-                  <a:lumOff val="25000"/>
-                </a:schemeClr>
-              </a:solidFill>
-              <a:latin typeface="Calibri" pitchFamily="34" charset="0"/>
-              <a:ea typeface="Arial Unicode MS" pitchFamily="50" charset="-127"/>
-              <a:cs typeface="Calibri" pitchFamily="34" charset="0"/>
-            </a:endParaRPr>
-          </a:p>
-        </p:txBody>
-      </p:sp>
-      <p:sp>
-        <p:nvSpPr>
-          <p:cNvPr id="3" name="Content Placeholder 2"/>
-          <p:cNvSpPr>
-            <a:spLocks noGrp="1"/>
-          </p:cNvSpPr>
-          <p:nvPr>
-            <p:ph idx="1"/>
-          </p:nvPr>
-        </p:nvSpPr>
-        <p:spPr>
-          <a:xfrm>
-            <a:off x="1835696" y="1484784"/>
-            <a:ext cx="6851104" cy="4525963"/>
-          </a:xfrm>
-        </p:spPr>
-        <p:txBody>
-          <a:bodyPr>
-            <a:normAutofit/>
-          </a:bodyPr>
-          <a:lstStyle/>
-          <a:p>
-            <a:pPr>
-              <a:lnSpc>
-                <a:spcPct val="120000"/>
-              </a:lnSpc>
-            </a:pPr>
-            <a:r>
-              <a:rPr lang="ko-KR" altLang="en-US" sz="3000" dirty="0" err="1" smtClean="0">
-                <a:solidFill>
-                  <a:schemeClr val="tx1">
-                    <a:lumMod val="75000"/>
-                    <a:lumOff val="25000"/>
-                  </a:schemeClr>
-                </a:solidFill>
-                <a:latin typeface="Calibri" pitchFamily="34" charset="0"/>
-                <a:cs typeface="Calibri" pitchFamily="34" charset="0"/>
-              </a:rPr>
-              <a:t>물질관리</a:t>
-            </a:r>
-            <a:endParaRPr lang="en-US" altLang="ko-KR" sz="3000" dirty="0" smtClean="0">
-              <a:solidFill>
-                <a:schemeClr val="tx1">
-                  <a:lumMod val="75000"/>
-                  <a:lumOff val="25000"/>
-                </a:schemeClr>
-              </a:solidFill>
-              <a:latin typeface="Calibri" pitchFamily="34" charset="0"/>
-              <a:cs typeface="Calibri" pitchFamily="34" charset="0"/>
-            </a:endParaRPr>
-          </a:p>
-          <a:p>
-            <a:pPr>
-              <a:lnSpc>
-                <a:spcPct val="120000"/>
-              </a:lnSpc>
-              <a:buFont typeface="Wingdings" pitchFamily="2" charset="2"/>
-              <a:buChar char="ü"/>
-            </a:pPr>
-            <a:r>
-              <a:rPr lang="ko-KR" altLang="en-US" sz="1900" dirty="0" smtClean="0">
-                <a:solidFill>
-                  <a:schemeClr val="tx1">
-                    <a:lumMod val="50000"/>
-                    <a:lumOff val="50000"/>
-                  </a:schemeClr>
-                </a:solidFill>
-                <a:latin typeface="Calibri" pitchFamily="34" charset="0"/>
-                <a:cs typeface="Calibri" pitchFamily="34" charset="0"/>
-              </a:rPr>
-              <a:t>물질 정보 등록</a:t>
-            </a:r>
-            <a:endParaRPr lang="en-US" altLang="ko-KR" sz="1900" dirty="0" smtClean="0">
-              <a:solidFill>
-                <a:schemeClr val="tx1">
-                  <a:lumMod val="50000"/>
-                  <a:lumOff val="50000"/>
-                </a:schemeClr>
-              </a:solidFill>
-              <a:latin typeface="Calibri" pitchFamily="34" charset="0"/>
-              <a:cs typeface="Calibri" pitchFamily="34" charset="0"/>
-            </a:endParaRPr>
-          </a:p>
-          <a:p>
-            <a:pPr>
-              <a:lnSpc>
-                <a:spcPct val="120000"/>
-              </a:lnSpc>
-              <a:buFont typeface="Wingdings" pitchFamily="2" charset="2"/>
-              <a:buChar char="ü"/>
-            </a:pPr>
-            <a:r>
-              <a:rPr lang="ko-KR" altLang="en-US" sz="1900" dirty="0" smtClean="0">
-                <a:solidFill>
-                  <a:schemeClr val="tx1">
-                    <a:lumMod val="50000"/>
-                    <a:lumOff val="50000"/>
-                  </a:schemeClr>
-                </a:solidFill>
-                <a:latin typeface="Calibri" pitchFamily="34" charset="0"/>
-                <a:cs typeface="Calibri" pitchFamily="34" charset="0"/>
-              </a:rPr>
-              <a:t>물질 정보 수정</a:t>
-            </a:r>
-            <a:endParaRPr lang="en-US" altLang="ko-KR" sz="1900" dirty="0" smtClean="0">
-              <a:solidFill>
-                <a:schemeClr val="tx1">
-                  <a:lumMod val="50000"/>
-                  <a:lumOff val="50000"/>
-                </a:schemeClr>
-              </a:solidFill>
-              <a:latin typeface="Calibri" pitchFamily="34" charset="0"/>
-              <a:cs typeface="Calibri" pitchFamily="34" charset="0"/>
-            </a:endParaRPr>
-          </a:p>
-          <a:p>
-            <a:pPr>
-              <a:lnSpc>
-                <a:spcPct val="120000"/>
-              </a:lnSpc>
-              <a:buFont typeface="Wingdings" pitchFamily="2" charset="2"/>
-              <a:buChar char="ü"/>
-            </a:pPr>
-            <a:r>
-              <a:rPr lang="ko-KR" altLang="en-US" sz="1900" dirty="0" smtClean="0">
-                <a:solidFill>
-                  <a:schemeClr val="tx1">
-                    <a:lumMod val="50000"/>
-                    <a:lumOff val="50000"/>
-                  </a:schemeClr>
-                </a:solidFill>
-                <a:latin typeface="Calibri" pitchFamily="34" charset="0"/>
-                <a:cs typeface="Calibri" pitchFamily="34" charset="0"/>
-              </a:rPr>
-              <a:t>물질 정보 삭제</a:t>
-            </a:r>
-            <a:endParaRPr lang="en-US" altLang="ko-KR" sz="1900" dirty="0">
-              <a:solidFill>
-                <a:schemeClr val="tx1">
-                  <a:lumMod val="50000"/>
-                  <a:lumOff val="50000"/>
-                </a:schemeClr>
-              </a:solidFill>
-            </a:endParaRPr>
-          </a:p>
-          <a:p>
-            <a:pPr>
-              <a:lnSpc>
-                <a:spcPct val="120000"/>
-              </a:lnSpc>
-              <a:buFont typeface="Wingdings" pitchFamily="2" charset="2"/>
-              <a:buChar char="ü"/>
-            </a:pPr>
-            <a:endParaRPr lang="en-US" altLang="ko-KR" sz="1900" dirty="0" smtClean="0">
-              <a:solidFill>
-                <a:schemeClr val="tx1">
-                  <a:lumMod val="50000"/>
-                  <a:lumOff val="50000"/>
-                </a:schemeClr>
-              </a:solidFill>
-              <a:latin typeface="Calibri" pitchFamily="34" charset="0"/>
-              <a:cs typeface="Calibri" pitchFamily="34" charset="0"/>
-            </a:endParaRPr>
-          </a:p>
-          <a:p>
-            <a:endParaRPr lang="en-US" altLang="ko-KR" sz="4000" dirty="0" smtClean="0">
-              <a:solidFill>
-                <a:schemeClr val="tx1">
-                  <a:lumMod val="75000"/>
-                  <a:lumOff val="25000"/>
-                </a:schemeClr>
-              </a:solidFill>
-              <a:latin typeface="Calibri" pitchFamily="34" charset="0"/>
-              <a:cs typeface="Calibri" pitchFamily="34" charset="0"/>
-            </a:endParaRPr>
-          </a:p>
-          <a:p>
-            <a:endParaRPr lang="en-US" altLang="ko-KR" sz="4000" dirty="0" smtClean="0">
-              <a:solidFill>
-                <a:schemeClr val="tx1">
-                  <a:lumMod val="50000"/>
-                  <a:lumOff val="50000"/>
-                </a:schemeClr>
-              </a:solidFill>
-              <a:latin typeface="Calibri" pitchFamily="34" charset="0"/>
-              <a:cs typeface="Calibri" pitchFamily="34" charset="0"/>
-            </a:endParaRPr>
-          </a:p>
-        </p:txBody>
-      </p:sp>
-    </p:spTree>
-    <p:extLst>
-      <p:ext uri="{BB962C8B-B14F-4D97-AF65-F5344CB8AC3E}">
-        <p14:creationId xmlns="" xmlns:p14="http://schemas.microsoft.com/office/powerpoint/2010/main" val="891763176"/>
-      </p:ext>
-    </p:extLst>
-  </p:cSld>
-  <p:clrMapOvr>
-    <a:masterClrMapping/>
-  </p:clrMapOvr>
-  <p:transition/>
-  <p:timing>
-    <p:tnLst>
-      <p:par>
-        <p:cTn id="1" dur="indefinite" restart="never" nodeType="tmRoot"/>
-      </p:par>
-    </p:tnLst>
-  </p:timing>
-</p:sld>
-</file>
-
-<file path=ppt/slides/slide12.xml><?xml version="1.0" encoding="utf-8"?>
-<p:sld xmlns:a="http://schemas.openxmlformats.org/drawingml/2006/main" xmlns:r="http://schemas.openxmlformats.org/officeDocument/2006/relationships" xmlns:p="http://schemas.openxmlformats.org/presentationml/2006/main">
-  <p:cSld>
-    <p:spTree>
-      <p:nvGrpSpPr>
-        <p:cNvPr id="1" name=""/>
-        <p:cNvGrpSpPr/>
-        <p:nvPr/>
-      </p:nvGrpSpPr>
-      <p:grpSpPr>
-        <a:xfrm>
-          <a:off x="0" y="0"/>
-          <a:ext cx="0" cy="0"/>
-          <a:chOff x="0" y="0"/>
-          <a:chExt cx="0" cy="0"/>
-        </a:xfrm>
-      </p:grpSpPr>
-      <p:sp>
-        <p:nvSpPr>
-          <p:cNvPr id="3" name="Content Placeholder 2"/>
-          <p:cNvSpPr>
-            <a:spLocks noGrp="1"/>
-          </p:cNvSpPr>
-          <p:nvPr>
-            <p:ph idx="1"/>
-          </p:nvPr>
-        </p:nvSpPr>
-        <p:spPr>
-          <a:xfrm>
-            <a:off x="1835696" y="1484784"/>
-            <a:ext cx="6851104" cy="4525963"/>
-          </a:xfrm>
-        </p:spPr>
-        <p:txBody>
-          <a:bodyPr>
-            <a:normAutofit/>
-          </a:bodyPr>
-          <a:lstStyle/>
-          <a:p>
-            <a:endParaRPr lang="en-US" altLang="ko-KR" sz="4000" dirty="0" smtClean="0">
-              <a:solidFill>
-                <a:schemeClr val="tx1">
-                  <a:lumMod val="75000"/>
-                  <a:lumOff val="25000"/>
-                </a:schemeClr>
-              </a:solidFill>
-              <a:latin typeface="Calibri" pitchFamily="34" charset="0"/>
-              <a:cs typeface="Calibri" pitchFamily="34" charset="0"/>
-            </a:endParaRPr>
-          </a:p>
-          <a:p>
-            <a:endParaRPr lang="en-US" altLang="ko-KR" sz="4000" dirty="0" smtClean="0">
-              <a:solidFill>
-                <a:schemeClr val="tx1">
-                  <a:lumMod val="50000"/>
-                  <a:lumOff val="50000"/>
-                </a:schemeClr>
-              </a:solidFill>
-              <a:latin typeface="Calibri" pitchFamily="34" charset="0"/>
-              <a:cs typeface="Calibri" pitchFamily="34" charset="0"/>
-            </a:endParaRPr>
-          </a:p>
-        </p:txBody>
-      </p:sp>
-      <p:pic>
-        <p:nvPicPr>
-          <p:cNvPr id="1026" name="Picture 2"/>
-          <p:cNvPicPr>
-            <a:picLocks noChangeAspect="1" noChangeArrowheads="1"/>
-          </p:cNvPicPr>
-          <p:nvPr/>
-        </p:nvPicPr>
-        <p:blipFill rotWithShape="1">
-          <a:blip r:embed="rId2">
-            <a:extLst>
-              <a:ext uri="{28A0092B-C50C-407E-A947-70E740481C1C}">
-                <a14:useLocalDpi xmlns="" xmlns:a14="http://schemas.microsoft.com/office/drawing/2010/main" val="0"/>
-              </a:ext>
-            </a:extLst>
-          </a:blip>
-          <a:srcRect l="7255" t="20161" r="8071" b="13461"/>
-          <a:stretch/>
-        </p:blipFill>
-        <p:spPr bwMode="auto">
-          <a:xfrm>
-            <a:off x="1643041" y="2053002"/>
-            <a:ext cx="7206553" cy="3176197"/>
-          </a:xfrm>
-          <a:prstGeom prst="rect">
-            <a:avLst/>
-          </a:prstGeom>
-          <a:noFill/>
-          <a:ln>
-            <a:noFill/>
-          </a:ln>
-          <a:effectLst/>
-          <a:extLst>
-            <a:ext uri="{909E8E84-426E-40DD-AFC4-6F175D3DCCD1}">
-              <a14:hiddenFill xmlns="" xmlns:a14="http://schemas.microsoft.com/office/drawing/2010/main">
-                <a:solidFill>
-                  <a:schemeClr val="accent1"/>
-                </a:solidFill>
-              </a14:hiddenFill>
-            </a:ext>
-            <a:ext uri="{91240B29-F687-4F45-9708-019B960494DF}">
-              <a14:hiddenLine xmlns="" xmlns:a14="http://schemas.microsoft.com/office/drawing/2010/main" w="9525">
-                <a:solidFill>
-                  <a:schemeClr val="tx1"/>
-                </a:solidFill>
-                <a:miter lim="800000"/>
-                <a:headEnd/>
-                <a:tailEnd/>
-              </a14:hiddenLine>
-            </a:ext>
-            <a:ext uri="{AF507438-7753-43E0-B8FC-AC1667EBCBE1}">
-              <a14:hiddenEffects xmlns="" xmlns:a14="http://schemas.microsoft.com/office/drawing/2010/main">
-                <a:effectLst>
-                  <a:outerShdw dist="35921" dir="2700000" algn="ctr" rotWithShape="0">
-                    <a:schemeClr val="bg2"/>
-                  </a:outerShdw>
-                </a:effectLst>
-              </a14:hiddenEffects>
-            </a:ext>
-          </a:extLst>
-        </p:spPr>
-      </p:pic>
-      <p:sp>
-        <p:nvSpPr>
-          <p:cNvPr id="9" name="Title 1"/>
-          <p:cNvSpPr txBox="1">
-            <a:spLocks/>
-          </p:cNvSpPr>
-          <p:nvPr/>
-        </p:nvSpPr>
-        <p:spPr>
-          <a:xfrm>
-            <a:off x="1259632" y="0"/>
-            <a:ext cx="7884368" cy="1069514"/>
-          </a:xfrm>
-          <a:prstGeom prst="rect">
-            <a:avLst/>
-          </a:prstGeom>
-        </p:spPr>
-        <p:txBody>
-          <a:bodyPr anchor="ctr"/>
-          <a:lstStyle>
-            <a:lvl1pPr algn="l" defTabSz="914400" rtl="0" eaLnBrk="1" latinLnBrk="1" hangingPunct="1">
-              <a:spcBef>
-                <a:spcPct val="0"/>
-              </a:spcBef>
-              <a:buNone/>
-              <a:defRPr sz="4000" b="1" kern="1200" baseline="0">
-                <a:solidFill>
-                  <a:schemeClr val="tx1"/>
-                </a:solidFill>
-                <a:latin typeface="Arial" pitchFamily="34" charset="0"/>
-                <a:ea typeface="+mj-ea"/>
-                <a:cs typeface="Arial" pitchFamily="34" charset="0"/>
-              </a:defRPr>
-            </a:lvl1pPr>
-          </a:lstStyle>
-          <a:p>
-            <a:r>
-              <a:rPr lang="en-US" altLang="ko-KR" sz="4400" smtClean="0">
-                <a:solidFill>
-                  <a:schemeClr val="tx1">
-                    <a:lumMod val="75000"/>
-                    <a:lumOff val="25000"/>
-                  </a:schemeClr>
-                </a:solidFill>
-                <a:latin typeface="Calibri" pitchFamily="34" charset="0"/>
-                <a:ea typeface="Arial Unicode MS" pitchFamily="50" charset="-127"/>
-                <a:cs typeface="Calibri" pitchFamily="34" charset="0"/>
-              </a:rPr>
-              <a:t>Organic Molecules List </a:t>
-            </a:r>
-            <a:endParaRPr lang="ko-KR" altLang="en-US" sz="4400" dirty="0">
-              <a:solidFill>
-                <a:schemeClr val="tx1">
-                  <a:lumMod val="75000"/>
-                  <a:lumOff val="25000"/>
-                </a:schemeClr>
-              </a:solidFill>
-              <a:latin typeface="Calibri" pitchFamily="34" charset="0"/>
-              <a:ea typeface="Arial Unicode MS" pitchFamily="50" charset="-127"/>
-              <a:cs typeface="Calibri" pitchFamily="34" charset="0"/>
-            </a:endParaRPr>
-          </a:p>
-        </p:txBody>
-      </p:sp>
-    </p:spTree>
-    <p:extLst>
-      <p:ext uri="{BB962C8B-B14F-4D97-AF65-F5344CB8AC3E}">
-        <p14:creationId xmlns="" xmlns:p14="http://schemas.microsoft.com/office/powerpoint/2010/main" val="891763176"/>
-      </p:ext>
-    </p:extLst>
-  </p:cSld>
-  <p:clrMapOvr>
-    <a:masterClrMapping/>
-  </p:clrMapOvr>
-  <p:transition/>
-  <p:timing>
-    <p:tnLst>
-      <p:par>
-        <p:cTn id="1" dur="indefinite" restart="never" nodeType="tmRoot"/>
-      </p:par>
-    </p:tnLst>
-  </p:timing>
-</p:sld>
-</file>
-
-<file path=ppt/slides/slide13.xml><?xml version="1.0" encoding="utf-8"?>
-<p:sld xmlns:a="http://schemas.openxmlformats.org/drawingml/2006/main" xmlns:r="http://schemas.openxmlformats.org/officeDocument/2006/relationships" xmlns:p="http://schemas.openxmlformats.org/presentationml/2006/main">
-  <p:cSld>
-    <p:spTree>
-      <p:nvGrpSpPr>
-        <p:cNvPr id="1" name=""/>
-        <p:cNvGrpSpPr/>
-        <p:nvPr/>
-      </p:nvGrpSpPr>
-      <p:grpSpPr>
-        <a:xfrm>
-          <a:off x="0" y="0"/>
-          <a:ext cx="0" cy="0"/>
-          <a:chOff x="0" y="0"/>
-          <a:chExt cx="0" cy="0"/>
-        </a:xfrm>
-      </p:grpSpPr>
-      <p:sp>
-        <p:nvSpPr>
-          <p:cNvPr id="7" name="Title 1"/>
-          <p:cNvSpPr>
-            <a:spLocks noGrp="1"/>
-          </p:cNvSpPr>
-          <p:nvPr>
-            <p:ph type="title"/>
-          </p:nvPr>
-        </p:nvSpPr>
-        <p:spPr>
-          <a:xfrm>
-            <a:off x="1259632" y="0"/>
-            <a:ext cx="7884368" cy="1069514"/>
-          </a:xfrm>
-        </p:spPr>
-        <p:txBody>
-          <a:bodyPr/>
-          <a:lstStyle/>
-          <a:p>
-            <a:r>
-              <a:rPr lang="en-US" altLang="ko-KR" sz="4400" dirty="0" smtClean="0">
-                <a:solidFill>
-                  <a:schemeClr val="tx1">
-                    <a:lumMod val="75000"/>
-                    <a:lumOff val="25000"/>
-                  </a:schemeClr>
-                </a:solidFill>
-                <a:latin typeface="Calibri" pitchFamily="34" charset="0"/>
-                <a:ea typeface="Arial Unicode MS" pitchFamily="50" charset="-127"/>
-                <a:cs typeface="Calibri" pitchFamily="34" charset="0"/>
-              </a:rPr>
-              <a:t>Organic Molecules List </a:t>
-            </a:r>
-            <a:endParaRPr lang="ko-KR" altLang="en-US" sz="4400" dirty="0">
-              <a:solidFill>
-                <a:schemeClr val="tx1">
-                  <a:lumMod val="75000"/>
-                  <a:lumOff val="25000"/>
-                </a:schemeClr>
-              </a:solidFill>
-              <a:latin typeface="Calibri" pitchFamily="34" charset="0"/>
-              <a:ea typeface="Arial Unicode MS" pitchFamily="50" charset="-127"/>
-              <a:cs typeface="Calibri" pitchFamily="34" charset="0"/>
-            </a:endParaRPr>
-          </a:p>
-        </p:txBody>
-      </p:sp>
-      <p:pic>
-        <p:nvPicPr>
-          <p:cNvPr id="6" name="Picture 3"/>
-          <p:cNvPicPr>
-            <a:picLocks noChangeAspect="1" noChangeArrowheads="1"/>
-          </p:cNvPicPr>
-          <p:nvPr/>
-        </p:nvPicPr>
-        <p:blipFill rotWithShape="1">
-          <a:blip r:embed="rId2">
-            <a:extLst>
-              <a:ext uri="{28A0092B-C50C-407E-A947-70E740481C1C}">
-                <a14:useLocalDpi xmlns="" xmlns:a14="http://schemas.microsoft.com/office/drawing/2010/main" val="0"/>
-              </a:ext>
-            </a:extLst>
-          </a:blip>
-          <a:srcRect l="6536" t="19856" r="63942" b="37837"/>
-          <a:stretch/>
-        </p:blipFill>
-        <p:spPr bwMode="auto">
-          <a:xfrm>
-            <a:off x="5072066" y="1319363"/>
-            <a:ext cx="3841160" cy="3143272"/>
-          </a:xfrm>
-          <a:prstGeom prst="rect">
-            <a:avLst/>
-          </a:prstGeom>
-          <a:noFill/>
-          <a:ln>
-            <a:solidFill>
-              <a:schemeClr val="tx1">
-                <a:lumMod val="95000"/>
-                <a:lumOff val="5000"/>
-              </a:schemeClr>
-            </a:solidFill>
-          </a:ln>
-          <a:effectLst>
-            <a:outerShdw blurRad="50800" dist="38100" dir="2700000" algn="tl" rotWithShape="0">
-              <a:prstClr val="black">
-                <a:alpha val="40000"/>
-              </a:prstClr>
-            </a:outerShdw>
-          </a:effectLst>
-          <a:extLst>
-            <a:ext uri="{909E8E84-426E-40DD-AFC4-6F175D3DCCD1}">
-              <a14:hiddenFill xmlns="" xmlns:a14="http://schemas.microsoft.com/office/drawing/2010/main">
-                <a:solidFill>
-                  <a:schemeClr val="accent1"/>
-                </a:solidFill>
-              </a14:hiddenFill>
-            </a:ext>
-            <a:ext uri="{91240B29-F687-4F45-9708-019B960494DF}">
-              <a14:hiddenLine xmlns="" xmlns:a14="http://schemas.microsoft.com/office/drawing/2010/main" w="9525">
-                <a:solidFill>
-                  <a:schemeClr val="tx1"/>
-                </a:solidFill>
-                <a:miter lim="800000"/>
-                <a:headEnd/>
-                <a:tailEnd/>
-              </a14:hiddenLine>
-            </a:ext>
-            <a:ext uri="{AF507438-7753-43E0-B8FC-AC1667EBCBE1}">
-              <a14:hiddenEffects xmlns="" xmlns:a14="http://schemas.microsoft.com/office/drawing/2010/main">
-                <a:effectLst>
-                  <a:outerShdw dist="35921" dir="2700000" algn="ctr" rotWithShape="0">
-                    <a:schemeClr val="bg2"/>
-                  </a:outerShdw>
-                </a:effectLst>
-              </a14:hiddenEffects>
-            </a:ext>
-          </a:extLst>
-        </p:spPr>
-      </p:pic>
-      <p:pic>
-        <p:nvPicPr>
-          <p:cNvPr id="2052" name="Picture 4"/>
-          <p:cNvPicPr>
-            <a:picLocks noChangeAspect="1" noChangeArrowheads="1"/>
-          </p:cNvPicPr>
-          <p:nvPr/>
-        </p:nvPicPr>
-        <p:blipFill rotWithShape="1">
-          <a:blip r:embed="rId3">
-            <a:extLst>
-              <a:ext uri="{28A0092B-C50C-407E-A947-70E740481C1C}">
-                <a14:useLocalDpi xmlns="" xmlns:a14="http://schemas.microsoft.com/office/drawing/2010/main" val="0"/>
-              </a:ext>
-            </a:extLst>
-          </a:blip>
-          <a:srcRect l="7617" t="19663" r="66002" b="37605"/>
-          <a:stretch/>
-        </p:blipFill>
-        <p:spPr bwMode="auto">
-          <a:xfrm>
-            <a:off x="1428728" y="1319363"/>
-            <a:ext cx="3432517" cy="3143271"/>
-          </a:xfrm>
-          <a:prstGeom prst="rect">
-            <a:avLst/>
-          </a:prstGeom>
-          <a:noFill/>
-          <a:ln>
-            <a:solidFill>
-              <a:schemeClr val="tx1">
-                <a:lumMod val="95000"/>
-                <a:lumOff val="5000"/>
-              </a:schemeClr>
-            </a:solidFill>
-          </a:ln>
-          <a:effectLst>
-            <a:outerShdw blurRad="50800" dist="38100" dir="2700000" algn="tl" rotWithShape="0">
-              <a:prstClr val="black">
-                <a:alpha val="40000"/>
-              </a:prstClr>
-            </a:outerShdw>
-          </a:effectLst>
-          <a:extLst>
-            <a:ext uri="{909E8E84-426E-40DD-AFC4-6F175D3DCCD1}">
-              <a14:hiddenFill xmlns="" xmlns:a14="http://schemas.microsoft.com/office/drawing/2010/main">
-                <a:solidFill>
-                  <a:schemeClr val="accent1"/>
-                </a:solidFill>
-              </a14:hiddenFill>
-            </a:ext>
-            <a:ext uri="{91240B29-F687-4F45-9708-019B960494DF}">
-              <a14:hiddenLine xmlns="" xmlns:a14="http://schemas.microsoft.com/office/drawing/2010/main" w="9525">
-                <a:solidFill>
-                  <a:schemeClr val="tx1"/>
-                </a:solidFill>
-                <a:miter lim="800000"/>
-                <a:headEnd/>
-                <a:tailEnd/>
-              </a14:hiddenLine>
-            </a:ext>
-            <a:ext uri="{AF507438-7753-43E0-B8FC-AC1667EBCBE1}">
-              <a14:hiddenEffects xmlns="" xmlns:a14="http://schemas.microsoft.com/office/drawing/2010/main">
-                <a:effectLst>
-                  <a:outerShdw dist="35921" dir="2700000" algn="ctr" rotWithShape="0">
-                    <a:schemeClr val="bg2"/>
-                  </a:outerShdw>
-                </a:effectLst>
-              </a14:hiddenEffects>
-            </a:ext>
-          </a:extLst>
-        </p:spPr>
-      </p:pic>
-      <p:pic>
-        <p:nvPicPr>
-          <p:cNvPr id="2053" name="Picture 5"/>
-          <p:cNvPicPr>
-            <a:picLocks noChangeAspect="1" noChangeArrowheads="1"/>
-          </p:cNvPicPr>
-          <p:nvPr/>
-        </p:nvPicPr>
-        <p:blipFill rotWithShape="1">
-          <a:blip r:embed="rId4">
-            <a:extLst>
-              <a:ext uri="{28A0092B-C50C-407E-A947-70E740481C1C}">
-                <a14:useLocalDpi xmlns="" xmlns:a14="http://schemas.microsoft.com/office/drawing/2010/main" val="0"/>
-              </a:ext>
-            </a:extLst>
-          </a:blip>
-          <a:srcRect l="7943" t="20048" r="9848" b="55144"/>
-          <a:stretch/>
-        </p:blipFill>
-        <p:spPr bwMode="auto">
-          <a:xfrm>
-            <a:off x="1428728" y="4680975"/>
-            <a:ext cx="7500990" cy="1248355"/>
-          </a:xfrm>
-          <a:prstGeom prst="rect">
-            <a:avLst/>
-          </a:prstGeom>
-          <a:noFill/>
-          <a:ln>
-            <a:solidFill>
-              <a:schemeClr val="tx1">
-                <a:lumMod val="95000"/>
-                <a:lumOff val="5000"/>
-              </a:schemeClr>
-            </a:solidFill>
-          </a:ln>
-          <a:effectLst>
-            <a:outerShdw blurRad="50800" dist="38100" dir="2700000" algn="tl" rotWithShape="0">
-              <a:prstClr val="black">
-                <a:alpha val="40000"/>
-              </a:prstClr>
-            </a:outerShdw>
-          </a:effectLst>
-          <a:extLst>
-            <a:ext uri="{909E8E84-426E-40DD-AFC4-6F175D3DCCD1}">
-              <a14:hiddenFill xmlns="" xmlns:a14="http://schemas.microsoft.com/office/drawing/2010/main">
-                <a:solidFill>
-                  <a:schemeClr val="accent1"/>
-                </a:solidFill>
-              </a14:hiddenFill>
-            </a:ext>
-            <a:ext uri="{91240B29-F687-4F45-9708-019B960494DF}">
-              <a14:hiddenLine xmlns="" xmlns:a14="http://schemas.microsoft.com/office/drawing/2010/main" w="9525">
-                <a:solidFill>
-                  <a:schemeClr val="tx1"/>
-                </a:solidFill>
-                <a:miter lim="800000"/>
-                <a:headEnd/>
-                <a:tailEnd/>
-              </a14:hiddenLine>
-            </a:ext>
-            <a:ext uri="{AF507438-7753-43E0-B8FC-AC1667EBCBE1}">
-              <a14:hiddenEffects xmlns="" xmlns:a14="http://schemas.microsoft.com/office/drawing/2010/main">
-                <a:effectLst>
-                  <a:outerShdw dist="35921" dir="2700000" algn="ctr" rotWithShape="0">
-                    <a:schemeClr val="bg2"/>
-                  </a:outerShdw>
-                </a:effectLst>
-              </a14:hiddenEffects>
-            </a:ext>
-          </a:extLst>
-        </p:spPr>
-      </p:pic>
-    </p:spTree>
-    <p:extLst>
-      <p:ext uri="{BB962C8B-B14F-4D97-AF65-F5344CB8AC3E}">
-        <p14:creationId xmlns="" xmlns:p14="http://schemas.microsoft.com/office/powerpoint/2010/main" val="891763176"/>
-      </p:ext>
-    </p:extLst>
-  </p:cSld>
-  <p:clrMapOvr>
-    <a:masterClrMapping/>
-  </p:clrMapOvr>
-  <p:transition advTm="0"/>
   <p:timing>
     <p:tnLst>
       <p:par>
@@ -4472,7 +4454,7 @@
       </p:grpSpPr>
       <p:sp>
         <p:nvSpPr>
-          <p:cNvPr id="2" name="제목 1"/>
+          <p:cNvPr id="2" name="Title 1"/>
           <p:cNvSpPr>
             <a:spLocks noGrp="1"/>
           </p:cNvSpPr>
@@ -4482,8 +4464,8 @@
         </p:nvSpPr>
         <p:spPr>
           <a:xfrm>
-            <a:off x="1285852" y="0"/>
-            <a:ext cx="9144000" cy="1124744"/>
+            <a:off x="1259632" y="0"/>
+            <a:ext cx="7884368" cy="1069514"/>
           </a:xfrm>
         </p:spPr>
         <p:txBody>
@@ -4498,22 +4480,11 @@
                     <a:lumOff val="25000"/>
                   </a:schemeClr>
                 </a:solidFill>
-                <a:latin typeface="+mj-lt"/>
+                <a:latin typeface="Calibri" pitchFamily="34" charset="0"/>
+                <a:ea typeface="Arial Unicode MS" pitchFamily="50" charset="-127"/>
+                <a:cs typeface="Calibri" pitchFamily="34" charset="0"/>
               </a:rPr>
-              <a:t>Manchester United </a:t>
-            </a:r>
-            <a:r>
-              <a:rPr lang="ko-KR" altLang="en-US" sz="4400" dirty="0" smtClean="0">
-                <a:solidFill>
-                  <a:schemeClr val="tx1">
-                    <a:lumMod val="75000"/>
-                    <a:lumOff val="25000"/>
-                  </a:schemeClr>
-                </a:solidFill>
-                <a:latin typeface="굴림" pitchFamily="50" charset="-127"/>
-                <a:ea typeface="굴림" pitchFamily="50" charset="-127"/>
-              </a:rPr>
-              <a:t>구단관리</a:t>
+              <a:t>Organic Molecules List </a:t>
             </a:r>
             <a:endParaRPr lang="ko-KR" altLang="en-US" sz="4400" dirty="0">
               <a:solidFill>
@@ -4522,15 +4493,16 @@
                   <a:lumOff val="25000"/>
                 </a:schemeClr>
               </a:solidFill>
-              <a:latin typeface="굴림" pitchFamily="50" charset="-127"/>
-              <a:ea typeface="굴림" pitchFamily="50" charset="-127"/>
+              <a:latin typeface="Calibri" pitchFamily="34" charset="0"/>
+              <a:ea typeface="Arial Unicode MS" pitchFamily="50" charset="-127"/>
+              <a:cs typeface="Calibri" pitchFamily="34" charset="0"/>
             </a:endParaRPr>
           </a:p>
         </p:txBody>
       </p:sp>
       <p:sp>
         <p:nvSpPr>
-          <p:cNvPr id="3" name="내용 개체 틀 2"/>
+          <p:cNvPr id="3" name="Content Placeholder 2"/>
           <p:cNvSpPr>
             <a:spLocks noGrp="1"/>
           </p:cNvSpPr>
@@ -4540,26 +4512,50 @@
         </p:nvSpPr>
         <p:spPr>
           <a:xfrm>
-            <a:off x="1331640" y="1556792"/>
-            <a:ext cx="7355160" cy="4569371"/>
+            <a:off x="1835696" y="1484784"/>
+            <a:ext cx="6851104" cy="4525963"/>
           </a:xfrm>
         </p:spPr>
         <p:txBody>
-          <a:bodyPr/>
+          <a:bodyPr>
+            <a:normAutofit/>
+          </a:bodyPr>
           <a:lstStyle/>
           <a:p>
-            <a:r>
-              <a:rPr lang="en-US" altLang="ko-KR" sz="3000" dirty="0" smtClean="0"/>
-              <a:t>Team </a:t>
-            </a:r>
-            <a:r>
-              <a:rPr lang="ko-KR" altLang="en-US" sz="3000" dirty="0" smtClean="0"/>
-              <a:t>관리</a:t>
-            </a:r>
-            <a:endParaRPr lang="en-US" altLang="ko-KR" sz="3000" dirty="0" smtClean="0"/>
-          </a:p>
-          <a:p>
             <a:pPr>
+              <a:lnSpc>
+                <a:spcPct val="120000"/>
+              </a:lnSpc>
+            </a:pPr>
+            <a:r>
+              <a:rPr lang="ko-KR" altLang="en-US" sz="3000" dirty="0" err="1" smtClean="0">
+                <a:solidFill>
+                  <a:schemeClr val="tx1">
+                    <a:lumMod val="75000"/>
+                    <a:lumOff val="25000"/>
+                  </a:schemeClr>
+                </a:solidFill>
+                <a:latin typeface="Calibri" pitchFamily="34" charset="0"/>
+                <a:cs typeface="Calibri" pitchFamily="34" charset="0"/>
+              </a:rPr>
+              <a:t>물질관리</a:t>
+            </a:r>
+            <a:endParaRPr lang="en-US" altLang="ko-KR" sz="3000" dirty="0" smtClean="0">
+              <a:solidFill>
+                <a:schemeClr val="tx1">
+                  <a:lumMod val="75000"/>
+                  <a:lumOff val="25000"/>
+                </a:schemeClr>
+              </a:solidFill>
+              <a:latin typeface="Calibri" pitchFamily="34" charset="0"/>
+              <a:cs typeface="Calibri" pitchFamily="34" charset="0"/>
+            </a:endParaRPr>
+          </a:p>
+          <a:p>
+            <a:pPr>
+              <a:lnSpc>
+                <a:spcPct val="120000"/>
+              </a:lnSpc>
               <a:buFont typeface="Wingdings" pitchFamily="2" charset="2"/>
               <a:buChar char="ü"/>
             </a:pPr>
@@ -4571,8 +4567,10 @@
                     <a:lumOff val="50000"/>
                   </a:schemeClr>
                 </a:solidFill>
+                <a:latin typeface="Calibri" pitchFamily="34" charset="0"/>
+                <a:cs typeface="Calibri" pitchFamily="34" charset="0"/>
               </a:rPr>
-              <a:t>구단 소속 팀 등록 </a:t>
+              <a:t>물질 정보 등록</a:t>
             </a:r>
             <a:endParaRPr lang="en-US" altLang="ko-KR" sz="1900" dirty="0" smtClean="0">
               <a:solidFill>
@@ -4581,10 +4579,15 @@
                   <a:lumOff val="50000"/>
                 </a:schemeClr>
               </a:solidFill>
+              <a:latin typeface="Calibri" pitchFamily="34" charset="0"/>
+              <a:cs typeface="Calibri" pitchFamily="34" charset="0"/>
             </a:endParaRPr>
           </a:p>
           <a:p>
             <a:pPr>
+              <a:lnSpc>
+                <a:spcPct val="120000"/>
+              </a:lnSpc>
               <a:buFont typeface="Wingdings" pitchFamily="2" charset="2"/>
               <a:buChar char="ü"/>
             </a:pPr>
@@ -4596,8 +4599,10 @@
                     <a:lumOff val="50000"/>
                   </a:schemeClr>
                 </a:solidFill>
+                <a:latin typeface="Calibri" pitchFamily="34" charset="0"/>
+                <a:cs typeface="Calibri" pitchFamily="34" charset="0"/>
               </a:rPr>
-              <a:t>구단 소속 팀 수정 </a:t>
+              <a:t>물질 정보 수정</a:t>
             </a:r>
             <a:endParaRPr lang="en-US" altLang="ko-KR" sz="1900" dirty="0" smtClean="0">
               <a:solidFill>
@@ -4606,10 +4611,15 @@
                   <a:lumOff val="50000"/>
                 </a:schemeClr>
               </a:solidFill>
+              <a:latin typeface="Calibri" pitchFamily="34" charset="0"/>
+              <a:cs typeface="Calibri" pitchFamily="34" charset="0"/>
             </a:endParaRPr>
           </a:p>
           <a:p>
             <a:pPr>
+              <a:lnSpc>
+                <a:spcPct val="120000"/>
+              </a:lnSpc>
               <a:buFont typeface="Wingdings" pitchFamily="2" charset="2"/>
               <a:buChar char="ü"/>
             </a:pPr>
@@ -4621,9 +4631,28 @@
                     <a:lumOff val="50000"/>
                   </a:schemeClr>
                 </a:solidFill>
+                <a:latin typeface="Calibri" pitchFamily="34" charset="0"/>
+                <a:cs typeface="Calibri" pitchFamily="34" charset="0"/>
               </a:rPr>
-              <a:t>구단 소속 팀 삭제</a:t>
-            </a:r>
+              <a:t>물질 정보 삭제</a:t>
+            </a:r>
+            <a:endParaRPr lang="en-US" altLang="ko-KR" sz="1900" dirty="0">
+              <a:solidFill>
+                <a:schemeClr val="tx1">
+                  <a:lumMod val="50000"/>
+                  <a:lumOff val="50000"/>
+                </a:schemeClr>
+              </a:solidFill>
+            </a:endParaRPr>
+          </a:p>
+          <a:p>
+            <a:pPr>
+              <a:lnSpc>
+                <a:spcPct val="120000"/>
+              </a:lnSpc>
+              <a:buFont typeface="Wingdings" pitchFamily="2" charset="2"/>
+              <a:buChar char="ü"/>
+            </a:pPr>
             <a:endParaRPr lang="en-US" altLang="ko-KR" sz="1900" dirty="0" smtClean="0">
               <a:solidFill>
                 <a:schemeClr val="tx1">
@@ -4631,101 +4660,42 @@
                   <a:lumOff val="50000"/>
                 </a:schemeClr>
               </a:solidFill>
+              <a:latin typeface="Calibri" pitchFamily="34" charset="0"/>
+              <a:cs typeface="Calibri" pitchFamily="34" charset="0"/>
             </a:endParaRPr>
           </a:p>
           <a:p>
-            <a:pPr lvl="1"/>
-            <a:endParaRPr lang="en-US" altLang="ko-KR" dirty="0" smtClean="0"/>
-          </a:p>
-          <a:p>
-            <a:r>
-              <a:rPr lang="en-US" altLang="ko-KR" sz="3000" dirty="0" smtClean="0"/>
-              <a:t>Member </a:t>
-            </a:r>
-            <a:r>
-              <a:rPr lang="ko-KR" altLang="en-US" sz="3000" dirty="0" smtClean="0"/>
-              <a:t>관리</a:t>
-            </a:r>
-            <a:endParaRPr lang="en-US" altLang="ko-KR" sz="3000" dirty="0" smtClean="0"/>
-          </a:p>
-          <a:p>
-            <a:pPr>
-              <a:buFont typeface="Wingdings" pitchFamily="2" charset="2"/>
-              <a:buChar char="ü"/>
-            </a:pPr>
-            <a:r>
-              <a:rPr lang="ko-KR" altLang="en-US" sz="1900" dirty="0" smtClean="0">
-                <a:solidFill>
-                  <a:schemeClr val="tx1">
-                    <a:lumMod val="50000"/>
-                    <a:lumOff val="50000"/>
-                  </a:schemeClr>
-                </a:solidFill>
-              </a:rPr>
-              <a:t>팀 멤버 등록 </a:t>
-            </a:r>
-            <a:endParaRPr lang="en-US" altLang="ko-KR" sz="1900" dirty="0" smtClean="0">
+            <a:endParaRPr lang="en-US" altLang="ko-KR" sz="4000" dirty="0" smtClean="0">
+              <a:solidFill>
+                <a:schemeClr val="tx1">
+                  <a:lumMod val="75000"/>
+                  <a:lumOff val="25000"/>
+                </a:schemeClr>
+              </a:solidFill>
+              <a:latin typeface="Calibri" pitchFamily="34" charset="0"/>
+              <a:cs typeface="Calibri" pitchFamily="34" charset="0"/>
+            </a:endParaRPr>
+          </a:p>
+          <a:p>
+            <a:endParaRPr lang="en-US" altLang="ko-KR" sz="4000" dirty="0" smtClean="0">
               <a:solidFill>
                 <a:schemeClr val="tx1">
                   <a:lumMod val="50000"/>
                   <a:lumOff val="50000"/>
                 </a:schemeClr>
               </a:solidFill>
-            </a:endParaRPr>
-          </a:p>
-          <a:p>
-            <a:pPr>
-              <a:buFont typeface="Wingdings" pitchFamily="2" charset="2"/>
-              <a:buChar char="ü"/>
-            </a:pPr>
-            <a:r>
-              <a:rPr lang="ko-KR" altLang="en-US" sz="1900" dirty="0" smtClean="0">
-                <a:solidFill>
-                  <a:schemeClr val="tx1">
-                    <a:lumMod val="50000"/>
-                    <a:lumOff val="50000"/>
-                  </a:schemeClr>
-                </a:solidFill>
-              </a:rPr>
-              <a:t>팀 멤버 수정 </a:t>
-            </a:r>
-            <a:endParaRPr lang="en-US" altLang="ko-KR" sz="1900" dirty="0" smtClean="0">
-              <a:solidFill>
-                <a:schemeClr val="tx1">
-                  <a:lumMod val="50000"/>
-                  <a:lumOff val="50000"/>
-                </a:schemeClr>
-              </a:solidFill>
-            </a:endParaRPr>
-          </a:p>
-          <a:p>
-            <a:pPr>
-              <a:buFont typeface="Wingdings" pitchFamily="2" charset="2"/>
-              <a:buChar char="ü"/>
-            </a:pPr>
-            <a:r>
-              <a:rPr lang="ko-KR" altLang="en-US" sz="1900" dirty="0" smtClean="0">
-                <a:solidFill>
-                  <a:schemeClr val="tx1">
-                    <a:lumMod val="50000"/>
-                    <a:lumOff val="50000"/>
-                  </a:schemeClr>
-                </a:solidFill>
-              </a:rPr>
-              <a:t>팀 멤버 삭제</a:t>
-            </a:r>
-            <a:endParaRPr lang="ko-KR" altLang="en-US" sz="1900" dirty="0">
-              <a:solidFill>
-                <a:schemeClr val="tx1">
-                  <a:lumMod val="50000"/>
-                  <a:lumOff val="50000"/>
-                </a:schemeClr>
-              </a:solidFill>
+              <a:latin typeface="Calibri" pitchFamily="34" charset="0"/>
+              <a:cs typeface="Calibri" pitchFamily="34" charset="0"/>
             </a:endParaRPr>
           </a:p>
         </p:txBody>
       </p:sp>
     </p:spTree>
+    <p:extLst>
+      <p:ext uri="{BB962C8B-B14F-4D97-AF65-F5344CB8AC3E}">
+        <p14:creationId xmlns:p14="http://schemas.microsoft.com/office/powerpoint/2010/main" xmlns="" val="891763176"/>
+      </p:ext>
+    </p:extLst>
   </p:cSld>
   <p:clrMapOvr>
     <a:masterClrMapping/>
@@ -4758,60 +4728,164 @@
           <a:chExt cx="0" cy="0"/>
         </a:xfrm>
       </p:grpSpPr>
-      <p:pic>
-        <p:nvPicPr>
-          <p:cNvPr id="5" name="내용 개체 틀 4" descr="manu.png"/>
-          <p:cNvPicPr>
-            <a:picLocks noGrp="1" noChangeAspect="1"/>
-          </p:cNvPicPr>
-          <p:nvPr>
-            <p:ph idx="1"/>
-          </p:nvPr>
-        </p:nvPicPr>
-        <p:blipFill>
-          <a:blip r:embed="rId2" cstate="print"/>
-          <a:stretch>
-            <a:fillRect/>
-          </a:stretch>
-        </p:blipFill>
-        <p:spPr>
-          <a:xfrm>
-            <a:off x="1907704" y="1556792"/>
-            <a:ext cx="4536504" cy="4335996"/>
-          </a:xfrm>
-        </p:spPr>
-      </p:pic>
       <p:sp>
         <p:nvSpPr>
-          <p:cNvPr id="6" name="제목 1"/>
+          <p:cNvPr id="3" name="Content Placeholder 2"/>
           <p:cNvSpPr>
             <a:spLocks noGrp="1"/>
           </p:cNvSpPr>
           <p:nvPr>
-            <p:ph type="title"/>
+            <p:ph idx="1"/>
           </p:nvPr>
         </p:nvSpPr>
         <p:spPr>
           <a:xfrm>
-            <a:off x="1285852" y="0"/>
-            <a:ext cx="9144000" cy="1124744"/>
+            <a:off x="1835696" y="1484784"/>
+            <a:ext cx="6851104" cy="4525963"/>
           </a:xfrm>
         </p:spPr>
         <p:txBody>
-          <a:bodyPr/>
+          <a:bodyPr>
+            <a:normAutofit/>
+          </a:bodyPr>
           <a:lstStyle/>
           <a:p>
-            <a:r>
-              <a:rPr lang="en-US" altLang="ko-KR" sz="4400" dirty="0" smtClean="0">
+            <a:endParaRPr lang="en-US" altLang="ko-KR" sz="4000" dirty="0" smtClean="0">
+              <a:solidFill>
+                <a:schemeClr val="tx1">
+                  <a:lumMod val="75000"/>
+                  <a:lumOff val="25000"/>
+                </a:schemeClr>
+              </a:solidFill>
+              <a:latin typeface="Calibri" pitchFamily="34" charset="0"/>
+              <a:cs typeface="Calibri" pitchFamily="34" charset="0"/>
+            </a:endParaRPr>
+          </a:p>
+          <a:p>
+            <a:endParaRPr lang="en-US" altLang="ko-KR" sz="4000" dirty="0" smtClean="0">
+              <a:solidFill>
+                <a:schemeClr val="tx1">
+                  <a:lumMod val="50000"/>
+                  <a:lumOff val="50000"/>
+                </a:schemeClr>
+              </a:solidFill>
+              <a:latin typeface="Calibri" pitchFamily="34" charset="0"/>
+              <a:cs typeface="Calibri" pitchFamily="34" charset="0"/>
+            </a:endParaRPr>
+          </a:p>
+        </p:txBody>
+      </p:sp>
+      <p:pic>
+        <p:nvPicPr>
+          <p:cNvPr id="1026" name="Picture 2"/>
+          <p:cNvPicPr>
+            <a:picLocks noChangeAspect="1" noChangeArrowheads="1"/>
+          </p:cNvPicPr>
+          <p:nvPr/>
+        </p:nvPicPr>
+        <p:blipFill rotWithShape="1">
+          <a:blip r:embed="rId2">
+            <a:extLst>
+              <a:ext uri="{28A0092B-C50C-407E-A947-70E740481C1C}">
+                <a14:useLocalDpi xmlns:a14="http://schemas.microsoft.com/office/drawing/2010/main" xmlns="" val="0"/>
+              </a:ext>
+            </a:extLst>
+          </a:blip>
+          <a:srcRect l="7255" t="20161" r="8071" b="13461"/>
+          <a:stretch/>
+        </p:blipFill>
+        <p:spPr bwMode="auto">
+          <a:xfrm>
+            <a:off x="1643041" y="2053002"/>
+            <a:ext cx="7206553" cy="3176197"/>
+          </a:xfrm>
+          <a:prstGeom prst="rect">
+            <a:avLst/>
+          </a:prstGeom>
+          <a:noFill/>
+          <a:ln>
+            <a:noFill/>
+          </a:ln>
+          <a:effectLst/>
+          <a:extLst>
+            <a:ext uri="{909E8E84-426E-40DD-AFC4-6F175D3DCCD1}">
+              <a14:hiddenFill xmlns:a14="http://schemas.microsoft.com/office/drawing/2010/main" xmlns="">
+                <a:solidFill>
+                  <a:schemeClr val="accent1"/>
+                </a:solidFill>
+              </a14:hiddenFill>
+            </a:ext>
+            <a:ext uri="{91240B29-F687-4F45-9708-019B960494DF}">
+              <a14:hiddenLine xmlns:a14="http://schemas.microsoft.com/office/drawing/2010/main" xmlns="" w="9525">
+                <a:solidFill>
+                  <a:schemeClr val="tx1"/>
+                </a:solidFill>
+                <a:miter lim="800000"/>
+                <a:headEnd/>
+                <a:tailEnd/>
+              </a14:hiddenLine>
+            </a:ext>
+            <a:ext uri="{AF507438-7753-43E0-B8FC-AC1667EBCBE1}">
+              <a14:hiddenEffects xmlns:a14="http://schemas.microsoft.com/office/drawing/2010/main" xmlns="">
+                <a:effectLst>
+                  <a:outerShdw dist="35921" dir="2700000" algn="ctr" rotWithShape="0">
+                    <a:schemeClr val="bg2"/>
+                  </a:outerShdw>
+                </a:effectLst>
+              </a14:hiddenEffects>
+            </a:ext>
+          </a:extLst>
+        </p:spPr>
+      </p:pic>
+      <p:sp>
+        <p:nvSpPr>
+          <p:cNvPr id="9" name="Title 1"/>
+          <p:cNvSpPr txBox="1">
+            <a:spLocks/>
+          </p:cNvSpPr>
+          <p:nvPr/>
+        </p:nvSpPr>
+        <p:spPr>
+          <a:xfrm>
+            <a:off x="1259632" y="0"/>
+            <a:ext cx="7884368" cy="1069514"/>
+          </a:xfrm>
+          <a:prstGeom prst="rect">
+            <a:avLst/>
+          </a:prstGeom>
+        </p:spPr>
+        <p:txBody>
+          <a:bodyPr anchor="ctr"/>
+          <a:lstStyle>
+            <a:lvl1pPr algn="l" defTabSz="914400" rtl="0" eaLnBrk="1" latinLnBrk="1" hangingPunct="1">
+              <a:spcBef>
+                <a:spcPct val="0"/>
+              </a:spcBef>
+              <a:buNone/>
+              <a:defRPr sz="4000" b="1" kern="1200" baseline="0">
+                <a:solidFill>
+                  <a:schemeClr val="tx1"/>
+                </a:solidFill>
+                <a:latin typeface="Arial" pitchFamily="34" charset="0"/>
+                <a:ea typeface="+mj-ea"/>
+                <a:cs typeface="Arial" pitchFamily="34" charset="0"/>
+              </a:defRPr>
+            </a:lvl1pPr>
+          </a:lstStyle>
+          <a:p>
+            <a:r>
+              <a:rPr lang="en-US" altLang="ko-KR" sz="4400" smtClean="0">
                 <a:solidFill>
                   <a:schemeClr val="tx1">
                     <a:lumMod val="75000"/>
                     <a:lumOff val="25000"/>
                   </a:schemeClr>
                 </a:solidFill>
-                <a:latin typeface="+mj-lt"/>
+                <a:latin typeface="Calibri" pitchFamily="34" charset="0"/>
+                <a:ea typeface="Arial Unicode MS" pitchFamily="50" charset="-127"/>
+                <a:cs typeface="Calibri" pitchFamily="34" charset="0"/>
               </a:rPr>
-              <a:t>Manchester United</a:t>
+              <a:t>Organic Molecules List </a:t>
             </a:r>
             <a:endParaRPr lang="ko-KR" altLang="en-US" sz="4400" dirty="0">
               <a:solidFill>
@@ -4820,8 +4894,9 @@
                   <a:lumOff val="25000"/>
                 </a:schemeClr>
               </a:solidFill>
-              <a:latin typeface="굴림" pitchFamily="50" charset="-127"/>
-              <a:ea typeface="굴림" pitchFamily="50" charset="-127"/>
+              <a:latin typeface="Calibri" pitchFamily="34" charset="0"/>
+              <a:ea typeface="Arial Unicode MS" pitchFamily="50" charset="-127"/>
+              <a:cs typeface="Calibri" pitchFamily="34" charset="0"/>
             </a:endParaRPr>
           </a:p>
         </p:txBody>
@@ -4829,7 +4904,7 @@
     </p:spTree>
     <p:extLst>
       <p:ext uri="{BB962C8B-B14F-4D97-AF65-F5344CB8AC3E}">
-        <p14:creationId xmlns="" xmlns:p14="http://schemas.microsoft.com/office/powerpoint/2010/main" val="891763176"/>
+        <p14:creationId xmlns:p14="http://schemas.microsoft.com/office/powerpoint/2010/main" xmlns="" val="891763176"/>
       </p:ext>
     </p:extLst>
   </p:cSld>
@@ -4864,27 +4939,82 @@
           <a:chExt cx="0" cy="0"/>
         </a:xfrm>
       </p:grpSpPr>
+      <p:sp>
+        <p:nvSpPr>
+          <p:cNvPr id="7" name="Title 1"/>
+          <p:cNvSpPr>
+            <a:spLocks noGrp="1"/>
+          </p:cNvSpPr>
+          <p:nvPr>
+            <p:ph type="title"/>
+          </p:nvPr>
+        </p:nvSpPr>
+        <p:spPr>
+          <a:xfrm>
+            <a:off x="1259632" y="0"/>
+            <a:ext cx="7884368" cy="1069514"/>
+          </a:xfrm>
+        </p:spPr>
+        <p:txBody>
+          <a:bodyPr/>
+          <a:lstStyle/>
+          <a:p>
+            <a:r>
+              <a:rPr lang="en-US" altLang="ko-KR" sz="4400" dirty="0" smtClean="0">
+                <a:solidFill>
+                  <a:schemeClr val="tx1">
+                    <a:lumMod val="75000"/>
+                    <a:lumOff val="25000"/>
+                  </a:schemeClr>
+                </a:solidFill>
+                <a:latin typeface="Calibri" pitchFamily="34" charset="0"/>
+                <a:ea typeface="Arial Unicode MS" pitchFamily="50" charset="-127"/>
+                <a:cs typeface="Calibri" pitchFamily="34" charset="0"/>
+              </a:rPr>
+              <a:t>Organic Molecules List </a:t>
+            </a:r>
+            <a:endParaRPr lang="ko-KR" altLang="en-US" sz="4400" dirty="0">
+              <a:solidFill>
+                <a:schemeClr val="tx1">
+                  <a:lumMod val="75000"/>
+                  <a:lumOff val="25000"/>
+                </a:schemeClr>
+              </a:solidFill>
+              <a:latin typeface="Calibri" pitchFamily="34" charset="0"/>
+              <a:ea typeface="Arial Unicode MS" pitchFamily="50" charset="-127"/>
+              <a:cs typeface="Calibri" pitchFamily="34" charset="0"/>
+            </a:endParaRPr>
+          </a:p>
+        </p:txBody>
+      </p:sp>
       <p:pic>
         <p:nvPicPr>
-          <p:cNvPr id="4" name="내용 개체 틀 3" descr="team.png"/>
+          <p:cNvPr id="6" name="Picture 3"/>
           <p:cNvPicPr>
-            <a:picLocks noGrp="1" noChangeAspect="1"/>
+            <a:picLocks noChangeAspect="1" noChangeArrowheads="1"/>
           </p:cNvPicPr>
-          <p:nvPr>
-            <p:ph idx="1"/>
-          </p:nvPr>
+          <p:nvPr/>
         </p:nvPicPr>
-        <p:blipFill>
-          <a:blip r:embed="rId2" cstate="print"/>
-          <a:stretch>
-            <a:fillRect/>
-          </a:stretch>
+        <p:blipFill rotWithShape="1">
+          <a:blip r:embed="rId2">
+            <a:extLst>
+              <a:ext uri="{28A0092B-C50C-407E-A947-70E740481C1C}">
+                <a14:useLocalDpi xmlns:a14="http://schemas.microsoft.com/office/drawing/2010/main" xmlns="" val="0"/>
+              </a:ext>
+            </a:extLst>
+          </a:blip>
+          <a:srcRect l="6536" t="19856" r="63942" b="37837"/>
+          <a:stretch/>
         </p:blipFill>
-        <p:spPr>
-          <a:xfrm>
-            <a:off x="1259632" y="548680"/>
-            <a:ext cx="6089925" cy="2376264"/>
-          </a:xfrm>
+        <p:spPr bwMode="auto">
+          <a:xfrm>
+            <a:off x="5072066" y="1319363"/>
+            <a:ext cx="3841160" cy="3143272"/>
+          </a:xfrm>
+          <a:prstGeom prst="rect">
+            <a:avLst/>
+          </a:prstGeom>
+          <a:noFill/>
           <a:ln>
             <a:solidFill>
               <a:schemeClr val="tx1">
@@ -4900,30 +5030,64 @@
               </a:prstClr>
             </a:outerShdw>
           </a:effectLst>
+          <a:extLst>
+            <a:ext uri="{909E8E84-426E-40DD-AFC4-6F175D3DCCD1}">
+              <a14:hiddenFill xmlns:a14="http://schemas.microsoft.com/office/drawing/2010/main" xmlns="">
+                <a:solidFill>
+                  <a:schemeClr val="accent1"/>
+                </a:solidFill>
+              </a14:hiddenFill>
+            </a:ext>
+            <a:ext uri="{91240B29-F687-4F45-9708-019B960494DF}">
+              <a14:hiddenLine xmlns:a14="http://schemas.microsoft.com/office/drawing/2010/main" xmlns="" w="9525">
+                <a:solidFill>
+                  <a:schemeClr val="tx1"/>
+                </a:solidFill>
+                <a:miter lim="800000"/>
+                <a:headEnd/>
+                <a:tailEnd/>
+              </a14:hiddenLine>
+            </a:ext>
+            <a:ext uri="{AF507438-7753-43E0-B8FC-AC1667EBCBE1}">
+              <a14:hiddenEffects xmlns:a14="http://schemas.microsoft.com/office/drawing/2010/main" xmlns="">
+                <a:effectLst>
+                  <a:outerShdw dist="35921" dir="2700000" algn="ctr" rotWithShape="0">
+                    <a:schemeClr val="bg2"/>
+                  </a:outerShdw>
+                </a:effectLst>
+              </a14:hiddenEffects>
+            </a:ext>
+          </a:extLst>
         </p:spPr>
       </p:pic>
       <p:pic>
         <p:nvPicPr>
-          <p:cNvPr id="5" name="그림 4" descr="players.png"/>
+          <p:cNvPr id="2052" name="Picture 4"/>
           <p:cNvPicPr>
-            <a:picLocks noChangeAspect="1"/>
+            <a:picLocks noChangeAspect="1" noChangeArrowheads="1"/>
           </p:cNvPicPr>
           <p:nvPr/>
         </p:nvPicPr>
-        <p:blipFill>
-          <a:blip r:embed="rId3" cstate="print"/>
-          <a:stretch>
-            <a:fillRect/>
-          </a:stretch>
+        <p:blipFill rotWithShape="1">
+          <a:blip r:embed="rId3">
+            <a:extLst>
+              <a:ext uri="{28A0092B-C50C-407E-A947-70E740481C1C}">
+                <a14:useLocalDpi xmlns:a14="http://schemas.microsoft.com/office/drawing/2010/main" xmlns="" val="0"/>
+              </a:ext>
+            </a:extLst>
+          </a:blip>
+          <a:srcRect l="7617" t="19663" r="66002" b="37605"/>
+          <a:stretch/>
         </p:blipFill>
-        <p:spPr>
-          <a:xfrm>
-            <a:off x="4283968" y="3212976"/>
-            <a:ext cx="4644008" cy="3275200"/>
+        <p:spPr bwMode="auto">
+          <a:xfrm>
+            <a:off x="1428728" y="1319363"/>
+            <a:ext cx="3432517" cy="3143271"/>
           </a:xfrm>
           <a:prstGeom prst="rect">
             <a:avLst/>
           </a:prstGeom>
+          <a:noFill/>
           <a:ln>
             <a:solidFill>
               <a:schemeClr val="tx1">
@@ -4939,49 +5103,120 @@
               </a:prstClr>
             </a:outerShdw>
           </a:effectLst>
+          <a:extLst>
+            <a:ext uri="{909E8E84-426E-40DD-AFC4-6F175D3DCCD1}">
+              <a14:hiddenFill xmlns:a14="http://schemas.microsoft.com/office/drawing/2010/main" xmlns="">
+                <a:solidFill>
+                  <a:schemeClr val="accent1"/>
+                </a:solidFill>
+              </a14:hiddenFill>
+            </a:ext>
+            <a:ext uri="{91240B29-F687-4F45-9708-019B960494DF}">
+              <a14:hiddenLine xmlns:a14="http://schemas.microsoft.com/office/drawing/2010/main" xmlns="" w="9525">
+                <a:solidFill>
+                  <a:schemeClr val="tx1"/>
+                </a:solidFill>
+                <a:miter lim="800000"/>
+                <a:headEnd/>
+                <a:tailEnd/>
+              </a14:hiddenLine>
+            </a:ext>
+            <a:ext uri="{AF507438-7753-43E0-B8FC-AC1667EBCBE1}">
+              <a14:hiddenEffects xmlns:a14="http://schemas.microsoft.com/office/drawing/2010/main" xmlns="">
+                <a:effectLst>
+                  <a:outerShdw dist="35921" dir="2700000" algn="ctr" rotWithShape="0">
+                    <a:schemeClr val="bg2"/>
+                  </a:outerShdw>
+                </a:effectLst>
+              </a14:hiddenEffects>
+            </a:ext>
+          </a:extLst>
         </p:spPr>
       </p:pic>
-      <p:cxnSp>
-        <p:nvCxnSpPr>
-          <p:cNvPr id="17" name="Shape 16"/>
-          <p:cNvCxnSpPr>
-            <a:endCxn id="5" idx="1"/>
-          </p:cNvCxnSpPr>
+      <p:pic>
+        <p:nvPicPr>
+          <p:cNvPr id="2053" name="Picture 5"/>
+          <p:cNvPicPr>
+            <a:picLocks noChangeAspect="1" noChangeArrowheads="1"/>
+          </p:cNvPicPr>
           <p:nvPr/>
-        </p:nvCxnSpPr>
-        <p:spPr>
-          <a:xfrm rot="16200000" flipH="1">
-            <a:off x="2385048" y="2951656"/>
-            <a:ext cx="1925632" cy="1872208"/>
-          </a:xfrm>
-          <a:prstGeom prst="bentConnector2">
+        </p:nvPicPr>
+        <p:blipFill rotWithShape="1">
+          <a:blip r:embed="rId4">
+            <a:extLst>
+              <a:ext uri="{28A0092B-C50C-407E-A947-70E740481C1C}">
+                <a14:useLocalDpi xmlns:a14="http://schemas.microsoft.com/office/drawing/2010/main" xmlns="" val="0"/>
+              </a:ext>
+            </a:extLst>
+          </a:blip>
+          <a:srcRect l="7943" t="20048" r="9848" b="55144"/>
+          <a:stretch/>
+        </p:blipFill>
+        <p:spPr bwMode="auto">
+          <a:xfrm>
+            <a:off x="1428728" y="4680975"/>
+            <a:ext cx="7500990" cy="1248355"/>
+          </a:xfrm>
+          <a:prstGeom prst="rect">
             <a:avLst/>
           </a:prstGeom>
+          <a:noFill/>
           <a:ln>
-            <a:tailEnd type="arrow"/>
+            <a:solidFill>
+              <a:schemeClr val="tx1">
+                <a:lumMod val="95000"/>
+                <a:lumOff val="5000"/>
+              </a:schemeClr>
+            </a:solidFill>
           </a:ln>
-        </p:spPr>
-        <p:style>
-          <a:lnRef idx="1">
-            <a:schemeClr val="accent1"/>
-          </a:lnRef>
-          <a:fillRef idx="0">
-            <a:schemeClr val="accent1"/>
-          </a:fillRef>
-          <a:effectRef idx="0">
-            <a:schemeClr val="accent1"/>
-          </a:effectRef>
-          <a:fontRef idx="minor">
-            <a:schemeClr val="tx1"/>
-          </a:fontRef>
-        </p:style>
-      </p:cxnSp>
+          <a:effectLst>
+            <a:outerShdw blurRad="50800" dist="38100" dir="2700000" algn="tl" rotWithShape="0">
+              <a:prstClr val="black">
+                <a:alpha val="40000"/>
+              </a:prstClr>
+            </a:outerShdw>
+          </a:effectLst>
+          <a:extLst>
+            <a:ext uri="{909E8E84-426E-40DD-AFC4-6F175D3DCCD1}">
+              <a14:hiddenFill xmlns:a14="http://schemas.microsoft.com/office/drawing/2010/main" xmlns="">
+                <a:solidFill>
+                  <a:schemeClr val="accent1"/>
+                </a:solidFill>
+              </a14:hiddenFill>
+            </a:ext>
+            <a:ext uri="{91240B29-F687-4F45-9708-019B960494DF}">
+              <a14:hiddenLine xmlns:a14="http://schemas.microsoft.com/office/drawing/2010/main" xmlns="" w="9525">
+                <a:solidFill>
+                  <a:schemeClr val="tx1"/>
+                </a:solidFill>
+                <a:miter lim="800000"/>
+                <a:headEnd/>
+                <a:tailEnd/>
+              </a14:hiddenLine>
+            </a:ext>
+            <a:ext uri="{AF507438-7753-43E0-B8FC-AC1667EBCBE1}">
+              <a14:hiddenEffects xmlns:a14="http://schemas.microsoft.com/office/drawing/2010/main" xmlns="">
+                <a:effectLst>
+                  <a:outerShdw dist="35921" dir="2700000" algn="ctr" rotWithShape="0">
+                    <a:schemeClr val="bg2"/>
+                  </a:outerShdw>
+                </a:effectLst>
+              </a14:hiddenEffects>
+            </a:ext>
+          </a:extLst>
+        </p:spPr>
+      </p:pic>
     </p:spTree>
+    <p:extLst>
+      <p:ext uri="{BB962C8B-B14F-4D97-AF65-F5344CB8AC3E}">
+        <p14:creationId xmlns:p14="http://schemas.microsoft.com/office/powerpoint/2010/main" xmlns="" val="891763176"/>
+      </p:ext>
+    </p:extLst>
   </p:cSld>
   <p:clrMapOvr>
     <a:masterClrMapping/>
   </p:clrMapOvr>
-  <p:transition/>
+  <p:transition advTm="0"/>
   <p:timing>
     <p:tnLst>
       <p:par>
@@ -5009,115 +5244,9 @@
           <a:chExt cx="0" cy="0"/>
         </a:xfrm>
       </p:grpSpPr>
-      <p:pic>
-        <p:nvPicPr>
-          <p:cNvPr id="9" name="내용 개체 틀 3" descr="team.png"/>
-          <p:cNvPicPr>
-            <a:picLocks noGrp="1" noChangeAspect="1"/>
-          </p:cNvPicPr>
-          <p:nvPr>
-            <p:ph idx="1"/>
-          </p:nvPr>
-        </p:nvPicPr>
-        <p:blipFill>
-          <a:blip r:embed="rId2" cstate="print"/>
-          <a:stretch>
-            <a:fillRect/>
-          </a:stretch>
-        </p:blipFill>
-        <p:spPr>
-          <a:xfrm>
-            <a:off x="1403649" y="1194411"/>
-            <a:ext cx="4811426" cy="1877399"/>
-          </a:xfrm>
-          <a:ln>
-            <a:solidFill>
-              <a:schemeClr val="tx1">
-                <a:lumMod val="75000"/>
-                <a:lumOff val="25000"/>
-              </a:schemeClr>
-            </a:solidFill>
-          </a:ln>
-          <a:effectLst>
-            <a:outerShdw blurRad="50800" dist="38100" dir="2700000" algn="tl" rotWithShape="0">
-              <a:prstClr val="black">
-                <a:alpha val="40000"/>
-              </a:prstClr>
-            </a:outerShdw>
-          </a:effectLst>
-        </p:spPr>
-      </p:pic>
-      <p:pic>
-        <p:nvPicPr>
-          <p:cNvPr id="1029" name="Picture 5" descr="C:\Users\java\Desktop\modal-regist.png"/>
-          <p:cNvPicPr>
-            <a:picLocks noChangeAspect="1" noChangeArrowheads="1"/>
-          </p:cNvPicPr>
-          <p:nvPr/>
-        </p:nvPicPr>
-        <p:blipFill>
-          <a:blip r:embed="rId3" cstate="print"/>
-          <a:srcRect/>
-          <a:stretch>
-            <a:fillRect/>
-          </a:stretch>
-        </p:blipFill>
-        <p:spPr bwMode="auto">
-          <a:xfrm>
-            <a:off x="1428728" y="3256772"/>
-            <a:ext cx="3214970" cy="1386674"/>
-          </a:xfrm>
-          <a:prstGeom prst="rect">
-            <a:avLst/>
-          </a:prstGeom>
-          <a:noFill/>
-          <a:ln>
-            <a:solidFill>
-              <a:schemeClr val="tx1">
-                <a:lumMod val="95000"/>
-                <a:lumOff val="5000"/>
-              </a:schemeClr>
-            </a:solidFill>
-          </a:ln>
-        </p:spPr>
-      </p:pic>
-      <p:pic>
-        <p:nvPicPr>
-          <p:cNvPr id="1031" name="Picture 7" descr="C:\Users\java\Desktop\modla_modify.png"/>
-          <p:cNvPicPr>
-            <a:picLocks noChangeAspect="1" noChangeArrowheads="1"/>
-          </p:cNvPicPr>
-          <p:nvPr/>
-        </p:nvPicPr>
-        <p:blipFill>
-          <a:blip r:embed="rId4" cstate="print"/>
-          <a:srcRect/>
-          <a:stretch>
-            <a:fillRect/>
-          </a:stretch>
-        </p:blipFill>
-        <p:spPr bwMode="auto">
-          <a:xfrm>
-            <a:off x="5180933" y="3271949"/>
-            <a:ext cx="3248719" cy="1800125"/>
-          </a:xfrm>
-          <a:prstGeom prst="rect">
-            <a:avLst/>
-          </a:prstGeom>
-          <a:noFill/>
-          <a:ln>
-            <a:solidFill>
-              <a:schemeClr val="tx1">
-                <a:lumMod val="95000"/>
-                <a:lumOff val="5000"/>
-              </a:schemeClr>
-            </a:solidFill>
-          </a:ln>
-        </p:spPr>
-      </p:pic>
       <p:sp>
         <p:nvSpPr>
-          <p:cNvPr id="13" name="제목 12"/>
+          <p:cNvPr id="2" name="제목 1"/>
           <p:cNvSpPr>
             <a:spLocks noGrp="1"/>
           </p:cNvSpPr>
@@ -5127,8 +5256,8 @@
         </p:nvSpPr>
         <p:spPr>
           <a:xfrm>
-            <a:off x="1285916" y="0"/>
-            <a:ext cx="9144000" cy="1069514"/>
+            <a:off x="1285852" y="0"/>
+            <a:ext cx="9144000" cy="1124744"/>
           </a:xfrm>
         </p:spPr>
         <p:txBody>
@@ -5139,60 +5268,237 @@
               <a:rPr lang="en-US" altLang="ko-KR" sz="4400" dirty="0" smtClean="0">
                 <a:solidFill>
                   <a:schemeClr val="tx1">
-                    <a:lumMod val="65000"/>
-                    <a:lumOff val="35000"/>
+                    <a:lumMod val="75000"/>
+                    <a:lumOff val="25000"/>
                   </a:schemeClr>
                 </a:solidFill>
                 <a:latin typeface="+mj-lt"/>
               </a:rPr>
-              <a:t>Team </a:t>
+              <a:t>Manchester United </a:t>
+            </a:r>
+            <a:r>
+              <a:rPr lang="ko-KR" altLang="en-US" sz="4400" dirty="0" smtClean="0">
+                <a:solidFill>
+                  <a:schemeClr val="tx1">
+                    <a:lumMod val="75000"/>
+                    <a:lumOff val="25000"/>
+                  </a:schemeClr>
+                </a:solidFill>
+                <a:latin typeface="굴림" pitchFamily="50" charset="-127"/>
+                <a:ea typeface="굴림" pitchFamily="50" charset="-127"/>
+              </a:rPr>
+              <a:t>구단관리</a:t>
             </a:r>
             <a:endParaRPr lang="ko-KR" altLang="en-US" sz="4400" dirty="0">
               <a:solidFill>
                 <a:schemeClr val="tx1">
-                  <a:lumMod val="65000"/>
-                  <a:lumOff val="35000"/>
+                  <a:lumMod val="75000"/>
+                  <a:lumOff val="25000"/>
                 </a:schemeClr>
               </a:solidFill>
-              <a:latin typeface="+mj-lt"/>
+              <a:latin typeface="굴림" pitchFamily="50" charset="-127"/>
+              <a:ea typeface="굴림" pitchFamily="50" charset="-127"/>
             </a:endParaRPr>
           </a:p>
         </p:txBody>
       </p:sp>
-      <p:pic>
-        <p:nvPicPr>
-          <p:cNvPr id="1030" name="Picture 6" descr="C:\Users\java\Desktop\modla_delte.png"/>
-          <p:cNvPicPr>
-            <a:picLocks noChangeAspect="1" noChangeArrowheads="1"/>
-          </p:cNvPicPr>
-          <p:nvPr/>
-        </p:nvPicPr>
-        <p:blipFill>
-          <a:blip r:embed="rId5" cstate="print"/>
-          <a:srcRect/>
-          <a:stretch>
-            <a:fillRect/>
-          </a:stretch>
-        </p:blipFill>
-        <p:spPr bwMode="auto">
-          <a:xfrm>
-            <a:off x="1428728" y="5143512"/>
-            <a:ext cx="4024469" cy="1251825"/>
-          </a:xfrm>
-          <a:prstGeom prst="rect">
-            <a:avLst/>
-          </a:prstGeom>
-          <a:noFill/>
-          <a:ln>
-            <a:solidFill>
-              <a:schemeClr val="tx1">
-                <a:lumMod val="95000"/>
-                <a:lumOff val="5000"/>
-              </a:schemeClr>
-            </a:solidFill>
-          </a:ln>
-        </p:spPr>
-      </p:pic>
+      <p:sp>
+        <p:nvSpPr>
+          <p:cNvPr id="3" name="내용 개체 틀 2"/>
+          <p:cNvSpPr>
+            <a:spLocks noGrp="1"/>
+          </p:cNvSpPr>
+          <p:nvPr>
+            <p:ph idx="1"/>
+          </p:nvPr>
+        </p:nvSpPr>
+        <p:spPr>
+          <a:xfrm>
+            <a:off x="1331640" y="1556792"/>
+            <a:ext cx="7355160" cy="4569371"/>
+          </a:xfrm>
+        </p:spPr>
+        <p:txBody>
+          <a:bodyPr/>
+          <a:lstStyle/>
+          <a:p>
+            <a:r>
+              <a:rPr lang="en-US" altLang="ko-KR" sz="3000" dirty="0" smtClean="0"/>
+              <a:t>Team </a:t>
+            </a:r>
+            <a:r>
+              <a:rPr lang="ko-KR" altLang="en-US" sz="3000" dirty="0" smtClean="0"/>
+              <a:t>관리</a:t>
+            </a:r>
+            <a:endParaRPr lang="en-US" altLang="ko-KR" sz="3000" dirty="0" smtClean="0"/>
+          </a:p>
+          <a:p>
+            <a:pPr>
+              <a:buFont typeface="Wingdings" pitchFamily="2" charset="2"/>
+              <a:buChar char="ü"/>
+            </a:pPr>
+            <a:r>
+              <a:rPr lang="ko-KR" altLang="en-US" sz="1900" dirty="0" smtClean="0">
+                <a:solidFill>
+                  <a:schemeClr val="tx1">
+                    <a:lumMod val="50000"/>
+                    <a:lumOff val="50000"/>
+                  </a:schemeClr>
+                </a:solidFill>
+              </a:rPr>
+              <a:t>구단 소속 팀 등록 </a:t>
+            </a:r>
+            <a:endParaRPr lang="en-US" altLang="ko-KR" sz="1900" dirty="0" smtClean="0">
+              <a:solidFill>
+                <a:schemeClr val="tx1">
+                  <a:lumMod val="50000"/>
+                  <a:lumOff val="50000"/>
+                </a:schemeClr>
+              </a:solidFill>
+            </a:endParaRPr>
+          </a:p>
+          <a:p>
+            <a:pPr>
+              <a:buFont typeface="Wingdings" pitchFamily="2" charset="2"/>
+              <a:buChar char="ü"/>
+            </a:pPr>
+            <a:r>
+              <a:rPr lang="ko-KR" altLang="en-US" sz="1900" dirty="0" smtClean="0">
+                <a:solidFill>
+                  <a:schemeClr val="tx1">
+                    <a:lumMod val="50000"/>
+                    <a:lumOff val="50000"/>
+                  </a:schemeClr>
+                </a:solidFill>
+              </a:rPr>
+              <a:t>구단 소속 팀 수정 </a:t>
+            </a:r>
+            <a:endParaRPr lang="en-US" altLang="ko-KR" sz="1900" dirty="0" smtClean="0">
+              <a:solidFill>
+                <a:schemeClr val="tx1">
+                  <a:lumMod val="50000"/>
+                  <a:lumOff val="50000"/>
+                </a:schemeClr>
+              </a:solidFill>
+            </a:endParaRPr>
+          </a:p>
+          <a:p>
+            <a:pPr>
+              <a:buFont typeface="Wingdings" pitchFamily="2" charset="2"/>
+              <a:buChar char="ü"/>
+            </a:pPr>
+            <a:r>
+              <a:rPr lang="ko-KR" altLang="en-US" sz="1900" dirty="0" smtClean="0">
+                <a:solidFill>
+                  <a:schemeClr val="tx1">
+                    <a:lumMod val="50000"/>
+                    <a:lumOff val="50000"/>
+                  </a:schemeClr>
+                </a:solidFill>
+              </a:rPr>
+              <a:t>구단 소속 팀 삭제</a:t>
+            </a:r>
+            <a:endParaRPr lang="en-US" altLang="ko-KR" sz="1900" dirty="0" smtClean="0">
+              <a:solidFill>
+                <a:schemeClr val="tx1">
+                  <a:lumMod val="50000"/>
+                  <a:lumOff val="50000"/>
+                </a:schemeClr>
+              </a:solidFill>
+            </a:endParaRPr>
+          </a:p>
+          <a:p>
+            <a:pPr lvl="1"/>
+            <a:endParaRPr lang="en-US" altLang="ko-KR" dirty="0" smtClean="0"/>
+          </a:p>
+          <a:p>
+            <a:r>
+              <a:rPr lang="en-US" altLang="ko-KR" sz="3000" dirty="0" smtClean="0"/>
+              <a:t>Member </a:t>
+            </a:r>
+            <a:r>
+              <a:rPr lang="ko-KR" altLang="en-US" sz="3000" dirty="0" smtClean="0"/>
+              <a:t>관리</a:t>
+            </a:r>
+            <a:endParaRPr lang="en-US" altLang="ko-KR" sz="3000" dirty="0" smtClean="0"/>
+          </a:p>
+          <a:p>
+            <a:pPr>
+              <a:buFont typeface="Wingdings" pitchFamily="2" charset="2"/>
+              <a:buChar char="ü"/>
+            </a:pPr>
+            <a:r>
+              <a:rPr lang="ko-KR" altLang="en-US" sz="1900" dirty="0" smtClean="0">
+                <a:solidFill>
+                  <a:schemeClr val="tx1">
+                    <a:lumMod val="50000"/>
+                    <a:lumOff val="50000"/>
+                  </a:schemeClr>
+                </a:solidFill>
+              </a:rPr>
+              <a:t>팀 멤버 등록 </a:t>
+            </a:r>
+            <a:endParaRPr lang="en-US" altLang="ko-KR" sz="1900" dirty="0" smtClean="0">
+              <a:solidFill>
+                <a:schemeClr val="tx1">
+                  <a:lumMod val="50000"/>
+                  <a:lumOff val="50000"/>
+                </a:schemeClr>
+              </a:solidFill>
+            </a:endParaRPr>
+          </a:p>
+          <a:p>
+            <a:pPr>
+              <a:buFont typeface="Wingdings" pitchFamily="2" charset="2"/>
+              <a:buChar char="ü"/>
+            </a:pPr>
+            <a:r>
+              <a:rPr lang="ko-KR" altLang="en-US" sz="1900" dirty="0" smtClean="0">
+                <a:solidFill>
+                  <a:schemeClr val="tx1">
+                    <a:lumMod val="50000"/>
+                    <a:lumOff val="50000"/>
+                  </a:schemeClr>
+                </a:solidFill>
+              </a:rPr>
+              <a:t>팀 멤버 수정 </a:t>
+            </a:r>
+            <a:endParaRPr lang="en-US" altLang="ko-KR" sz="1900" dirty="0" smtClean="0">
+              <a:solidFill>
+                <a:schemeClr val="tx1">
+                  <a:lumMod val="50000"/>
+                  <a:lumOff val="50000"/>
+                </a:schemeClr>
+              </a:solidFill>
+            </a:endParaRPr>
+          </a:p>
+          <a:p>
+            <a:pPr>
+              <a:buFont typeface="Wingdings" pitchFamily="2" charset="2"/>
+              <a:buChar char="ü"/>
+            </a:pPr>
+            <a:r>
+              <a:rPr lang="ko-KR" altLang="en-US" sz="1900" dirty="0" smtClean="0">
+                <a:solidFill>
+                  <a:schemeClr val="tx1">
+                    <a:lumMod val="50000"/>
+                    <a:lumOff val="50000"/>
+                  </a:schemeClr>
+                </a:solidFill>
+              </a:rPr>
+              <a:t>팀 멤버 삭제</a:t>
+            </a:r>
+            <a:endParaRPr lang="ko-KR" altLang="en-US" sz="1900" dirty="0">
+              <a:solidFill>
+                <a:schemeClr val="tx1">
+                  <a:lumMod val="50000"/>
+                  <a:lumOff val="50000"/>
+                </a:schemeClr>
+              </a:solidFill>
+            </a:endParaRPr>
+          </a:p>
+        </p:txBody>
+      </p:sp>
     </p:spTree>
   </p:cSld>
   <p:clrMapOvr>
@@ -5228,7 +5534,7 @@
       </p:grpSpPr>
       <p:pic>
         <p:nvPicPr>
-          <p:cNvPr id="4" name="내용 개체 틀 3" descr="team.png"/>
+          <p:cNvPr id="5" name="내용 개체 틀 4" descr="manu.png"/>
           <p:cNvPicPr>
             <a:picLocks noGrp="1" noChangeAspect="1"/>
           </p:cNvPicPr>
@@ -5244,184 +5550,62 @@
         </p:blipFill>
         <p:spPr>
           <a:xfrm>
-            <a:off x="1403648" y="332656"/>
-            <a:ext cx="6274468" cy="2448272"/>
-          </a:xfrm>
-          <a:ln>
-            <a:solidFill>
-              <a:schemeClr val="tx1">
-                <a:lumMod val="95000"/>
-                <a:lumOff val="5000"/>
-              </a:schemeClr>
-            </a:solidFill>
-          </a:ln>
-          <a:effectLst>
-            <a:outerShdw blurRad="50800" dist="38100" dir="2700000" algn="tl" rotWithShape="0">
-              <a:prstClr val="black">
-                <a:alpha val="40000"/>
-              </a:prstClr>
-            </a:outerShdw>
-          </a:effectLst>
-        </p:spPr>
-      </p:pic>
-      <p:pic>
-        <p:nvPicPr>
-          <p:cNvPr id="3074" name="Picture 2" descr="C:\Users\java\Desktop\20170411_104345.png"/>
-          <p:cNvPicPr>
-            <a:picLocks noChangeAspect="1" noChangeArrowheads="1"/>
-          </p:cNvPicPr>
-          <p:nvPr/>
-        </p:nvPicPr>
-        <p:blipFill>
-          <a:blip r:embed="rId3" cstate="print"/>
-          <a:srcRect/>
-          <a:stretch>
-            <a:fillRect/>
-          </a:stretch>
-        </p:blipFill>
-        <p:spPr bwMode="auto">
-          <a:xfrm>
-            <a:off x="2195736" y="3068960"/>
-            <a:ext cx="6571307" cy="3473698"/>
-          </a:xfrm>
-          <a:prstGeom prst="rect">
-            <a:avLst/>
-          </a:prstGeom>
-          <a:noFill/>
-          <a:ln>
-            <a:solidFill>
-              <a:schemeClr val="tx1">
-                <a:lumMod val="95000"/>
-                <a:lumOff val="5000"/>
-              </a:schemeClr>
-            </a:solidFill>
-          </a:ln>
-          <a:effectLst>
-            <a:outerShdw blurRad="50800" dist="38100" dir="2700000" algn="tl" rotWithShape="0">
-              <a:prstClr val="black">
-                <a:alpha val="40000"/>
-              </a:prstClr>
-            </a:outerShdw>
-          </a:effectLst>
+            <a:off x="1907704" y="1556792"/>
+            <a:ext cx="4536504" cy="4335996"/>
+          </a:xfrm>
         </p:spPr>
       </p:pic>
       <p:sp>
         <p:nvSpPr>
-          <p:cNvPr id="8" name="직사각형 7"/>
-          <p:cNvSpPr/>
-          <p:nvPr/>
+          <p:cNvPr id="6" name="제목 1"/>
+          <p:cNvSpPr>
+            <a:spLocks noGrp="1"/>
+          </p:cNvSpPr>
+          <p:nvPr>
+            <p:ph type="title"/>
+          </p:nvPr>
         </p:nvSpPr>
         <p:spPr>
           <a:xfrm>
-            <a:off x="4067944" y="1340768"/>
-            <a:ext cx="504056" cy="648072"/>
-          </a:xfrm>
-          <a:prstGeom prst="rect">
-            <a:avLst/>
-          </a:prstGeom>
-          <a:noFill/>
-          <a:effectLst>
-            <a:glow rad="63500">
-              <a:schemeClr val="accent2">
-                <a:satMod val="175000"/>
-                <a:alpha val="40000"/>
-              </a:schemeClr>
-            </a:glow>
-          </a:effectLst>
-        </p:spPr>
-        <p:style>
-          <a:lnRef idx="2">
-            <a:schemeClr val="accent1">
-              <a:shade val="50000"/>
-            </a:schemeClr>
-          </a:lnRef>
-          <a:fillRef idx="1">
-            <a:schemeClr val="accent1"/>
-          </a:fillRef>
-          <a:effectRef idx="0">
-            <a:schemeClr val="accent1"/>
-          </a:effectRef>
-          <a:fontRef idx="minor">
-            <a:schemeClr val="lt1"/>
-          </a:fontRef>
-        </p:style>
+            <a:off x="1285852" y="0"/>
+            <a:ext cx="9144000" cy="1124744"/>
+          </a:xfrm>
+        </p:spPr>
         <p:txBody>
-          <a:bodyPr rtlCol="0" anchor="ctr"/>
+          <a:bodyPr/>
           <a:lstStyle/>
           <a:p>
-            <a:pPr algn="ctr"/>
-            <a:endParaRPr lang="ko-KR" altLang="en-US"/>
-          </a:p>
-        </p:txBody>
-      </p:sp>
-      <p:cxnSp>
-        <p:nvCxnSpPr>
-          <p:cNvPr id="10" name="직선 화살표 연결선 9"/>
-          <p:cNvCxnSpPr/>
-          <p:nvPr/>
-        </p:nvCxnSpPr>
-        <p:spPr>
-          <a:xfrm>
-            <a:off x="4334710" y="2039582"/>
-            <a:ext cx="0" cy="936104"/>
-          </a:xfrm>
-          <a:prstGeom prst="straightConnector1">
-            <a:avLst/>
-          </a:prstGeom>
-          <a:ln>
-            <a:tailEnd type="arrow"/>
-          </a:ln>
-        </p:spPr>
-        <p:style>
-          <a:lnRef idx="1">
-            <a:schemeClr val="accent1"/>
-          </a:lnRef>
-          <a:fillRef idx="0">
-            <a:schemeClr val="accent1"/>
-          </a:fillRef>
-          <a:effectRef idx="0">
-            <a:schemeClr val="accent1"/>
-          </a:effectRef>
-          <a:fontRef idx="minor">
-            <a:schemeClr val="tx1"/>
-          </a:fontRef>
-        </p:style>
-      </p:cxnSp>
-      <p:sp>
-        <p:nvSpPr>
-          <p:cNvPr id="11" name="TextBox 10"/>
-          <p:cNvSpPr txBox="1"/>
-          <p:nvPr/>
-        </p:nvSpPr>
-        <p:spPr>
-          <a:xfrm>
-            <a:off x="4516412" y="2316981"/>
-            <a:ext cx="3600400" cy="307777"/>
-          </a:xfrm>
-          <a:prstGeom prst="rect">
-            <a:avLst/>
-          </a:prstGeom>
-          <a:noFill/>
-        </p:spPr>
-        <p:txBody>
-          <a:bodyPr wrap="square" rtlCol="0">
-            <a:spAutoFit/>
-          </a:bodyPr>
-          <a:lstStyle/>
-          <a:p>
-            <a:r>
-              <a:rPr lang="en-US" altLang="ko-KR" sz="1400" dirty="0" smtClean="0"/>
-              <a:t>Click</a:t>
-            </a:r>
-            <a:r>
-              <a:rPr lang="ko-KR" altLang="en-US" sz="1400" dirty="0" smtClean="0"/>
-              <a:t>시 정보 페이지로 이동 </a:t>
-            </a:r>
-            <a:endParaRPr lang="ko-KR" altLang="en-US" sz="1400" dirty="0"/>
+            <a:r>
+              <a:rPr lang="en-US" altLang="ko-KR" sz="4400" dirty="0" smtClean="0">
+                <a:solidFill>
+                  <a:schemeClr val="tx1">
+                    <a:lumMod val="75000"/>
+                    <a:lumOff val="25000"/>
+                  </a:schemeClr>
+                </a:solidFill>
+                <a:latin typeface="+mj-lt"/>
+              </a:rPr>
+              <a:t>Manchester United</a:t>
+            </a:r>
+            <a:endParaRPr lang="ko-KR" altLang="en-US" sz="4400" dirty="0">
+              <a:solidFill>
+                <a:schemeClr val="tx1">
+                  <a:lumMod val="75000"/>
+                  <a:lumOff val="25000"/>
+                </a:schemeClr>
+              </a:solidFill>
+              <a:latin typeface="굴림" pitchFamily="50" charset="-127"/>
+              <a:ea typeface="굴림" pitchFamily="50" charset="-127"/>
+            </a:endParaRPr>
           </a:p>
         </p:txBody>
       </p:sp>
     </p:spTree>
+    <p:extLst>
+      <p:ext uri="{BB962C8B-B14F-4D97-AF65-F5344CB8AC3E}">
+        <p14:creationId xmlns:p14="http://schemas.microsoft.com/office/powerpoint/2010/main" xmlns="" val="891763176"/>
+      </p:ext>
+    </p:extLst>
   </p:cSld>
   <p:clrMapOvr>
     <a:masterClrMapping/>
@@ -5456,28 +5640,25 @@
       </p:grpSpPr>
       <p:pic>
         <p:nvPicPr>
-          <p:cNvPr id="2050" name="Picture 2" descr="C:\Users\java\Desktop\players.png"/>
+          <p:cNvPr id="4" name="내용 개체 틀 3" descr="team.png"/>
           <p:cNvPicPr>
-            <a:picLocks noChangeAspect="1" noChangeArrowheads="1"/>
+            <a:picLocks noGrp="1" noChangeAspect="1"/>
           </p:cNvPicPr>
-          <p:nvPr/>
+          <p:nvPr>
+            <p:ph idx="1"/>
+          </p:nvPr>
         </p:nvPicPr>
         <p:blipFill>
           <a:blip r:embed="rId2" cstate="print"/>
-          <a:srcRect/>
           <a:stretch>
             <a:fillRect/>
           </a:stretch>
         </p:blipFill>
-        <p:spPr bwMode="auto">
-          <a:xfrm>
-            <a:off x="1259632" y="1052736"/>
-            <a:ext cx="7161460" cy="5050641"/>
-          </a:xfrm>
-          <a:prstGeom prst="rect">
-            <a:avLst/>
-          </a:prstGeom>
-          <a:noFill/>
+        <p:spPr>
+          <a:xfrm>
+            <a:off x="1259632" y="548680"/>
+            <a:ext cx="6089925" cy="2376264"/>
+          </a:xfrm>
           <a:ln>
             <a:solidFill>
               <a:schemeClr val="tx1">
@@ -5495,50 +5676,80 @@
           </a:effectLst>
         </p:spPr>
       </p:pic>
-      <p:sp>
-        <p:nvSpPr>
-          <p:cNvPr id="5" name="제목 1"/>
-          <p:cNvSpPr>
-            <a:spLocks noGrp="1"/>
-          </p:cNvSpPr>
-          <p:nvPr>
-            <p:ph type="title"/>
-          </p:nvPr>
-        </p:nvSpPr>
-        <p:spPr>
-          <a:xfrm>
-            <a:off x="1285916" y="0"/>
-            <a:ext cx="9144000" cy="1069514"/>
-          </a:xfrm>
-        </p:spPr>
-        <p:txBody>
-          <a:bodyPr/>
-          <a:lstStyle/>
-          <a:p>
-            <a:r>
-              <a:rPr lang="en-US" altLang="ko-KR" sz="4400" dirty="0" smtClean="0">
-                <a:solidFill>
-                  <a:schemeClr val="tx1">
-                    <a:lumMod val="75000"/>
-                    <a:lumOff val="25000"/>
-                  </a:schemeClr>
-                </a:solidFill>
-                <a:latin typeface="+mj-lt"/>
-              </a:rPr>
-              <a:t>Members</a:t>
-            </a:r>
-            <a:endParaRPr lang="ko-KR" altLang="en-US" dirty="0">
-              <a:solidFill>
-                <a:schemeClr val="tx1">
-                  <a:lumMod val="75000"/>
-                  <a:lumOff val="25000"/>
-                </a:schemeClr>
-              </a:solidFill>
-              <a:latin typeface="+mj-lt"/>
-            </a:endParaRPr>
-          </a:p>
-        </p:txBody>
-      </p:sp>
+      <p:pic>
+        <p:nvPicPr>
+          <p:cNvPr id="5" name="그림 4" descr="players.png"/>
+          <p:cNvPicPr>
+            <a:picLocks noChangeAspect="1"/>
+          </p:cNvPicPr>
+          <p:nvPr/>
+        </p:nvPicPr>
+        <p:blipFill>
+          <a:blip r:embed="rId3" cstate="print"/>
+          <a:stretch>
+            <a:fillRect/>
+          </a:stretch>
+        </p:blipFill>
+        <p:spPr>
+          <a:xfrm>
+            <a:off x="4283968" y="3212976"/>
+            <a:ext cx="4644008" cy="3275200"/>
+          </a:xfrm>
+          <a:prstGeom prst="rect">
+            <a:avLst/>
+          </a:prstGeom>
+          <a:ln>
+            <a:solidFill>
+              <a:schemeClr val="tx1">
+                <a:lumMod val="95000"/>
+                <a:lumOff val="5000"/>
+              </a:schemeClr>
+            </a:solidFill>
+          </a:ln>
+          <a:effectLst>
+            <a:outerShdw blurRad="50800" dist="38100" dir="2700000" algn="tl" rotWithShape="0">
+              <a:prstClr val="black">
+                <a:alpha val="40000"/>
+              </a:prstClr>
+            </a:outerShdw>
+          </a:effectLst>
+        </p:spPr>
+      </p:pic>
+      <p:cxnSp>
+        <p:nvCxnSpPr>
+          <p:cNvPr id="17" name="Shape 16"/>
+          <p:cNvCxnSpPr>
+            <a:endCxn id="5" idx="1"/>
+          </p:cNvCxnSpPr>
+          <p:nvPr/>
+        </p:nvCxnSpPr>
+        <p:spPr>
+          <a:xfrm rot="16200000" flipH="1">
+            <a:off x="2385048" y="2951656"/>
+            <a:ext cx="1925632" cy="1872208"/>
+          </a:xfrm>
+          <a:prstGeom prst="bentConnector2">
+            <a:avLst/>
+          </a:prstGeom>
+          <a:ln>
+            <a:tailEnd type="arrow"/>
+          </a:ln>
+        </p:spPr>
+        <p:style>
+          <a:lnRef idx="1">
+            <a:schemeClr val="accent1"/>
+          </a:lnRef>
+          <a:fillRef idx="0">
+            <a:schemeClr val="accent1"/>
+          </a:fillRef>
+          <a:effectRef idx="0">
+            <a:schemeClr val="accent1"/>
+          </a:effectRef>
+          <a:fontRef idx="minor">
+            <a:schemeClr val="tx1"/>
+          </a:fontRef>
+        </p:style>
+      </p:cxnSp>
     </p:spTree>
   </p:cSld>
   <p:clrMapOvr>
@@ -5604,7 +5815,7 @@
                 <a:ea typeface="Arial Unicode MS" pitchFamily="50" charset="-127"/>
                 <a:cs typeface="Calibri" pitchFamily="34" charset="0"/>
               </a:rPr>
-              <a:t>Account Management</a:t>
+              <a:t>Team Introduce</a:t>
             </a:r>
             <a:endParaRPr lang="ko-KR" altLang="en-US" sz="4400" dirty="0">
               <a:solidFill>
@@ -5632,13 +5843,13 @@
         </p:nvSpPr>
         <p:spPr>
           <a:xfrm>
-            <a:off x="1835696" y="1484784"/>
+            <a:off x="1835696" y="1500174"/>
             <a:ext cx="6851104" cy="4525963"/>
           </a:xfrm>
         </p:spPr>
         <p:txBody>
           <a:bodyPr>
-            <a:normAutofit fontScale="92500" lnSpcReduction="10000"/>
+            <a:normAutofit fontScale="70000" lnSpcReduction="20000"/>
           </a:bodyPr>
           <a:lstStyle/>
           <a:p>
@@ -5658,7 +5869,20 @@
                 <a:latin typeface="Calibri" pitchFamily="34" charset="0"/>
                 <a:cs typeface="Calibri" pitchFamily="34" charset="0"/>
               </a:rPr>
-              <a:t>회원 가입 페이지</a:t>
+              <a:t>권혁준 </a:t>
+            </a:r>
+            <a:r>
+              <a:rPr lang="en-US" altLang="ko-KR" sz="3000" dirty="0" smtClean="0">
+                <a:solidFill>
+                  <a:schemeClr val="tx1">
+                    <a:lumMod val="75000"/>
+                    <a:lumOff val="25000"/>
+                  </a:schemeClr>
+                </a:solidFill>
+                <a:latin typeface="Calibri" pitchFamily="34" charset="0"/>
+                <a:cs typeface="Calibri" pitchFamily="34" charset="0"/>
+              </a:rPr>
+              <a:t>(Team Leader)</a:t>
             </a:r>
             <a:endParaRPr lang="en-US" altLang="ko-KR" sz="3000" dirty="0" smtClean="0">
               <a:solidFill>
@@ -5690,7 +5914,59 @@
                 <a:latin typeface="Calibri" pitchFamily="34" charset="0"/>
                 <a:cs typeface="Calibri" pitchFamily="34" charset="0"/>
               </a:rPr>
-              <a:t>일반 사용자가 웹 사이트를 사용하기 위해 회원 가입을 할 수 있는 폼이 있음</a:t>
+              <a:t>회원가입 </a:t>
+            </a:r>
+            <a:r>
+              <a:rPr lang="en-US" altLang="ko-KR" sz="1900" dirty="0" smtClean="0">
+                <a:solidFill>
+                  <a:schemeClr val="tx1">
+                    <a:lumMod val="50000"/>
+                    <a:lumOff val="50000"/>
+                  </a:schemeClr>
+                </a:solidFill>
+                <a:latin typeface="Calibri" pitchFamily="34" charset="0"/>
+                <a:cs typeface="Calibri" pitchFamily="34" charset="0"/>
+              </a:rPr>
+              <a:t>&amp; </a:t>
+            </a:r>
+            <a:r>
+              <a:rPr lang="ko-KR" altLang="en-US" sz="1900" dirty="0" smtClean="0">
+                <a:solidFill>
+                  <a:schemeClr val="tx1">
+                    <a:lumMod val="50000"/>
+                    <a:lumOff val="50000"/>
+                  </a:schemeClr>
+                </a:solidFill>
+                <a:latin typeface="Calibri" pitchFamily="34" charset="0"/>
+                <a:cs typeface="Calibri" pitchFamily="34" charset="0"/>
+              </a:rPr>
+              <a:t>로그인 </a:t>
+            </a:r>
+            <a:r>
+              <a:rPr lang="en-US" altLang="ko-KR" sz="1900" dirty="0" smtClean="0">
+                <a:solidFill>
+                  <a:schemeClr val="tx1">
+                    <a:lumMod val="50000"/>
+                    <a:lumOff val="50000"/>
+                  </a:schemeClr>
+                </a:solidFill>
+                <a:latin typeface="Calibri" pitchFamily="34" charset="0"/>
+                <a:cs typeface="Calibri" pitchFamily="34" charset="0"/>
+              </a:rPr>
+              <a:t>&amp; </a:t>
+            </a:r>
+            <a:r>
+              <a:rPr lang="ko-KR" altLang="en-US" sz="1900" dirty="0" smtClean="0">
+                <a:solidFill>
+                  <a:schemeClr val="tx1">
+                    <a:lumMod val="50000"/>
+                    <a:lumOff val="50000"/>
+                  </a:schemeClr>
+                </a:solidFill>
+                <a:latin typeface="Calibri" pitchFamily="34" charset="0"/>
+                <a:cs typeface="Calibri" pitchFamily="34" charset="0"/>
+              </a:rPr>
+              <a:t>관리자 회원관리</a:t>
             </a:r>
             <a:endParaRPr lang="en-US" altLang="ko-KR" sz="1900" dirty="0" smtClean="0">
               <a:solidFill>
@@ -5705,14 +5981,17 @@
           </a:p>
           <a:p>
             <a:pPr>
+              <a:lnSpc>
+                <a:spcPct val="120000"/>
+              </a:lnSpc>
               <a:buFont typeface="Wingdings" pitchFamily="2" charset="2"/>
               <a:buChar char="ü"/>
             </a:pPr>
-            <a:endParaRPr lang="en-US" altLang="ko-KR" sz="2200" dirty="0" smtClean="0">
+            <a:endParaRPr lang="en-US" altLang="ko-KR" sz="1900" dirty="0" smtClean="0">
               <a:solidFill>
                 <a:schemeClr val="tx1">
-                  <a:lumMod val="50000"/>
-                  <a:lumOff val="50000"/>
+                  <a:lumMod val="75000"/>
+                  <a:lumOff val="25000"/>
                 </a:schemeClr>
               </a:solidFill>
               <a:latin typeface="Calibri" pitchFamily="34" charset="0"/>
@@ -5736,7 +6015,20 @@
                 <a:latin typeface="Calibri" pitchFamily="34" charset="0"/>
                 <a:cs typeface="Calibri" pitchFamily="34" charset="0"/>
               </a:rPr>
-              <a:t>관리자 회원 관리</a:t>
+              <a:t>최혜진 </a:t>
+            </a:r>
+            <a:r>
+              <a:rPr lang="en-US" altLang="ko-KR" sz="3000" dirty="0" smtClean="0">
+                <a:solidFill>
+                  <a:schemeClr val="tx1">
+                    <a:lumMod val="75000"/>
+                    <a:lumOff val="25000"/>
+                  </a:schemeClr>
+                </a:solidFill>
+                <a:latin typeface="Calibri" pitchFamily="34" charset="0"/>
+                <a:cs typeface="Calibri" pitchFamily="34" charset="0"/>
+              </a:rPr>
+              <a:t>(Team Member)</a:t>
             </a:r>
             <a:endParaRPr lang="en-US" altLang="ko-KR" sz="3000" dirty="0" smtClean="0">
               <a:solidFill>
@@ -5768,7 +6060,7 @@
                 <a:latin typeface="Calibri" pitchFamily="34" charset="0"/>
                 <a:cs typeface="Calibri" pitchFamily="34" charset="0"/>
               </a:rPr>
-              <a:t>관리자는 회원의 관리 및 권한 설정 가능</a:t>
+              <a:t>급여관리</a:t>
             </a:r>
             <a:endParaRPr lang="en-US" altLang="ko-KR" sz="1900" dirty="0" smtClean="0">
               <a:solidFill>
@@ -5789,18 +6081,83 @@
               <a:buFont typeface="Wingdings" pitchFamily="2" charset="2"/>
               <a:buChar char="ü"/>
             </a:pPr>
-            <a:r>
-              <a:rPr lang="ko-KR" altLang="en-US" sz="1900" dirty="0" smtClean="0">
-                <a:solidFill>
-                  <a:schemeClr val="tx1">
-                    <a:lumMod val="50000"/>
-                    <a:lumOff val="50000"/>
+            <a:endParaRPr lang="en-US" altLang="ko-KR" sz="1900" dirty="0" smtClean="0">
+              <a:solidFill>
+                <a:schemeClr val="tx1">
+                  <a:lumMod val="75000"/>
+                  <a:lumOff val="25000"/>
+                </a:schemeClr>
+              </a:solidFill>
+              <a:latin typeface="Calibri" pitchFamily="34" charset="0"/>
+              <a:cs typeface="Calibri" pitchFamily="34" charset="0"/>
+            </a:endParaRPr>
+          </a:p>
+          <a:p>
+            <a:pPr>
+              <a:lnSpc>
+                <a:spcPct val="120000"/>
+              </a:lnSpc>
+            </a:pPr>
+            <a:r>
+              <a:rPr lang="ko-KR" altLang="en-US" sz="3000" dirty="0" smtClean="0">
+                <a:solidFill>
+                  <a:schemeClr val="tx1">
+                    <a:lumMod val="75000"/>
+                    <a:lumOff val="25000"/>
                   </a:schemeClr>
                 </a:solidFill>
                 <a:latin typeface="Calibri" pitchFamily="34" charset="0"/>
                 <a:cs typeface="Calibri" pitchFamily="34" charset="0"/>
               </a:rPr>
-              <a:t>새로 가입한 회원의 로그인 허용 여부 설정</a:t>
+              <a:t>신한나 </a:t>
+            </a:r>
+            <a:r>
+              <a:rPr lang="en-US" altLang="ko-KR" sz="3000" dirty="0" smtClean="0">
+                <a:solidFill>
+                  <a:schemeClr val="tx1">
+                    <a:lumMod val="75000"/>
+                    <a:lumOff val="25000"/>
+                  </a:schemeClr>
+                </a:solidFill>
+                <a:latin typeface="Calibri" pitchFamily="34" charset="0"/>
+                <a:cs typeface="Calibri" pitchFamily="34" charset="0"/>
+              </a:rPr>
+              <a:t>(</a:t>
+            </a:r>
+            <a:r>
+              <a:rPr lang="en-US" altLang="ko-KR" sz="3000" dirty="0" smtClean="0">
+                <a:solidFill>
+                  <a:schemeClr val="tx1">
+                    <a:lumMod val="75000"/>
+                    <a:lumOff val="25000"/>
+                  </a:schemeClr>
+                </a:solidFill>
+                <a:latin typeface="Calibri" pitchFamily="34" charset="0"/>
+                <a:cs typeface="Calibri" pitchFamily="34" charset="0"/>
+              </a:rPr>
+              <a:t>Team Member)</a:t>
+            </a:r>
+          </a:p>
+          <a:p>
+            <a:pPr>
+              <a:lnSpc>
+                <a:spcPct val="120000"/>
+              </a:lnSpc>
+              <a:buFont typeface="Wingdings" pitchFamily="2" charset="2"/>
+              <a:buChar char="ü"/>
+            </a:pPr>
+            <a:r>
+              <a:rPr lang="ko-KR" altLang="en-US" sz="1900" dirty="0" smtClean="0">
+                <a:solidFill>
+                  <a:schemeClr val="tx1">
+                    <a:lumMod val="50000"/>
+                    <a:lumOff val="50000"/>
+                  </a:schemeClr>
+                </a:solidFill>
+                <a:latin typeface="Calibri" pitchFamily="34" charset="0"/>
+                <a:cs typeface="Calibri" pitchFamily="34" charset="0"/>
+              </a:rPr>
+              <a:t>근태관리</a:t>
             </a:r>
             <a:endParaRPr lang="en-US" altLang="ko-KR" sz="1900" dirty="0" smtClean="0">
               <a:solidFill>
@@ -5815,14 +6172,17 @@
           </a:p>
           <a:p>
             <a:pPr>
+              <a:lnSpc>
+                <a:spcPct val="120000"/>
+              </a:lnSpc>
               <a:buFont typeface="Wingdings" pitchFamily="2" charset="2"/>
               <a:buChar char="ü"/>
             </a:pPr>
-            <a:endParaRPr lang="en-US" altLang="ko-KR" sz="2400" dirty="0" smtClean="0">
+            <a:endParaRPr lang="en-US" altLang="ko-KR" sz="1900" dirty="0" smtClean="0">
               <a:solidFill>
                 <a:schemeClr val="tx1">
-                  <a:lumMod val="50000"/>
-                  <a:lumOff val="50000"/>
+                  <a:lumMod val="75000"/>
+                  <a:lumOff val="25000"/>
                 </a:schemeClr>
               </a:solidFill>
               <a:latin typeface="Calibri" pitchFamily="34" charset="0"/>
@@ -5846,7 +6206,46 @@
                 <a:latin typeface="Calibri" pitchFamily="34" charset="0"/>
                 <a:cs typeface="Calibri" pitchFamily="34" charset="0"/>
               </a:rPr>
-              <a:t>로그인 시스템</a:t>
+              <a:t>이진</a:t>
+            </a:r>
+            <a:r>
+              <a:rPr lang="ko-KR" altLang="en-US" sz="3000" dirty="0" smtClean="0">
+                <a:solidFill>
+                  <a:schemeClr val="tx1">
+                    <a:lumMod val="75000"/>
+                    <a:lumOff val="25000"/>
+                  </a:schemeClr>
+                </a:solidFill>
+                <a:latin typeface="Calibri" pitchFamily="34" charset="0"/>
+                <a:cs typeface="Calibri" pitchFamily="34" charset="0"/>
+              </a:rPr>
+              <a:t>주</a:t>
+            </a:r>
+            <a:r>
+              <a:rPr lang="ko-KR" altLang="en-US" sz="3000" dirty="0" smtClean="0">
+                <a:solidFill>
+                  <a:schemeClr val="tx1">
+                    <a:lumMod val="75000"/>
+                    <a:lumOff val="25000"/>
+                  </a:schemeClr>
+                </a:solidFill>
+                <a:latin typeface="Calibri" pitchFamily="34" charset="0"/>
+                <a:cs typeface="Calibri" pitchFamily="34" charset="0"/>
+              </a:rPr>
+              <a:t> </a:t>
+            </a:r>
+            <a:r>
+              <a:rPr lang="en-US" altLang="ko-KR" sz="3000" dirty="0" smtClean="0">
+                <a:solidFill>
+                  <a:schemeClr val="tx1">
+                    <a:lumMod val="75000"/>
+                    <a:lumOff val="25000"/>
+                  </a:schemeClr>
+                </a:solidFill>
+                <a:latin typeface="Calibri" pitchFamily="34" charset="0"/>
+                <a:cs typeface="Calibri" pitchFamily="34" charset="0"/>
+              </a:rPr>
+              <a:t>(Team Member)</a:t>
             </a:r>
             <a:endParaRPr lang="en-US" altLang="ko-KR" sz="3000" dirty="0" smtClean="0">
               <a:solidFill>
@@ -5878,33 +6277,7 @@
                 <a:latin typeface="Calibri" pitchFamily="34" charset="0"/>
                 <a:cs typeface="Calibri" pitchFamily="34" charset="0"/>
               </a:rPr>
-              <a:t>회원 </a:t>
-            </a:r>
-            <a:r>
-              <a:rPr lang="en-US" altLang="ko-KR" sz="1900" dirty="0" smtClean="0">
-                <a:solidFill>
-                  <a:schemeClr val="tx1">
-                    <a:lumMod val="50000"/>
-                    <a:lumOff val="50000"/>
-                  </a:schemeClr>
-                </a:solidFill>
-                <a:latin typeface="Calibri" pitchFamily="34" charset="0"/>
-                <a:cs typeface="Calibri" pitchFamily="34" charset="0"/>
-              </a:rPr>
-              <a:t>DB</a:t>
-            </a:r>
-            <a:r>
-              <a:rPr lang="ko-KR" altLang="en-US" sz="1900" dirty="0" smtClean="0">
-                <a:solidFill>
-                  <a:schemeClr val="tx1">
-                    <a:lumMod val="50000"/>
-                    <a:lumOff val="50000"/>
-                  </a:schemeClr>
-                </a:solidFill>
-                <a:latin typeface="Calibri" pitchFamily="34" charset="0"/>
-                <a:cs typeface="Calibri" pitchFamily="34" charset="0"/>
-              </a:rPr>
-              <a:t>기반 로그인 시스템</a:t>
+              <a:t>화학물질관리</a:t>
             </a:r>
             <a:endParaRPr lang="en-US" altLang="ko-KR" sz="1900" dirty="0" smtClean="0">
               <a:solidFill>
@@ -5925,33 +6298,85 @@
               <a:buFont typeface="Wingdings" pitchFamily="2" charset="2"/>
               <a:buChar char="ü"/>
             </a:pPr>
-            <a:r>
-              <a:rPr lang="en-US" altLang="ko-KR" sz="1900" dirty="0" smtClean="0">
-                <a:solidFill>
-                  <a:schemeClr val="tx1">
-                    <a:lumMod val="50000"/>
-                    <a:lumOff val="50000"/>
+            <a:endParaRPr lang="en-US" altLang="ko-KR" sz="1900" dirty="0" smtClean="0">
+              <a:solidFill>
+                <a:schemeClr val="tx1">
+                  <a:lumMod val="75000"/>
+                  <a:lumOff val="25000"/>
+                </a:schemeClr>
+              </a:solidFill>
+              <a:latin typeface="Calibri" pitchFamily="34" charset="0"/>
+              <a:cs typeface="Calibri" pitchFamily="34" charset="0"/>
+            </a:endParaRPr>
+          </a:p>
+          <a:p>
+            <a:pPr>
+              <a:lnSpc>
+                <a:spcPct val="120000"/>
+              </a:lnSpc>
+            </a:pPr>
+            <a:r>
+              <a:rPr lang="ko-KR" altLang="en-US" dirty="0" smtClean="0">
+                <a:solidFill>
+                  <a:schemeClr val="tx1">
+                    <a:lumMod val="75000"/>
+                    <a:lumOff val="25000"/>
                   </a:schemeClr>
                 </a:solidFill>
                 <a:latin typeface="Calibri" pitchFamily="34" charset="0"/>
                 <a:cs typeface="Calibri" pitchFamily="34" charset="0"/>
               </a:rPr>
-              <a:t>Session </a:t>
-            </a:r>
-            <a:r>
-              <a:rPr lang="ko-KR" altLang="en-US" sz="1900" dirty="0" smtClean="0">
-                <a:solidFill>
-                  <a:schemeClr val="tx1">
-                    <a:lumMod val="50000"/>
-                    <a:lumOff val="50000"/>
+              <a:t>남</a:t>
+            </a:r>
+            <a:r>
+              <a:rPr lang="ko-KR" altLang="en-US" dirty="0" smtClean="0">
+                <a:solidFill>
+                  <a:schemeClr val="tx1">
+                    <a:lumMod val="75000"/>
+                    <a:lumOff val="25000"/>
                   </a:schemeClr>
                 </a:solidFill>
                 <a:latin typeface="Calibri" pitchFamily="34" charset="0"/>
                 <a:cs typeface="Calibri" pitchFamily="34" charset="0"/>
               </a:rPr>
-              <a:t>을 이용한 로그인</a:t>
-            </a:r>
-            <a:endParaRPr lang="en-US" altLang="ko-KR" sz="1900" dirty="0" smtClean="0">
+              <a:t>상혁 </a:t>
+            </a:r>
+            <a:r>
+              <a:rPr lang="en-US" altLang="ko-KR" dirty="0" smtClean="0">
+                <a:solidFill>
+                  <a:schemeClr val="tx1">
+                    <a:lumMod val="75000"/>
+                    <a:lumOff val="25000"/>
+                  </a:schemeClr>
+                </a:solidFill>
+                <a:latin typeface="Calibri" pitchFamily="34" charset="0"/>
+                <a:cs typeface="Calibri" pitchFamily="34" charset="0"/>
+              </a:rPr>
+              <a:t>(Team Member)</a:t>
+            </a:r>
+          </a:p>
+          <a:p>
+            <a:pPr>
+              <a:lnSpc>
+                <a:spcPct val="120000"/>
+              </a:lnSpc>
+              <a:buFont typeface="Wingdings" pitchFamily="2" charset="2"/>
+              <a:buChar char="ü"/>
+            </a:pPr>
+            <a:r>
+              <a:rPr lang="ko-KR" altLang="en-US" sz="2100" dirty="0" smtClean="0">
+                <a:solidFill>
+                  <a:schemeClr val="tx1">
+                    <a:lumMod val="50000"/>
+                    <a:lumOff val="50000"/>
+                  </a:schemeClr>
+                </a:solidFill>
+                <a:latin typeface="Calibri" pitchFamily="34" charset="0"/>
+                <a:cs typeface="Calibri" pitchFamily="34" charset="0"/>
+              </a:rPr>
+              <a:t>축구동아리 관리</a:t>
+            </a:r>
+            <a:endParaRPr lang="en-US" altLang="ko-KR" sz="2100" dirty="0" smtClean="0">
               <a:solidFill>
                 <a:schemeClr val="tx1">
                   <a:lumMod val="50000"/>
@@ -5963,7 +6388,14 @@
             </a:endParaRPr>
           </a:p>
           <a:p>
-            <a:endParaRPr lang="en-US" altLang="ko-KR" sz="4000" dirty="0" smtClean="0">
+            <a:pPr>
+              <a:lnSpc>
+                <a:spcPct val="120000"/>
+              </a:lnSpc>
+              <a:buFont typeface="Wingdings" pitchFamily="2" charset="2"/>
+              <a:buChar char="ü"/>
+            </a:pPr>
+            <a:endParaRPr lang="en-US" altLang="ko-KR" sz="2100" dirty="0" smtClean="0">
               <a:solidFill>
                 <a:schemeClr val="tx1">
                   <a:lumMod val="75000"/>
@@ -5991,7 +6423,7 @@
     </p:spTree>
     <p:extLst>
       <p:ext uri="{BB962C8B-B14F-4D97-AF65-F5344CB8AC3E}">
-        <p14:creationId xmlns="" xmlns:p14="http://schemas.microsoft.com/office/powerpoint/2010/main" val="891763176"/>
+        <p14:creationId xmlns:p14="http://schemas.microsoft.com/office/powerpoint/2010/main" xmlns="" val="891763176"/>
       </p:ext>
     </p:extLst>
   </p:cSld>
@@ -6028,33 +6460,30 @@
       </p:grpSpPr>
       <p:pic>
         <p:nvPicPr>
-          <p:cNvPr id="4106" name="Picture 10" descr="C:\Users\java\Desktop\member_regist.png"/>
+          <p:cNvPr id="9" name="내용 개체 틀 3" descr="team.png"/>
           <p:cNvPicPr>
-            <a:picLocks noChangeAspect="1" noChangeArrowheads="1"/>
+            <a:picLocks noGrp="1" noChangeAspect="1"/>
           </p:cNvPicPr>
-          <p:nvPr/>
+          <p:nvPr>
+            <p:ph idx="1"/>
+          </p:nvPr>
         </p:nvPicPr>
         <p:blipFill>
           <a:blip r:embed="rId2" cstate="print"/>
-          <a:srcRect/>
           <a:stretch>
             <a:fillRect/>
           </a:stretch>
         </p:blipFill>
-        <p:spPr bwMode="auto">
-          <a:xfrm>
-            <a:off x="1394153" y="1285860"/>
-            <a:ext cx="3608547" cy="3600400"/>
-          </a:xfrm>
-          <a:prstGeom prst="rect">
-            <a:avLst/>
-          </a:prstGeom>
-          <a:noFill/>
+        <p:spPr>
+          <a:xfrm>
+            <a:off x="1403649" y="1194411"/>
+            <a:ext cx="4811426" cy="1877399"/>
+          </a:xfrm>
           <a:ln>
             <a:solidFill>
               <a:schemeClr val="tx1">
-                <a:lumMod val="95000"/>
-                <a:lumOff val="5000"/>
+                <a:lumMod val="75000"/>
+                <a:lumOff val="25000"/>
               </a:schemeClr>
             </a:solidFill>
           </a:ln>
@@ -6069,7 +6498,7 @@
       </p:pic>
       <p:pic>
         <p:nvPicPr>
-          <p:cNvPr id="4107" name="Picture 11" descr="C:\Users\java\Desktop\member_modify.png"/>
+          <p:cNvPr id="1029" name="Picture 5" descr="C:\Users\java\Desktop\modal-regist.png"/>
           <p:cNvPicPr>
             <a:picLocks noChangeAspect="1" noChangeArrowheads="1"/>
           </p:cNvPicPr>
@@ -6084,8 +6513,8 @@
         </p:blipFill>
         <p:spPr bwMode="auto">
           <a:xfrm>
-            <a:off x="5138569" y="1300680"/>
-            <a:ext cx="3719711" cy="3488775"/>
+            <a:off x="1428728" y="3256772"/>
+            <a:ext cx="3214970" cy="1386674"/>
           </a:xfrm>
           <a:prstGeom prst="rect">
             <a:avLst/>
@@ -6099,306 +6528,11 @@
               </a:schemeClr>
             </a:solidFill>
           </a:ln>
-          <a:effectLst>
-            <a:outerShdw blurRad="50800" dist="38100" dir="2700000" algn="tl" rotWithShape="0">
-              <a:prstClr val="black">
-                <a:alpha val="40000"/>
-              </a:prstClr>
-            </a:outerShdw>
-          </a:effectLst>
         </p:spPr>
       </p:pic>
-      <p:sp>
-        <p:nvSpPr>
-          <p:cNvPr id="15" name="직사각형 14"/>
-          <p:cNvSpPr/>
-          <p:nvPr/>
-        </p:nvSpPr>
-        <p:spPr>
-          <a:xfrm>
-            <a:off x="2617151" y="4077072"/>
-            <a:ext cx="1944217" cy="216024"/>
-          </a:xfrm>
-          <a:prstGeom prst="rect">
-            <a:avLst/>
-          </a:prstGeom>
-          <a:noFill/>
-          <a:effectLst>
-            <a:glow rad="63500">
-              <a:schemeClr val="accent2">
-                <a:satMod val="175000"/>
-                <a:alpha val="40000"/>
-              </a:schemeClr>
-            </a:glow>
-          </a:effectLst>
-        </p:spPr>
-        <p:style>
-          <a:lnRef idx="2">
-            <a:schemeClr val="accent1">
-              <a:shade val="50000"/>
-            </a:schemeClr>
-          </a:lnRef>
-          <a:fillRef idx="1">
-            <a:schemeClr val="accent1"/>
-          </a:fillRef>
-          <a:effectRef idx="0">
-            <a:schemeClr val="accent1"/>
-          </a:effectRef>
-          <a:fontRef idx="minor">
-            <a:schemeClr val="lt1"/>
-          </a:fontRef>
-        </p:style>
-        <p:txBody>
-          <a:bodyPr rtlCol="0" anchor="ctr"/>
-          <a:lstStyle/>
-          <a:p>
-            <a:pPr algn="ctr"/>
-            <a:endParaRPr lang="ko-KR" altLang="en-US"/>
-          </a:p>
-        </p:txBody>
-      </p:sp>
-      <p:sp>
-        <p:nvSpPr>
-          <p:cNvPr id="16" name="직사각형 15"/>
-          <p:cNvSpPr/>
-          <p:nvPr/>
-        </p:nvSpPr>
-        <p:spPr>
-          <a:xfrm>
-            <a:off x="6405541" y="4041517"/>
-            <a:ext cx="2008014" cy="237290"/>
-          </a:xfrm>
-          <a:prstGeom prst="rect">
-            <a:avLst/>
-          </a:prstGeom>
-          <a:noFill/>
-          <a:effectLst>
-            <a:glow rad="63500">
-              <a:schemeClr val="accent2">
-                <a:satMod val="175000"/>
-                <a:alpha val="40000"/>
-              </a:schemeClr>
-            </a:glow>
-          </a:effectLst>
-        </p:spPr>
-        <p:style>
-          <a:lnRef idx="2">
-            <a:schemeClr val="accent1">
-              <a:shade val="50000"/>
-            </a:schemeClr>
-          </a:lnRef>
-          <a:fillRef idx="1">
-            <a:schemeClr val="accent1"/>
-          </a:fillRef>
-          <a:effectRef idx="0">
-            <a:schemeClr val="accent1"/>
-          </a:effectRef>
-          <a:fontRef idx="minor">
-            <a:schemeClr val="lt1"/>
-          </a:fontRef>
-        </p:style>
-        <p:txBody>
-          <a:bodyPr rtlCol="0" anchor="ctr"/>
-          <a:lstStyle/>
-          <a:p>
-            <a:pPr algn="ctr"/>
-            <a:endParaRPr lang="ko-KR" altLang="en-US"/>
-          </a:p>
-        </p:txBody>
-      </p:sp>
-      <p:sp>
-        <p:nvSpPr>
-          <p:cNvPr id="9" name="제목 1"/>
-          <p:cNvSpPr txBox="1">
-            <a:spLocks/>
-          </p:cNvSpPr>
-          <p:nvPr/>
-        </p:nvSpPr>
-        <p:spPr>
-          <a:xfrm>
-            <a:off x="1285916" y="0"/>
-            <a:ext cx="9144000" cy="1069514"/>
-          </a:xfrm>
-          <a:prstGeom prst="rect">
-            <a:avLst/>
-          </a:prstGeom>
-        </p:spPr>
-        <p:txBody>
-          <a:bodyPr anchor="ctr"/>
-          <a:lstStyle/>
-          <a:p>
-            <a:pPr marL="0" marR="0" lvl="0" indent="0" algn="l" defTabSz="914400" rtl="0" eaLnBrk="1" fontAlgn="auto" latinLnBrk="1" hangingPunct="1">
-              <a:lnSpc>
-                <a:spcPct val="100000"/>
-              </a:lnSpc>
-              <a:spcBef>
-                <a:spcPct val="0"/>
-              </a:spcBef>
-              <a:spcAft>
-                <a:spcPts val="0"/>
-              </a:spcAft>
-              <a:buClrTx/>
-              <a:buSzTx/>
-              <a:buFontTx/>
-              <a:buNone/>
-              <a:tabLst/>
-              <a:defRPr/>
-            </a:pPr>
-            <a:r>
-              <a:rPr kumimoji="0" lang="en-US" altLang="ko-KR" sz="4400" b="1" i="0" u="none" strike="noStrike" kern="1200" cap="none" spc="0" normalizeH="0" baseline="0" noProof="0" smtClean="0">
-                <a:ln>
-                  <a:noFill/>
-                </a:ln>
-                <a:solidFill>
-                  <a:schemeClr val="tx1">
-                    <a:lumMod val="75000"/>
-                    <a:lumOff val="25000"/>
-                  </a:schemeClr>
-                </a:solidFill>
-                <a:effectLst/>
-                <a:uLnTx/>
-                <a:uFillTx/>
-                <a:latin typeface="+mj-lt"/>
-                <a:ea typeface="+mj-ea"/>
-                <a:cs typeface="Arial" pitchFamily="34" charset="0"/>
-              </a:rPr>
-              <a:t>Members</a:t>
-            </a:r>
-            <a:endParaRPr kumimoji="0" lang="ko-KR" altLang="en-US" sz="4000" b="1" i="0" u="none" strike="noStrike" kern="1200" cap="none" spc="0" normalizeH="0" baseline="0" noProof="0" dirty="0">
-              <a:ln>
-                <a:noFill/>
-              </a:ln>
-              <a:solidFill>
-                <a:schemeClr val="tx1">
-                  <a:lumMod val="75000"/>
-                  <a:lumOff val="25000"/>
-                </a:schemeClr>
-              </a:solidFill>
-              <a:effectLst/>
-              <a:uLnTx/>
-              <a:uFillTx/>
-              <a:latin typeface="+mj-lt"/>
-              <a:ea typeface="+mj-ea"/>
-              <a:cs typeface="Arial" pitchFamily="34" charset="0"/>
-            </a:endParaRPr>
-          </a:p>
-        </p:txBody>
-      </p:sp>
-      <p:sp>
-        <p:nvSpPr>
-          <p:cNvPr id="13" name="설명선 2 12"/>
-          <p:cNvSpPr/>
-          <p:nvPr/>
-        </p:nvSpPr>
-        <p:spPr>
-          <a:xfrm>
-            <a:off x="5143504" y="4929198"/>
-            <a:ext cx="1785950" cy="1714512"/>
-          </a:xfrm>
-          <a:prstGeom prst="borderCallout2">
-            <a:avLst>
-              <a:gd name="adj1" fmla="val 64379"/>
-              <a:gd name="adj2" fmla="val 103737"/>
-              <a:gd name="adj3" fmla="val 64379"/>
-              <a:gd name="adj4" fmla="val 135794"/>
-              <a:gd name="adj5" fmla="val -36832"/>
-              <a:gd name="adj6" fmla="val 164958"/>
-            </a:avLst>
-          </a:prstGeom>
-          <a:noFill/>
-          <a:ln>
-            <a:solidFill>
-              <a:schemeClr val="tx1">
-                <a:lumMod val="75000"/>
-                <a:lumOff val="25000"/>
-              </a:schemeClr>
-            </a:solidFill>
-          </a:ln>
-        </p:spPr>
-        <p:style>
-          <a:lnRef idx="2">
-            <a:schemeClr val="accent1">
-              <a:shade val="50000"/>
-            </a:schemeClr>
-          </a:lnRef>
-          <a:fillRef idx="1">
-            <a:schemeClr val="accent1"/>
-          </a:fillRef>
-          <a:effectRef idx="0">
-            <a:schemeClr val="accent1"/>
-          </a:effectRef>
-          <a:fontRef idx="minor">
-            <a:schemeClr val="lt1"/>
-          </a:fontRef>
-        </p:style>
-        <p:txBody>
-          <a:bodyPr rtlCol="0" anchor="ctr"/>
-          <a:lstStyle/>
-          <a:p>
-            <a:pPr algn="ctr"/>
-            <a:endParaRPr lang="ko-KR" altLang="en-US"/>
-          </a:p>
-        </p:txBody>
-      </p:sp>
-      <p:sp>
-        <p:nvSpPr>
-          <p:cNvPr id="12" name="설명선 2 11"/>
-          <p:cNvSpPr/>
-          <p:nvPr/>
-        </p:nvSpPr>
-        <p:spPr>
-          <a:xfrm>
-            <a:off x="5143504" y="4929198"/>
-            <a:ext cx="1785950" cy="1714512"/>
-          </a:xfrm>
-          <a:prstGeom prst="borderCallout2">
-            <a:avLst>
-              <a:gd name="adj1" fmla="val 65565"/>
-              <a:gd name="adj2" fmla="val -3213"/>
-              <a:gd name="adj3" fmla="val 65565"/>
-              <a:gd name="adj4" fmla="val -40560"/>
-              <a:gd name="adj5" fmla="val -36832"/>
-              <a:gd name="adj6" fmla="val -70560"/>
-            </a:avLst>
-          </a:prstGeom>
-          <a:noFill/>
-          <a:ln>
-            <a:solidFill>
-              <a:schemeClr val="tx1">
-                <a:lumMod val="75000"/>
-                <a:lumOff val="25000"/>
-              </a:schemeClr>
-            </a:solidFill>
-          </a:ln>
-        </p:spPr>
-        <p:style>
-          <a:lnRef idx="2">
-            <a:schemeClr val="accent1">
-              <a:shade val="50000"/>
-            </a:schemeClr>
-          </a:lnRef>
-          <a:fillRef idx="1">
-            <a:schemeClr val="accent1"/>
-          </a:fillRef>
-          <a:effectRef idx="0">
-            <a:schemeClr val="accent1"/>
-          </a:effectRef>
-          <a:fontRef idx="minor">
-            <a:schemeClr val="lt1"/>
-          </a:fontRef>
-        </p:style>
-        <p:txBody>
-          <a:bodyPr rtlCol="0" anchor="ctr"/>
-          <a:lstStyle/>
-          <a:p>
-            <a:pPr algn="ctr"/>
-            <a:endParaRPr lang="ko-KR" altLang="en-US"/>
-          </a:p>
-        </p:txBody>
-      </p:sp>
       <p:pic>
         <p:nvPicPr>
-          <p:cNvPr id="4108" name="Picture 12" descr="C:\Users\java\Desktop\date.png"/>
+          <p:cNvPr id="1031" name="Picture 7" descr="C:\Users\java\Desktop\modla_modify.png"/>
           <p:cNvPicPr>
             <a:picLocks noChangeAspect="1" noChangeArrowheads="1"/>
           </p:cNvPicPr>
@@ -6413,8 +6547,8 @@
         </p:blipFill>
         <p:spPr bwMode="auto">
           <a:xfrm>
-            <a:off x="5143505" y="4929477"/>
-            <a:ext cx="1785950" cy="1714233"/>
+            <a:off x="5180933" y="3271949"/>
+            <a:ext cx="3248719" cy="1800125"/>
           </a:xfrm>
           <a:prstGeom prst="rect">
             <a:avLst/>
@@ -6423,8 +6557,86 @@
           <a:ln>
             <a:solidFill>
               <a:schemeClr val="tx1">
-                <a:lumMod val="75000"/>
-                <a:lumOff val="25000"/>
+                <a:lumMod val="95000"/>
+                <a:lumOff val="5000"/>
+              </a:schemeClr>
+            </a:solidFill>
+          </a:ln>
+        </p:spPr>
+      </p:pic>
+      <p:sp>
+        <p:nvSpPr>
+          <p:cNvPr id="13" name="제목 12"/>
+          <p:cNvSpPr>
+            <a:spLocks noGrp="1"/>
+          </p:cNvSpPr>
+          <p:nvPr>
+            <p:ph type="title"/>
+          </p:nvPr>
+        </p:nvSpPr>
+        <p:spPr>
+          <a:xfrm>
+            <a:off x="1285916" y="0"/>
+            <a:ext cx="9144000" cy="1069514"/>
+          </a:xfrm>
+        </p:spPr>
+        <p:txBody>
+          <a:bodyPr/>
+          <a:lstStyle/>
+          <a:p>
+            <a:r>
+              <a:rPr lang="en-US" altLang="ko-KR" sz="4400" dirty="0" smtClean="0">
+                <a:solidFill>
+                  <a:schemeClr val="tx1">
+                    <a:lumMod val="65000"/>
+                    <a:lumOff val="35000"/>
+                  </a:schemeClr>
+                </a:solidFill>
+                <a:latin typeface="+mj-lt"/>
+              </a:rPr>
+              <a:t>Team </a:t>
+            </a:r>
+            <a:endParaRPr lang="ko-KR" altLang="en-US" sz="4400" dirty="0">
+              <a:solidFill>
+                <a:schemeClr val="tx1">
+                  <a:lumMod val="65000"/>
+                  <a:lumOff val="35000"/>
+                </a:schemeClr>
+              </a:solidFill>
+              <a:latin typeface="+mj-lt"/>
+            </a:endParaRPr>
+          </a:p>
+        </p:txBody>
+      </p:sp>
+      <p:pic>
+        <p:nvPicPr>
+          <p:cNvPr id="1030" name="Picture 6" descr="C:\Users\java\Desktop\modla_delte.png"/>
+          <p:cNvPicPr>
+            <a:picLocks noChangeAspect="1" noChangeArrowheads="1"/>
+          </p:cNvPicPr>
+          <p:nvPr/>
+        </p:nvPicPr>
+        <p:blipFill>
+          <a:blip r:embed="rId5" cstate="print"/>
+          <a:srcRect/>
+          <a:stretch>
+            <a:fillRect/>
+          </a:stretch>
+        </p:blipFill>
+        <p:spPr bwMode="auto">
+          <a:xfrm>
+            <a:off x="1428728" y="5143512"/>
+            <a:ext cx="4024469" cy="1251825"/>
+          </a:xfrm>
+          <a:prstGeom prst="rect">
+            <a:avLst/>
+          </a:prstGeom>
+          <a:noFill/>
+          <a:ln>
+            <a:solidFill>
+              <a:schemeClr val="tx1">
+                <a:lumMod val="95000"/>
+                <a:lumOff val="5000"/>
               </a:schemeClr>
             </a:solidFill>
           </a:ln>
@@ -6463,6 +6675,789 @@
           <a:chExt cx="0" cy="0"/>
         </a:xfrm>
       </p:grpSpPr>
+      <p:pic>
+        <p:nvPicPr>
+          <p:cNvPr id="4" name="내용 개체 틀 3" descr="team.png"/>
+          <p:cNvPicPr>
+            <a:picLocks noGrp="1" noChangeAspect="1"/>
+          </p:cNvPicPr>
+          <p:nvPr>
+            <p:ph idx="1"/>
+          </p:nvPr>
+        </p:nvPicPr>
+        <p:blipFill>
+          <a:blip r:embed="rId2" cstate="print"/>
+          <a:stretch>
+            <a:fillRect/>
+          </a:stretch>
+        </p:blipFill>
+        <p:spPr>
+          <a:xfrm>
+            <a:off x="1403648" y="332656"/>
+            <a:ext cx="6274468" cy="2448272"/>
+          </a:xfrm>
+          <a:ln>
+            <a:solidFill>
+              <a:schemeClr val="tx1">
+                <a:lumMod val="95000"/>
+                <a:lumOff val="5000"/>
+              </a:schemeClr>
+            </a:solidFill>
+          </a:ln>
+          <a:effectLst>
+            <a:outerShdw blurRad="50800" dist="38100" dir="2700000" algn="tl" rotWithShape="0">
+              <a:prstClr val="black">
+                <a:alpha val="40000"/>
+              </a:prstClr>
+            </a:outerShdw>
+          </a:effectLst>
+        </p:spPr>
+      </p:pic>
+      <p:pic>
+        <p:nvPicPr>
+          <p:cNvPr id="3074" name="Picture 2" descr="C:\Users\java\Desktop\20170411_104345.png"/>
+          <p:cNvPicPr>
+            <a:picLocks noChangeAspect="1" noChangeArrowheads="1"/>
+          </p:cNvPicPr>
+          <p:nvPr/>
+        </p:nvPicPr>
+        <p:blipFill>
+          <a:blip r:embed="rId3" cstate="print"/>
+          <a:srcRect/>
+          <a:stretch>
+            <a:fillRect/>
+          </a:stretch>
+        </p:blipFill>
+        <p:spPr bwMode="auto">
+          <a:xfrm>
+            <a:off x="2195736" y="3068960"/>
+            <a:ext cx="6571307" cy="3473698"/>
+          </a:xfrm>
+          <a:prstGeom prst="rect">
+            <a:avLst/>
+          </a:prstGeom>
+          <a:noFill/>
+          <a:ln>
+            <a:solidFill>
+              <a:schemeClr val="tx1">
+                <a:lumMod val="95000"/>
+                <a:lumOff val="5000"/>
+              </a:schemeClr>
+            </a:solidFill>
+          </a:ln>
+          <a:effectLst>
+            <a:outerShdw blurRad="50800" dist="38100" dir="2700000" algn="tl" rotWithShape="0">
+              <a:prstClr val="black">
+                <a:alpha val="40000"/>
+              </a:prstClr>
+            </a:outerShdw>
+          </a:effectLst>
+        </p:spPr>
+      </p:pic>
+      <p:sp>
+        <p:nvSpPr>
+          <p:cNvPr id="8" name="직사각형 7"/>
+          <p:cNvSpPr/>
+          <p:nvPr/>
+        </p:nvSpPr>
+        <p:spPr>
+          <a:xfrm>
+            <a:off x="4067944" y="1340768"/>
+            <a:ext cx="504056" cy="648072"/>
+          </a:xfrm>
+          <a:prstGeom prst="rect">
+            <a:avLst/>
+          </a:prstGeom>
+          <a:noFill/>
+          <a:effectLst>
+            <a:glow rad="63500">
+              <a:schemeClr val="accent2">
+                <a:satMod val="175000"/>
+                <a:alpha val="40000"/>
+              </a:schemeClr>
+            </a:glow>
+          </a:effectLst>
+        </p:spPr>
+        <p:style>
+          <a:lnRef idx="2">
+            <a:schemeClr val="accent1">
+              <a:shade val="50000"/>
+            </a:schemeClr>
+          </a:lnRef>
+          <a:fillRef idx="1">
+            <a:schemeClr val="accent1"/>
+          </a:fillRef>
+          <a:effectRef idx="0">
+            <a:schemeClr val="accent1"/>
+          </a:effectRef>
+          <a:fontRef idx="minor">
+            <a:schemeClr val="lt1"/>
+          </a:fontRef>
+        </p:style>
+        <p:txBody>
+          <a:bodyPr rtlCol="0" anchor="ctr"/>
+          <a:lstStyle/>
+          <a:p>
+            <a:pPr algn="ctr"/>
+            <a:endParaRPr lang="ko-KR" altLang="en-US"/>
+          </a:p>
+        </p:txBody>
+      </p:sp>
+      <p:cxnSp>
+        <p:nvCxnSpPr>
+          <p:cNvPr id="10" name="직선 화살표 연결선 9"/>
+          <p:cNvCxnSpPr/>
+          <p:nvPr/>
+        </p:nvCxnSpPr>
+        <p:spPr>
+          <a:xfrm>
+            <a:off x="4334710" y="2039582"/>
+            <a:ext cx="0" cy="936104"/>
+          </a:xfrm>
+          <a:prstGeom prst="straightConnector1">
+            <a:avLst/>
+          </a:prstGeom>
+          <a:ln>
+            <a:tailEnd type="arrow"/>
+          </a:ln>
+        </p:spPr>
+        <p:style>
+          <a:lnRef idx="1">
+            <a:schemeClr val="accent1"/>
+          </a:lnRef>
+          <a:fillRef idx="0">
+            <a:schemeClr val="accent1"/>
+          </a:fillRef>
+          <a:effectRef idx="0">
+            <a:schemeClr val="accent1"/>
+          </a:effectRef>
+          <a:fontRef idx="minor">
+            <a:schemeClr val="tx1"/>
+          </a:fontRef>
+        </p:style>
+      </p:cxnSp>
+      <p:sp>
+        <p:nvSpPr>
+          <p:cNvPr id="11" name="TextBox 10"/>
+          <p:cNvSpPr txBox="1"/>
+          <p:nvPr/>
+        </p:nvSpPr>
+        <p:spPr>
+          <a:xfrm>
+            <a:off x="4516412" y="2316981"/>
+            <a:ext cx="3600400" cy="307777"/>
+          </a:xfrm>
+          <a:prstGeom prst="rect">
+            <a:avLst/>
+          </a:prstGeom>
+          <a:noFill/>
+        </p:spPr>
+        <p:txBody>
+          <a:bodyPr wrap="square" rtlCol="0">
+            <a:spAutoFit/>
+          </a:bodyPr>
+          <a:lstStyle/>
+          <a:p>
+            <a:r>
+              <a:rPr lang="en-US" altLang="ko-KR" sz="1400" dirty="0" smtClean="0"/>
+              <a:t>Click</a:t>
+            </a:r>
+            <a:r>
+              <a:rPr lang="ko-KR" altLang="en-US" sz="1400" dirty="0" smtClean="0"/>
+              <a:t>시 정보 페이지로 이동 </a:t>
+            </a:r>
+            <a:endParaRPr lang="ko-KR" altLang="en-US" sz="1400" dirty="0"/>
+          </a:p>
+        </p:txBody>
+      </p:sp>
+    </p:spTree>
+  </p:cSld>
+  <p:clrMapOvr>
+    <a:masterClrMapping/>
+  </p:clrMapOvr>
+  <p:transition/>
+  <p:timing>
+    <p:tnLst>
+      <p:par>
+        <p:cTn id="1" dur="indefinite" restart="never" nodeType="tmRoot"/>
+      </p:par>
+    </p:tnLst>
+  </p:timing>
+</p:sld>
+</file>
+
+<file path=ppt/slides/slide22.xml><?xml version="1.0" encoding="utf-8"?>
+<p:sld xmlns:a="http://schemas.openxmlformats.org/drawingml/2006/main" xmlns:r="http://schemas.openxmlformats.org/officeDocument/2006/relationships" xmlns:p="http://schemas.openxmlformats.org/presentationml/2006/main">
+  <p:cSld>
+    <p:spTree>
+      <p:nvGrpSpPr>
+        <p:cNvPr id="1" name=""/>
+        <p:cNvGrpSpPr/>
+        <p:nvPr/>
+      </p:nvGrpSpPr>
+      <p:grpSpPr>
+        <a:xfrm>
+          <a:off x="0" y="0"/>
+          <a:ext cx="0" cy="0"/>
+          <a:chOff x="0" y="0"/>
+          <a:chExt cx="0" cy="0"/>
+        </a:xfrm>
+      </p:grpSpPr>
+      <p:pic>
+        <p:nvPicPr>
+          <p:cNvPr id="2050" name="Picture 2" descr="C:\Users\java\Desktop\players.png"/>
+          <p:cNvPicPr>
+            <a:picLocks noChangeAspect="1" noChangeArrowheads="1"/>
+          </p:cNvPicPr>
+          <p:nvPr/>
+        </p:nvPicPr>
+        <p:blipFill>
+          <a:blip r:embed="rId2" cstate="print"/>
+          <a:srcRect/>
+          <a:stretch>
+            <a:fillRect/>
+          </a:stretch>
+        </p:blipFill>
+        <p:spPr bwMode="auto">
+          <a:xfrm>
+            <a:off x="1259632" y="1052736"/>
+            <a:ext cx="7161460" cy="5050641"/>
+          </a:xfrm>
+          <a:prstGeom prst="rect">
+            <a:avLst/>
+          </a:prstGeom>
+          <a:noFill/>
+          <a:ln>
+            <a:solidFill>
+              <a:schemeClr val="tx1">
+                <a:lumMod val="95000"/>
+                <a:lumOff val="5000"/>
+              </a:schemeClr>
+            </a:solidFill>
+          </a:ln>
+          <a:effectLst>
+            <a:outerShdw blurRad="50800" dist="38100" dir="2700000" algn="tl" rotWithShape="0">
+              <a:prstClr val="black">
+                <a:alpha val="40000"/>
+              </a:prstClr>
+            </a:outerShdw>
+          </a:effectLst>
+        </p:spPr>
+      </p:pic>
+      <p:sp>
+        <p:nvSpPr>
+          <p:cNvPr id="5" name="제목 1"/>
+          <p:cNvSpPr>
+            <a:spLocks noGrp="1"/>
+          </p:cNvSpPr>
+          <p:nvPr>
+            <p:ph type="title"/>
+          </p:nvPr>
+        </p:nvSpPr>
+        <p:spPr>
+          <a:xfrm>
+            <a:off x="1285916" y="0"/>
+            <a:ext cx="9144000" cy="1069514"/>
+          </a:xfrm>
+        </p:spPr>
+        <p:txBody>
+          <a:bodyPr/>
+          <a:lstStyle/>
+          <a:p>
+            <a:r>
+              <a:rPr lang="en-US" altLang="ko-KR" sz="4400" dirty="0" smtClean="0">
+                <a:solidFill>
+                  <a:schemeClr val="tx1">
+                    <a:lumMod val="75000"/>
+                    <a:lumOff val="25000"/>
+                  </a:schemeClr>
+                </a:solidFill>
+                <a:latin typeface="+mj-lt"/>
+              </a:rPr>
+              <a:t>Members</a:t>
+            </a:r>
+            <a:endParaRPr lang="ko-KR" altLang="en-US" dirty="0">
+              <a:solidFill>
+                <a:schemeClr val="tx1">
+                  <a:lumMod val="75000"/>
+                  <a:lumOff val="25000"/>
+                </a:schemeClr>
+              </a:solidFill>
+              <a:latin typeface="+mj-lt"/>
+            </a:endParaRPr>
+          </a:p>
+        </p:txBody>
+      </p:sp>
+    </p:spTree>
+  </p:cSld>
+  <p:clrMapOvr>
+    <a:masterClrMapping/>
+  </p:clrMapOvr>
+  <p:transition/>
+  <p:timing>
+    <p:tnLst>
+      <p:par>
+        <p:cTn id="1" dur="indefinite" restart="never" nodeType="tmRoot"/>
+      </p:par>
+    </p:tnLst>
+  </p:timing>
+</p:sld>
+</file>
+
+<file path=ppt/slides/slide23.xml><?xml version="1.0" encoding="utf-8"?>
+<p:sld xmlns:a="http://schemas.openxmlformats.org/drawingml/2006/main" xmlns:r="http://schemas.openxmlformats.org/officeDocument/2006/relationships" xmlns:p="http://schemas.openxmlformats.org/presentationml/2006/main">
+  <p:cSld>
+    <p:spTree>
+      <p:nvGrpSpPr>
+        <p:cNvPr id="1" name=""/>
+        <p:cNvGrpSpPr/>
+        <p:nvPr/>
+      </p:nvGrpSpPr>
+      <p:grpSpPr>
+        <a:xfrm>
+          <a:off x="0" y="0"/>
+          <a:ext cx="0" cy="0"/>
+          <a:chOff x="0" y="0"/>
+          <a:chExt cx="0" cy="0"/>
+        </a:xfrm>
+      </p:grpSpPr>
+      <p:pic>
+        <p:nvPicPr>
+          <p:cNvPr id="4106" name="Picture 10" descr="C:\Users\java\Desktop\member_regist.png"/>
+          <p:cNvPicPr>
+            <a:picLocks noChangeAspect="1" noChangeArrowheads="1"/>
+          </p:cNvPicPr>
+          <p:nvPr/>
+        </p:nvPicPr>
+        <p:blipFill>
+          <a:blip r:embed="rId2" cstate="print"/>
+          <a:srcRect/>
+          <a:stretch>
+            <a:fillRect/>
+          </a:stretch>
+        </p:blipFill>
+        <p:spPr bwMode="auto">
+          <a:xfrm>
+            <a:off x="1394153" y="1285860"/>
+            <a:ext cx="3608547" cy="3600400"/>
+          </a:xfrm>
+          <a:prstGeom prst="rect">
+            <a:avLst/>
+          </a:prstGeom>
+          <a:noFill/>
+          <a:ln>
+            <a:solidFill>
+              <a:schemeClr val="tx1">
+                <a:lumMod val="95000"/>
+                <a:lumOff val="5000"/>
+              </a:schemeClr>
+            </a:solidFill>
+          </a:ln>
+          <a:effectLst>
+            <a:outerShdw blurRad="50800" dist="38100" dir="2700000" algn="tl" rotWithShape="0">
+              <a:prstClr val="black">
+                <a:alpha val="40000"/>
+              </a:prstClr>
+            </a:outerShdw>
+          </a:effectLst>
+        </p:spPr>
+      </p:pic>
+      <p:pic>
+        <p:nvPicPr>
+          <p:cNvPr id="4107" name="Picture 11" descr="C:\Users\java\Desktop\member_modify.png"/>
+          <p:cNvPicPr>
+            <a:picLocks noChangeAspect="1" noChangeArrowheads="1"/>
+          </p:cNvPicPr>
+          <p:nvPr/>
+        </p:nvPicPr>
+        <p:blipFill>
+          <a:blip r:embed="rId3" cstate="print"/>
+          <a:srcRect/>
+          <a:stretch>
+            <a:fillRect/>
+          </a:stretch>
+        </p:blipFill>
+        <p:spPr bwMode="auto">
+          <a:xfrm>
+            <a:off x="5138569" y="1300680"/>
+            <a:ext cx="3719711" cy="3488775"/>
+          </a:xfrm>
+          <a:prstGeom prst="rect">
+            <a:avLst/>
+          </a:prstGeom>
+          <a:noFill/>
+          <a:ln>
+            <a:solidFill>
+              <a:schemeClr val="tx1">
+                <a:lumMod val="95000"/>
+                <a:lumOff val="5000"/>
+              </a:schemeClr>
+            </a:solidFill>
+          </a:ln>
+          <a:effectLst>
+            <a:outerShdw blurRad="50800" dist="38100" dir="2700000" algn="tl" rotWithShape="0">
+              <a:prstClr val="black">
+                <a:alpha val="40000"/>
+              </a:prstClr>
+            </a:outerShdw>
+          </a:effectLst>
+        </p:spPr>
+      </p:pic>
+      <p:sp>
+        <p:nvSpPr>
+          <p:cNvPr id="15" name="직사각형 14"/>
+          <p:cNvSpPr/>
+          <p:nvPr/>
+        </p:nvSpPr>
+        <p:spPr>
+          <a:xfrm>
+            <a:off x="2617151" y="4077072"/>
+            <a:ext cx="1944217" cy="216024"/>
+          </a:xfrm>
+          <a:prstGeom prst="rect">
+            <a:avLst/>
+          </a:prstGeom>
+          <a:noFill/>
+          <a:effectLst>
+            <a:glow rad="63500">
+              <a:schemeClr val="accent2">
+                <a:satMod val="175000"/>
+                <a:alpha val="40000"/>
+              </a:schemeClr>
+            </a:glow>
+          </a:effectLst>
+        </p:spPr>
+        <p:style>
+          <a:lnRef idx="2">
+            <a:schemeClr val="accent1">
+              <a:shade val="50000"/>
+            </a:schemeClr>
+          </a:lnRef>
+          <a:fillRef idx="1">
+            <a:schemeClr val="accent1"/>
+          </a:fillRef>
+          <a:effectRef idx="0">
+            <a:schemeClr val="accent1"/>
+          </a:effectRef>
+          <a:fontRef idx="minor">
+            <a:schemeClr val="lt1"/>
+          </a:fontRef>
+        </p:style>
+        <p:txBody>
+          <a:bodyPr rtlCol="0" anchor="ctr"/>
+          <a:lstStyle/>
+          <a:p>
+            <a:pPr algn="ctr"/>
+            <a:endParaRPr lang="ko-KR" altLang="en-US"/>
+          </a:p>
+        </p:txBody>
+      </p:sp>
+      <p:sp>
+        <p:nvSpPr>
+          <p:cNvPr id="16" name="직사각형 15"/>
+          <p:cNvSpPr/>
+          <p:nvPr/>
+        </p:nvSpPr>
+        <p:spPr>
+          <a:xfrm>
+            <a:off x="6405541" y="4041517"/>
+            <a:ext cx="2008014" cy="237290"/>
+          </a:xfrm>
+          <a:prstGeom prst="rect">
+            <a:avLst/>
+          </a:prstGeom>
+          <a:noFill/>
+          <a:effectLst>
+            <a:glow rad="63500">
+              <a:schemeClr val="accent2">
+                <a:satMod val="175000"/>
+                <a:alpha val="40000"/>
+              </a:schemeClr>
+            </a:glow>
+          </a:effectLst>
+        </p:spPr>
+        <p:style>
+          <a:lnRef idx="2">
+            <a:schemeClr val="accent1">
+              <a:shade val="50000"/>
+            </a:schemeClr>
+          </a:lnRef>
+          <a:fillRef idx="1">
+            <a:schemeClr val="accent1"/>
+          </a:fillRef>
+          <a:effectRef idx="0">
+            <a:schemeClr val="accent1"/>
+          </a:effectRef>
+          <a:fontRef idx="minor">
+            <a:schemeClr val="lt1"/>
+          </a:fontRef>
+        </p:style>
+        <p:txBody>
+          <a:bodyPr rtlCol="0" anchor="ctr"/>
+          <a:lstStyle/>
+          <a:p>
+            <a:pPr algn="ctr"/>
+            <a:endParaRPr lang="ko-KR" altLang="en-US"/>
+          </a:p>
+        </p:txBody>
+      </p:sp>
+      <p:sp>
+        <p:nvSpPr>
+          <p:cNvPr id="9" name="제목 1"/>
+          <p:cNvSpPr txBox="1">
+            <a:spLocks/>
+          </p:cNvSpPr>
+          <p:nvPr/>
+        </p:nvSpPr>
+        <p:spPr>
+          <a:xfrm>
+            <a:off x="1285916" y="0"/>
+            <a:ext cx="9144000" cy="1069514"/>
+          </a:xfrm>
+          <a:prstGeom prst="rect">
+            <a:avLst/>
+          </a:prstGeom>
+        </p:spPr>
+        <p:txBody>
+          <a:bodyPr anchor="ctr"/>
+          <a:lstStyle/>
+          <a:p>
+            <a:pPr marL="0" marR="0" lvl="0" indent="0" algn="l" defTabSz="914400" rtl="0" eaLnBrk="1" fontAlgn="auto" latinLnBrk="1" hangingPunct="1">
+              <a:lnSpc>
+                <a:spcPct val="100000"/>
+              </a:lnSpc>
+              <a:spcBef>
+                <a:spcPct val="0"/>
+              </a:spcBef>
+              <a:spcAft>
+                <a:spcPts val="0"/>
+              </a:spcAft>
+              <a:buClrTx/>
+              <a:buSzTx/>
+              <a:buFontTx/>
+              <a:buNone/>
+              <a:tabLst/>
+              <a:defRPr/>
+            </a:pPr>
+            <a:r>
+              <a:rPr kumimoji="0" lang="en-US" altLang="ko-KR" sz="4400" b="1" i="0" u="none" strike="noStrike" kern="1200" cap="none" spc="0" normalizeH="0" baseline="0" noProof="0" smtClean="0">
+                <a:ln>
+                  <a:noFill/>
+                </a:ln>
+                <a:solidFill>
+                  <a:schemeClr val="tx1">
+                    <a:lumMod val="75000"/>
+                    <a:lumOff val="25000"/>
+                  </a:schemeClr>
+                </a:solidFill>
+                <a:effectLst/>
+                <a:uLnTx/>
+                <a:uFillTx/>
+                <a:latin typeface="+mj-lt"/>
+                <a:ea typeface="+mj-ea"/>
+                <a:cs typeface="Arial" pitchFamily="34" charset="0"/>
+              </a:rPr>
+              <a:t>Members</a:t>
+            </a:r>
+            <a:endParaRPr kumimoji="0" lang="ko-KR" altLang="en-US" sz="4000" b="1" i="0" u="none" strike="noStrike" kern="1200" cap="none" spc="0" normalizeH="0" baseline="0" noProof="0" dirty="0">
+              <a:ln>
+                <a:noFill/>
+              </a:ln>
+              <a:solidFill>
+                <a:schemeClr val="tx1">
+                  <a:lumMod val="75000"/>
+                  <a:lumOff val="25000"/>
+                </a:schemeClr>
+              </a:solidFill>
+              <a:effectLst/>
+              <a:uLnTx/>
+              <a:uFillTx/>
+              <a:latin typeface="+mj-lt"/>
+              <a:ea typeface="+mj-ea"/>
+              <a:cs typeface="Arial" pitchFamily="34" charset="0"/>
+            </a:endParaRPr>
+          </a:p>
+        </p:txBody>
+      </p:sp>
+      <p:sp>
+        <p:nvSpPr>
+          <p:cNvPr id="13" name="설명선 2 12"/>
+          <p:cNvSpPr/>
+          <p:nvPr/>
+        </p:nvSpPr>
+        <p:spPr>
+          <a:xfrm>
+            <a:off x="5143504" y="4929198"/>
+            <a:ext cx="1785950" cy="1714512"/>
+          </a:xfrm>
+          <a:prstGeom prst="borderCallout2">
+            <a:avLst>
+              <a:gd name="adj1" fmla="val 64379"/>
+              <a:gd name="adj2" fmla="val 103737"/>
+              <a:gd name="adj3" fmla="val 64379"/>
+              <a:gd name="adj4" fmla="val 135794"/>
+              <a:gd name="adj5" fmla="val -36832"/>
+              <a:gd name="adj6" fmla="val 164958"/>
+            </a:avLst>
+          </a:prstGeom>
+          <a:noFill/>
+          <a:ln>
+            <a:solidFill>
+              <a:schemeClr val="tx1">
+                <a:lumMod val="75000"/>
+                <a:lumOff val="25000"/>
+              </a:schemeClr>
+            </a:solidFill>
+          </a:ln>
+        </p:spPr>
+        <p:style>
+          <a:lnRef idx="2">
+            <a:schemeClr val="accent1">
+              <a:shade val="50000"/>
+            </a:schemeClr>
+          </a:lnRef>
+          <a:fillRef idx="1">
+            <a:schemeClr val="accent1"/>
+          </a:fillRef>
+          <a:effectRef idx="0">
+            <a:schemeClr val="accent1"/>
+          </a:effectRef>
+          <a:fontRef idx="minor">
+            <a:schemeClr val="lt1"/>
+          </a:fontRef>
+        </p:style>
+        <p:txBody>
+          <a:bodyPr rtlCol="0" anchor="ctr"/>
+          <a:lstStyle/>
+          <a:p>
+            <a:pPr algn="ctr"/>
+            <a:endParaRPr lang="ko-KR" altLang="en-US"/>
+          </a:p>
+        </p:txBody>
+      </p:sp>
+      <p:sp>
+        <p:nvSpPr>
+          <p:cNvPr id="12" name="설명선 2 11"/>
+          <p:cNvSpPr/>
+          <p:nvPr/>
+        </p:nvSpPr>
+        <p:spPr>
+          <a:xfrm>
+            <a:off x="5143504" y="4929198"/>
+            <a:ext cx="1785950" cy="1714512"/>
+          </a:xfrm>
+          <a:prstGeom prst="borderCallout2">
+            <a:avLst>
+              <a:gd name="adj1" fmla="val 65565"/>
+              <a:gd name="adj2" fmla="val -3213"/>
+              <a:gd name="adj3" fmla="val 65565"/>
+              <a:gd name="adj4" fmla="val -40560"/>
+              <a:gd name="adj5" fmla="val -36832"/>
+              <a:gd name="adj6" fmla="val -70560"/>
+            </a:avLst>
+          </a:prstGeom>
+          <a:noFill/>
+          <a:ln>
+            <a:solidFill>
+              <a:schemeClr val="tx1">
+                <a:lumMod val="75000"/>
+                <a:lumOff val="25000"/>
+              </a:schemeClr>
+            </a:solidFill>
+          </a:ln>
+        </p:spPr>
+        <p:style>
+          <a:lnRef idx="2">
+            <a:schemeClr val="accent1">
+              <a:shade val="50000"/>
+            </a:schemeClr>
+          </a:lnRef>
+          <a:fillRef idx="1">
+            <a:schemeClr val="accent1"/>
+          </a:fillRef>
+          <a:effectRef idx="0">
+            <a:schemeClr val="accent1"/>
+          </a:effectRef>
+          <a:fontRef idx="minor">
+            <a:schemeClr val="lt1"/>
+          </a:fontRef>
+        </p:style>
+        <p:txBody>
+          <a:bodyPr rtlCol="0" anchor="ctr"/>
+          <a:lstStyle/>
+          <a:p>
+            <a:pPr algn="ctr"/>
+            <a:endParaRPr lang="ko-KR" altLang="en-US"/>
+          </a:p>
+        </p:txBody>
+      </p:sp>
+      <p:pic>
+        <p:nvPicPr>
+          <p:cNvPr id="4108" name="Picture 12" descr="C:\Users\java\Desktop\date.png"/>
+          <p:cNvPicPr>
+            <a:picLocks noChangeAspect="1" noChangeArrowheads="1"/>
+          </p:cNvPicPr>
+          <p:nvPr/>
+        </p:nvPicPr>
+        <p:blipFill>
+          <a:blip r:embed="rId4" cstate="print"/>
+          <a:srcRect/>
+          <a:stretch>
+            <a:fillRect/>
+          </a:stretch>
+        </p:blipFill>
+        <p:spPr bwMode="auto">
+          <a:xfrm>
+            <a:off x="5143505" y="4929477"/>
+            <a:ext cx="1785950" cy="1714233"/>
+          </a:xfrm>
+          <a:prstGeom prst="rect">
+            <a:avLst/>
+          </a:prstGeom>
+          <a:noFill/>
+          <a:ln>
+            <a:solidFill>
+              <a:schemeClr val="tx1">
+                <a:lumMod val="75000"/>
+                <a:lumOff val="25000"/>
+              </a:schemeClr>
+            </a:solidFill>
+          </a:ln>
+        </p:spPr>
+      </p:pic>
+    </p:spTree>
+  </p:cSld>
+  <p:clrMapOvr>
+    <a:masterClrMapping/>
+  </p:clrMapOvr>
+  <p:transition/>
+  <p:timing>
+    <p:tnLst>
+      <p:par>
+        <p:cTn id="1" dur="indefinite" restart="never" nodeType="tmRoot"/>
+      </p:par>
+    </p:tnLst>
+  </p:timing>
+</p:sld>
+</file>
+
+<file path=ppt/slides/slide24.xml><?xml version="1.0" encoding="utf-8"?>
+<p:sld xmlns:a="http://schemas.openxmlformats.org/drawingml/2006/main" xmlns:r="http://schemas.openxmlformats.org/officeDocument/2006/relationships" xmlns:p="http://schemas.openxmlformats.org/presentationml/2006/main">
+  <p:cSld>
+    <p:spTree>
+      <p:nvGrpSpPr>
+        <p:cNvPr id="1" name=""/>
+        <p:cNvGrpSpPr/>
+        <p:nvPr/>
+      </p:nvGrpSpPr>
+      <p:grpSpPr>
+        <a:xfrm>
+          <a:off x="0" y="0"/>
+          <a:ext cx="0" cy="0"/>
+          <a:chOff x="0" y="0"/>
+          <a:chExt cx="0" cy="0"/>
+        </a:xfrm>
+      </p:grpSpPr>
       <p:sp>
         <p:nvSpPr>
           <p:cNvPr id="2" name="제목 1"/>
@@ -6564,7 +7559,7 @@
 </p:sld>
 </file>
 
-<file path=ppt/slides/slide22.xml><?xml version="1.0" encoding="utf-8"?>
+<file path=ppt/slides/slide25.xml><?xml version="1.0" encoding="utf-8"?>
 <p:sld xmlns:a="http://schemas.openxmlformats.org/drawingml/2006/main" xmlns:r="http://schemas.openxmlformats.org/officeDocument/2006/relationships" xmlns:p="http://schemas.openxmlformats.org/presentationml/2006/main">
   <p:cSld>
     <p:spTree>
@@ -6694,7 +7689,7 @@
                 <a:ea typeface="Arial Unicode MS" pitchFamily="50" charset="-127"/>
                 <a:cs typeface="Calibri" pitchFamily="34" charset="0"/>
               </a:rPr>
-              <a:t>Account Management</a:t>
+              <a:t>Base Tables</a:t>
             </a:r>
             <a:endParaRPr lang="ko-KR" altLang="en-US" sz="4400" dirty="0">
               <a:solidFill>
@@ -6710,56 +7705,9 @@
           </a:p>
         </p:txBody>
       </p:sp>
-      <p:sp>
-        <p:nvSpPr>
-          <p:cNvPr id="3" name="Content Placeholder 2"/>
-          <p:cNvSpPr>
-            <a:spLocks noGrp="1"/>
-          </p:cNvSpPr>
-          <p:nvPr>
-            <p:ph idx="1"/>
-          </p:nvPr>
-        </p:nvSpPr>
-        <p:spPr>
-          <a:xfrm>
-            <a:off x="1835696" y="1484784"/>
-            <a:ext cx="6851104" cy="4525963"/>
-          </a:xfrm>
-        </p:spPr>
-        <p:txBody>
-          <a:bodyPr>
-            <a:normAutofit/>
-          </a:bodyPr>
-          <a:lstStyle/>
-          <a:p>
-            <a:endParaRPr lang="en-US" altLang="ko-KR" sz="4000" dirty="0" smtClean="0">
-              <a:solidFill>
-                <a:schemeClr val="tx1">
-                  <a:lumMod val="75000"/>
-                  <a:lumOff val="25000"/>
-                </a:schemeClr>
-              </a:solidFill>
-              <a:latin typeface="Calibri" pitchFamily="34" charset="0"/>
-              <a:cs typeface="Calibri" pitchFamily="34" charset="0"/>
-            </a:endParaRPr>
-          </a:p>
-          <a:p>
-            <a:endParaRPr lang="en-US" altLang="ko-KR" sz="4000" dirty="0" smtClean="0">
-              <a:solidFill>
-                <a:schemeClr val="tx1">
-                  <a:lumMod val="50000"/>
-                  <a:lumOff val="50000"/>
-                </a:schemeClr>
-              </a:solidFill>
-              <a:latin typeface="Calibri" pitchFamily="34" charset="0"/>
-              <a:cs typeface="Calibri" pitchFamily="34" charset="0"/>
-            </a:endParaRPr>
-          </a:p>
-        </p:txBody>
-      </p:sp>
       <p:pic>
         <p:nvPicPr>
-          <p:cNvPr id="2050" name="Picture 2"/>
+          <p:cNvPr id="1028" name="Picture 4"/>
           <p:cNvPicPr>
             <a:picLocks noChangeAspect="1" noChangeArrowheads="1"/>
           </p:cNvPicPr>
@@ -6774,8 +7722,8 @@
         </p:blipFill>
         <p:spPr bwMode="auto">
           <a:xfrm>
-            <a:off x="1428729" y="1214422"/>
-            <a:ext cx="5857916" cy="2745057"/>
+            <a:off x="1500165" y="4017958"/>
+            <a:ext cx="6165714" cy="2340000"/>
           </a:xfrm>
           <a:prstGeom prst="rect">
             <a:avLst/>
@@ -6800,7 +7748,7 @@
       </p:pic>
       <p:pic>
         <p:nvPicPr>
-          <p:cNvPr id="2051" name="Picture 3"/>
+          <p:cNvPr id="1029" name="Picture 5"/>
           <p:cNvPicPr>
             <a:picLocks noChangeAspect="1" noChangeArrowheads="1"/>
           </p:cNvPicPr>
@@ -6815,8 +7763,8 @@
         </p:blipFill>
         <p:spPr bwMode="auto">
           <a:xfrm>
-            <a:off x="2357422" y="3732109"/>
-            <a:ext cx="6500858" cy="2811830"/>
+            <a:off x="1500166" y="1086190"/>
+            <a:ext cx="5268624" cy="2700000"/>
           </a:xfrm>
           <a:prstGeom prst="rect">
             <a:avLst/>
@@ -6842,7 +7790,7 @@
     </p:spTree>
     <p:extLst>
       <p:ext uri="{BB962C8B-B14F-4D97-AF65-F5344CB8AC3E}">
-        <p14:creationId xmlns="" xmlns:p14="http://schemas.microsoft.com/office/powerpoint/2010/main" val="891763176"/>
+        <p14:creationId xmlns:p14="http://schemas.microsoft.com/office/powerpoint/2010/main" xmlns="" val="891763176"/>
       </p:ext>
     </p:extLst>
   </p:cSld>
@@ -6909,7 +7857,7 @@
                 <a:ea typeface="Arial Unicode MS" pitchFamily="50" charset="-127"/>
                 <a:cs typeface="Calibri" pitchFamily="34" charset="0"/>
               </a:rPr>
-              <a:t>Salary Management</a:t>
+              <a:t>Base Tables</a:t>
             </a:r>
             <a:endParaRPr lang="ko-KR" altLang="en-US" sz="4400" dirty="0">
               <a:solidFill>
@@ -6925,407 +7873,92 @@
           </a:p>
         </p:txBody>
       </p:sp>
-      <p:sp>
-        <p:nvSpPr>
-          <p:cNvPr id="3" name="Content Placeholder 2"/>
-          <p:cNvSpPr>
-            <a:spLocks noGrp="1"/>
-          </p:cNvSpPr>
-          <p:nvPr>
-            <p:ph idx="1"/>
-          </p:nvPr>
-        </p:nvSpPr>
-        <p:spPr>
-          <a:xfrm>
-            <a:off x="1835696" y="1484784"/>
-            <a:ext cx="6851104" cy="4525963"/>
-          </a:xfrm>
-        </p:spPr>
-        <p:txBody>
-          <a:bodyPr>
-            <a:normAutofit fontScale="92500" lnSpcReduction="10000"/>
-          </a:bodyPr>
-          <a:lstStyle/>
-          <a:p>
-            <a:pPr>
-              <a:lnSpc>
-                <a:spcPct val="120000"/>
-              </a:lnSpc>
-            </a:pPr>
-            <a:r>
-              <a:rPr lang="ko-KR" altLang="en-US" sz="3600" dirty="0" smtClean="0">
-                <a:solidFill>
-                  <a:schemeClr val="tx1">
-                    <a:lumMod val="75000"/>
-                    <a:lumOff val="25000"/>
-                  </a:schemeClr>
-                </a:solidFill>
-                <a:latin typeface="Calibri" pitchFamily="34" charset="0"/>
-                <a:cs typeface="Calibri" pitchFamily="34" charset="0"/>
-              </a:rPr>
-              <a:t>급여 관리 페이지</a:t>
-            </a:r>
-            <a:endParaRPr lang="en-US" altLang="ko-KR" sz="3600" dirty="0" smtClean="0">
-              <a:solidFill>
-                <a:schemeClr val="tx1">
-                  <a:lumMod val="75000"/>
-                  <a:lumOff val="25000"/>
-                </a:schemeClr>
-              </a:solidFill>
-              <a:latin typeface="Calibri" pitchFamily="34" charset="0"/>
-              <a:cs typeface="Calibri" pitchFamily="34" charset="0"/>
-            </a:endParaRPr>
-          </a:p>
-          <a:p>
-            <a:pPr>
-              <a:lnSpc>
-                <a:spcPct val="120000"/>
-              </a:lnSpc>
-              <a:buFont typeface="Wingdings" pitchFamily="2" charset="2"/>
-              <a:buChar char="ü"/>
-            </a:pPr>
-            <a:r>
-              <a:rPr lang="ko-KR" altLang="en-US" sz="2100" dirty="0" smtClean="0">
-                <a:solidFill>
-                  <a:schemeClr val="tx1">
-                    <a:lumMod val="50000"/>
-                    <a:lumOff val="50000"/>
-                  </a:schemeClr>
-                </a:solidFill>
-                <a:latin typeface="Calibri" pitchFamily="34" charset="0"/>
-                <a:cs typeface="Calibri" pitchFamily="34" charset="0"/>
-              </a:rPr>
-              <a:t>회원 및 관리자의 급여를 관리할 수 있는 폼</a:t>
-            </a:r>
-            <a:endParaRPr lang="en-US" altLang="ko-KR" sz="2100" dirty="0" smtClean="0">
-              <a:solidFill>
-                <a:schemeClr val="tx1">
-                  <a:lumMod val="50000"/>
-                  <a:lumOff val="50000"/>
-                </a:schemeClr>
-              </a:solidFill>
-              <a:latin typeface="Calibri" pitchFamily="34" charset="0"/>
-              <a:cs typeface="Calibri" pitchFamily="34" charset="0"/>
-            </a:endParaRPr>
-          </a:p>
-          <a:p>
-            <a:pPr>
-              <a:lnSpc>
-                <a:spcPct val="120000"/>
-              </a:lnSpc>
-              <a:buNone/>
-            </a:pPr>
-            <a:endParaRPr lang="en-US" altLang="ko-KR" sz="1900" dirty="0" smtClean="0">
-              <a:solidFill>
-                <a:schemeClr val="tx1">
-                  <a:lumMod val="50000"/>
-                  <a:lumOff val="50000"/>
-                </a:schemeClr>
-              </a:solidFill>
-              <a:latin typeface="Calibri" pitchFamily="34" charset="0"/>
-              <a:cs typeface="Calibri" pitchFamily="34" charset="0"/>
-            </a:endParaRPr>
-          </a:p>
-          <a:p>
-            <a:pPr>
-              <a:lnSpc>
-                <a:spcPct val="120000"/>
-              </a:lnSpc>
-            </a:pPr>
-            <a:r>
-              <a:rPr lang="ko-KR" altLang="en-US" sz="3600" dirty="0" smtClean="0">
-                <a:solidFill>
-                  <a:schemeClr val="tx1">
-                    <a:lumMod val="75000"/>
-                    <a:lumOff val="25000"/>
-                  </a:schemeClr>
-                </a:solidFill>
-                <a:latin typeface="Calibri" pitchFamily="34" charset="0"/>
-                <a:cs typeface="Calibri" pitchFamily="34" charset="0"/>
-              </a:rPr>
-              <a:t>관리자 급여 관리</a:t>
-            </a:r>
-            <a:endParaRPr lang="en-US" altLang="ko-KR" sz="3600" dirty="0" smtClean="0">
-              <a:solidFill>
-                <a:schemeClr val="tx1">
-                  <a:lumMod val="75000"/>
-                  <a:lumOff val="25000"/>
-                </a:schemeClr>
-              </a:solidFill>
-              <a:latin typeface="Calibri" pitchFamily="34" charset="0"/>
-              <a:cs typeface="Calibri" pitchFamily="34" charset="0"/>
-            </a:endParaRPr>
-          </a:p>
-          <a:p>
-            <a:pPr>
-              <a:lnSpc>
-                <a:spcPct val="120000"/>
-              </a:lnSpc>
-              <a:buFont typeface="Wingdings" pitchFamily="2" charset="2"/>
-              <a:buChar char="ü"/>
-            </a:pPr>
-            <a:r>
-              <a:rPr lang="ko-KR" altLang="en-US" sz="2100" dirty="0" smtClean="0">
-                <a:solidFill>
-                  <a:schemeClr val="tx1">
-                    <a:lumMod val="50000"/>
-                    <a:lumOff val="50000"/>
-                  </a:schemeClr>
-                </a:solidFill>
-                <a:latin typeface="Calibri" pitchFamily="34" charset="0"/>
-                <a:cs typeface="Calibri" pitchFamily="34" charset="0"/>
-              </a:rPr>
-              <a:t>관리자는 회원의 급여 관리  </a:t>
-            </a:r>
-            <a:r>
-              <a:rPr lang="ko-KR" altLang="en-US" sz="2100" dirty="0" err="1" smtClean="0">
-                <a:solidFill>
-                  <a:schemeClr val="tx1">
-                    <a:lumMod val="50000"/>
-                    <a:lumOff val="50000"/>
-                  </a:schemeClr>
-                </a:solidFill>
-                <a:latin typeface="Calibri" pitchFamily="34" charset="0"/>
-                <a:cs typeface="Calibri" pitchFamily="34" charset="0"/>
-              </a:rPr>
-              <a:t>추가</a:t>
-            </a:r>
-            <a:r>
-              <a:rPr lang="ko-KR" altLang="en-US" sz="2100" dirty="0" err="1" smtClean="0">
-                <a:solidFill>
-                  <a:schemeClr val="tx1">
-                    <a:lumMod val="50000"/>
-                    <a:lumOff val="50000"/>
-                  </a:schemeClr>
-                </a:solidFill>
-                <a:latin typeface="굴림체"/>
-                <a:ea typeface="굴림체"/>
-                <a:cs typeface="Calibri" pitchFamily="34" charset="0"/>
-              </a:rPr>
-              <a:t>ㆍ</a:t>
-            </a:r>
-            <a:r>
-              <a:rPr lang="ko-KR" altLang="en-US" sz="2100" dirty="0" err="1" smtClean="0">
-                <a:solidFill>
-                  <a:schemeClr val="tx1">
-                    <a:lumMod val="50000"/>
-                    <a:lumOff val="50000"/>
-                  </a:schemeClr>
-                </a:solidFill>
-                <a:latin typeface="Calibri" pitchFamily="34" charset="0"/>
-                <a:cs typeface="Calibri" pitchFamily="34" charset="0"/>
-              </a:rPr>
-              <a:t>수정</a:t>
-            </a:r>
-            <a:r>
-              <a:rPr lang="ko-KR" altLang="en-US" sz="2100" dirty="0" err="1" smtClean="0">
-                <a:solidFill>
-                  <a:schemeClr val="tx1">
-                    <a:lumMod val="50000"/>
-                    <a:lumOff val="50000"/>
-                  </a:schemeClr>
-                </a:solidFill>
-                <a:latin typeface="굴림체"/>
-                <a:ea typeface="굴림체"/>
-                <a:cs typeface="Calibri" pitchFamily="34" charset="0"/>
-              </a:rPr>
-              <a:t>ㆍ</a:t>
-            </a:r>
-            <a:r>
-              <a:rPr lang="ko-KR" altLang="en-US" sz="2100" dirty="0" err="1" smtClean="0">
-                <a:solidFill>
-                  <a:schemeClr val="tx1">
-                    <a:lumMod val="50000"/>
-                    <a:lumOff val="50000"/>
-                  </a:schemeClr>
-                </a:solidFill>
-                <a:latin typeface="Calibri" pitchFamily="34" charset="0"/>
-                <a:cs typeface="Calibri" pitchFamily="34" charset="0"/>
-              </a:rPr>
-              <a:t>삭제</a:t>
-            </a:r>
-            <a:r>
-              <a:rPr lang="ko-KR" altLang="en-US" sz="2100" dirty="0" smtClean="0">
-                <a:solidFill>
-                  <a:schemeClr val="tx1">
-                    <a:lumMod val="50000"/>
-                    <a:lumOff val="50000"/>
-                  </a:schemeClr>
-                </a:solidFill>
-                <a:latin typeface="Calibri" pitchFamily="34" charset="0"/>
-                <a:cs typeface="Calibri" pitchFamily="34" charset="0"/>
-              </a:rPr>
-              <a:t>  가능</a:t>
-            </a:r>
-            <a:endParaRPr lang="en-US" altLang="ko-KR" sz="2100" dirty="0" smtClean="0">
-              <a:solidFill>
-                <a:schemeClr val="tx1">
-                  <a:lumMod val="50000"/>
-                  <a:lumOff val="50000"/>
-                </a:schemeClr>
-              </a:solidFill>
-              <a:latin typeface="Calibri" pitchFamily="34" charset="0"/>
-              <a:cs typeface="Calibri" pitchFamily="34" charset="0"/>
-            </a:endParaRPr>
-          </a:p>
-          <a:p>
-            <a:pPr>
-              <a:lnSpc>
-                <a:spcPct val="120000"/>
-              </a:lnSpc>
-              <a:buFont typeface="Wingdings" pitchFamily="2" charset="2"/>
-              <a:buChar char="ü"/>
-            </a:pPr>
-            <a:r>
-              <a:rPr lang="ko-KR" altLang="en-US" sz="2100" dirty="0" smtClean="0">
-                <a:solidFill>
-                  <a:schemeClr val="tx1">
-                    <a:lumMod val="50000"/>
-                    <a:lumOff val="50000"/>
-                  </a:schemeClr>
-                </a:solidFill>
-                <a:latin typeface="Calibri" pitchFamily="34" charset="0"/>
-                <a:cs typeface="Calibri" pitchFamily="34" charset="0"/>
-              </a:rPr>
-              <a:t>급여 등록 시 관리자 및 회원의 코드번호 조회 가능</a:t>
-            </a:r>
-            <a:endParaRPr lang="en-US" altLang="ko-KR" sz="2100" dirty="0" smtClean="0">
-              <a:solidFill>
-                <a:schemeClr val="tx1">
-                  <a:lumMod val="50000"/>
-                  <a:lumOff val="50000"/>
-                </a:schemeClr>
-              </a:solidFill>
-              <a:latin typeface="Calibri" pitchFamily="34" charset="0"/>
-              <a:cs typeface="Calibri" pitchFamily="34" charset="0"/>
-            </a:endParaRPr>
-          </a:p>
-          <a:p>
-            <a:pPr>
-              <a:lnSpc>
-                <a:spcPct val="120000"/>
-              </a:lnSpc>
-              <a:buNone/>
-            </a:pPr>
-            <a:endParaRPr lang="en-US" altLang="ko-KR" sz="2800" dirty="0" smtClean="0">
-              <a:solidFill>
-                <a:schemeClr val="tx1">
-                  <a:lumMod val="50000"/>
-                  <a:lumOff val="50000"/>
-                </a:schemeClr>
-              </a:solidFill>
-              <a:latin typeface="Calibri" pitchFamily="34" charset="0"/>
-              <a:cs typeface="Calibri" pitchFamily="34" charset="0"/>
-            </a:endParaRPr>
-          </a:p>
-          <a:p>
-            <a:pPr>
-              <a:lnSpc>
-                <a:spcPct val="120000"/>
-              </a:lnSpc>
-            </a:pPr>
-            <a:r>
-              <a:rPr lang="ko-KR" altLang="en-US" sz="3600" dirty="0" smtClean="0">
-                <a:solidFill>
-                  <a:schemeClr val="tx1">
-                    <a:lumMod val="75000"/>
-                    <a:lumOff val="25000"/>
-                  </a:schemeClr>
-                </a:solidFill>
-                <a:latin typeface="Calibri" pitchFamily="34" charset="0"/>
-                <a:cs typeface="Calibri" pitchFamily="34" charset="0"/>
-              </a:rPr>
-              <a:t>회원 급여 관리</a:t>
-            </a:r>
-            <a:endParaRPr lang="en-US" altLang="ko-KR" sz="3600" dirty="0" smtClean="0">
-              <a:solidFill>
-                <a:schemeClr val="tx1">
-                  <a:lumMod val="75000"/>
-                  <a:lumOff val="25000"/>
-                </a:schemeClr>
-              </a:solidFill>
-              <a:latin typeface="Calibri" pitchFamily="34" charset="0"/>
-              <a:cs typeface="Calibri" pitchFamily="34" charset="0"/>
-            </a:endParaRPr>
-          </a:p>
-          <a:p>
-            <a:pPr>
-              <a:lnSpc>
-                <a:spcPct val="120000"/>
-              </a:lnSpc>
-              <a:buFont typeface="Wingdings" pitchFamily="2" charset="2"/>
-              <a:buChar char="ü"/>
-            </a:pPr>
-            <a:r>
-              <a:rPr lang="ko-KR" altLang="en-US" sz="2100" dirty="0" smtClean="0">
-                <a:solidFill>
-                  <a:schemeClr val="tx1">
-                    <a:lumMod val="50000"/>
-                    <a:lumOff val="50000"/>
-                  </a:schemeClr>
-                </a:solidFill>
-                <a:latin typeface="Calibri" pitchFamily="34" charset="0"/>
-                <a:cs typeface="Calibri" pitchFamily="34" charset="0"/>
-              </a:rPr>
-              <a:t>회원은 자신의 급여 정보 및 코드번호 확인 가능 </a:t>
-            </a:r>
-            <a:endParaRPr lang="en-US" altLang="ko-KR" sz="2100" dirty="0" smtClean="0">
-              <a:solidFill>
-                <a:schemeClr val="tx1">
-                  <a:lumMod val="50000"/>
-                  <a:lumOff val="50000"/>
-                </a:schemeClr>
-              </a:solidFill>
-              <a:latin typeface="Calibri" pitchFamily="34" charset="0"/>
-              <a:cs typeface="Calibri" pitchFamily="34" charset="0"/>
-            </a:endParaRPr>
-          </a:p>
-          <a:p>
-            <a:pPr>
-              <a:buFont typeface="Wingdings" pitchFamily="2" charset="2"/>
-              <a:buChar char="ü"/>
-            </a:pPr>
-            <a:endParaRPr lang="en-US" altLang="ko-KR" sz="2400" dirty="0" smtClean="0">
-              <a:solidFill>
-                <a:schemeClr val="tx1">
-                  <a:lumMod val="50000"/>
-                  <a:lumOff val="50000"/>
-                </a:schemeClr>
-              </a:solidFill>
-              <a:latin typeface="Calibri" pitchFamily="34" charset="0"/>
-              <a:cs typeface="Calibri" pitchFamily="34" charset="0"/>
-            </a:endParaRPr>
-          </a:p>
-          <a:p>
-            <a:endParaRPr lang="en-US" altLang="ko-KR" sz="4000" dirty="0" smtClean="0">
-              <a:solidFill>
-                <a:schemeClr val="tx1">
-                  <a:lumMod val="75000"/>
-                  <a:lumOff val="25000"/>
-                </a:schemeClr>
-              </a:solidFill>
-              <a:latin typeface="Calibri" pitchFamily="34" charset="0"/>
-              <a:cs typeface="Calibri" pitchFamily="34" charset="0"/>
-            </a:endParaRPr>
-          </a:p>
-          <a:p>
-            <a:endParaRPr lang="en-US" altLang="ko-KR" sz="4000" dirty="0" smtClean="0">
-              <a:solidFill>
-                <a:schemeClr val="tx1">
-                  <a:lumMod val="50000"/>
-                  <a:lumOff val="50000"/>
-                </a:schemeClr>
-              </a:solidFill>
-              <a:latin typeface="Calibri" pitchFamily="34" charset="0"/>
-              <a:cs typeface="Calibri" pitchFamily="34" charset="0"/>
-            </a:endParaRPr>
-          </a:p>
-        </p:txBody>
-      </p:sp>
+      <p:pic>
+        <p:nvPicPr>
+          <p:cNvPr id="2050" name="Picture 2"/>
+          <p:cNvPicPr>
+            <a:picLocks noChangeAspect="1" noChangeArrowheads="1"/>
+          </p:cNvPicPr>
+          <p:nvPr/>
+        </p:nvPicPr>
+        <p:blipFill>
+          <a:blip r:embed="rId2"/>
+          <a:srcRect/>
+          <a:stretch>
+            <a:fillRect/>
+          </a:stretch>
+        </p:blipFill>
+        <p:spPr bwMode="auto">
+          <a:xfrm>
+            <a:off x="1571604" y="1071546"/>
+            <a:ext cx="4785538" cy="2520000"/>
+          </a:xfrm>
+          <a:prstGeom prst="rect">
+            <a:avLst/>
+          </a:prstGeom>
+          <a:noFill/>
+          <a:ln w="9525">
+            <a:solidFill>
+              <a:schemeClr val="tx1"/>
+            </a:solidFill>
+            <a:miter lim="800000"/>
+            <a:headEnd/>
+            <a:tailEnd/>
+          </a:ln>
+          <a:effectLst>
+            <a:outerShdw blurRad="50800" dist="38100" dir="2700000" algn="tl" rotWithShape="0">
+              <a:prstClr val="black">
+                <a:alpha val="40000"/>
+              </a:prstClr>
+            </a:outerShdw>
+          </a:effectLst>
+        </p:spPr>
+      </p:pic>
+      <p:pic>
+        <p:nvPicPr>
+          <p:cNvPr id="2052" name="Picture 4"/>
+          <p:cNvPicPr>
+            <a:picLocks noChangeAspect="1" noChangeArrowheads="1"/>
+          </p:cNvPicPr>
+          <p:nvPr/>
+        </p:nvPicPr>
+        <p:blipFill>
+          <a:blip r:embed="rId3"/>
+          <a:srcRect/>
+          <a:stretch>
+            <a:fillRect/>
+          </a:stretch>
+        </p:blipFill>
+        <p:spPr bwMode="auto">
+          <a:xfrm>
+            <a:off x="1571604" y="3837958"/>
+            <a:ext cx="5040000" cy="2520000"/>
+          </a:xfrm>
+          <a:prstGeom prst="rect">
+            <a:avLst/>
+          </a:prstGeom>
+          <a:noFill/>
+          <a:ln w="9525">
+            <a:solidFill>
+              <a:schemeClr val="tx1"/>
+            </a:solidFill>
+            <a:miter lim="800000"/>
+            <a:headEnd/>
+            <a:tailEnd/>
+          </a:ln>
+          <a:effectLst>
+            <a:outerShdw blurRad="50800" dist="38100" dir="2700000" algn="tl" rotWithShape="0">
+              <a:prstClr val="black">
+                <a:alpha val="40000"/>
+              </a:prstClr>
+            </a:outerShdw>
+          </a:effectLst>
+        </p:spPr>
+      </p:pic>
     </p:spTree>
     <p:extLst>
       <p:ext uri="{BB962C8B-B14F-4D97-AF65-F5344CB8AC3E}">
-        <p14:creationId xmlns="" xmlns:p14="http://schemas.microsoft.com/office/powerpoint/2010/main" val="891763176"/>
+        <p14:creationId xmlns:p14="http://schemas.microsoft.com/office/powerpoint/2010/main" xmlns="" val="891763176"/>
       </p:ext>
     </p:extLst>
   </p:cSld>
@@ -7392,7 +8025,7 @@
                 <a:ea typeface="Arial Unicode MS" pitchFamily="50" charset="-127"/>
                 <a:cs typeface="Calibri" pitchFamily="34" charset="0"/>
               </a:rPr>
-              <a:t>Salary Management</a:t>
+              <a:t>Account Management</a:t>
             </a:r>
             <a:endParaRPr lang="ko-KR" altLang="en-US" sz="4400" dirty="0">
               <a:solidFill>
@@ -7408,99 +8041,385 @@
           </a:p>
         </p:txBody>
       </p:sp>
-      <p:pic>
-        <p:nvPicPr>
-          <p:cNvPr id="1027" name="Picture 3"/>
-          <p:cNvPicPr>
-            <a:picLocks noChangeAspect="1" noChangeArrowheads="1"/>
-          </p:cNvPicPr>
-          <p:nvPr/>
-        </p:nvPicPr>
-        <p:blipFill>
-          <a:blip r:embed="rId2"/>
-          <a:srcRect/>
-          <a:stretch>
-            <a:fillRect/>
-          </a:stretch>
-        </p:blipFill>
-        <p:spPr bwMode="auto">
-          <a:xfrm>
-            <a:off x="1428728" y="1195343"/>
-            <a:ext cx="5500725" cy="2948037"/>
-          </a:xfrm>
-          <a:prstGeom prst="rect">
-            <a:avLst/>
-          </a:prstGeom>
-          <a:noFill/>
-          <a:ln w="9525">
-            <a:solidFill>
-              <a:schemeClr val="tx1"/>
-            </a:solidFill>
-            <a:miter lim="800000"/>
-            <a:headEnd/>
-            <a:tailEnd/>
-          </a:ln>
-          <a:effectLst>
-            <a:outerShdw blurRad="50800" dist="38100" dir="2700000" algn="tl" rotWithShape="0">
-              <a:prstClr val="black">
-                <a:alpha val="40000"/>
-              </a:prstClr>
-            </a:outerShdw>
-          </a:effectLst>
-        </p:spPr>
-      </p:pic>
-      <p:pic>
-        <p:nvPicPr>
-          <p:cNvPr id="1026" name="Picture 2"/>
-          <p:cNvPicPr>
-            <a:picLocks noChangeAspect="1" noChangeArrowheads="1"/>
-          </p:cNvPicPr>
-          <p:nvPr/>
-        </p:nvPicPr>
-        <p:blipFill>
-          <a:blip r:embed="rId3"/>
-          <a:srcRect/>
-          <a:stretch>
-            <a:fillRect/>
-          </a:stretch>
-        </p:blipFill>
-        <p:spPr bwMode="auto">
-          <a:xfrm>
-            <a:off x="2675767" y="4572008"/>
-            <a:ext cx="6182513" cy="1428760"/>
-          </a:xfrm>
-          <a:prstGeom prst="rect">
-            <a:avLst/>
-          </a:prstGeom>
-          <a:noFill/>
-          <a:ln w="9525">
-            <a:solidFill>
-              <a:schemeClr val="tx1"/>
-            </a:solidFill>
-            <a:miter lim="800000"/>
-            <a:headEnd/>
-            <a:tailEnd/>
-          </a:ln>
-          <a:effectLst>
-            <a:outerShdw blurRad="50800" dist="38100" dir="2700000" algn="tl" rotWithShape="0">
-              <a:prstClr val="black">
-                <a:alpha val="40000"/>
-              </a:prstClr>
-            </a:outerShdw>
-          </a:effectLst>
-        </p:spPr>
-      </p:pic>
+      <p:sp>
+        <p:nvSpPr>
+          <p:cNvPr id="3" name="Content Placeholder 2"/>
+          <p:cNvSpPr>
+            <a:spLocks noGrp="1"/>
+          </p:cNvSpPr>
+          <p:nvPr>
+            <p:ph idx="1"/>
+          </p:nvPr>
+        </p:nvSpPr>
+        <p:spPr>
+          <a:xfrm>
+            <a:off x="1835696" y="1484784"/>
+            <a:ext cx="6851104" cy="4525963"/>
+          </a:xfrm>
+        </p:spPr>
+        <p:txBody>
+          <a:bodyPr>
+            <a:normAutofit fontScale="92500" lnSpcReduction="10000"/>
+          </a:bodyPr>
+          <a:lstStyle/>
+          <a:p>
+            <a:pPr>
+              <a:lnSpc>
+                <a:spcPct val="120000"/>
+              </a:lnSpc>
+            </a:pPr>
+            <a:r>
+              <a:rPr lang="ko-KR" altLang="en-US" sz="3000" dirty="0" smtClean="0">
+                <a:solidFill>
+                  <a:schemeClr val="tx1">
+                    <a:lumMod val="75000"/>
+                    <a:lumOff val="25000"/>
+                  </a:schemeClr>
+                </a:solidFill>
+                <a:latin typeface="Calibri" pitchFamily="34" charset="0"/>
+                <a:cs typeface="Calibri" pitchFamily="34" charset="0"/>
+              </a:rPr>
+              <a:t>회원 가입 페이지</a:t>
+            </a:r>
+            <a:endParaRPr lang="en-US" altLang="ko-KR" sz="3000" dirty="0" smtClean="0">
+              <a:solidFill>
+                <a:schemeClr val="tx1">
+                  <a:lumMod val="75000"/>
+                  <a:lumOff val="25000"/>
+                </a:schemeClr>
+              </a:solidFill>
+              <a:latin typeface="Calibri" pitchFamily="34" charset="0"/>
+              <a:cs typeface="Calibri" pitchFamily="34" charset="0"/>
+            </a:endParaRPr>
+          </a:p>
+          <a:p>
+            <a:pPr>
+              <a:lnSpc>
+                <a:spcPct val="120000"/>
+              </a:lnSpc>
+              <a:buFont typeface="Wingdings" pitchFamily="2" charset="2"/>
+              <a:buChar char="ü"/>
+            </a:pPr>
+            <a:r>
+              <a:rPr lang="ko-KR" altLang="en-US" sz="1900" dirty="0" smtClean="0">
+                <a:solidFill>
+                  <a:schemeClr val="tx1">
+                    <a:lumMod val="50000"/>
+                    <a:lumOff val="50000"/>
+                  </a:schemeClr>
+                </a:solidFill>
+                <a:latin typeface="Calibri" pitchFamily="34" charset="0"/>
+                <a:cs typeface="Calibri" pitchFamily="34" charset="0"/>
+              </a:rPr>
+              <a:t>일반 사용자가 웹 사이트를 사용하기 위해 회원 가입을 할 수 있는 폼이 있음</a:t>
+            </a:r>
+            <a:endParaRPr lang="en-US" altLang="ko-KR" sz="1900" dirty="0" smtClean="0">
+              <a:solidFill>
+                <a:schemeClr val="tx1">
+                  <a:lumMod val="50000"/>
+                  <a:lumOff val="50000"/>
+                </a:schemeClr>
+              </a:solidFill>
+              <a:latin typeface="Calibri" pitchFamily="34" charset="0"/>
+              <a:cs typeface="Calibri" pitchFamily="34" charset="0"/>
+            </a:endParaRPr>
+          </a:p>
+          <a:p>
+            <a:pPr>
+              <a:buFont typeface="Wingdings" pitchFamily="2" charset="2"/>
+              <a:buChar char="ü"/>
+            </a:pPr>
+            <a:endParaRPr lang="en-US" altLang="ko-KR" sz="2200" dirty="0" smtClean="0">
+              <a:solidFill>
+                <a:schemeClr val="tx1">
+                  <a:lumMod val="50000"/>
+                  <a:lumOff val="50000"/>
+                </a:schemeClr>
+              </a:solidFill>
+              <a:latin typeface="Calibri" pitchFamily="34" charset="0"/>
+              <a:cs typeface="Calibri" pitchFamily="34" charset="0"/>
+            </a:endParaRPr>
+          </a:p>
+          <a:p>
+            <a:pPr>
+              <a:lnSpc>
+                <a:spcPct val="120000"/>
+              </a:lnSpc>
+            </a:pPr>
+            <a:r>
+              <a:rPr lang="ko-KR" altLang="en-US" sz="3000" dirty="0" smtClean="0">
+                <a:solidFill>
+                  <a:schemeClr val="tx1">
+                    <a:lumMod val="75000"/>
+                    <a:lumOff val="25000"/>
+                  </a:schemeClr>
+                </a:solidFill>
+                <a:latin typeface="Calibri" pitchFamily="34" charset="0"/>
+                <a:cs typeface="Calibri" pitchFamily="34" charset="0"/>
+              </a:rPr>
+              <a:t>관리자 회원 관리</a:t>
+            </a:r>
+            <a:endParaRPr lang="en-US" altLang="ko-KR" sz="3000" dirty="0" smtClean="0">
+              <a:solidFill>
+                <a:schemeClr val="tx1">
+                  <a:lumMod val="75000"/>
+                  <a:lumOff val="25000"/>
+                </a:schemeClr>
+              </a:solidFill>
+              <a:latin typeface="Calibri" pitchFamily="34" charset="0"/>
+              <a:cs typeface="Calibri" pitchFamily="34" charset="0"/>
+            </a:endParaRPr>
+          </a:p>
+          <a:p>
+            <a:pPr>
+              <a:lnSpc>
+                <a:spcPct val="120000"/>
+              </a:lnSpc>
+              <a:buFont typeface="Wingdings" pitchFamily="2" charset="2"/>
+              <a:buChar char="ü"/>
+            </a:pPr>
+            <a:r>
+              <a:rPr lang="ko-KR" altLang="en-US" sz="1900" dirty="0" smtClean="0">
+                <a:solidFill>
+                  <a:schemeClr val="tx1">
+                    <a:lumMod val="50000"/>
+                    <a:lumOff val="50000"/>
+                  </a:schemeClr>
+                </a:solidFill>
+                <a:latin typeface="Calibri" pitchFamily="34" charset="0"/>
+                <a:cs typeface="Calibri" pitchFamily="34" charset="0"/>
+              </a:rPr>
+              <a:t>관리자는 회원의 관리 및 권한 설정 가능</a:t>
+            </a:r>
+            <a:endParaRPr lang="en-US" altLang="ko-KR" sz="1900" dirty="0" smtClean="0">
+              <a:solidFill>
+                <a:schemeClr val="tx1">
+                  <a:lumMod val="50000"/>
+                  <a:lumOff val="50000"/>
+                </a:schemeClr>
+              </a:solidFill>
+              <a:latin typeface="Calibri" pitchFamily="34" charset="0"/>
+              <a:cs typeface="Calibri" pitchFamily="34" charset="0"/>
+            </a:endParaRPr>
+          </a:p>
+          <a:p>
+            <a:pPr>
+              <a:lnSpc>
+                <a:spcPct val="120000"/>
+              </a:lnSpc>
+              <a:buFont typeface="Wingdings" pitchFamily="2" charset="2"/>
+              <a:buChar char="ü"/>
+            </a:pPr>
+            <a:r>
+              <a:rPr lang="ko-KR" altLang="en-US" sz="1900" dirty="0" smtClean="0">
+                <a:solidFill>
+                  <a:schemeClr val="tx1">
+                    <a:lumMod val="50000"/>
+                    <a:lumOff val="50000"/>
+                  </a:schemeClr>
+                </a:solidFill>
+                <a:latin typeface="Calibri" pitchFamily="34" charset="0"/>
+                <a:cs typeface="Calibri" pitchFamily="34" charset="0"/>
+              </a:rPr>
+              <a:t>새로 가입한 회원의 로그인 허용 여부 설정</a:t>
+            </a:r>
+            <a:endParaRPr lang="en-US" altLang="ko-KR" sz="1900" dirty="0" smtClean="0">
+              <a:solidFill>
+                <a:schemeClr val="tx1">
+                  <a:lumMod val="50000"/>
+                  <a:lumOff val="50000"/>
+                </a:schemeClr>
+              </a:solidFill>
+              <a:latin typeface="Calibri" pitchFamily="34" charset="0"/>
+              <a:cs typeface="Calibri" pitchFamily="34" charset="0"/>
+            </a:endParaRPr>
+          </a:p>
+          <a:p>
+            <a:pPr>
+              <a:buFont typeface="Wingdings" pitchFamily="2" charset="2"/>
+              <a:buChar char="ü"/>
+            </a:pPr>
+            <a:endParaRPr lang="en-US" altLang="ko-KR" sz="2400" dirty="0" smtClean="0">
+              <a:solidFill>
+                <a:schemeClr val="tx1">
+                  <a:lumMod val="50000"/>
+                  <a:lumOff val="50000"/>
+                </a:schemeClr>
+              </a:solidFill>
+              <a:latin typeface="Calibri" pitchFamily="34" charset="0"/>
+              <a:cs typeface="Calibri" pitchFamily="34" charset="0"/>
+            </a:endParaRPr>
+          </a:p>
+          <a:p>
+            <a:pPr>
+              <a:lnSpc>
+                <a:spcPct val="120000"/>
+              </a:lnSpc>
+            </a:pPr>
+            <a:r>
+              <a:rPr lang="ko-KR" altLang="en-US" sz="3000" dirty="0" smtClean="0">
+                <a:solidFill>
+                  <a:schemeClr val="tx1">
+                    <a:lumMod val="75000"/>
+                    <a:lumOff val="25000"/>
+                  </a:schemeClr>
+                </a:solidFill>
+                <a:latin typeface="Calibri" pitchFamily="34" charset="0"/>
+                <a:cs typeface="Calibri" pitchFamily="34" charset="0"/>
+              </a:rPr>
+              <a:t>로그인 시스템</a:t>
+            </a:r>
+            <a:endParaRPr lang="en-US" altLang="ko-KR" sz="3000" dirty="0" smtClean="0">
+              <a:solidFill>
+                <a:schemeClr val="tx1">
+                  <a:lumMod val="75000"/>
+                  <a:lumOff val="25000"/>
+                </a:schemeClr>
+              </a:solidFill>
+              <a:latin typeface="Calibri" pitchFamily="34" charset="0"/>
+              <a:cs typeface="Calibri" pitchFamily="34" charset="0"/>
+            </a:endParaRPr>
+          </a:p>
+          <a:p>
+            <a:pPr>
+              <a:lnSpc>
+                <a:spcPct val="120000"/>
+              </a:lnSpc>
+              <a:buFont typeface="Wingdings" pitchFamily="2" charset="2"/>
+              <a:buChar char="ü"/>
+            </a:pPr>
+            <a:r>
+              <a:rPr lang="ko-KR" altLang="en-US" sz="1900" dirty="0" smtClean="0">
+                <a:solidFill>
+                  <a:schemeClr val="tx1">
+                    <a:lumMod val="50000"/>
+                    <a:lumOff val="50000"/>
+                  </a:schemeClr>
+                </a:solidFill>
+                <a:latin typeface="Calibri" pitchFamily="34" charset="0"/>
+                <a:cs typeface="Calibri" pitchFamily="34" charset="0"/>
+              </a:rPr>
+              <a:t>회원 </a:t>
+            </a:r>
+            <a:r>
+              <a:rPr lang="en-US" altLang="ko-KR" sz="1900" dirty="0" smtClean="0">
+                <a:solidFill>
+                  <a:schemeClr val="tx1">
+                    <a:lumMod val="50000"/>
+                    <a:lumOff val="50000"/>
+                  </a:schemeClr>
+                </a:solidFill>
+                <a:latin typeface="Calibri" pitchFamily="34" charset="0"/>
+                <a:cs typeface="Calibri" pitchFamily="34" charset="0"/>
+              </a:rPr>
+              <a:t>DB</a:t>
+            </a:r>
+            <a:r>
+              <a:rPr lang="ko-KR" altLang="en-US" sz="1900" dirty="0" smtClean="0">
+                <a:solidFill>
+                  <a:schemeClr val="tx1">
+                    <a:lumMod val="50000"/>
+                    <a:lumOff val="50000"/>
+                  </a:schemeClr>
+                </a:solidFill>
+                <a:latin typeface="Calibri" pitchFamily="34" charset="0"/>
+                <a:cs typeface="Calibri" pitchFamily="34" charset="0"/>
+              </a:rPr>
+              <a:t>기반 로그인 시스템</a:t>
+            </a:r>
+            <a:endParaRPr lang="en-US" altLang="ko-KR" sz="1900" dirty="0" smtClean="0">
+              <a:solidFill>
+                <a:schemeClr val="tx1">
+                  <a:lumMod val="50000"/>
+                  <a:lumOff val="50000"/>
+                </a:schemeClr>
+              </a:solidFill>
+              <a:latin typeface="Calibri" pitchFamily="34" charset="0"/>
+              <a:cs typeface="Calibri" pitchFamily="34" charset="0"/>
+            </a:endParaRPr>
+          </a:p>
+          <a:p>
+            <a:pPr>
+              <a:lnSpc>
+                <a:spcPct val="120000"/>
+              </a:lnSpc>
+              <a:buFont typeface="Wingdings" pitchFamily="2" charset="2"/>
+              <a:buChar char="ü"/>
+            </a:pPr>
+            <a:r>
+              <a:rPr lang="en-US" altLang="ko-KR" sz="1900" dirty="0" smtClean="0">
+                <a:solidFill>
+                  <a:schemeClr val="tx1">
+                    <a:lumMod val="50000"/>
+                    <a:lumOff val="50000"/>
+                  </a:schemeClr>
+                </a:solidFill>
+                <a:latin typeface="Calibri" pitchFamily="34" charset="0"/>
+                <a:cs typeface="Calibri" pitchFamily="34" charset="0"/>
+              </a:rPr>
+              <a:t>Session </a:t>
+            </a:r>
+            <a:r>
+              <a:rPr lang="ko-KR" altLang="en-US" sz="1900" dirty="0" smtClean="0">
+                <a:solidFill>
+                  <a:schemeClr val="tx1">
+                    <a:lumMod val="50000"/>
+                    <a:lumOff val="50000"/>
+                  </a:schemeClr>
+                </a:solidFill>
+                <a:latin typeface="Calibri" pitchFamily="34" charset="0"/>
+                <a:cs typeface="Calibri" pitchFamily="34" charset="0"/>
+              </a:rPr>
+              <a:t>을 이용한 로그인</a:t>
+            </a:r>
+            <a:endParaRPr lang="en-US" altLang="ko-KR" sz="1900" dirty="0" smtClean="0">
+              <a:solidFill>
+                <a:schemeClr val="tx1">
+                  <a:lumMod val="50000"/>
+                  <a:lumOff val="50000"/>
+                </a:schemeClr>
+              </a:solidFill>
+              <a:latin typeface="Calibri" pitchFamily="34" charset="0"/>
+              <a:cs typeface="Calibri" pitchFamily="34" charset="0"/>
+            </a:endParaRPr>
+          </a:p>
+          <a:p>
+            <a:endParaRPr lang="en-US" altLang="ko-KR" sz="4000" dirty="0" smtClean="0">
+              <a:solidFill>
+                <a:schemeClr val="tx1">
+                  <a:lumMod val="75000"/>
+                  <a:lumOff val="25000"/>
+                </a:schemeClr>
+              </a:solidFill>
+              <a:latin typeface="Calibri" pitchFamily="34" charset="0"/>
+              <a:cs typeface="Calibri" pitchFamily="34" charset="0"/>
+            </a:endParaRPr>
+          </a:p>
+          <a:p>
+            <a:endParaRPr lang="en-US" altLang="ko-KR" sz="4000" dirty="0" smtClean="0">
+              <a:solidFill>
+                <a:schemeClr val="tx1">
+                  <a:lumMod val="50000"/>
+                  <a:lumOff val="50000"/>
+                </a:schemeClr>
+              </a:solidFill>
+              <a:latin typeface="Calibri" pitchFamily="34" charset="0"/>
+              <a:cs typeface="Calibri" pitchFamily="34" charset="0"/>
+            </a:endParaRPr>
+          </a:p>
+        </p:txBody>
+      </p:sp>
     </p:spTree>
     <p:extLst>
       <p:ext uri="{BB962C8B-B14F-4D97-AF65-F5344CB8AC3E}">
-        <p14:creationId xmlns="" xmlns:p14="http://schemas.microsoft.com/office/powerpoint/2010/main" val="891763176"/>
+        <p14:creationId xmlns:p14="http://schemas.microsoft.com/office/powerpoint/2010/main" xmlns="" val="891763176"/>
       </p:ext>
     </p:extLst>
   </p:cSld>
   <p:clrMapOvr>
     <a:masterClrMapping/>
   </p:clrMapOvr>
-  <p:transition advTm="0"/>
+  <p:transition/>
   <p:timing>
     <p:tnLst>
       <p:par>
@@ -7528,9 +8447,104 @@
           <a:chExt cx="0" cy="0"/>
         </a:xfrm>
       </p:grpSpPr>
+      <p:sp>
+        <p:nvSpPr>
+          <p:cNvPr id="2" name="Title 1"/>
+          <p:cNvSpPr>
+            <a:spLocks noGrp="1"/>
+          </p:cNvSpPr>
+          <p:nvPr>
+            <p:ph type="title"/>
+          </p:nvPr>
+        </p:nvSpPr>
+        <p:spPr>
+          <a:xfrm>
+            <a:off x="1259632" y="0"/>
+            <a:ext cx="7884368" cy="1069514"/>
+          </a:xfrm>
+        </p:spPr>
+        <p:txBody>
+          <a:bodyPr/>
+          <a:lstStyle/>
+          <a:p>
+            <a:r>
+              <a:rPr lang="en-US" altLang="ko-KR" sz="4400" dirty="0" smtClean="0">
+                <a:solidFill>
+                  <a:schemeClr val="tx1">
+                    <a:lumMod val="75000"/>
+                    <a:lumOff val="25000"/>
+                  </a:schemeClr>
+                </a:solidFill>
+                <a:latin typeface="Calibri" pitchFamily="34" charset="0"/>
+                <a:ea typeface="Arial Unicode MS" pitchFamily="50" charset="-127"/>
+                <a:cs typeface="Calibri" pitchFamily="34" charset="0"/>
+              </a:rPr>
+              <a:t>Account Management</a:t>
+            </a:r>
+            <a:endParaRPr lang="ko-KR" altLang="en-US" sz="4400" dirty="0">
+              <a:solidFill>
+                <a:schemeClr val="tx1">
+                  <a:lumMod val="75000"/>
+                  <a:lumOff val="25000"/>
+                </a:schemeClr>
+              </a:solidFill>
+              <a:latin typeface="Calibri" pitchFamily="34" charset="0"/>
+              <a:ea typeface="Arial Unicode MS" pitchFamily="50" charset="-127"/>
+              <a:cs typeface="Calibri" pitchFamily="34" charset="0"/>
+            </a:endParaRPr>
+          </a:p>
+        </p:txBody>
+      </p:sp>
+      <p:sp>
+        <p:nvSpPr>
+          <p:cNvPr id="3" name="Content Placeholder 2"/>
+          <p:cNvSpPr>
+            <a:spLocks noGrp="1"/>
+          </p:cNvSpPr>
+          <p:nvPr>
+            <p:ph idx="1"/>
+          </p:nvPr>
+        </p:nvSpPr>
+        <p:spPr>
+          <a:xfrm>
+            <a:off x="1835696" y="1484784"/>
+            <a:ext cx="6851104" cy="4525963"/>
+          </a:xfrm>
+        </p:spPr>
+        <p:txBody>
+          <a:bodyPr>
+            <a:normAutofit/>
+          </a:bodyPr>
+          <a:lstStyle/>
+          <a:p>
+            <a:endParaRPr lang="en-US" altLang="ko-KR" sz="4000" dirty="0" smtClean="0">
+              <a:solidFill>
+                <a:schemeClr val="tx1">
+                  <a:lumMod val="75000"/>
+                  <a:lumOff val="25000"/>
+                </a:schemeClr>
+              </a:solidFill>
+              <a:latin typeface="Calibri" pitchFamily="34" charset="0"/>
+              <a:cs typeface="Calibri" pitchFamily="34" charset="0"/>
+            </a:endParaRPr>
+          </a:p>
+          <a:p>
+            <a:endParaRPr lang="en-US" altLang="ko-KR" sz="4000" dirty="0" smtClean="0">
+              <a:solidFill>
+                <a:schemeClr val="tx1">
+                  <a:lumMod val="50000"/>
+                  <a:lumOff val="50000"/>
+                </a:schemeClr>
+              </a:solidFill>
+              <a:latin typeface="Calibri" pitchFamily="34" charset="0"/>
+              <a:cs typeface="Calibri" pitchFamily="34" charset="0"/>
+            </a:endParaRPr>
+          </a:p>
+        </p:txBody>
+      </p:sp>
       <p:pic>
         <p:nvPicPr>
-          <p:cNvPr id="3075" name="Picture 3"/>
+          <p:cNvPr id="2050" name="Picture 2"/>
           <p:cNvPicPr>
             <a:picLocks noChangeAspect="1" noChangeArrowheads="1"/>
           </p:cNvPicPr>
@@ -7545,8 +8559,8 @@
         </p:blipFill>
         <p:spPr bwMode="auto">
           <a:xfrm>
-            <a:off x="1500166" y="4214818"/>
-            <a:ext cx="3749363" cy="2071702"/>
+            <a:off x="1428729" y="1214422"/>
+            <a:ext cx="5857916" cy="2745057"/>
           </a:xfrm>
           <a:prstGeom prst="rect">
             <a:avLst/>
@@ -7569,57 +8583,9 @@
           </a:effectLst>
         </p:spPr>
       </p:pic>
-      <p:sp>
-        <p:nvSpPr>
-          <p:cNvPr id="2" name="Title 1"/>
-          <p:cNvSpPr>
-            <a:spLocks noGrp="1"/>
-          </p:cNvSpPr>
-          <p:nvPr>
-            <p:ph type="title"/>
-          </p:nvPr>
-        </p:nvSpPr>
-        <p:spPr>
-          <a:xfrm>
-            <a:off x="1259632" y="0"/>
-            <a:ext cx="7884368" cy="1069514"/>
-          </a:xfrm>
-        </p:spPr>
-        <p:txBody>
-          <a:bodyPr/>
-          <a:lstStyle/>
-          <a:p>
-            <a:r>
-              <a:rPr lang="en-US" altLang="ko-KR" sz="4400" dirty="0" smtClean="0">
-                <a:solidFill>
-                  <a:schemeClr val="tx1">
-                    <a:lumMod val="75000"/>
-                    <a:lumOff val="25000"/>
-                  </a:schemeClr>
-                </a:solidFill>
-                <a:latin typeface="Calibri" pitchFamily="34" charset="0"/>
-                <a:ea typeface="Arial Unicode MS" pitchFamily="50" charset="-127"/>
-                <a:cs typeface="Calibri" pitchFamily="34" charset="0"/>
-              </a:rPr>
-              <a:t>Salary Management</a:t>
-            </a:r>
-            <a:endParaRPr lang="ko-KR" altLang="en-US" sz="4400" dirty="0">
-              <a:solidFill>
-                <a:schemeClr val="tx1">
-                  <a:lumMod val="75000"/>
-                  <a:lumOff val="25000"/>
-                </a:schemeClr>
-              </a:solidFill>
-              <a:latin typeface="Calibri" pitchFamily="34" charset="0"/>
-              <a:ea typeface="Arial Unicode MS" pitchFamily="50" charset="-127"/>
-              <a:cs typeface="Calibri" pitchFamily="34" charset="0"/>
-            </a:endParaRPr>
-          </a:p>
-        </p:txBody>
-      </p:sp>
       <p:pic>
         <p:nvPicPr>
-          <p:cNvPr id="5" name="Picture 2"/>
+          <p:cNvPr id="2051" name="Picture 3"/>
           <p:cNvPicPr>
             <a:picLocks noChangeAspect="1" noChangeArrowheads="1"/>
           </p:cNvPicPr>
@@ -7634,8 +8600,8 @@
         </p:blipFill>
         <p:spPr bwMode="auto">
           <a:xfrm>
-            <a:off x="1451053" y="1142984"/>
-            <a:ext cx="3906765" cy="2000264"/>
+            <a:off x="2357422" y="3732109"/>
+            <a:ext cx="6500858" cy="2811830"/>
           </a:xfrm>
           <a:prstGeom prst="rect">
             <a:avLst/>
@@ -7658,60 +8624,17 @@
           </a:effectLst>
         </p:spPr>
       </p:pic>
-      <p:pic>
-        <p:nvPicPr>
-          <p:cNvPr id="2051" name="Picture 3"/>
-          <p:cNvPicPr>
-            <a:picLocks noGrp="1" noChangeAspect="1" noChangeArrowheads="1"/>
-          </p:cNvPicPr>
-          <p:nvPr>
-            <p:ph idx="1"/>
-          </p:nvPr>
-        </p:nvPicPr>
-        <p:blipFill>
-          <a:blip r:embed="rId4"/>
-          <a:srcRect/>
-          <a:stretch>
-            <a:fillRect/>
-          </a:stretch>
-        </p:blipFill>
-        <p:spPr bwMode="auto">
-          <a:xfrm>
-            <a:off x="4807252" y="2928934"/>
-            <a:ext cx="3836714" cy="2143140"/>
-          </a:xfrm>
-          <a:prstGeom prst="rect">
-            <a:avLst/>
-          </a:prstGeom>
-          <a:noFill/>
-          <a:ln w="9525">
-            <a:solidFill>
-              <a:schemeClr val="tx1"/>
-            </a:solidFill>
-            <a:miter lim="800000"/>
-            <a:headEnd/>
-            <a:tailEnd/>
-          </a:ln>
-          <a:effectLst>
-            <a:outerShdw blurRad="50800" dist="38100" dir="2700000" algn="tl" rotWithShape="0">
-              <a:prstClr val="black">
-                <a:alpha val="40000"/>
-              </a:prstClr>
-            </a:outerShdw>
-          </a:effectLst>
-        </p:spPr>
-      </p:pic>
     </p:spTree>
     <p:extLst>
       <p:ext uri="{BB962C8B-B14F-4D97-AF65-F5344CB8AC3E}">
-        <p14:creationId xmlns="" xmlns:p14="http://schemas.microsoft.com/office/powerpoint/2010/main" val="891763176"/>
+        <p14:creationId xmlns:p14="http://schemas.microsoft.com/office/powerpoint/2010/main" xmlns="" val="891763176"/>
       </p:ext>
     </p:extLst>
   </p:cSld>
   <p:clrMapOvr>
     <a:masterClrMapping/>
   </p:clrMapOvr>
-  <p:transition advTm="0"/>
+  <p:transition/>
   <p:timing>
     <p:tnLst>
       <p:par>
@@ -7760,7 +8683,7 @@
           <a:lstStyle/>
           <a:p>
             <a:r>
-              <a:rPr lang="en-US" altLang="ko-KR" sz="4400" dirty="0" err="1" smtClean="0">
+              <a:rPr lang="en-US" altLang="ko-KR" sz="4400" dirty="0" smtClean="0">
                 <a:solidFill>
                   <a:schemeClr val="tx1">
                     <a:lumMod val="75000"/>
@@ -7771,21 +8694,7 @@
                 <a:ea typeface="Arial Unicode MS" pitchFamily="50" charset="-127"/>
                 <a:cs typeface="Calibri" pitchFamily="34" charset="0"/>
               </a:rPr>
-              <a:t>WorkTime</a:t>
-            </a:r>
-            <a:r>
-              <a:rPr lang="en-US" altLang="ko-KR" sz="4400" dirty="0" smtClean="0">
-                <a:solidFill>
-                  <a:schemeClr val="tx1">
-                    <a:lumMod val="75000"/>
-                    <a:lumOff val="25000"/>
-                  </a:schemeClr>
-                </a:solidFill>
-                <a:latin typeface="Calibri" pitchFamily="34" charset="0"/>
-                <a:ea typeface="Arial Unicode MS" pitchFamily="50" charset="-127"/>
-                <a:cs typeface="Calibri" pitchFamily="34" charset="0"/>
-              </a:rPr>
-              <a:t> Management</a:t>
+              <a:t>Salary Management</a:t>
             </a:r>
             <a:endParaRPr lang="ko-KR" altLang="en-US" sz="4400" dirty="0">
               <a:solidFill>
@@ -7819,7 +8728,7 @@
         </p:spPr>
         <p:txBody>
           <a:bodyPr>
-            <a:normAutofit/>
+            <a:normAutofit fontScale="92500" lnSpcReduction="10000"/>
           </a:bodyPr>
           <a:lstStyle/>
           <a:p>
@@ -7829,7 +8738,7 @@
               </a:lnSpc>
             </a:pPr>
             <a:r>
-              <a:rPr lang="ko-KR" altLang="en-US" sz="3000" dirty="0" smtClean="0">
+              <a:rPr lang="ko-KR" altLang="en-US" sz="3600" dirty="0" smtClean="0">
                 <a:solidFill>
                   <a:schemeClr val="tx1">
                     <a:lumMod val="75000"/>
@@ -7839,9 +8748,9 @@
                 <a:latin typeface="Calibri" pitchFamily="34" charset="0"/>
                 <a:cs typeface="Calibri" pitchFamily="34" charset="0"/>
               </a:rPr>
-              <a:t>근태 관리 페이지</a:t>
-            </a:r>
-            <a:endParaRPr lang="en-US" altLang="ko-KR" sz="3000" dirty="0" smtClean="0">
+              <a:t>급여 관리 페이지</a:t>
+            </a:r>
+            <a:endParaRPr lang="en-US" altLang="ko-KR" sz="3600" dirty="0" smtClean="0">
               <a:solidFill>
                 <a:schemeClr val="tx1">
                   <a:lumMod val="75000"/>
@@ -7861,7 +8770,7 @@
               <a:buChar char="ü"/>
             </a:pPr>
             <a:r>
-              <a:rPr lang="ko-KR" altLang="en-US" sz="1900" dirty="0" smtClean="0">
+              <a:rPr lang="ko-KR" altLang="en-US" sz="2100" dirty="0" smtClean="0">
                 <a:solidFill>
                   <a:schemeClr val="tx1">
                     <a:lumMod val="50000"/>
@@ -7871,8 +8780,26 @@
                 <a:latin typeface="Calibri" pitchFamily="34" charset="0"/>
                 <a:cs typeface="Calibri" pitchFamily="34" charset="0"/>
               </a:rPr>
-              <a:t>회원 및 관리자의 근태를 관리할 수 있는 폼</a:t>
-            </a:r>
+              <a:t>회원 및 관리자의 급여를 관리할 수 있는 폼</a:t>
+            </a:r>
+            <a:endParaRPr lang="en-US" altLang="ko-KR" sz="2100" dirty="0" smtClean="0">
+              <a:solidFill>
+                <a:schemeClr val="tx1">
+                  <a:lumMod val="50000"/>
+                  <a:lumOff val="50000"/>
+                </a:schemeClr>
+              </a:solidFill>
+              <a:latin typeface="Calibri" pitchFamily="34" charset="0"/>
+              <a:cs typeface="Calibri" pitchFamily="34" charset="0"/>
+            </a:endParaRPr>
+          </a:p>
+          <a:p>
+            <a:pPr>
+              <a:lnSpc>
+                <a:spcPct val="120000"/>
+              </a:lnSpc>
+              <a:buNone/>
+            </a:pPr>
             <a:endParaRPr lang="en-US" altLang="ko-KR" sz="1900" dirty="0" smtClean="0">
               <a:solidFill>
                 <a:schemeClr val="tx1">
@@ -7886,10 +8813,136 @@
           </a:p>
           <a:p>
             <a:pPr>
+              <a:lnSpc>
+                <a:spcPct val="120000"/>
+              </a:lnSpc>
+            </a:pPr>
+            <a:r>
+              <a:rPr lang="ko-KR" altLang="en-US" sz="3600" dirty="0" smtClean="0">
+                <a:solidFill>
+                  <a:schemeClr val="tx1">
+                    <a:lumMod val="75000"/>
+                    <a:lumOff val="25000"/>
+                  </a:schemeClr>
+                </a:solidFill>
+                <a:latin typeface="Calibri" pitchFamily="34" charset="0"/>
+                <a:cs typeface="Calibri" pitchFamily="34" charset="0"/>
+              </a:rPr>
+              <a:t>관리자 급여 관리</a:t>
+            </a:r>
+            <a:endParaRPr lang="en-US" altLang="ko-KR" sz="3600" dirty="0" smtClean="0">
+              <a:solidFill>
+                <a:schemeClr val="tx1">
+                  <a:lumMod val="75000"/>
+                  <a:lumOff val="25000"/>
+                </a:schemeClr>
+              </a:solidFill>
+              <a:latin typeface="Calibri" pitchFamily="34" charset="0"/>
+              <a:cs typeface="Calibri" pitchFamily="34" charset="0"/>
+            </a:endParaRPr>
+          </a:p>
+          <a:p>
+            <a:pPr>
+              <a:lnSpc>
+                <a:spcPct val="120000"/>
+              </a:lnSpc>
               <a:buFont typeface="Wingdings" pitchFamily="2" charset="2"/>
               <a:buChar char="ü"/>
             </a:pPr>
-            <a:endParaRPr lang="en-US" altLang="ko-KR" sz="2200" dirty="0" smtClean="0">
+            <a:r>
+              <a:rPr lang="ko-KR" altLang="en-US" sz="2100" dirty="0" smtClean="0">
+                <a:solidFill>
+                  <a:schemeClr val="tx1">
+                    <a:lumMod val="50000"/>
+                    <a:lumOff val="50000"/>
+                  </a:schemeClr>
+                </a:solidFill>
+                <a:latin typeface="Calibri" pitchFamily="34" charset="0"/>
+                <a:cs typeface="Calibri" pitchFamily="34" charset="0"/>
+              </a:rPr>
+              <a:t>관리자는 회원의 급여 관리  </a:t>
+            </a:r>
+            <a:r>
+              <a:rPr lang="ko-KR" altLang="en-US" sz="2100" dirty="0" err="1" smtClean="0">
+                <a:solidFill>
+                  <a:schemeClr val="tx1">
+                    <a:lumMod val="50000"/>
+                    <a:lumOff val="50000"/>
+                  </a:schemeClr>
+                </a:solidFill>
+                <a:latin typeface="Calibri" pitchFamily="34" charset="0"/>
+                <a:cs typeface="Calibri" pitchFamily="34" charset="0"/>
+              </a:rPr>
+              <a:t>추가</a:t>
+            </a:r>
+            <a:r>
+              <a:rPr lang="ko-KR" altLang="en-US" sz="2100" dirty="0" err="1" smtClean="0">
+                <a:solidFill>
+                  <a:schemeClr val="tx1">
+                    <a:lumMod val="50000"/>
+                    <a:lumOff val="50000"/>
+                  </a:schemeClr>
+                </a:solidFill>
+                <a:latin typeface="굴림체"/>
+                <a:ea typeface="굴림체"/>
+                <a:cs typeface="Calibri" pitchFamily="34" charset="0"/>
+              </a:rPr>
+              <a:t>ㆍ</a:t>
+            </a:r>
+            <a:r>
+              <a:rPr lang="ko-KR" altLang="en-US" sz="2100" dirty="0" err="1" smtClean="0">
+                <a:solidFill>
+                  <a:schemeClr val="tx1">
+                    <a:lumMod val="50000"/>
+                    <a:lumOff val="50000"/>
+                  </a:schemeClr>
+                </a:solidFill>
+                <a:latin typeface="Calibri" pitchFamily="34" charset="0"/>
+                <a:cs typeface="Calibri" pitchFamily="34" charset="0"/>
+              </a:rPr>
+              <a:t>수정</a:t>
+            </a:r>
+            <a:r>
+              <a:rPr lang="ko-KR" altLang="en-US" sz="2100" dirty="0" err="1" smtClean="0">
+                <a:solidFill>
+                  <a:schemeClr val="tx1">
+                    <a:lumMod val="50000"/>
+                    <a:lumOff val="50000"/>
+                  </a:schemeClr>
+                </a:solidFill>
+                <a:latin typeface="굴림체"/>
+                <a:ea typeface="굴림체"/>
+                <a:cs typeface="Calibri" pitchFamily="34" charset="0"/>
+              </a:rPr>
+              <a:t>ㆍ</a:t>
+            </a:r>
+            <a:r>
+              <a:rPr lang="ko-KR" altLang="en-US" sz="2100" dirty="0" err="1" smtClean="0">
+                <a:solidFill>
+                  <a:schemeClr val="tx1">
+                    <a:lumMod val="50000"/>
+                    <a:lumOff val="50000"/>
+                  </a:schemeClr>
+                </a:solidFill>
+                <a:latin typeface="Calibri" pitchFamily="34" charset="0"/>
+                <a:cs typeface="Calibri" pitchFamily="34" charset="0"/>
+              </a:rPr>
+              <a:t>삭제</a:t>
+            </a:r>
+            <a:r>
+              <a:rPr lang="ko-KR" altLang="en-US" sz="2100" dirty="0" smtClean="0">
+                <a:solidFill>
+                  <a:schemeClr val="tx1">
+                    <a:lumMod val="50000"/>
+                    <a:lumOff val="50000"/>
+                  </a:schemeClr>
+                </a:solidFill>
+                <a:latin typeface="Calibri" pitchFamily="34" charset="0"/>
+                <a:cs typeface="Calibri" pitchFamily="34" charset="0"/>
+              </a:rPr>
+              <a:t>  가능</a:t>
+            </a:r>
+            <a:endParaRPr lang="en-US" altLang="ko-KR" sz="2100" dirty="0" smtClean="0">
               <a:solidFill>
                 <a:schemeClr val="tx1">
                   <a:lumMod val="50000"/>
@@ -7905,21 +8958,71 @@
               <a:lnSpc>
                 <a:spcPct val="120000"/>
               </a:lnSpc>
+              <a:buFont typeface="Wingdings" pitchFamily="2" charset="2"/>
+              <a:buChar char="ü"/>
             </a:pPr>
             <a:r>
-              <a:rPr lang="ko-KR" altLang="en-US" sz="3000" dirty="0" smtClean="0">
-                <a:solidFill>
-                  <a:schemeClr val="tx1">
-                    <a:lumMod val="75000"/>
-                    <a:lumOff val="25000"/>
+              <a:rPr lang="ko-KR" altLang="en-US" sz="2100" dirty="0" smtClean="0">
+                <a:solidFill>
+                  <a:schemeClr val="tx1">
+                    <a:lumMod val="50000"/>
+                    <a:lumOff val="50000"/>
                   </a:schemeClr>
                 </a:solidFill>
                 <a:latin typeface="Calibri" pitchFamily="34" charset="0"/>
                 <a:cs typeface="Calibri" pitchFamily="34" charset="0"/>
               </a:rPr>
-              <a:t>관리자 근태 관리</a:t>
-            </a:r>
-            <a:endParaRPr lang="en-US" altLang="ko-KR" sz="3000" dirty="0" smtClean="0">
+              <a:t>급여 등록 시 관리자 및 회원의 코드번호 조회 가능</a:t>
+            </a:r>
+            <a:endParaRPr lang="en-US" altLang="ko-KR" sz="2100" dirty="0" smtClean="0">
+              <a:solidFill>
+                <a:schemeClr val="tx1">
+                  <a:lumMod val="50000"/>
+                  <a:lumOff val="50000"/>
+                </a:schemeClr>
+              </a:solidFill>
+              <a:latin typeface="Calibri" pitchFamily="34" charset="0"/>
+              <a:cs typeface="Calibri" pitchFamily="34" charset="0"/>
+            </a:endParaRPr>
+          </a:p>
+          <a:p>
+            <a:pPr>
+              <a:lnSpc>
+                <a:spcPct val="120000"/>
+              </a:lnSpc>
+              <a:buNone/>
+            </a:pPr>
+            <a:endParaRPr lang="en-US" altLang="ko-KR" sz="2800" dirty="0" smtClean="0">
+              <a:solidFill>
+                <a:schemeClr val="tx1">
+                  <a:lumMod val="50000"/>
+                  <a:lumOff val="50000"/>
+                </a:schemeClr>
+              </a:solidFill>
+              <a:latin typeface="Calibri" pitchFamily="34" charset="0"/>
+              <a:cs typeface="Calibri" pitchFamily="34" charset="0"/>
+            </a:endParaRPr>
+          </a:p>
+          <a:p>
+            <a:pPr>
+              <a:lnSpc>
+                <a:spcPct val="120000"/>
+              </a:lnSpc>
+            </a:pPr>
+            <a:r>
+              <a:rPr lang="ko-KR" altLang="en-US" sz="3600" dirty="0" smtClean="0">
+                <a:solidFill>
+                  <a:schemeClr val="tx1">
+                    <a:lumMod val="75000"/>
+                    <a:lumOff val="25000"/>
+                  </a:schemeClr>
+                </a:solidFill>
+                <a:latin typeface="Calibri" pitchFamily="34" charset="0"/>
+                <a:cs typeface="Calibri" pitchFamily="34" charset="0"/>
+              </a:rPr>
+              <a:t>회원 급여 관리</a:t>
+            </a:r>
+            <a:endParaRPr lang="en-US" altLang="ko-KR" sz="3600" dirty="0" smtClean="0">
               <a:solidFill>
                 <a:schemeClr val="tx1">
                   <a:lumMod val="75000"/>
@@ -7939,7 +9042,7 @@
               <a:buChar char="ü"/>
             </a:pPr>
             <a:r>
-              <a:rPr lang="ko-KR" altLang="en-US" sz="1900" dirty="0" smtClean="0">
+              <a:rPr lang="ko-KR" altLang="en-US" sz="2100" dirty="0" smtClean="0">
                 <a:solidFill>
                   <a:schemeClr val="tx1">
                     <a:lumMod val="50000"/>
@@ -7949,61 +9052,9 @@
                 <a:latin typeface="Calibri" pitchFamily="34" charset="0"/>
                 <a:cs typeface="Calibri" pitchFamily="34" charset="0"/>
               </a:rPr>
-              <a:t>관리자는 회원의  근태 확인</a:t>
-            </a:r>
-            <a:r>
-              <a:rPr lang="en-US" altLang="ko-KR" sz="1900" dirty="0" smtClean="0">
-                <a:solidFill>
-                  <a:schemeClr val="tx1">
-                    <a:lumMod val="50000"/>
-                    <a:lumOff val="50000"/>
-                  </a:schemeClr>
-                </a:solidFill>
-                <a:latin typeface="Calibri" pitchFamily="34" charset="0"/>
-                <a:cs typeface="Calibri" pitchFamily="34" charset="0"/>
-              </a:rPr>
-              <a:t> </a:t>
-            </a:r>
-            <a:r>
-              <a:rPr lang="ko-KR" altLang="en-US" sz="1900" dirty="0" smtClean="0">
-                <a:solidFill>
-                  <a:schemeClr val="tx1">
-                    <a:lumMod val="50000"/>
-                    <a:lumOff val="50000"/>
-                  </a:schemeClr>
-                </a:solidFill>
-                <a:latin typeface="Calibri" pitchFamily="34" charset="0"/>
-                <a:cs typeface="Calibri" pitchFamily="34" charset="0"/>
-              </a:rPr>
-              <a:t>및 수정</a:t>
-            </a:r>
-            <a:r>
-              <a:rPr lang="en-US" altLang="ko-KR" sz="1900" dirty="0" smtClean="0">
-                <a:solidFill>
-                  <a:schemeClr val="tx1">
-                    <a:lumMod val="50000"/>
-                    <a:lumOff val="50000"/>
-                  </a:schemeClr>
-                </a:solidFill>
-                <a:latin typeface="Calibri" pitchFamily="34" charset="0"/>
-                <a:cs typeface="Calibri" pitchFamily="34" charset="0"/>
-              </a:rPr>
-              <a:t>, </a:t>
-            </a:r>
-            <a:r>
-              <a:rPr lang="ko-KR" altLang="en-US" sz="1900" dirty="0" smtClean="0">
-                <a:solidFill>
-                  <a:schemeClr val="tx1">
-                    <a:lumMod val="50000"/>
-                    <a:lumOff val="50000"/>
-                  </a:schemeClr>
-                </a:solidFill>
-                <a:latin typeface="Calibri" pitchFamily="34" charset="0"/>
-                <a:cs typeface="Calibri" pitchFamily="34" charset="0"/>
-              </a:rPr>
-              <a:t>삭제 가능</a:t>
-            </a:r>
-            <a:endParaRPr lang="en-US" altLang="ko-KR" sz="1900" dirty="0" smtClean="0">
+              <a:t>회원은 자신의 급여 정보 및 코드번호 확인 가능 </a:t>
+            </a:r>
+            <a:endParaRPr lang="en-US" altLang="ko-KR" sz="2100" dirty="0" smtClean="0">
               <a:solidFill>
                 <a:schemeClr val="tx1">
                   <a:lumMod val="50000"/>
@@ -8016,9 +9067,6 @@
           </a:p>
           <a:p>
             <a:pPr>
-              <a:lnSpc>
-                <a:spcPct val="120000"/>
-              </a:lnSpc>
               <a:buFont typeface="Wingdings" pitchFamily="2" charset="2"/>
               <a:buChar char="ü"/>
             </a:pPr>
@@ -8034,94 +9082,6 @@
             </a:endParaRPr>
           </a:p>
           <a:p>
-            <a:pPr>
-              <a:lnSpc>
-                <a:spcPct val="120000"/>
-              </a:lnSpc>
-            </a:pPr>
-            <a:r>
-              <a:rPr lang="ko-KR" altLang="en-US" sz="3000" dirty="0" smtClean="0">
-                <a:solidFill>
-                  <a:schemeClr val="tx1">
-                    <a:lumMod val="75000"/>
-                    <a:lumOff val="25000"/>
-                  </a:schemeClr>
-                </a:solidFill>
-                <a:latin typeface="Calibri" pitchFamily="34" charset="0"/>
-                <a:cs typeface="Calibri" pitchFamily="34" charset="0"/>
-              </a:rPr>
-              <a:t>회원 근태 관리</a:t>
-            </a:r>
-            <a:endParaRPr lang="en-US" altLang="ko-KR" sz="3000" dirty="0" smtClean="0">
-              <a:solidFill>
-                <a:schemeClr val="tx1">
-                  <a:lumMod val="75000"/>
-                  <a:lumOff val="25000"/>
-                </a:schemeClr>
-              </a:solidFill>
-              <a:latin typeface="Calibri" pitchFamily="34" charset="0"/>
-              <a:cs typeface="Calibri" pitchFamily="34" charset="0"/>
-            </a:endParaRPr>
-          </a:p>
-          <a:p>
-            <a:pPr>
-              <a:lnSpc>
-                <a:spcPct val="120000"/>
-              </a:lnSpc>
-              <a:buFont typeface="Wingdings" pitchFamily="2" charset="2"/>
-              <a:buChar char="ü"/>
-            </a:pPr>
-            <a:r>
-              <a:rPr lang="ko-KR" altLang="en-US" sz="1900" dirty="0" smtClean="0">
-                <a:solidFill>
-                  <a:schemeClr val="tx1">
-                    <a:lumMod val="50000"/>
-                    <a:lumOff val="50000"/>
-                  </a:schemeClr>
-                </a:solidFill>
-                <a:latin typeface="Calibri" pitchFamily="34" charset="0"/>
-                <a:cs typeface="Calibri" pitchFamily="34" charset="0"/>
-              </a:rPr>
-              <a:t>회원은 자신의 근태 확인 및 출근</a:t>
-            </a:r>
-            <a:r>
-              <a:rPr lang="en-US" altLang="ko-KR" sz="1900" dirty="0" smtClean="0">
-                <a:solidFill>
-                  <a:schemeClr val="tx1">
-                    <a:lumMod val="50000"/>
-                    <a:lumOff val="50000"/>
-                  </a:schemeClr>
-                </a:solidFill>
-                <a:latin typeface="Calibri" pitchFamily="34" charset="0"/>
-                <a:cs typeface="Calibri" pitchFamily="34" charset="0"/>
-              </a:rPr>
-              <a:t>, </a:t>
-            </a:r>
-            <a:r>
-              <a:rPr lang="ko-KR" altLang="en-US" sz="1900" dirty="0" smtClean="0">
-                <a:solidFill>
-                  <a:schemeClr val="tx1">
-                    <a:lumMod val="50000"/>
-                    <a:lumOff val="50000"/>
-                  </a:schemeClr>
-                </a:solidFill>
-                <a:latin typeface="Calibri" pitchFamily="34" charset="0"/>
-                <a:cs typeface="Calibri" pitchFamily="34" charset="0"/>
-              </a:rPr>
-              <a:t>퇴근시간 입력 가능</a:t>
-            </a:r>
-            <a:endParaRPr lang="en-US" altLang="ko-KR" sz="1900" dirty="0" smtClean="0">
-              <a:solidFill>
-                <a:schemeClr val="tx1">
-                  <a:lumMod val="50000"/>
-                  <a:lumOff val="50000"/>
-                </a:schemeClr>
-              </a:solidFill>
-              <a:latin typeface="Calibri" pitchFamily="34" charset="0"/>
-              <a:cs typeface="Calibri" pitchFamily="34" charset="0"/>
-            </a:endParaRPr>
-          </a:p>
-          <a:p>
             <a:endParaRPr lang="en-US" altLang="ko-KR" sz="4000" dirty="0" smtClean="0">
               <a:solidFill>
                 <a:schemeClr val="tx1">
@@ -8150,7 +9110,7 @@
     </p:spTree>
     <p:extLst>
       <p:ext uri="{BB962C8B-B14F-4D97-AF65-F5344CB8AC3E}">
-        <p14:creationId xmlns="" xmlns:p14="http://schemas.microsoft.com/office/powerpoint/2010/main" val="891763176"/>
+        <p14:creationId xmlns:p14="http://schemas.microsoft.com/office/powerpoint/2010/main" xmlns="" val="891763176"/>
       </p:ext>
     </p:extLst>
   </p:cSld>
@@ -8206,7 +9166,7 @@
           <a:lstStyle/>
           <a:p>
             <a:r>
-              <a:rPr lang="en-US" altLang="ko-KR" sz="4400" dirty="0" err="1" smtClean="0">
+              <a:rPr lang="en-US" altLang="ko-KR" sz="4400" dirty="0" smtClean="0">
                 <a:solidFill>
                   <a:schemeClr val="tx1">
                     <a:lumMod val="75000"/>
@@ -8217,21 +9177,7 @@
                 <a:ea typeface="Arial Unicode MS" pitchFamily="50" charset="-127"/>
                 <a:cs typeface="Calibri" pitchFamily="34" charset="0"/>
               </a:rPr>
-              <a:t>WorkTime</a:t>
-            </a:r>
-            <a:r>
-              <a:rPr lang="en-US" altLang="ko-KR" sz="4400" dirty="0" smtClean="0">
-                <a:solidFill>
-                  <a:schemeClr val="tx1">
-                    <a:lumMod val="75000"/>
-                    <a:lumOff val="25000"/>
-                  </a:schemeClr>
-                </a:solidFill>
-                <a:latin typeface="Calibri" pitchFamily="34" charset="0"/>
-                <a:ea typeface="Arial Unicode MS" pitchFamily="50" charset="-127"/>
-                <a:cs typeface="Calibri" pitchFamily="34" charset="0"/>
-              </a:rPr>
-              <a:t> Management</a:t>
+              <a:t>Salary Management</a:t>
             </a:r>
             <a:endParaRPr lang="ko-KR" altLang="en-US" sz="4400" dirty="0">
               <a:solidFill>
@@ -8264,51 +9210,8 @@
         </p:blipFill>
         <p:spPr bwMode="auto">
           <a:xfrm>
-            <a:off x="1285852" y="1357298"/>
-            <a:ext cx="6215074" cy="3504666"/>
-          </a:xfrm>
-          <a:prstGeom prst="rect">
-            <a:avLst/>
-          </a:prstGeom>
-          <a:noFill/>
-          <a:ln w="9525">
-            <a:solidFill>
-              <a:schemeClr val="tx1"/>
-            </a:solidFill>
-            <a:miter lim="800000"/>
-            <a:headEnd/>
-            <a:tailEnd/>
-          </a:ln>
-          <a:effectLst>
-            <a:outerShdw blurRad="50800" dist="38100" algn="l" rotWithShape="0">
-              <a:prstClr val="black">
-                <a:alpha val="40000"/>
-              </a:prstClr>
-            </a:outerShdw>
-          </a:effectLst>
-        </p:spPr>
-      </p:pic>
-      <p:pic>
-        <p:nvPicPr>
-          <p:cNvPr id="1029" name="Picture 5"/>
-          <p:cNvPicPr>
-            <a:picLocks noGrp="1" noChangeAspect="1" noChangeArrowheads="1"/>
-          </p:cNvPicPr>
-          <p:nvPr>
-            <p:ph idx="1"/>
-          </p:nvPr>
-        </p:nvPicPr>
-        <p:blipFill>
-          <a:blip r:embed="rId3"/>
-          <a:srcRect/>
-          <a:stretch>
-            <a:fillRect/>
-          </a:stretch>
-        </p:blipFill>
-        <p:spPr bwMode="auto">
-          <a:xfrm>
-            <a:off x="2000232" y="4429132"/>
-            <a:ext cx="6715172" cy="1928826"/>
+            <a:off x="1428728" y="1195343"/>
+            <a:ext cx="5500725" cy="2948037"/>
           </a:xfrm>
           <a:prstGeom prst="rect">
             <a:avLst/>
@@ -8331,17 +9234,58 @@
           </a:effectLst>
         </p:spPr>
       </p:pic>
+      <p:pic>
+        <p:nvPicPr>
+          <p:cNvPr id="1026" name="Picture 2"/>
+          <p:cNvPicPr>
+            <a:picLocks noChangeAspect="1" noChangeArrowheads="1"/>
+          </p:cNvPicPr>
+          <p:nvPr/>
+        </p:nvPicPr>
+        <p:blipFill>
+          <a:blip r:embed="rId3"/>
+          <a:srcRect/>
+          <a:stretch>
+            <a:fillRect/>
+          </a:stretch>
+        </p:blipFill>
+        <p:spPr bwMode="auto">
+          <a:xfrm>
+            <a:off x="2675767" y="4572008"/>
+            <a:ext cx="6182513" cy="1428760"/>
+          </a:xfrm>
+          <a:prstGeom prst="rect">
+            <a:avLst/>
+          </a:prstGeom>
+          <a:noFill/>
+          <a:ln w="9525">
+            <a:solidFill>
+              <a:schemeClr val="tx1"/>
+            </a:solidFill>
+            <a:miter lim="800000"/>
+            <a:headEnd/>
+            <a:tailEnd/>
+          </a:ln>
+          <a:effectLst>
+            <a:outerShdw blurRad="50800" dist="38100" dir="2700000" algn="tl" rotWithShape="0">
+              <a:prstClr val="black">
+                <a:alpha val="40000"/>
+              </a:prstClr>
+            </a:outerShdw>
+          </a:effectLst>
+        </p:spPr>
+      </p:pic>
     </p:spTree>
     <p:extLst>
       <p:ext uri="{BB962C8B-B14F-4D97-AF65-F5344CB8AC3E}">
-        <p14:creationId xmlns="" xmlns:p14="http://schemas.microsoft.com/office/powerpoint/2010/main" val="891763176"/>
+        <p14:creationId xmlns:p14="http://schemas.microsoft.com/office/powerpoint/2010/main" xmlns="" val="891763176"/>
       </p:ext>
     </p:extLst>
   </p:cSld>
   <p:clrMapOvr>
     <a:masterClrMapping/>
   </p:clrMapOvr>
-  <p:transition/>
+  <p:transition advTm="0"/>
   <p:timing>
     <p:tnLst>
       <p:par>
@@ -8369,71 +9313,9 @@
           <a:chExt cx="0" cy="0"/>
         </a:xfrm>
       </p:grpSpPr>
-      <p:sp>
-        <p:nvSpPr>
-          <p:cNvPr id="2" name="Title 1"/>
-          <p:cNvSpPr>
-            <a:spLocks noGrp="1"/>
-          </p:cNvSpPr>
-          <p:nvPr>
-            <p:ph type="title"/>
-          </p:nvPr>
-        </p:nvSpPr>
-        <p:spPr>
-          <a:xfrm>
-            <a:off x="1259632" y="0"/>
-            <a:ext cx="7884368" cy="1069514"/>
-          </a:xfrm>
-        </p:spPr>
-        <p:txBody>
-          <a:bodyPr/>
-          <a:lstStyle/>
-          <a:p>
-            <a:r>
-              <a:rPr lang="en-US" altLang="ko-KR" sz="4400" dirty="0" err="1" smtClean="0">
-                <a:solidFill>
-                  <a:schemeClr val="tx1">
-                    <a:lumMod val="75000"/>
-                    <a:lumOff val="25000"/>
-                  </a:schemeClr>
-                </a:solidFill>
-                <a:latin typeface="Calibri" pitchFamily="34" charset="0"/>
-                <a:ea typeface="Arial Unicode MS" pitchFamily="50" charset="-127"/>
-                <a:cs typeface="Calibri" pitchFamily="34" charset="0"/>
-              </a:rPr>
-              <a:t>WorkTime</a:t>
-            </a:r>
-            <a:r>
-              <a:rPr lang="en-US" altLang="ko-KR" sz="4400" dirty="0" smtClean="0">
-                <a:solidFill>
-                  <a:schemeClr val="tx1">
-                    <a:lumMod val="75000"/>
-                    <a:lumOff val="25000"/>
-                  </a:schemeClr>
-                </a:solidFill>
-                <a:latin typeface="Calibri" pitchFamily="34" charset="0"/>
-                <a:ea typeface="Arial Unicode MS" pitchFamily="50" charset="-127"/>
-                <a:cs typeface="Calibri" pitchFamily="34" charset="0"/>
-              </a:rPr>
-              <a:t> Management</a:t>
-            </a:r>
-            <a:endParaRPr lang="ko-KR" altLang="en-US" sz="4400" dirty="0">
-              <a:solidFill>
-                <a:schemeClr val="tx1">
-                  <a:lumMod val="75000"/>
-                  <a:lumOff val="25000"/>
-                </a:schemeClr>
-              </a:solidFill>
-              <a:latin typeface="Calibri" pitchFamily="34" charset="0"/>
-              <a:ea typeface="Arial Unicode MS" pitchFamily="50" charset="-127"/>
-              <a:cs typeface="Calibri" pitchFamily="34" charset="0"/>
-            </a:endParaRPr>
-          </a:p>
-        </p:txBody>
-      </p:sp>
       <p:pic>
         <p:nvPicPr>
-          <p:cNvPr id="2050" name="Picture 2"/>
+          <p:cNvPr id="3075" name="Picture 3"/>
           <p:cNvPicPr>
             <a:picLocks noChangeAspect="1" noChangeArrowheads="1"/>
           </p:cNvPicPr>
@@ -8448,8 +9330,8 @@
         </p:blipFill>
         <p:spPr bwMode="auto">
           <a:xfrm>
-            <a:off x="1500166" y="1123954"/>
-            <a:ext cx="6102227" cy="4876814"/>
+            <a:off x="1500166" y="4214818"/>
+            <a:ext cx="3749363" cy="2071702"/>
           </a:xfrm>
           <a:prstGeom prst="rect">
             <a:avLst/>
@@ -8472,17 +9354,149 @@
           </a:effectLst>
         </p:spPr>
       </p:pic>
+      <p:sp>
+        <p:nvSpPr>
+          <p:cNvPr id="2" name="Title 1"/>
+          <p:cNvSpPr>
+            <a:spLocks noGrp="1"/>
+          </p:cNvSpPr>
+          <p:nvPr>
+            <p:ph type="title"/>
+          </p:nvPr>
+        </p:nvSpPr>
+        <p:spPr>
+          <a:xfrm>
+            <a:off x="1259632" y="0"/>
+            <a:ext cx="7884368" cy="1069514"/>
+          </a:xfrm>
+        </p:spPr>
+        <p:txBody>
+          <a:bodyPr/>
+          <a:lstStyle/>
+          <a:p>
+            <a:r>
+              <a:rPr lang="en-US" altLang="ko-KR" sz="4400" dirty="0" smtClean="0">
+                <a:solidFill>
+                  <a:schemeClr val="tx1">
+                    <a:lumMod val="75000"/>
+                    <a:lumOff val="25000"/>
+                  </a:schemeClr>
+                </a:solidFill>
+                <a:latin typeface="Calibri" pitchFamily="34" charset="0"/>
+                <a:ea typeface="Arial Unicode MS" pitchFamily="50" charset="-127"/>
+                <a:cs typeface="Calibri" pitchFamily="34" charset="0"/>
+              </a:rPr>
+              <a:t>Salary Management</a:t>
+            </a:r>
+            <a:endParaRPr lang="ko-KR" altLang="en-US" sz="4400" dirty="0">
+              <a:solidFill>
+                <a:schemeClr val="tx1">
+                  <a:lumMod val="75000"/>
+                  <a:lumOff val="25000"/>
+                </a:schemeClr>
+              </a:solidFill>
+              <a:latin typeface="Calibri" pitchFamily="34" charset="0"/>
+              <a:ea typeface="Arial Unicode MS" pitchFamily="50" charset="-127"/>
+              <a:cs typeface="Calibri" pitchFamily="34" charset="0"/>
+            </a:endParaRPr>
+          </a:p>
+        </p:txBody>
+      </p:sp>
+      <p:pic>
+        <p:nvPicPr>
+          <p:cNvPr id="5" name="Picture 2"/>
+          <p:cNvPicPr>
+            <a:picLocks noChangeAspect="1" noChangeArrowheads="1"/>
+          </p:cNvPicPr>
+          <p:nvPr/>
+        </p:nvPicPr>
+        <p:blipFill>
+          <a:blip r:embed="rId3"/>
+          <a:srcRect/>
+          <a:stretch>
+            <a:fillRect/>
+          </a:stretch>
+        </p:blipFill>
+        <p:spPr bwMode="auto">
+          <a:xfrm>
+            <a:off x="1451053" y="1142984"/>
+            <a:ext cx="3906765" cy="2000264"/>
+          </a:xfrm>
+          <a:prstGeom prst="rect">
+            <a:avLst/>
+          </a:prstGeom>
+          <a:noFill/>
+          <a:ln w="9525">
+            <a:solidFill>
+              <a:schemeClr val="tx1"/>
+            </a:solidFill>
+            <a:miter lim="800000"/>
+            <a:headEnd/>
+            <a:tailEnd/>
+          </a:ln>
+          <a:effectLst>
+            <a:outerShdw blurRad="50800" dist="38100" dir="2700000" algn="tl" rotWithShape="0">
+              <a:prstClr val="black">
+                <a:alpha val="40000"/>
+              </a:prstClr>
+            </a:outerShdw>
+          </a:effectLst>
+        </p:spPr>
+      </p:pic>
+      <p:pic>
+        <p:nvPicPr>
+          <p:cNvPr id="2051" name="Picture 3"/>
+          <p:cNvPicPr>
+            <a:picLocks noGrp="1" noChangeAspect="1" noChangeArrowheads="1"/>
+          </p:cNvPicPr>
+          <p:nvPr>
+            <p:ph idx="1"/>
+          </p:nvPr>
+        </p:nvPicPr>
+        <p:blipFill>
+          <a:blip r:embed="rId4"/>
+          <a:srcRect/>
+          <a:stretch>
+            <a:fillRect/>
+          </a:stretch>
+        </p:blipFill>
+        <p:spPr bwMode="auto">
+          <a:xfrm>
+            <a:off x="4807252" y="2928934"/>
+            <a:ext cx="3836714" cy="2143140"/>
+          </a:xfrm>
+          <a:prstGeom prst="rect">
+            <a:avLst/>
+          </a:prstGeom>
+          <a:noFill/>
+          <a:ln w="9525">
+            <a:solidFill>
+              <a:schemeClr val="tx1"/>
+            </a:solidFill>
+            <a:miter lim="800000"/>
+            <a:headEnd/>
+            <a:tailEnd/>
+          </a:ln>
+          <a:effectLst>
+            <a:outerShdw blurRad="50800" dist="38100" dir="2700000" algn="tl" rotWithShape="0">
+              <a:prstClr val="black">
+                <a:alpha val="40000"/>
+              </a:prstClr>
+            </a:outerShdw>
+          </a:effectLst>
+        </p:spPr>
+      </p:pic>
     </p:spTree>
     <p:extLst>
       <p:ext uri="{BB962C8B-B14F-4D97-AF65-F5344CB8AC3E}">
-        <p14:creationId xmlns="" xmlns:p14="http://schemas.microsoft.com/office/powerpoint/2010/main" val="891763176"/>
+        <p14:creationId xmlns:p14="http://schemas.microsoft.com/office/powerpoint/2010/main" xmlns="" val="891763176"/>
       </p:ext>
     </p:extLst>
   </p:cSld>
   <p:clrMapOvr>
     <a:masterClrMapping/>
   </p:clrMapOvr>
-  <p:transition/>
+  <p:transition advTm="0"/>
   <p:timing>
     <p:tnLst>
       <p:par>

--- a/Info/TeamPPT_Final2.pptx
+++ b/Info/TeamPPT_Final2.pptx
@@ -7,29 +7,31 @@
   <p:sldIdLst>
     <p:sldId id="256" r:id="rId2"/>
     <p:sldId id="257" r:id="rId3"/>
-    <p:sldId id="283" r:id="rId4"/>
-    <p:sldId id="285" r:id="rId5"/>
-    <p:sldId id="284" r:id="rId6"/>
-    <p:sldId id="258" r:id="rId7"/>
-    <p:sldId id="269" r:id="rId8"/>
-    <p:sldId id="262" r:id="rId9"/>
-    <p:sldId id="264" r:id="rId10"/>
-    <p:sldId id="265" r:id="rId11"/>
-    <p:sldId id="267" r:id="rId12"/>
-    <p:sldId id="268" r:id="rId13"/>
-    <p:sldId id="278" r:id="rId14"/>
-    <p:sldId id="279" r:id="rId15"/>
-    <p:sldId id="280" r:id="rId16"/>
-    <p:sldId id="281" r:id="rId17"/>
-    <p:sldId id="270" r:id="rId18"/>
-    <p:sldId id="271" r:id="rId19"/>
-    <p:sldId id="272" r:id="rId20"/>
-    <p:sldId id="273" r:id="rId21"/>
-    <p:sldId id="274" r:id="rId22"/>
-    <p:sldId id="275" r:id="rId23"/>
-    <p:sldId id="276" r:id="rId24"/>
-    <p:sldId id="277" r:id="rId25"/>
-    <p:sldId id="282" r:id="rId26"/>
+    <p:sldId id="286" r:id="rId4"/>
+    <p:sldId id="287" r:id="rId5"/>
+    <p:sldId id="283" r:id="rId6"/>
+    <p:sldId id="285" r:id="rId7"/>
+    <p:sldId id="284" r:id="rId8"/>
+    <p:sldId id="258" r:id="rId9"/>
+    <p:sldId id="269" r:id="rId10"/>
+    <p:sldId id="262" r:id="rId11"/>
+    <p:sldId id="264" r:id="rId12"/>
+    <p:sldId id="265" r:id="rId13"/>
+    <p:sldId id="267" r:id="rId14"/>
+    <p:sldId id="268" r:id="rId15"/>
+    <p:sldId id="278" r:id="rId16"/>
+    <p:sldId id="279" r:id="rId17"/>
+    <p:sldId id="280" r:id="rId18"/>
+    <p:sldId id="281" r:id="rId19"/>
+    <p:sldId id="270" r:id="rId20"/>
+    <p:sldId id="271" r:id="rId21"/>
+    <p:sldId id="272" r:id="rId22"/>
+    <p:sldId id="273" r:id="rId23"/>
+    <p:sldId id="274" r:id="rId24"/>
+    <p:sldId id="275" r:id="rId25"/>
+    <p:sldId id="276" r:id="rId26"/>
+    <p:sldId id="277" r:id="rId27"/>
+    <p:sldId id="282" r:id="rId28"/>
   </p:sldIdLst>
   <p:sldSz cx="9144000" cy="6858000" type="screen4x3"/>
   <p:notesSz cx="6858000" cy="9144000"/>
@@ -174,7 +176,7 @@
           <a:blip r:embed="rId3">
             <a:extLst>
               <a:ext uri="{28A0092B-C50C-407E-A947-70E740481C1C}">
-                <a14:useLocalDpi xmlns:a14="http://schemas.microsoft.com/office/drawing/2010/main" xmlns="" val="0"/>
+                <a14:useLocalDpi xmlns="" xmlns:a14="http://schemas.microsoft.com/office/drawing/2010/main" val="0"/>
               </a:ext>
             </a:extLst>
           </a:blip>
@@ -194,7 +196,7 @@
           <a:noFill/>
           <a:extLst>
             <a:ext uri="{909E8E84-426E-40DD-AFC4-6F175D3DCCD1}">
-              <a14:hiddenFill xmlns:a14="http://schemas.microsoft.com/office/drawing/2010/main" xmlns="">
+              <a14:hiddenFill xmlns="" xmlns:a14="http://schemas.microsoft.com/office/drawing/2010/main">
                 <a:solidFill>
                   <a:srgbClr val="FFFFFF"/>
                 </a:solidFill>
@@ -245,7 +247,7 @@
     </p:spTree>
     <p:extLst>
       <p:ext uri="{BB962C8B-B14F-4D97-AF65-F5344CB8AC3E}">
-        <p14:creationId xmlns:p14="http://schemas.microsoft.com/office/powerpoint/2010/main" xmlns="" val="2032416694"/>
+        <p14:creationId xmlns="" xmlns:p14="http://schemas.microsoft.com/office/powerpoint/2010/main" val="2032416694"/>
       </p:ext>
     </p:extLst>
   </p:cSld>
@@ -458,7 +460,7 @@
     </p:spTree>
     <p:extLst>
       <p:ext uri="{BB962C8B-B14F-4D97-AF65-F5344CB8AC3E}">
-        <p14:creationId xmlns:p14="http://schemas.microsoft.com/office/powerpoint/2010/main" xmlns="" val="2825368943"/>
+        <p14:creationId xmlns="" xmlns:p14="http://schemas.microsoft.com/office/powerpoint/2010/main" val="2825368943"/>
       </p:ext>
     </p:extLst>
   </p:cSld>
@@ -671,7 +673,7 @@
     </p:spTree>
     <p:extLst>
       <p:ext uri="{BB962C8B-B14F-4D97-AF65-F5344CB8AC3E}">
-        <p14:creationId xmlns:p14="http://schemas.microsoft.com/office/powerpoint/2010/main" xmlns="" val="2221001295"/>
+        <p14:creationId xmlns="" xmlns:p14="http://schemas.microsoft.com/office/powerpoint/2010/main" val="2221001295"/>
       </p:ext>
     </p:extLst>
   </p:cSld>
@@ -946,7 +948,7 @@
     </p:spTree>
     <p:extLst>
       <p:ext uri="{BB962C8B-B14F-4D97-AF65-F5344CB8AC3E}">
-        <p14:creationId xmlns:p14="http://schemas.microsoft.com/office/powerpoint/2010/main" xmlns="" val="1125379394"/>
+        <p14:creationId xmlns="" xmlns:p14="http://schemas.microsoft.com/office/powerpoint/2010/main" val="1125379394"/>
       </p:ext>
     </p:extLst>
   </p:cSld>
@@ -1046,7 +1048,7 @@
     </p:spTree>
     <p:extLst>
       <p:ext uri="{BB962C8B-B14F-4D97-AF65-F5344CB8AC3E}">
-        <p14:creationId xmlns:p14="http://schemas.microsoft.com/office/powerpoint/2010/main" xmlns="" val="3694015714"/>
+        <p14:creationId xmlns="" xmlns:p14="http://schemas.microsoft.com/office/powerpoint/2010/main" val="3694015714"/>
       </p:ext>
     </p:extLst>
   </p:cSld>
@@ -1325,7 +1327,7 @@
     </p:spTree>
     <p:extLst>
       <p:ext uri="{BB962C8B-B14F-4D97-AF65-F5344CB8AC3E}">
-        <p14:creationId xmlns:p14="http://schemas.microsoft.com/office/powerpoint/2010/main" xmlns="" val="1819799790"/>
+        <p14:creationId xmlns="" xmlns:p14="http://schemas.microsoft.com/office/powerpoint/2010/main" val="1819799790"/>
       </p:ext>
     </p:extLst>
   </p:cSld>
@@ -1654,7 +1656,7 @@
     </p:spTree>
     <p:extLst>
       <p:ext uri="{BB962C8B-B14F-4D97-AF65-F5344CB8AC3E}">
-        <p14:creationId xmlns:p14="http://schemas.microsoft.com/office/powerpoint/2010/main" xmlns="" val="1845900609"/>
+        <p14:creationId xmlns="" xmlns:p14="http://schemas.microsoft.com/office/powerpoint/2010/main" val="1845900609"/>
       </p:ext>
     </p:extLst>
   </p:cSld>
@@ -2123,7 +2125,7 @@
     </p:spTree>
     <p:extLst>
       <p:ext uri="{BB962C8B-B14F-4D97-AF65-F5344CB8AC3E}">
-        <p14:creationId xmlns:p14="http://schemas.microsoft.com/office/powerpoint/2010/main" xmlns="" val="1834140844"/>
+        <p14:creationId xmlns="" xmlns:p14="http://schemas.microsoft.com/office/powerpoint/2010/main" val="1834140844"/>
       </p:ext>
     </p:extLst>
   </p:cSld>
@@ -2276,7 +2278,7 @@
     </p:spTree>
     <p:extLst>
       <p:ext uri="{BB962C8B-B14F-4D97-AF65-F5344CB8AC3E}">
-        <p14:creationId xmlns:p14="http://schemas.microsoft.com/office/powerpoint/2010/main" xmlns="" val="3978738694"/>
+        <p14:creationId xmlns="" xmlns:p14="http://schemas.microsoft.com/office/powerpoint/2010/main" val="3978738694"/>
       </p:ext>
     </p:extLst>
   </p:cSld>
@@ -2398,7 +2400,7 @@
     </p:spTree>
     <p:extLst>
       <p:ext uri="{BB962C8B-B14F-4D97-AF65-F5344CB8AC3E}">
-        <p14:creationId xmlns:p14="http://schemas.microsoft.com/office/powerpoint/2010/main" xmlns="" val="3760371323"/>
+        <p14:creationId xmlns="" xmlns:p14="http://schemas.microsoft.com/office/powerpoint/2010/main" val="3760371323"/>
       </p:ext>
     </p:extLst>
   </p:cSld>
@@ -2711,7 +2713,7 @@
     </p:spTree>
     <p:extLst>
       <p:ext uri="{BB962C8B-B14F-4D97-AF65-F5344CB8AC3E}">
-        <p14:creationId xmlns:p14="http://schemas.microsoft.com/office/powerpoint/2010/main" xmlns="" val="2046782160"/>
+        <p14:creationId xmlns="" xmlns:p14="http://schemas.microsoft.com/office/powerpoint/2010/main" val="2046782160"/>
       </p:ext>
     </p:extLst>
   </p:cSld>
@@ -3000,7 +3002,7 @@
     </p:spTree>
     <p:extLst>
       <p:ext uri="{BB962C8B-B14F-4D97-AF65-F5344CB8AC3E}">
-        <p14:creationId xmlns:p14="http://schemas.microsoft.com/office/powerpoint/2010/main" xmlns="" val="2028806487"/>
+        <p14:creationId xmlns="" xmlns:p14="http://schemas.microsoft.com/office/powerpoint/2010/main" val="2028806487"/>
       </p:ext>
     </p:extLst>
   </p:cSld>
@@ -3045,7 +3047,7 @@
     </p:spTree>
     <p:extLst>
       <p:ext uri="{BB962C8B-B14F-4D97-AF65-F5344CB8AC3E}">
-        <p14:creationId xmlns:p14="http://schemas.microsoft.com/office/powerpoint/2010/main" xmlns="" val="437338208"/>
+        <p14:creationId xmlns="" xmlns:p14="http://schemas.microsoft.com/office/powerpoint/2010/main" val="437338208"/>
       </p:ext>
     </p:extLst>
   </p:cSld>
@@ -3417,7 +3419,7 @@
     </p:spTree>
     <p:extLst>
       <p:ext uri="{BB962C8B-B14F-4D97-AF65-F5344CB8AC3E}">
-        <p14:creationId xmlns:p14="http://schemas.microsoft.com/office/powerpoint/2010/main" xmlns="" val="1941221791"/>
+        <p14:creationId xmlns="" xmlns:p14="http://schemas.microsoft.com/office/powerpoint/2010/main" val="1941221791"/>
       </p:ext>
     </p:extLst>
   </p:cSld>
@@ -3473,7 +3475,7 @@
           <a:lstStyle/>
           <a:p>
             <a:r>
-              <a:rPr lang="en-US" altLang="ko-KR" sz="4400" dirty="0" err="1" smtClean="0">
+              <a:rPr lang="en-US" altLang="ko-KR" sz="4400" dirty="0" smtClean="0">
                 <a:solidFill>
                   <a:schemeClr val="tx1">
                     <a:lumMod val="75000"/>
@@ -3484,21 +3486,7 @@
                 <a:ea typeface="Arial Unicode MS" pitchFamily="50" charset="-127"/>
                 <a:cs typeface="Calibri" pitchFamily="34" charset="0"/>
               </a:rPr>
-              <a:t>WorkTime</a:t>
-            </a:r>
-            <a:r>
-              <a:rPr lang="en-US" altLang="ko-KR" sz="4400" dirty="0" smtClean="0">
-                <a:solidFill>
-                  <a:schemeClr val="tx1">
-                    <a:lumMod val="75000"/>
-                    <a:lumOff val="25000"/>
-                  </a:schemeClr>
-                </a:solidFill>
-                <a:latin typeface="Calibri" pitchFamily="34" charset="0"/>
-                <a:ea typeface="Arial Unicode MS" pitchFamily="50" charset="-127"/>
-                <a:cs typeface="Calibri" pitchFamily="34" charset="0"/>
-              </a:rPr>
-              <a:t> Management</a:t>
+              <a:t>Salary Management</a:t>
             </a:r>
             <a:endParaRPr lang="ko-KR" altLang="en-US" sz="4400" dirty="0">
               <a:solidFill>
@@ -3514,363 +3502,99 @@
           </a:p>
         </p:txBody>
       </p:sp>
-      <p:sp>
-        <p:nvSpPr>
-          <p:cNvPr id="3" name="Content Placeholder 2"/>
-          <p:cNvSpPr>
-            <a:spLocks noGrp="1"/>
-          </p:cNvSpPr>
-          <p:nvPr>
-            <p:ph idx="1"/>
-          </p:nvPr>
-        </p:nvSpPr>
-        <p:spPr>
-          <a:xfrm>
-            <a:off x="1835696" y="1484784"/>
-            <a:ext cx="6851104" cy="4525963"/>
-          </a:xfrm>
-        </p:spPr>
-        <p:txBody>
-          <a:bodyPr>
-            <a:normAutofit/>
-          </a:bodyPr>
-          <a:lstStyle/>
-          <a:p>
-            <a:pPr>
-              <a:lnSpc>
-                <a:spcPct val="120000"/>
-              </a:lnSpc>
-            </a:pPr>
-            <a:r>
-              <a:rPr lang="ko-KR" altLang="en-US" sz="3000" dirty="0" smtClean="0">
-                <a:solidFill>
-                  <a:schemeClr val="tx1">
-                    <a:lumMod val="75000"/>
-                    <a:lumOff val="25000"/>
-                  </a:schemeClr>
-                </a:solidFill>
-                <a:latin typeface="Calibri" pitchFamily="34" charset="0"/>
-                <a:cs typeface="Calibri" pitchFamily="34" charset="0"/>
-              </a:rPr>
-              <a:t>근태 관리 페이지</a:t>
-            </a:r>
-            <a:endParaRPr lang="en-US" altLang="ko-KR" sz="3000" dirty="0" smtClean="0">
-              <a:solidFill>
-                <a:schemeClr val="tx1">
-                  <a:lumMod val="75000"/>
-                  <a:lumOff val="25000"/>
-                </a:schemeClr>
-              </a:solidFill>
-              <a:latin typeface="Calibri" pitchFamily="34" charset="0"/>
-              <a:cs typeface="Calibri" pitchFamily="34" charset="0"/>
-            </a:endParaRPr>
-          </a:p>
-          <a:p>
-            <a:pPr>
-              <a:lnSpc>
-                <a:spcPct val="120000"/>
-              </a:lnSpc>
-              <a:buFont typeface="Wingdings" pitchFamily="2" charset="2"/>
-              <a:buChar char="ü"/>
-            </a:pPr>
-            <a:r>
-              <a:rPr lang="ko-KR" altLang="en-US" sz="1900" dirty="0" smtClean="0">
-                <a:solidFill>
-                  <a:schemeClr val="tx1">
-                    <a:lumMod val="50000"/>
-                    <a:lumOff val="50000"/>
-                  </a:schemeClr>
-                </a:solidFill>
-                <a:latin typeface="Calibri" pitchFamily="34" charset="0"/>
-                <a:cs typeface="Calibri" pitchFamily="34" charset="0"/>
-              </a:rPr>
-              <a:t>회원 및 관리자의 근태를 관리할 수 있는 폼</a:t>
-            </a:r>
-            <a:endParaRPr lang="en-US" altLang="ko-KR" sz="1900" dirty="0" smtClean="0">
-              <a:solidFill>
-                <a:schemeClr val="tx1">
-                  <a:lumMod val="50000"/>
-                  <a:lumOff val="50000"/>
-                </a:schemeClr>
-              </a:solidFill>
-              <a:latin typeface="Calibri" pitchFamily="34" charset="0"/>
-              <a:cs typeface="Calibri" pitchFamily="34" charset="0"/>
-            </a:endParaRPr>
-          </a:p>
-          <a:p>
-            <a:pPr>
-              <a:buFont typeface="Wingdings" pitchFamily="2" charset="2"/>
-              <a:buChar char="ü"/>
-            </a:pPr>
-            <a:endParaRPr lang="en-US" altLang="ko-KR" sz="2200" dirty="0" smtClean="0">
-              <a:solidFill>
-                <a:schemeClr val="tx1">
-                  <a:lumMod val="50000"/>
-                  <a:lumOff val="50000"/>
-                </a:schemeClr>
-              </a:solidFill>
-              <a:latin typeface="Calibri" pitchFamily="34" charset="0"/>
-              <a:cs typeface="Calibri" pitchFamily="34" charset="0"/>
-            </a:endParaRPr>
-          </a:p>
-          <a:p>
-            <a:pPr>
-              <a:lnSpc>
-                <a:spcPct val="120000"/>
-              </a:lnSpc>
-            </a:pPr>
-            <a:r>
-              <a:rPr lang="ko-KR" altLang="en-US" sz="3000" dirty="0" smtClean="0">
-                <a:solidFill>
-                  <a:schemeClr val="tx1">
-                    <a:lumMod val="75000"/>
-                    <a:lumOff val="25000"/>
-                  </a:schemeClr>
-                </a:solidFill>
-                <a:latin typeface="Calibri" pitchFamily="34" charset="0"/>
-                <a:cs typeface="Calibri" pitchFamily="34" charset="0"/>
-              </a:rPr>
-              <a:t>관리자 근태 관리</a:t>
-            </a:r>
-            <a:endParaRPr lang="en-US" altLang="ko-KR" sz="3000" dirty="0" smtClean="0">
-              <a:solidFill>
-                <a:schemeClr val="tx1">
-                  <a:lumMod val="75000"/>
-                  <a:lumOff val="25000"/>
-                </a:schemeClr>
-              </a:solidFill>
-              <a:latin typeface="Calibri" pitchFamily="34" charset="0"/>
-              <a:cs typeface="Calibri" pitchFamily="34" charset="0"/>
-            </a:endParaRPr>
-          </a:p>
-          <a:p>
-            <a:pPr>
-              <a:lnSpc>
-                <a:spcPct val="120000"/>
-              </a:lnSpc>
-              <a:buFont typeface="Wingdings" pitchFamily="2" charset="2"/>
-              <a:buChar char="ü"/>
-            </a:pPr>
-            <a:r>
-              <a:rPr lang="ko-KR" altLang="en-US" sz="1900" dirty="0" smtClean="0">
-                <a:solidFill>
-                  <a:schemeClr val="tx1">
-                    <a:lumMod val="50000"/>
-                    <a:lumOff val="50000"/>
-                  </a:schemeClr>
-                </a:solidFill>
-                <a:latin typeface="Calibri" pitchFamily="34" charset="0"/>
-                <a:cs typeface="Calibri" pitchFamily="34" charset="0"/>
-              </a:rPr>
-              <a:t>관리자는 회원의  근태 확인</a:t>
-            </a:r>
-            <a:r>
-              <a:rPr lang="en-US" altLang="ko-KR" sz="1900" dirty="0" smtClean="0">
-                <a:solidFill>
-                  <a:schemeClr val="tx1">
-                    <a:lumMod val="50000"/>
-                    <a:lumOff val="50000"/>
-                  </a:schemeClr>
-                </a:solidFill>
-                <a:latin typeface="Calibri" pitchFamily="34" charset="0"/>
-                <a:cs typeface="Calibri" pitchFamily="34" charset="0"/>
-              </a:rPr>
-              <a:t> </a:t>
-            </a:r>
-            <a:r>
-              <a:rPr lang="ko-KR" altLang="en-US" sz="1900" dirty="0" smtClean="0">
-                <a:solidFill>
-                  <a:schemeClr val="tx1">
-                    <a:lumMod val="50000"/>
-                    <a:lumOff val="50000"/>
-                  </a:schemeClr>
-                </a:solidFill>
-                <a:latin typeface="Calibri" pitchFamily="34" charset="0"/>
-                <a:cs typeface="Calibri" pitchFamily="34" charset="0"/>
-              </a:rPr>
-              <a:t>및 수정</a:t>
-            </a:r>
-            <a:r>
-              <a:rPr lang="en-US" altLang="ko-KR" sz="1900" dirty="0" smtClean="0">
-                <a:solidFill>
-                  <a:schemeClr val="tx1">
-                    <a:lumMod val="50000"/>
-                    <a:lumOff val="50000"/>
-                  </a:schemeClr>
-                </a:solidFill>
-                <a:latin typeface="Calibri" pitchFamily="34" charset="0"/>
-                <a:cs typeface="Calibri" pitchFamily="34" charset="0"/>
-              </a:rPr>
-              <a:t>, </a:t>
-            </a:r>
-            <a:r>
-              <a:rPr lang="ko-KR" altLang="en-US" sz="1900" dirty="0" smtClean="0">
-                <a:solidFill>
-                  <a:schemeClr val="tx1">
-                    <a:lumMod val="50000"/>
-                    <a:lumOff val="50000"/>
-                  </a:schemeClr>
-                </a:solidFill>
-                <a:latin typeface="Calibri" pitchFamily="34" charset="0"/>
-                <a:cs typeface="Calibri" pitchFamily="34" charset="0"/>
-              </a:rPr>
-              <a:t>삭제 가능</a:t>
-            </a:r>
-            <a:endParaRPr lang="en-US" altLang="ko-KR" sz="1900" dirty="0" smtClean="0">
-              <a:solidFill>
-                <a:schemeClr val="tx1">
-                  <a:lumMod val="50000"/>
-                  <a:lumOff val="50000"/>
-                </a:schemeClr>
-              </a:solidFill>
-              <a:latin typeface="Calibri" pitchFamily="34" charset="0"/>
-              <a:cs typeface="Calibri" pitchFamily="34" charset="0"/>
-            </a:endParaRPr>
-          </a:p>
-          <a:p>
-            <a:pPr>
-              <a:lnSpc>
-                <a:spcPct val="120000"/>
-              </a:lnSpc>
-              <a:buFont typeface="Wingdings" pitchFamily="2" charset="2"/>
-              <a:buChar char="ü"/>
-            </a:pPr>
-            <a:endParaRPr lang="en-US" altLang="ko-KR" sz="2400" dirty="0" smtClean="0">
-              <a:solidFill>
-                <a:schemeClr val="tx1">
-                  <a:lumMod val="50000"/>
-                  <a:lumOff val="50000"/>
-                </a:schemeClr>
-              </a:solidFill>
-              <a:latin typeface="Calibri" pitchFamily="34" charset="0"/>
-              <a:cs typeface="Calibri" pitchFamily="34" charset="0"/>
-            </a:endParaRPr>
-          </a:p>
-          <a:p>
-            <a:pPr>
-              <a:lnSpc>
-                <a:spcPct val="120000"/>
-              </a:lnSpc>
-            </a:pPr>
-            <a:r>
-              <a:rPr lang="ko-KR" altLang="en-US" sz="3000" dirty="0" smtClean="0">
-                <a:solidFill>
-                  <a:schemeClr val="tx1">
-                    <a:lumMod val="75000"/>
-                    <a:lumOff val="25000"/>
-                  </a:schemeClr>
-                </a:solidFill>
-                <a:latin typeface="Calibri" pitchFamily="34" charset="0"/>
-                <a:cs typeface="Calibri" pitchFamily="34" charset="0"/>
-              </a:rPr>
-              <a:t>회원 근태 관리</a:t>
-            </a:r>
-            <a:endParaRPr lang="en-US" altLang="ko-KR" sz="3000" dirty="0" smtClean="0">
-              <a:solidFill>
-                <a:schemeClr val="tx1">
-                  <a:lumMod val="75000"/>
-                  <a:lumOff val="25000"/>
-                </a:schemeClr>
-              </a:solidFill>
-              <a:latin typeface="Calibri" pitchFamily="34" charset="0"/>
-              <a:cs typeface="Calibri" pitchFamily="34" charset="0"/>
-            </a:endParaRPr>
-          </a:p>
-          <a:p>
-            <a:pPr>
-              <a:lnSpc>
-                <a:spcPct val="120000"/>
-              </a:lnSpc>
-              <a:buFont typeface="Wingdings" pitchFamily="2" charset="2"/>
-              <a:buChar char="ü"/>
-            </a:pPr>
-            <a:r>
-              <a:rPr lang="ko-KR" altLang="en-US" sz="1900" dirty="0" smtClean="0">
-                <a:solidFill>
-                  <a:schemeClr val="tx1">
-                    <a:lumMod val="50000"/>
-                    <a:lumOff val="50000"/>
-                  </a:schemeClr>
-                </a:solidFill>
-                <a:latin typeface="Calibri" pitchFamily="34" charset="0"/>
-                <a:cs typeface="Calibri" pitchFamily="34" charset="0"/>
-              </a:rPr>
-              <a:t>회원은 자신의 근태 확인 및 출근</a:t>
-            </a:r>
-            <a:r>
-              <a:rPr lang="en-US" altLang="ko-KR" sz="1900" dirty="0" smtClean="0">
-                <a:solidFill>
-                  <a:schemeClr val="tx1">
-                    <a:lumMod val="50000"/>
-                    <a:lumOff val="50000"/>
-                  </a:schemeClr>
-                </a:solidFill>
-                <a:latin typeface="Calibri" pitchFamily="34" charset="0"/>
-                <a:cs typeface="Calibri" pitchFamily="34" charset="0"/>
-              </a:rPr>
-              <a:t>, </a:t>
-            </a:r>
-            <a:r>
-              <a:rPr lang="ko-KR" altLang="en-US" sz="1900" dirty="0" smtClean="0">
-                <a:solidFill>
-                  <a:schemeClr val="tx1">
-                    <a:lumMod val="50000"/>
-                    <a:lumOff val="50000"/>
-                  </a:schemeClr>
-                </a:solidFill>
-                <a:latin typeface="Calibri" pitchFamily="34" charset="0"/>
-                <a:cs typeface="Calibri" pitchFamily="34" charset="0"/>
-              </a:rPr>
-              <a:t>퇴근시간 입력 가능</a:t>
-            </a:r>
-            <a:endParaRPr lang="en-US" altLang="ko-KR" sz="1900" dirty="0" smtClean="0">
-              <a:solidFill>
-                <a:schemeClr val="tx1">
-                  <a:lumMod val="50000"/>
-                  <a:lumOff val="50000"/>
-                </a:schemeClr>
-              </a:solidFill>
-              <a:latin typeface="Calibri" pitchFamily="34" charset="0"/>
-              <a:cs typeface="Calibri" pitchFamily="34" charset="0"/>
-            </a:endParaRPr>
-          </a:p>
-          <a:p>
-            <a:endParaRPr lang="en-US" altLang="ko-KR" sz="4000" dirty="0" smtClean="0">
-              <a:solidFill>
-                <a:schemeClr val="tx1">
-                  <a:lumMod val="75000"/>
-                  <a:lumOff val="25000"/>
-                </a:schemeClr>
-              </a:solidFill>
-              <a:latin typeface="Calibri" pitchFamily="34" charset="0"/>
-              <a:cs typeface="Calibri" pitchFamily="34" charset="0"/>
-            </a:endParaRPr>
-          </a:p>
-          <a:p>
-            <a:endParaRPr lang="en-US" altLang="ko-KR" sz="4000" dirty="0" smtClean="0">
-              <a:solidFill>
-                <a:schemeClr val="tx1">
-                  <a:lumMod val="50000"/>
-                  <a:lumOff val="50000"/>
-                </a:schemeClr>
-              </a:solidFill>
-              <a:latin typeface="Calibri" pitchFamily="34" charset="0"/>
-              <a:cs typeface="Calibri" pitchFamily="34" charset="0"/>
-            </a:endParaRPr>
-          </a:p>
-        </p:txBody>
-      </p:sp>
+      <p:pic>
+        <p:nvPicPr>
+          <p:cNvPr id="1027" name="Picture 3"/>
+          <p:cNvPicPr>
+            <a:picLocks noChangeAspect="1" noChangeArrowheads="1"/>
+          </p:cNvPicPr>
+          <p:nvPr/>
+        </p:nvPicPr>
+        <p:blipFill>
+          <a:blip r:embed="rId2"/>
+          <a:srcRect/>
+          <a:stretch>
+            <a:fillRect/>
+          </a:stretch>
+        </p:blipFill>
+        <p:spPr bwMode="auto">
+          <a:xfrm>
+            <a:off x="1428728" y="1195343"/>
+            <a:ext cx="5500725" cy="2948037"/>
+          </a:xfrm>
+          <a:prstGeom prst="rect">
+            <a:avLst/>
+          </a:prstGeom>
+          <a:noFill/>
+          <a:ln w="9525">
+            <a:solidFill>
+              <a:schemeClr val="tx1"/>
+            </a:solidFill>
+            <a:miter lim="800000"/>
+            <a:headEnd/>
+            <a:tailEnd/>
+          </a:ln>
+          <a:effectLst>
+            <a:outerShdw blurRad="50800" dist="38100" dir="2700000" algn="tl" rotWithShape="0">
+              <a:prstClr val="black">
+                <a:alpha val="40000"/>
+              </a:prstClr>
+            </a:outerShdw>
+          </a:effectLst>
+        </p:spPr>
+      </p:pic>
+      <p:pic>
+        <p:nvPicPr>
+          <p:cNvPr id="1026" name="Picture 2"/>
+          <p:cNvPicPr>
+            <a:picLocks noChangeAspect="1" noChangeArrowheads="1"/>
+          </p:cNvPicPr>
+          <p:nvPr/>
+        </p:nvPicPr>
+        <p:blipFill>
+          <a:blip r:embed="rId3"/>
+          <a:srcRect/>
+          <a:stretch>
+            <a:fillRect/>
+          </a:stretch>
+        </p:blipFill>
+        <p:spPr bwMode="auto">
+          <a:xfrm>
+            <a:off x="2675767" y="4572008"/>
+            <a:ext cx="6182513" cy="1428760"/>
+          </a:xfrm>
+          <a:prstGeom prst="rect">
+            <a:avLst/>
+          </a:prstGeom>
+          <a:noFill/>
+          <a:ln w="9525">
+            <a:solidFill>
+              <a:schemeClr val="tx1"/>
+            </a:solidFill>
+            <a:miter lim="800000"/>
+            <a:headEnd/>
+            <a:tailEnd/>
+          </a:ln>
+          <a:effectLst>
+            <a:outerShdw blurRad="50800" dist="38100" dir="2700000" algn="tl" rotWithShape="0">
+              <a:prstClr val="black">
+                <a:alpha val="40000"/>
+              </a:prstClr>
+            </a:outerShdw>
+          </a:effectLst>
+        </p:spPr>
+      </p:pic>
     </p:spTree>
     <p:extLst>
       <p:ext uri="{BB962C8B-B14F-4D97-AF65-F5344CB8AC3E}">
-        <p14:creationId xmlns:p14="http://schemas.microsoft.com/office/powerpoint/2010/main" xmlns="" val="891763176"/>
+        <p14:creationId xmlns="" xmlns:p14="http://schemas.microsoft.com/office/powerpoint/2010/main" val="891763176"/>
       </p:ext>
     </p:extLst>
   </p:cSld>
   <p:clrMapOvr>
     <a:masterClrMapping/>
   </p:clrMapOvr>
-  <p:transition/>
+  <p:transition advTm="0"/>
   <p:timing>
     <p:tnLst>
       <p:par>
@@ -3898,71 +3622,9 @@
           <a:chExt cx="0" cy="0"/>
         </a:xfrm>
       </p:grpSpPr>
-      <p:sp>
-        <p:nvSpPr>
-          <p:cNvPr id="2" name="Title 1"/>
-          <p:cNvSpPr>
-            <a:spLocks noGrp="1"/>
-          </p:cNvSpPr>
-          <p:nvPr>
-            <p:ph type="title"/>
-          </p:nvPr>
-        </p:nvSpPr>
-        <p:spPr>
-          <a:xfrm>
-            <a:off x="1259632" y="0"/>
-            <a:ext cx="7884368" cy="1069514"/>
-          </a:xfrm>
-        </p:spPr>
-        <p:txBody>
-          <a:bodyPr/>
-          <a:lstStyle/>
-          <a:p>
-            <a:r>
-              <a:rPr lang="en-US" altLang="ko-KR" sz="4400" dirty="0" err="1" smtClean="0">
-                <a:solidFill>
-                  <a:schemeClr val="tx1">
-                    <a:lumMod val="75000"/>
-                    <a:lumOff val="25000"/>
-                  </a:schemeClr>
-                </a:solidFill>
-                <a:latin typeface="Calibri" pitchFamily="34" charset="0"/>
-                <a:ea typeface="Arial Unicode MS" pitchFamily="50" charset="-127"/>
-                <a:cs typeface="Calibri" pitchFamily="34" charset="0"/>
-              </a:rPr>
-              <a:t>WorkTime</a:t>
-            </a:r>
-            <a:r>
-              <a:rPr lang="en-US" altLang="ko-KR" sz="4400" dirty="0" smtClean="0">
-                <a:solidFill>
-                  <a:schemeClr val="tx1">
-                    <a:lumMod val="75000"/>
-                    <a:lumOff val="25000"/>
-                  </a:schemeClr>
-                </a:solidFill>
-                <a:latin typeface="Calibri" pitchFamily="34" charset="0"/>
-                <a:ea typeface="Arial Unicode MS" pitchFamily="50" charset="-127"/>
-                <a:cs typeface="Calibri" pitchFamily="34" charset="0"/>
-              </a:rPr>
-              <a:t> Management</a:t>
-            </a:r>
-            <a:endParaRPr lang="ko-KR" altLang="en-US" sz="4400" dirty="0">
-              <a:solidFill>
-                <a:schemeClr val="tx1">
-                  <a:lumMod val="75000"/>
-                  <a:lumOff val="25000"/>
-                </a:schemeClr>
-              </a:solidFill>
-              <a:latin typeface="Calibri" pitchFamily="34" charset="0"/>
-              <a:ea typeface="Arial Unicode MS" pitchFamily="50" charset="-127"/>
-              <a:cs typeface="Calibri" pitchFamily="34" charset="0"/>
-            </a:endParaRPr>
-          </a:p>
-        </p:txBody>
-      </p:sp>
       <p:pic>
         <p:nvPicPr>
-          <p:cNvPr id="1027" name="Picture 3"/>
+          <p:cNvPr id="3075" name="Picture 3"/>
           <p:cNvPicPr>
             <a:picLocks noChangeAspect="1" noChangeArrowheads="1"/>
           </p:cNvPicPr>
@@ -3977,51 +3639,8 @@
         </p:blipFill>
         <p:spPr bwMode="auto">
           <a:xfrm>
-            <a:off x="1285852" y="1357298"/>
-            <a:ext cx="6215074" cy="3504666"/>
-          </a:xfrm>
-          <a:prstGeom prst="rect">
-            <a:avLst/>
-          </a:prstGeom>
-          <a:noFill/>
-          <a:ln w="9525">
-            <a:solidFill>
-              <a:schemeClr val="tx1"/>
-            </a:solidFill>
-            <a:miter lim="800000"/>
-            <a:headEnd/>
-            <a:tailEnd/>
-          </a:ln>
-          <a:effectLst>
-            <a:outerShdw blurRad="50800" dist="38100" algn="l" rotWithShape="0">
-              <a:prstClr val="black">
-                <a:alpha val="40000"/>
-              </a:prstClr>
-            </a:outerShdw>
-          </a:effectLst>
-        </p:spPr>
-      </p:pic>
-      <p:pic>
-        <p:nvPicPr>
-          <p:cNvPr id="1029" name="Picture 5"/>
-          <p:cNvPicPr>
-            <a:picLocks noGrp="1" noChangeAspect="1" noChangeArrowheads="1"/>
-          </p:cNvPicPr>
-          <p:nvPr>
-            <p:ph idx="1"/>
-          </p:nvPr>
-        </p:nvPicPr>
-        <p:blipFill>
-          <a:blip r:embed="rId3"/>
-          <a:srcRect/>
-          <a:stretch>
-            <a:fillRect/>
-          </a:stretch>
-        </p:blipFill>
-        <p:spPr bwMode="auto">
-          <a:xfrm>
-            <a:off x="2000232" y="4429132"/>
-            <a:ext cx="6715172" cy="1928826"/>
+            <a:off x="1500166" y="4214818"/>
+            <a:ext cx="3749363" cy="2071702"/>
           </a:xfrm>
           <a:prstGeom prst="rect">
             <a:avLst/>
@@ -4044,17 +3663,149 @@
           </a:effectLst>
         </p:spPr>
       </p:pic>
+      <p:sp>
+        <p:nvSpPr>
+          <p:cNvPr id="2" name="Title 1"/>
+          <p:cNvSpPr>
+            <a:spLocks noGrp="1"/>
+          </p:cNvSpPr>
+          <p:nvPr>
+            <p:ph type="title"/>
+          </p:nvPr>
+        </p:nvSpPr>
+        <p:spPr>
+          <a:xfrm>
+            <a:off x="1259632" y="0"/>
+            <a:ext cx="7884368" cy="1069514"/>
+          </a:xfrm>
+        </p:spPr>
+        <p:txBody>
+          <a:bodyPr/>
+          <a:lstStyle/>
+          <a:p>
+            <a:r>
+              <a:rPr lang="en-US" altLang="ko-KR" sz="4400" dirty="0" smtClean="0">
+                <a:solidFill>
+                  <a:schemeClr val="tx1">
+                    <a:lumMod val="75000"/>
+                    <a:lumOff val="25000"/>
+                  </a:schemeClr>
+                </a:solidFill>
+                <a:latin typeface="Calibri" pitchFamily="34" charset="0"/>
+                <a:ea typeface="Arial Unicode MS" pitchFamily="50" charset="-127"/>
+                <a:cs typeface="Calibri" pitchFamily="34" charset="0"/>
+              </a:rPr>
+              <a:t>Salary Management</a:t>
+            </a:r>
+            <a:endParaRPr lang="ko-KR" altLang="en-US" sz="4400" dirty="0">
+              <a:solidFill>
+                <a:schemeClr val="tx1">
+                  <a:lumMod val="75000"/>
+                  <a:lumOff val="25000"/>
+                </a:schemeClr>
+              </a:solidFill>
+              <a:latin typeface="Calibri" pitchFamily="34" charset="0"/>
+              <a:ea typeface="Arial Unicode MS" pitchFamily="50" charset="-127"/>
+              <a:cs typeface="Calibri" pitchFamily="34" charset="0"/>
+            </a:endParaRPr>
+          </a:p>
+        </p:txBody>
+      </p:sp>
+      <p:pic>
+        <p:nvPicPr>
+          <p:cNvPr id="5" name="Picture 2"/>
+          <p:cNvPicPr>
+            <a:picLocks noChangeAspect="1" noChangeArrowheads="1"/>
+          </p:cNvPicPr>
+          <p:nvPr/>
+        </p:nvPicPr>
+        <p:blipFill>
+          <a:blip r:embed="rId3"/>
+          <a:srcRect/>
+          <a:stretch>
+            <a:fillRect/>
+          </a:stretch>
+        </p:blipFill>
+        <p:spPr bwMode="auto">
+          <a:xfrm>
+            <a:off x="1451053" y="1142984"/>
+            <a:ext cx="3906765" cy="2000264"/>
+          </a:xfrm>
+          <a:prstGeom prst="rect">
+            <a:avLst/>
+          </a:prstGeom>
+          <a:noFill/>
+          <a:ln w="9525">
+            <a:solidFill>
+              <a:schemeClr val="tx1"/>
+            </a:solidFill>
+            <a:miter lim="800000"/>
+            <a:headEnd/>
+            <a:tailEnd/>
+          </a:ln>
+          <a:effectLst>
+            <a:outerShdw blurRad="50800" dist="38100" dir="2700000" algn="tl" rotWithShape="0">
+              <a:prstClr val="black">
+                <a:alpha val="40000"/>
+              </a:prstClr>
+            </a:outerShdw>
+          </a:effectLst>
+        </p:spPr>
+      </p:pic>
+      <p:pic>
+        <p:nvPicPr>
+          <p:cNvPr id="2051" name="Picture 3"/>
+          <p:cNvPicPr>
+            <a:picLocks noGrp="1" noChangeAspect="1" noChangeArrowheads="1"/>
+          </p:cNvPicPr>
+          <p:nvPr>
+            <p:ph idx="1"/>
+          </p:nvPr>
+        </p:nvPicPr>
+        <p:blipFill>
+          <a:blip r:embed="rId4"/>
+          <a:srcRect/>
+          <a:stretch>
+            <a:fillRect/>
+          </a:stretch>
+        </p:blipFill>
+        <p:spPr bwMode="auto">
+          <a:xfrm>
+            <a:off x="4807252" y="2928934"/>
+            <a:ext cx="3836714" cy="2143140"/>
+          </a:xfrm>
+          <a:prstGeom prst="rect">
+            <a:avLst/>
+          </a:prstGeom>
+          <a:noFill/>
+          <a:ln w="9525">
+            <a:solidFill>
+              <a:schemeClr val="tx1"/>
+            </a:solidFill>
+            <a:miter lim="800000"/>
+            <a:headEnd/>
+            <a:tailEnd/>
+          </a:ln>
+          <a:effectLst>
+            <a:outerShdw blurRad="50800" dist="38100" dir="2700000" algn="tl" rotWithShape="0">
+              <a:prstClr val="black">
+                <a:alpha val="40000"/>
+              </a:prstClr>
+            </a:outerShdw>
+          </a:effectLst>
+        </p:spPr>
+      </p:pic>
     </p:spTree>
     <p:extLst>
       <p:ext uri="{BB962C8B-B14F-4D97-AF65-F5344CB8AC3E}">
-        <p14:creationId xmlns:p14="http://schemas.microsoft.com/office/powerpoint/2010/main" xmlns="" val="891763176"/>
+        <p14:creationId xmlns="" xmlns:p14="http://schemas.microsoft.com/office/powerpoint/2010/main" val="891763176"/>
       </p:ext>
     </p:extLst>
   </p:cSld>
   <p:clrMapOvr>
     <a:masterClrMapping/>
   </p:clrMapOvr>
-  <p:transition/>
+  <p:transition advTm="0"/>
   <p:timing>
     <p:tnLst>
       <p:par>
@@ -4144,51 +3895,356 @@
           </a:p>
         </p:txBody>
       </p:sp>
-      <p:pic>
-        <p:nvPicPr>
-          <p:cNvPr id="2050" name="Picture 2"/>
-          <p:cNvPicPr>
-            <a:picLocks noChangeAspect="1" noChangeArrowheads="1"/>
-          </p:cNvPicPr>
-          <p:nvPr/>
-        </p:nvPicPr>
-        <p:blipFill>
-          <a:blip r:embed="rId2"/>
-          <a:srcRect/>
-          <a:stretch>
-            <a:fillRect/>
-          </a:stretch>
-        </p:blipFill>
-        <p:spPr bwMode="auto">
-          <a:xfrm>
-            <a:off x="1500166" y="1123954"/>
-            <a:ext cx="6102227" cy="4876814"/>
-          </a:xfrm>
-          <a:prstGeom prst="rect">
-            <a:avLst/>
-          </a:prstGeom>
-          <a:noFill/>
-          <a:ln w="9525">
-            <a:solidFill>
-              <a:schemeClr val="tx1"/>
-            </a:solidFill>
-            <a:miter lim="800000"/>
-            <a:headEnd/>
-            <a:tailEnd/>
-          </a:ln>
-          <a:effectLst>
-            <a:outerShdw blurRad="50800" dist="38100" dir="2700000" algn="tl" rotWithShape="0">
-              <a:prstClr val="black">
-                <a:alpha val="40000"/>
-              </a:prstClr>
-            </a:outerShdw>
-          </a:effectLst>
-        </p:spPr>
-      </p:pic>
+      <p:sp>
+        <p:nvSpPr>
+          <p:cNvPr id="3" name="Content Placeholder 2"/>
+          <p:cNvSpPr>
+            <a:spLocks noGrp="1"/>
+          </p:cNvSpPr>
+          <p:nvPr>
+            <p:ph idx="1"/>
+          </p:nvPr>
+        </p:nvSpPr>
+        <p:spPr>
+          <a:xfrm>
+            <a:off x="1835696" y="1484784"/>
+            <a:ext cx="6851104" cy="4525963"/>
+          </a:xfrm>
+        </p:spPr>
+        <p:txBody>
+          <a:bodyPr>
+            <a:normAutofit/>
+          </a:bodyPr>
+          <a:lstStyle/>
+          <a:p>
+            <a:pPr>
+              <a:lnSpc>
+                <a:spcPct val="120000"/>
+              </a:lnSpc>
+            </a:pPr>
+            <a:r>
+              <a:rPr lang="ko-KR" altLang="en-US" sz="3000" dirty="0" smtClean="0">
+                <a:solidFill>
+                  <a:schemeClr val="tx1">
+                    <a:lumMod val="75000"/>
+                    <a:lumOff val="25000"/>
+                  </a:schemeClr>
+                </a:solidFill>
+                <a:latin typeface="Calibri" pitchFamily="34" charset="0"/>
+                <a:cs typeface="Calibri" pitchFamily="34" charset="0"/>
+              </a:rPr>
+              <a:t>근태 관리 페이지</a:t>
+            </a:r>
+            <a:endParaRPr lang="en-US" altLang="ko-KR" sz="3000" dirty="0" smtClean="0">
+              <a:solidFill>
+                <a:schemeClr val="tx1">
+                  <a:lumMod val="75000"/>
+                  <a:lumOff val="25000"/>
+                </a:schemeClr>
+              </a:solidFill>
+              <a:latin typeface="Calibri" pitchFamily="34" charset="0"/>
+              <a:cs typeface="Calibri" pitchFamily="34" charset="0"/>
+            </a:endParaRPr>
+          </a:p>
+          <a:p>
+            <a:pPr>
+              <a:lnSpc>
+                <a:spcPct val="120000"/>
+              </a:lnSpc>
+              <a:buFont typeface="Wingdings" pitchFamily="2" charset="2"/>
+              <a:buChar char="ü"/>
+            </a:pPr>
+            <a:r>
+              <a:rPr lang="ko-KR" altLang="en-US" sz="1900" dirty="0" smtClean="0">
+                <a:solidFill>
+                  <a:schemeClr val="tx1">
+                    <a:lumMod val="50000"/>
+                    <a:lumOff val="50000"/>
+                  </a:schemeClr>
+                </a:solidFill>
+                <a:latin typeface="Calibri" pitchFamily="34" charset="0"/>
+                <a:cs typeface="Calibri" pitchFamily="34" charset="0"/>
+              </a:rPr>
+              <a:t>회원 및 관리자의 근태를 관리할 수 있는 폼</a:t>
+            </a:r>
+            <a:endParaRPr lang="en-US" altLang="ko-KR" sz="1900" dirty="0" smtClean="0">
+              <a:solidFill>
+                <a:schemeClr val="tx1">
+                  <a:lumMod val="50000"/>
+                  <a:lumOff val="50000"/>
+                </a:schemeClr>
+              </a:solidFill>
+              <a:latin typeface="Calibri" pitchFamily="34" charset="0"/>
+              <a:cs typeface="Calibri" pitchFamily="34" charset="0"/>
+            </a:endParaRPr>
+          </a:p>
+          <a:p>
+            <a:pPr>
+              <a:buFont typeface="Wingdings" pitchFamily="2" charset="2"/>
+              <a:buChar char="ü"/>
+            </a:pPr>
+            <a:endParaRPr lang="en-US" altLang="ko-KR" sz="2200" dirty="0" smtClean="0">
+              <a:solidFill>
+                <a:schemeClr val="tx1">
+                  <a:lumMod val="50000"/>
+                  <a:lumOff val="50000"/>
+                </a:schemeClr>
+              </a:solidFill>
+              <a:latin typeface="Calibri" pitchFamily="34" charset="0"/>
+              <a:cs typeface="Calibri" pitchFamily="34" charset="0"/>
+            </a:endParaRPr>
+          </a:p>
+          <a:p>
+            <a:pPr>
+              <a:lnSpc>
+                <a:spcPct val="120000"/>
+              </a:lnSpc>
+            </a:pPr>
+            <a:r>
+              <a:rPr lang="ko-KR" altLang="en-US" sz="3000" dirty="0" smtClean="0">
+                <a:solidFill>
+                  <a:schemeClr val="tx1">
+                    <a:lumMod val="75000"/>
+                    <a:lumOff val="25000"/>
+                  </a:schemeClr>
+                </a:solidFill>
+                <a:latin typeface="Calibri" pitchFamily="34" charset="0"/>
+                <a:cs typeface="Calibri" pitchFamily="34" charset="0"/>
+              </a:rPr>
+              <a:t>관리자 근태 관리</a:t>
+            </a:r>
+            <a:endParaRPr lang="en-US" altLang="ko-KR" sz="3000" dirty="0" smtClean="0">
+              <a:solidFill>
+                <a:schemeClr val="tx1">
+                  <a:lumMod val="75000"/>
+                  <a:lumOff val="25000"/>
+                </a:schemeClr>
+              </a:solidFill>
+              <a:latin typeface="Calibri" pitchFamily="34" charset="0"/>
+              <a:cs typeface="Calibri" pitchFamily="34" charset="0"/>
+            </a:endParaRPr>
+          </a:p>
+          <a:p>
+            <a:pPr>
+              <a:lnSpc>
+                <a:spcPct val="120000"/>
+              </a:lnSpc>
+              <a:buFont typeface="Wingdings" pitchFamily="2" charset="2"/>
+              <a:buChar char="ü"/>
+            </a:pPr>
+            <a:r>
+              <a:rPr lang="ko-KR" altLang="en-US" sz="1900" dirty="0" smtClean="0">
+                <a:solidFill>
+                  <a:schemeClr val="tx1">
+                    <a:lumMod val="50000"/>
+                    <a:lumOff val="50000"/>
+                  </a:schemeClr>
+                </a:solidFill>
+                <a:latin typeface="Calibri" pitchFamily="34" charset="0"/>
+                <a:cs typeface="Calibri" pitchFamily="34" charset="0"/>
+              </a:rPr>
+              <a:t>관리자는 회원의  근태 확인</a:t>
+            </a:r>
+            <a:r>
+              <a:rPr lang="en-US" altLang="ko-KR" sz="1900" dirty="0" smtClean="0">
+                <a:solidFill>
+                  <a:schemeClr val="tx1">
+                    <a:lumMod val="50000"/>
+                    <a:lumOff val="50000"/>
+                  </a:schemeClr>
+                </a:solidFill>
+                <a:latin typeface="Calibri" pitchFamily="34" charset="0"/>
+                <a:cs typeface="Calibri" pitchFamily="34" charset="0"/>
+              </a:rPr>
+              <a:t> </a:t>
+            </a:r>
+            <a:r>
+              <a:rPr lang="ko-KR" altLang="en-US" sz="1900" dirty="0" smtClean="0">
+                <a:solidFill>
+                  <a:schemeClr val="tx1">
+                    <a:lumMod val="50000"/>
+                    <a:lumOff val="50000"/>
+                  </a:schemeClr>
+                </a:solidFill>
+                <a:latin typeface="Calibri" pitchFamily="34" charset="0"/>
+                <a:cs typeface="Calibri" pitchFamily="34" charset="0"/>
+              </a:rPr>
+              <a:t>및 수정</a:t>
+            </a:r>
+            <a:r>
+              <a:rPr lang="en-US" altLang="ko-KR" sz="1900" dirty="0" smtClean="0">
+                <a:solidFill>
+                  <a:schemeClr val="tx1">
+                    <a:lumMod val="50000"/>
+                    <a:lumOff val="50000"/>
+                  </a:schemeClr>
+                </a:solidFill>
+                <a:latin typeface="Calibri" pitchFamily="34" charset="0"/>
+                <a:cs typeface="Calibri" pitchFamily="34" charset="0"/>
+              </a:rPr>
+              <a:t>, </a:t>
+            </a:r>
+            <a:r>
+              <a:rPr lang="ko-KR" altLang="en-US" sz="1900" dirty="0" smtClean="0">
+                <a:solidFill>
+                  <a:schemeClr val="tx1">
+                    <a:lumMod val="50000"/>
+                    <a:lumOff val="50000"/>
+                  </a:schemeClr>
+                </a:solidFill>
+                <a:latin typeface="Calibri" pitchFamily="34" charset="0"/>
+                <a:cs typeface="Calibri" pitchFamily="34" charset="0"/>
+              </a:rPr>
+              <a:t>삭제 가능</a:t>
+            </a:r>
+            <a:endParaRPr lang="en-US" altLang="ko-KR" sz="1900" dirty="0" smtClean="0">
+              <a:solidFill>
+                <a:schemeClr val="tx1">
+                  <a:lumMod val="50000"/>
+                  <a:lumOff val="50000"/>
+                </a:schemeClr>
+              </a:solidFill>
+              <a:latin typeface="Calibri" pitchFamily="34" charset="0"/>
+              <a:cs typeface="Calibri" pitchFamily="34" charset="0"/>
+            </a:endParaRPr>
+          </a:p>
+          <a:p>
+            <a:pPr>
+              <a:lnSpc>
+                <a:spcPct val="120000"/>
+              </a:lnSpc>
+              <a:buFont typeface="Wingdings" pitchFamily="2" charset="2"/>
+              <a:buChar char="ü"/>
+            </a:pPr>
+            <a:endParaRPr lang="en-US" altLang="ko-KR" sz="2400" dirty="0" smtClean="0">
+              <a:solidFill>
+                <a:schemeClr val="tx1">
+                  <a:lumMod val="50000"/>
+                  <a:lumOff val="50000"/>
+                </a:schemeClr>
+              </a:solidFill>
+              <a:latin typeface="Calibri" pitchFamily="34" charset="0"/>
+              <a:cs typeface="Calibri" pitchFamily="34" charset="0"/>
+            </a:endParaRPr>
+          </a:p>
+          <a:p>
+            <a:pPr>
+              <a:lnSpc>
+                <a:spcPct val="120000"/>
+              </a:lnSpc>
+            </a:pPr>
+            <a:r>
+              <a:rPr lang="ko-KR" altLang="en-US" sz="3000" dirty="0" smtClean="0">
+                <a:solidFill>
+                  <a:schemeClr val="tx1">
+                    <a:lumMod val="75000"/>
+                    <a:lumOff val="25000"/>
+                  </a:schemeClr>
+                </a:solidFill>
+                <a:latin typeface="Calibri" pitchFamily="34" charset="0"/>
+                <a:cs typeface="Calibri" pitchFamily="34" charset="0"/>
+              </a:rPr>
+              <a:t>회원 근태 관리</a:t>
+            </a:r>
+            <a:endParaRPr lang="en-US" altLang="ko-KR" sz="3000" dirty="0" smtClean="0">
+              <a:solidFill>
+                <a:schemeClr val="tx1">
+                  <a:lumMod val="75000"/>
+                  <a:lumOff val="25000"/>
+                </a:schemeClr>
+              </a:solidFill>
+              <a:latin typeface="Calibri" pitchFamily="34" charset="0"/>
+              <a:cs typeface="Calibri" pitchFamily="34" charset="0"/>
+            </a:endParaRPr>
+          </a:p>
+          <a:p>
+            <a:pPr>
+              <a:lnSpc>
+                <a:spcPct val="120000"/>
+              </a:lnSpc>
+              <a:buFont typeface="Wingdings" pitchFamily="2" charset="2"/>
+              <a:buChar char="ü"/>
+            </a:pPr>
+            <a:r>
+              <a:rPr lang="ko-KR" altLang="en-US" sz="1900" dirty="0" smtClean="0">
+                <a:solidFill>
+                  <a:schemeClr val="tx1">
+                    <a:lumMod val="50000"/>
+                    <a:lumOff val="50000"/>
+                  </a:schemeClr>
+                </a:solidFill>
+                <a:latin typeface="Calibri" pitchFamily="34" charset="0"/>
+                <a:cs typeface="Calibri" pitchFamily="34" charset="0"/>
+              </a:rPr>
+              <a:t>회원은 자신의 근태 확인 및 출근</a:t>
+            </a:r>
+            <a:r>
+              <a:rPr lang="en-US" altLang="ko-KR" sz="1900" dirty="0" smtClean="0">
+                <a:solidFill>
+                  <a:schemeClr val="tx1">
+                    <a:lumMod val="50000"/>
+                    <a:lumOff val="50000"/>
+                  </a:schemeClr>
+                </a:solidFill>
+                <a:latin typeface="Calibri" pitchFamily="34" charset="0"/>
+                <a:cs typeface="Calibri" pitchFamily="34" charset="0"/>
+              </a:rPr>
+              <a:t>, </a:t>
+            </a:r>
+            <a:r>
+              <a:rPr lang="ko-KR" altLang="en-US" sz="1900" dirty="0" smtClean="0">
+                <a:solidFill>
+                  <a:schemeClr val="tx1">
+                    <a:lumMod val="50000"/>
+                    <a:lumOff val="50000"/>
+                  </a:schemeClr>
+                </a:solidFill>
+                <a:latin typeface="Calibri" pitchFamily="34" charset="0"/>
+                <a:cs typeface="Calibri" pitchFamily="34" charset="0"/>
+              </a:rPr>
+              <a:t>퇴근시간 입력 가능</a:t>
+            </a:r>
+            <a:endParaRPr lang="en-US" altLang="ko-KR" sz="1900" dirty="0" smtClean="0">
+              <a:solidFill>
+                <a:schemeClr val="tx1">
+                  <a:lumMod val="50000"/>
+                  <a:lumOff val="50000"/>
+                </a:schemeClr>
+              </a:solidFill>
+              <a:latin typeface="Calibri" pitchFamily="34" charset="0"/>
+              <a:cs typeface="Calibri" pitchFamily="34" charset="0"/>
+            </a:endParaRPr>
+          </a:p>
+          <a:p>
+            <a:endParaRPr lang="en-US" altLang="ko-KR" sz="4000" dirty="0" smtClean="0">
+              <a:solidFill>
+                <a:schemeClr val="tx1">
+                  <a:lumMod val="75000"/>
+                  <a:lumOff val="25000"/>
+                </a:schemeClr>
+              </a:solidFill>
+              <a:latin typeface="Calibri" pitchFamily="34" charset="0"/>
+              <a:cs typeface="Calibri" pitchFamily="34" charset="0"/>
+            </a:endParaRPr>
+          </a:p>
+          <a:p>
+            <a:endParaRPr lang="en-US" altLang="ko-KR" sz="4000" dirty="0" smtClean="0">
+              <a:solidFill>
+                <a:schemeClr val="tx1">
+                  <a:lumMod val="50000"/>
+                  <a:lumOff val="50000"/>
+                </a:schemeClr>
+              </a:solidFill>
+              <a:latin typeface="Calibri" pitchFamily="34" charset="0"/>
+              <a:cs typeface="Calibri" pitchFamily="34" charset="0"/>
+            </a:endParaRPr>
+          </a:p>
+        </p:txBody>
+      </p:sp>
     </p:spTree>
     <p:extLst>
       <p:ext uri="{BB962C8B-B14F-4D97-AF65-F5344CB8AC3E}">
-        <p14:creationId xmlns:p14="http://schemas.microsoft.com/office/powerpoint/2010/main" xmlns="" val="891763176"/>
+        <p14:creationId xmlns="" xmlns:p14="http://schemas.microsoft.com/office/powerpoint/2010/main" val="891763176"/>
       </p:ext>
     </p:extLst>
   </p:cSld>
@@ -4207,6 +4263,331 @@
 </file>
 
 <file path=ppt/slides/slide13.xml><?xml version="1.0" encoding="utf-8"?>
+<p:sld xmlns:a="http://schemas.openxmlformats.org/drawingml/2006/main" xmlns:r="http://schemas.openxmlformats.org/officeDocument/2006/relationships" xmlns:p="http://schemas.openxmlformats.org/presentationml/2006/main">
+  <p:cSld>
+    <p:spTree>
+      <p:nvGrpSpPr>
+        <p:cNvPr id="1" name=""/>
+        <p:cNvGrpSpPr/>
+        <p:nvPr/>
+      </p:nvGrpSpPr>
+      <p:grpSpPr>
+        <a:xfrm>
+          <a:off x="0" y="0"/>
+          <a:ext cx="0" cy="0"/>
+          <a:chOff x="0" y="0"/>
+          <a:chExt cx="0" cy="0"/>
+        </a:xfrm>
+      </p:grpSpPr>
+      <p:sp>
+        <p:nvSpPr>
+          <p:cNvPr id="2" name="Title 1"/>
+          <p:cNvSpPr>
+            <a:spLocks noGrp="1"/>
+          </p:cNvSpPr>
+          <p:nvPr>
+            <p:ph type="title"/>
+          </p:nvPr>
+        </p:nvSpPr>
+        <p:spPr>
+          <a:xfrm>
+            <a:off x="1259632" y="0"/>
+            <a:ext cx="7884368" cy="1069514"/>
+          </a:xfrm>
+        </p:spPr>
+        <p:txBody>
+          <a:bodyPr/>
+          <a:lstStyle/>
+          <a:p>
+            <a:r>
+              <a:rPr lang="en-US" altLang="ko-KR" sz="4400" dirty="0" err="1" smtClean="0">
+                <a:solidFill>
+                  <a:schemeClr val="tx1">
+                    <a:lumMod val="75000"/>
+                    <a:lumOff val="25000"/>
+                  </a:schemeClr>
+                </a:solidFill>
+                <a:latin typeface="Calibri" pitchFamily="34" charset="0"/>
+                <a:ea typeface="Arial Unicode MS" pitchFamily="50" charset="-127"/>
+                <a:cs typeface="Calibri" pitchFamily="34" charset="0"/>
+              </a:rPr>
+              <a:t>WorkTime</a:t>
+            </a:r>
+            <a:r>
+              <a:rPr lang="en-US" altLang="ko-KR" sz="4400" dirty="0" smtClean="0">
+                <a:solidFill>
+                  <a:schemeClr val="tx1">
+                    <a:lumMod val="75000"/>
+                    <a:lumOff val="25000"/>
+                  </a:schemeClr>
+                </a:solidFill>
+                <a:latin typeface="Calibri" pitchFamily="34" charset="0"/>
+                <a:ea typeface="Arial Unicode MS" pitchFamily="50" charset="-127"/>
+                <a:cs typeface="Calibri" pitchFamily="34" charset="0"/>
+              </a:rPr>
+              <a:t> Management</a:t>
+            </a:r>
+            <a:endParaRPr lang="ko-KR" altLang="en-US" sz="4400" dirty="0">
+              <a:solidFill>
+                <a:schemeClr val="tx1">
+                  <a:lumMod val="75000"/>
+                  <a:lumOff val="25000"/>
+                </a:schemeClr>
+              </a:solidFill>
+              <a:latin typeface="Calibri" pitchFamily="34" charset="0"/>
+              <a:ea typeface="Arial Unicode MS" pitchFamily="50" charset="-127"/>
+              <a:cs typeface="Calibri" pitchFamily="34" charset="0"/>
+            </a:endParaRPr>
+          </a:p>
+        </p:txBody>
+      </p:sp>
+      <p:pic>
+        <p:nvPicPr>
+          <p:cNvPr id="1027" name="Picture 3"/>
+          <p:cNvPicPr>
+            <a:picLocks noChangeAspect="1" noChangeArrowheads="1"/>
+          </p:cNvPicPr>
+          <p:nvPr/>
+        </p:nvPicPr>
+        <p:blipFill>
+          <a:blip r:embed="rId2"/>
+          <a:srcRect/>
+          <a:stretch>
+            <a:fillRect/>
+          </a:stretch>
+        </p:blipFill>
+        <p:spPr bwMode="auto">
+          <a:xfrm>
+            <a:off x="1285852" y="1357298"/>
+            <a:ext cx="6215074" cy="3504666"/>
+          </a:xfrm>
+          <a:prstGeom prst="rect">
+            <a:avLst/>
+          </a:prstGeom>
+          <a:noFill/>
+          <a:ln w="9525">
+            <a:solidFill>
+              <a:schemeClr val="tx1"/>
+            </a:solidFill>
+            <a:miter lim="800000"/>
+            <a:headEnd/>
+            <a:tailEnd/>
+          </a:ln>
+          <a:effectLst>
+            <a:outerShdw blurRad="50800" dist="38100" algn="l" rotWithShape="0">
+              <a:prstClr val="black">
+                <a:alpha val="40000"/>
+              </a:prstClr>
+            </a:outerShdw>
+          </a:effectLst>
+        </p:spPr>
+      </p:pic>
+      <p:pic>
+        <p:nvPicPr>
+          <p:cNvPr id="1029" name="Picture 5"/>
+          <p:cNvPicPr>
+            <a:picLocks noGrp="1" noChangeAspect="1" noChangeArrowheads="1"/>
+          </p:cNvPicPr>
+          <p:nvPr>
+            <p:ph idx="1"/>
+          </p:nvPr>
+        </p:nvPicPr>
+        <p:blipFill>
+          <a:blip r:embed="rId3"/>
+          <a:srcRect/>
+          <a:stretch>
+            <a:fillRect/>
+          </a:stretch>
+        </p:blipFill>
+        <p:spPr bwMode="auto">
+          <a:xfrm>
+            <a:off x="2000232" y="4429132"/>
+            <a:ext cx="6715172" cy="1928826"/>
+          </a:xfrm>
+          <a:prstGeom prst="rect">
+            <a:avLst/>
+          </a:prstGeom>
+          <a:noFill/>
+          <a:ln w="9525">
+            <a:solidFill>
+              <a:schemeClr val="tx1"/>
+            </a:solidFill>
+            <a:miter lim="800000"/>
+            <a:headEnd/>
+            <a:tailEnd/>
+          </a:ln>
+          <a:effectLst>
+            <a:outerShdw blurRad="50800" dist="38100" dir="2700000" algn="tl" rotWithShape="0">
+              <a:prstClr val="black">
+                <a:alpha val="40000"/>
+              </a:prstClr>
+            </a:outerShdw>
+          </a:effectLst>
+        </p:spPr>
+      </p:pic>
+    </p:spTree>
+    <p:extLst>
+      <p:ext uri="{BB962C8B-B14F-4D97-AF65-F5344CB8AC3E}">
+        <p14:creationId xmlns="" xmlns:p14="http://schemas.microsoft.com/office/powerpoint/2010/main" val="891763176"/>
+      </p:ext>
+    </p:extLst>
+  </p:cSld>
+  <p:clrMapOvr>
+    <a:masterClrMapping/>
+  </p:clrMapOvr>
+  <p:transition/>
+  <p:timing>
+    <p:tnLst>
+      <p:par>
+        <p:cTn id="1" dur="indefinite" restart="never" nodeType="tmRoot"/>
+      </p:par>
+    </p:tnLst>
+  </p:timing>
+</p:sld>
+</file>
+
+<file path=ppt/slides/slide14.xml><?xml version="1.0" encoding="utf-8"?>
+<p:sld xmlns:a="http://schemas.openxmlformats.org/drawingml/2006/main" xmlns:r="http://schemas.openxmlformats.org/officeDocument/2006/relationships" xmlns:p="http://schemas.openxmlformats.org/presentationml/2006/main">
+  <p:cSld>
+    <p:spTree>
+      <p:nvGrpSpPr>
+        <p:cNvPr id="1" name=""/>
+        <p:cNvGrpSpPr/>
+        <p:nvPr/>
+      </p:nvGrpSpPr>
+      <p:grpSpPr>
+        <a:xfrm>
+          <a:off x="0" y="0"/>
+          <a:ext cx="0" cy="0"/>
+          <a:chOff x="0" y="0"/>
+          <a:chExt cx="0" cy="0"/>
+        </a:xfrm>
+      </p:grpSpPr>
+      <p:sp>
+        <p:nvSpPr>
+          <p:cNvPr id="2" name="Title 1"/>
+          <p:cNvSpPr>
+            <a:spLocks noGrp="1"/>
+          </p:cNvSpPr>
+          <p:nvPr>
+            <p:ph type="title"/>
+          </p:nvPr>
+        </p:nvSpPr>
+        <p:spPr>
+          <a:xfrm>
+            <a:off x="1259632" y="0"/>
+            <a:ext cx="7884368" cy="1069514"/>
+          </a:xfrm>
+        </p:spPr>
+        <p:txBody>
+          <a:bodyPr/>
+          <a:lstStyle/>
+          <a:p>
+            <a:r>
+              <a:rPr lang="en-US" altLang="ko-KR" sz="4400" dirty="0" err="1" smtClean="0">
+                <a:solidFill>
+                  <a:schemeClr val="tx1">
+                    <a:lumMod val="75000"/>
+                    <a:lumOff val="25000"/>
+                  </a:schemeClr>
+                </a:solidFill>
+                <a:latin typeface="Calibri" pitchFamily="34" charset="0"/>
+                <a:ea typeface="Arial Unicode MS" pitchFamily="50" charset="-127"/>
+                <a:cs typeface="Calibri" pitchFamily="34" charset="0"/>
+              </a:rPr>
+              <a:t>WorkTime</a:t>
+            </a:r>
+            <a:r>
+              <a:rPr lang="en-US" altLang="ko-KR" sz="4400" dirty="0" smtClean="0">
+                <a:solidFill>
+                  <a:schemeClr val="tx1">
+                    <a:lumMod val="75000"/>
+                    <a:lumOff val="25000"/>
+                  </a:schemeClr>
+                </a:solidFill>
+                <a:latin typeface="Calibri" pitchFamily="34" charset="0"/>
+                <a:ea typeface="Arial Unicode MS" pitchFamily="50" charset="-127"/>
+                <a:cs typeface="Calibri" pitchFamily="34" charset="0"/>
+              </a:rPr>
+              <a:t> Management</a:t>
+            </a:r>
+            <a:endParaRPr lang="ko-KR" altLang="en-US" sz="4400" dirty="0">
+              <a:solidFill>
+                <a:schemeClr val="tx1">
+                  <a:lumMod val="75000"/>
+                  <a:lumOff val="25000"/>
+                </a:schemeClr>
+              </a:solidFill>
+              <a:latin typeface="Calibri" pitchFamily="34" charset="0"/>
+              <a:ea typeface="Arial Unicode MS" pitchFamily="50" charset="-127"/>
+              <a:cs typeface="Calibri" pitchFamily="34" charset="0"/>
+            </a:endParaRPr>
+          </a:p>
+        </p:txBody>
+      </p:sp>
+      <p:pic>
+        <p:nvPicPr>
+          <p:cNvPr id="2050" name="Picture 2"/>
+          <p:cNvPicPr>
+            <a:picLocks noChangeAspect="1" noChangeArrowheads="1"/>
+          </p:cNvPicPr>
+          <p:nvPr/>
+        </p:nvPicPr>
+        <p:blipFill>
+          <a:blip r:embed="rId2"/>
+          <a:srcRect/>
+          <a:stretch>
+            <a:fillRect/>
+          </a:stretch>
+        </p:blipFill>
+        <p:spPr bwMode="auto">
+          <a:xfrm>
+            <a:off x="1500166" y="1123954"/>
+            <a:ext cx="6102227" cy="4876814"/>
+          </a:xfrm>
+          <a:prstGeom prst="rect">
+            <a:avLst/>
+          </a:prstGeom>
+          <a:noFill/>
+          <a:ln w="9525">
+            <a:solidFill>
+              <a:schemeClr val="tx1"/>
+            </a:solidFill>
+            <a:miter lim="800000"/>
+            <a:headEnd/>
+            <a:tailEnd/>
+          </a:ln>
+          <a:effectLst>
+            <a:outerShdw blurRad="50800" dist="38100" dir="2700000" algn="tl" rotWithShape="0">
+              <a:prstClr val="black">
+                <a:alpha val="40000"/>
+              </a:prstClr>
+            </a:outerShdw>
+          </a:effectLst>
+        </p:spPr>
+      </p:pic>
+    </p:spTree>
+    <p:extLst>
+      <p:ext uri="{BB962C8B-B14F-4D97-AF65-F5344CB8AC3E}">
+        <p14:creationId xmlns="" xmlns:p14="http://schemas.microsoft.com/office/powerpoint/2010/main" val="891763176"/>
+      </p:ext>
+    </p:extLst>
+  </p:cSld>
+  <p:clrMapOvr>
+    <a:masterClrMapping/>
+  </p:clrMapOvr>
+  <p:transition/>
+  <p:timing>
+    <p:tnLst>
+      <p:par>
+        <p:cTn id="1" dur="indefinite" restart="never" nodeType="tmRoot"/>
+      </p:par>
+    </p:tnLst>
+  </p:timing>
+</p:sld>
+</file>
+
+<file path=ppt/slides/slide15.xml><?xml version="1.0" encoding="utf-8"?>
 <p:sld xmlns:a="http://schemas.openxmlformats.org/drawingml/2006/main" xmlns:r="http://schemas.openxmlformats.org/officeDocument/2006/relationships" xmlns:p="http://schemas.openxmlformats.org/presentationml/2006/main">
   <p:cSld>
     <p:spTree>
@@ -4417,494 +4798,7 @@
     </p:spTree>
     <p:extLst>
       <p:ext uri="{BB962C8B-B14F-4D97-AF65-F5344CB8AC3E}">
-        <p14:creationId xmlns:p14="http://schemas.microsoft.com/office/powerpoint/2010/main" xmlns="" val="2814019064"/>
-      </p:ext>
-    </p:extLst>
-  </p:cSld>
-  <p:clrMapOvr>
-    <a:masterClrMapping/>
-  </p:clrMapOvr>
-  <p:transition/>
-  <p:timing>
-    <p:tnLst>
-      <p:par>
-        <p:cTn id="1" dur="indefinite" restart="never" nodeType="tmRoot"/>
-      </p:par>
-    </p:tnLst>
-  </p:timing>
-</p:sld>
-</file>
-
-<file path=ppt/slides/slide14.xml><?xml version="1.0" encoding="utf-8"?>
-<p:sld xmlns:a="http://schemas.openxmlformats.org/drawingml/2006/main" xmlns:r="http://schemas.openxmlformats.org/officeDocument/2006/relationships" xmlns:p="http://schemas.openxmlformats.org/presentationml/2006/main">
-  <p:cSld>
-    <p:spTree>
-      <p:nvGrpSpPr>
-        <p:cNvPr id="1" name=""/>
-        <p:cNvGrpSpPr/>
-        <p:nvPr/>
-      </p:nvGrpSpPr>
-      <p:grpSpPr>
-        <a:xfrm>
-          <a:off x="0" y="0"/>
-          <a:ext cx="0" cy="0"/>
-          <a:chOff x="0" y="0"/>
-          <a:chExt cx="0" cy="0"/>
-        </a:xfrm>
-      </p:grpSpPr>
-      <p:sp>
-        <p:nvSpPr>
-          <p:cNvPr id="2" name="Title 1"/>
-          <p:cNvSpPr>
-            <a:spLocks noGrp="1"/>
-          </p:cNvSpPr>
-          <p:nvPr>
-            <p:ph type="title"/>
-          </p:nvPr>
-        </p:nvSpPr>
-        <p:spPr>
-          <a:xfrm>
-            <a:off x="1259632" y="0"/>
-            <a:ext cx="7884368" cy="1069514"/>
-          </a:xfrm>
-        </p:spPr>
-        <p:txBody>
-          <a:bodyPr/>
-          <a:lstStyle/>
-          <a:p>
-            <a:r>
-              <a:rPr lang="en-US" altLang="ko-KR" sz="4400" dirty="0" smtClean="0">
-                <a:solidFill>
-                  <a:schemeClr val="tx1">
-                    <a:lumMod val="75000"/>
-                    <a:lumOff val="25000"/>
-                  </a:schemeClr>
-                </a:solidFill>
-                <a:latin typeface="Calibri" pitchFamily="34" charset="0"/>
-                <a:ea typeface="Arial Unicode MS" pitchFamily="50" charset="-127"/>
-                <a:cs typeface="Calibri" pitchFamily="34" charset="0"/>
-              </a:rPr>
-              <a:t>Organic Molecules List </a:t>
-            </a:r>
-            <a:endParaRPr lang="ko-KR" altLang="en-US" sz="4400" dirty="0">
-              <a:solidFill>
-                <a:schemeClr val="tx1">
-                  <a:lumMod val="75000"/>
-                  <a:lumOff val="25000"/>
-                </a:schemeClr>
-              </a:solidFill>
-              <a:latin typeface="Calibri" pitchFamily="34" charset="0"/>
-              <a:ea typeface="Arial Unicode MS" pitchFamily="50" charset="-127"/>
-              <a:cs typeface="Calibri" pitchFamily="34" charset="0"/>
-            </a:endParaRPr>
-          </a:p>
-        </p:txBody>
-      </p:sp>
-      <p:sp>
-        <p:nvSpPr>
-          <p:cNvPr id="3" name="Content Placeholder 2"/>
-          <p:cNvSpPr>
-            <a:spLocks noGrp="1"/>
-          </p:cNvSpPr>
-          <p:nvPr>
-            <p:ph idx="1"/>
-          </p:nvPr>
-        </p:nvSpPr>
-        <p:spPr>
-          <a:xfrm>
-            <a:off x="1835696" y="1484784"/>
-            <a:ext cx="6851104" cy="4525963"/>
-          </a:xfrm>
-        </p:spPr>
-        <p:txBody>
-          <a:bodyPr>
-            <a:normAutofit/>
-          </a:bodyPr>
-          <a:lstStyle/>
-          <a:p>
-            <a:pPr>
-              <a:lnSpc>
-                <a:spcPct val="120000"/>
-              </a:lnSpc>
-            </a:pPr>
-            <a:r>
-              <a:rPr lang="ko-KR" altLang="en-US" sz="3000" dirty="0" err="1" smtClean="0">
-                <a:solidFill>
-                  <a:schemeClr val="tx1">
-                    <a:lumMod val="75000"/>
-                    <a:lumOff val="25000"/>
-                  </a:schemeClr>
-                </a:solidFill>
-                <a:latin typeface="Calibri" pitchFamily="34" charset="0"/>
-                <a:cs typeface="Calibri" pitchFamily="34" charset="0"/>
-              </a:rPr>
-              <a:t>물질관리</a:t>
-            </a:r>
-            <a:endParaRPr lang="en-US" altLang="ko-KR" sz="3000" dirty="0" smtClean="0">
-              <a:solidFill>
-                <a:schemeClr val="tx1">
-                  <a:lumMod val="75000"/>
-                  <a:lumOff val="25000"/>
-                </a:schemeClr>
-              </a:solidFill>
-              <a:latin typeface="Calibri" pitchFamily="34" charset="0"/>
-              <a:cs typeface="Calibri" pitchFamily="34" charset="0"/>
-            </a:endParaRPr>
-          </a:p>
-          <a:p>
-            <a:pPr>
-              <a:lnSpc>
-                <a:spcPct val="120000"/>
-              </a:lnSpc>
-              <a:buFont typeface="Wingdings" pitchFamily="2" charset="2"/>
-              <a:buChar char="ü"/>
-            </a:pPr>
-            <a:r>
-              <a:rPr lang="ko-KR" altLang="en-US" sz="1900" dirty="0" smtClean="0">
-                <a:solidFill>
-                  <a:schemeClr val="tx1">
-                    <a:lumMod val="50000"/>
-                    <a:lumOff val="50000"/>
-                  </a:schemeClr>
-                </a:solidFill>
-                <a:latin typeface="Calibri" pitchFamily="34" charset="0"/>
-                <a:cs typeface="Calibri" pitchFamily="34" charset="0"/>
-              </a:rPr>
-              <a:t>물질 정보 등록</a:t>
-            </a:r>
-            <a:endParaRPr lang="en-US" altLang="ko-KR" sz="1900" dirty="0" smtClean="0">
-              <a:solidFill>
-                <a:schemeClr val="tx1">
-                  <a:lumMod val="50000"/>
-                  <a:lumOff val="50000"/>
-                </a:schemeClr>
-              </a:solidFill>
-              <a:latin typeface="Calibri" pitchFamily="34" charset="0"/>
-              <a:cs typeface="Calibri" pitchFamily="34" charset="0"/>
-            </a:endParaRPr>
-          </a:p>
-          <a:p>
-            <a:pPr>
-              <a:lnSpc>
-                <a:spcPct val="120000"/>
-              </a:lnSpc>
-              <a:buFont typeface="Wingdings" pitchFamily="2" charset="2"/>
-              <a:buChar char="ü"/>
-            </a:pPr>
-            <a:r>
-              <a:rPr lang="ko-KR" altLang="en-US" sz="1900" dirty="0" smtClean="0">
-                <a:solidFill>
-                  <a:schemeClr val="tx1">
-                    <a:lumMod val="50000"/>
-                    <a:lumOff val="50000"/>
-                  </a:schemeClr>
-                </a:solidFill>
-                <a:latin typeface="Calibri" pitchFamily="34" charset="0"/>
-                <a:cs typeface="Calibri" pitchFamily="34" charset="0"/>
-              </a:rPr>
-              <a:t>물질 정보 수정</a:t>
-            </a:r>
-            <a:endParaRPr lang="en-US" altLang="ko-KR" sz="1900" dirty="0" smtClean="0">
-              <a:solidFill>
-                <a:schemeClr val="tx1">
-                  <a:lumMod val="50000"/>
-                  <a:lumOff val="50000"/>
-                </a:schemeClr>
-              </a:solidFill>
-              <a:latin typeface="Calibri" pitchFamily="34" charset="0"/>
-              <a:cs typeface="Calibri" pitchFamily="34" charset="0"/>
-            </a:endParaRPr>
-          </a:p>
-          <a:p>
-            <a:pPr>
-              <a:lnSpc>
-                <a:spcPct val="120000"/>
-              </a:lnSpc>
-              <a:buFont typeface="Wingdings" pitchFamily="2" charset="2"/>
-              <a:buChar char="ü"/>
-            </a:pPr>
-            <a:r>
-              <a:rPr lang="ko-KR" altLang="en-US" sz="1900" dirty="0" smtClean="0">
-                <a:solidFill>
-                  <a:schemeClr val="tx1">
-                    <a:lumMod val="50000"/>
-                    <a:lumOff val="50000"/>
-                  </a:schemeClr>
-                </a:solidFill>
-                <a:latin typeface="Calibri" pitchFamily="34" charset="0"/>
-                <a:cs typeface="Calibri" pitchFamily="34" charset="0"/>
-              </a:rPr>
-              <a:t>물질 정보 삭제</a:t>
-            </a:r>
-            <a:endParaRPr lang="en-US" altLang="ko-KR" sz="1900" dirty="0">
-              <a:solidFill>
-                <a:schemeClr val="tx1">
-                  <a:lumMod val="50000"/>
-                  <a:lumOff val="50000"/>
-                </a:schemeClr>
-              </a:solidFill>
-            </a:endParaRPr>
-          </a:p>
-          <a:p>
-            <a:pPr>
-              <a:lnSpc>
-                <a:spcPct val="120000"/>
-              </a:lnSpc>
-              <a:buFont typeface="Wingdings" pitchFamily="2" charset="2"/>
-              <a:buChar char="ü"/>
-            </a:pPr>
-            <a:endParaRPr lang="en-US" altLang="ko-KR" sz="1900" dirty="0" smtClean="0">
-              <a:solidFill>
-                <a:schemeClr val="tx1">
-                  <a:lumMod val="50000"/>
-                  <a:lumOff val="50000"/>
-                </a:schemeClr>
-              </a:solidFill>
-              <a:latin typeface="Calibri" pitchFamily="34" charset="0"/>
-              <a:cs typeface="Calibri" pitchFamily="34" charset="0"/>
-            </a:endParaRPr>
-          </a:p>
-          <a:p>
-            <a:endParaRPr lang="en-US" altLang="ko-KR" sz="4000" dirty="0" smtClean="0">
-              <a:solidFill>
-                <a:schemeClr val="tx1">
-                  <a:lumMod val="75000"/>
-                  <a:lumOff val="25000"/>
-                </a:schemeClr>
-              </a:solidFill>
-              <a:latin typeface="Calibri" pitchFamily="34" charset="0"/>
-              <a:cs typeface="Calibri" pitchFamily="34" charset="0"/>
-            </a:endParaRPr>
-          </a:p>
-          <a:p>
-            <a:endParaRPr lang="en-US" altLang="ko-KR" sz="4000" dirty="0" smtClean="0">
-              <a:solidFill>
-                <a:schemeClr val="tx1">
-                  <a:lumMod val="50000"/>
-                  <a:lumOff val="50000"/>
-                </a:schemeClr>
-              </a:solidFill>
-              <a:latin typeface="Calibri" pitchFamily="34" charset="0"/>
-              <a:cs typeface="Calibri" pitchFamily="34" charset="0"/>
-            </a:endParaRPr>
-          </a:p>
-        </p:txBody>
-      </p:sp>
-    </p:spTree>
-    <p:extLst>
-      <p:ext uri="{BB962C8B-B14F-4D97-AF65-F5344CB8AC3E}">
-        <p14:creationId xmlns:p14="http://schemas.microsoft.com/office/powerpoint/2010/main" xmlns="" val="891763176"/>
-      </p:ext>
-    </p:extLst>
-  </p:cSld>
-  <p:clrMapOvr>
-    <a:masterClrMapping/>
-  </p:clrMapOvr>
-  <p:transition/>
-  <p:timing>
-    <p:tnLst>
-      <p:par>
-        <p:cTn id="1" dur="indefinite" restart="never" nodeType="tmRoot"/>
-      </p:par>
-    </p:tnLst>
-  </p:timing>
-</p:sld>
-</file>
-
-<file path=ppt/slides/slide15.xml><?xml version="1.0" encoding="utf-8"?>
-<p:sld xmlns:a="http://schemas.openxmlformats.org/drawingml/2006/main" xmlns:r="http://schemas.openxmlformats.org/officeDocument/2006/relationships" xmlns:p="http://schemas.openxmlformats.org/presentationml/2006/main">
-  <p:cSld>
-    <p:spTree>
-      <p:nvGrpSpPr>
-        <p:cNvPr id="1" name=""/>
-        <p:cNvGrpSpPr/>
-        <p:nvPr/>
-      </p:nvGrpSpPr>
-      <p:grpSpPr>
-        <a:xfrm>
-          <a:off x="0" y="0"/>
-          <a:ext cx="0" cy="0"/>
-          <a:chOff x="0" y="0"/>
-          <a:chExt cx="0" cy="0"/>
-        </a:xfrm>
-      </p:grpSpPr>
-      <p:sp>
-        <p:nvSpPr>
-          <p:cNvPr id="3" name="Content Placeholder 2"/>
-          <p:cNvSpPr>
-            <a:spLocks noGrp="1"/>
-          </p:cNvSpPr>
-          <p:nvPr>
-            <p:ph idx="1"/>
-          </p:nvPr>
-        </p:nvSpPr>
-        <p:spPr>
-          <a:xfrm>
-            <a:off x="1835696" y="1484784"/>
-            <a:ext cx="6851104" cy="4525963"/>
-          </a:xfrm>
-        </p:spPr>
-        <p:txBody>
-          <a:bodyPr>
-            <a:normAutofit/>
-          </a:bodyPr>
-          <a:lstStyle/>
-          <a:p>
-            <a:endParaRPr lang="en-US" altLang="ko-KR" sz="4000" dirty="0" smtClean="0">
-              <a:solidFill>
-                <a:schemeClr val="tx1">
-                  <a:lumMod val="75000"/>
-                  <a:lumOff val="25000"/>
-                </a:schemeClr>
-              </a:solidFill>
-              <a:latin typeface="Calibri" pitchFamily="34" charset="0"/>
-              <a:cs typeface="Calibri" pitchFamily="34" charset="0"/>
-            </a:endParaRPr>
-          </a:p>
-          <a:p>
-            <a:endParaRPr lang="en-US" altLang="ko-KR" sz="4000" dirty="0" smtClean="0">
-              <a:solidFill>
-                <a:schemeClr val="tx1">
-                  <a:lumMod val="50000"/>
-                  <a:lumOff val="50000"/>
-                </a:schemeClr>
-              </a:solidFill>
-              <a:latin typeface="Calibri" pitchFamily="34" charset="0"/>
-              <a:cs typeface="Calibri" pitchFamily="34" charset="0"/>
-            </a:endParaRPr>
-          </a:p>
-        </p:txBody>
-      </p:sp>
-      <p:pic>
-        <p:nvPicPr>
-          <p:cNvPr id="1026" name="Picture 2"/>
-          <p:cNvPicPr>
-            <a:picLocks noChangeAspect="1" noChangeArrowheads="1"/>
-          </p:cNvPicPr>
-          <p:nvPr/>
-        </p:nvPicPr>
-        <p:blipFill rotWithShape="1">
-          <a:blip r:embed="rId2">
-            <a:extLst>
-              <a:ext uri="{28A0092B-C50C-407E-A947-70E740481C1C}">
-                <a14:useLocalDpi xmlns:a14="http://schemas.microsoft.com/office/drawing/2010/main" xmlns="" val="0"/>
-              </a:ext>
-            </a:extLst>
-          </a:blip>
-          <a:srcRect l="7255" t="20161" r="8071" b="13461"/>
-          <a:stretch/>
-        </p:blipFill>
-        <p:spPr bwMode="auto">
-          <a:xfrm>
-            <a:off x="1643041" y="2053002"/>
-            <a:ext cx="7206553" cy="3176197"/>
-          </a:xfrm>
-          <a:prstGeom prst="rect">
-            <a:avLst/>
-          </a:prstGeom>
-          <a:noFill/>
-          <a:ln>
-            <a:noFill/>
-          </a:ln>
-          <a:effectLst/>
-          <a:extLst>
-            <a:ext uri="{909E8E84-426E-40DD-AFC4-6F175D3DCCD1}">
-              <a14:hiddenFill xmlns:a14="http://schemas.microsoft.com/office/drawing/2010/main" xmlns="">
-                <a:solidFill>
-                  <a:schemeClr val="accent1"/>
-                </a:solidFill>
-              </a14:hiddenFill>
-            </a:ext>
-            <a:ext uri="{91240B29-F687-4F45-9708-019B960494DF}">
-              <a14:hiddenLine xmlns:a14="http://schemas.microsoft.com/office/drawing/2010/main" xmlns="" w="9525">
-                <a:solidFill>
-                  <a:schemeClr val="tx1"/>
-                </a:solidFill>
-                <a:miter lim="800000"/>
-                <a:headEnd/>
-                <a:tailEnd/>
-              </a14:hiddenLine>
-            </a:ext>
-            <a:ext uri="{AF507438-7753-43E0-B8FC-AC1667EBCBE1}">
-              <a14:hiddenEffects xmlns:a14="http://schemas.microsoft.com/office/drawing/2010/main" xmlns="">
-                <a:effectLst>
-                  <a:outerShdw dist="35921" dir="2700000" algn="ctr" rotWithShape="0">
-                    <a:schemeClr val="bg2"/>
-                  </a:outerShdw>
-                </a:effectLst>
-              </a14:hiddenEffects>
-            </a:ext>
-          </a:extLst>
-        </p:spPr>
-      </p:pic>
-      <p:sp>
-        <p:nvSpPr>
-          <p:cNvPr id="9" name="Title 1"/>
-          <p:cNvSpPr txBox="1">
-            <a:spLocks/>
-          </p:cNvSpPr>
-          <p:nvPr/>
-        </p:nvSpPr>
-        <p:spPr>
-          <a:xfrm>
-            <a:off x="1259632" y="0"/>
-            <a:ext cx="7884368" cy="1069514"/>
-          </a:xfrm>
-          <a:prstGeom prst="rect">
-            <a:avLst/>
-          </a:prstGeom>
-        </p:spPr>
-        <p:txBody>
-          <a:bodyPr anchor="ctr"/>
-          <a:lstStyle>
-            <a:lvl1pPr algn="l" defTabSz="914400" rtl="0" eaLnBrk="1" latinLnBrk="1" hangingPunct="1">
-              <a:spcBef>
-                <a:spcPct val="0"/>
-              </a:spcBef>
-              <a:buNone/>
-              <a:defRPr sz="4000" b="1" kern="1200" baseline="0">
-                <a:solidFill>
-                  <a:schemeClr val="tx1"/>
-                </a:solidFill>
-                <a:latin typeface="Arial" pitchFamily="34" charset="0"/>
-                <a:ea typeface="+mj-ea"/>
-                <a:cs typeface="Arial" pitchFamily="34" charset="0"/>
-              </a:defRPr>
-            </a:lvl1pPr>
-          </a:lstStyle>
-          <a:p>
-            <a:r>
-              <a:rPr lang="en-US" altLang="ko-KR" sz="4400" smtClean="0">
-                <a:solidFill>
-                  <a:schemeClr val="tx1">
-                    <a:lumMod val="75000"/>
-                    <a:lumOff val="25000"/>
-                  </a:schemeClr>
-                </a:solidFill>
-                <a:latin typeface="Calibri" pitchFamily="34" charset="0"/>
-                <a:ea typeface="Arial Unicode MS" pitchFamily="50" charset="-127"/>
-                <a:cs typeface="Calibri" pitchFamily="34" charset="0"/>
-              </a:rPr>
-              <a:t>Organic Molecules List </a:t>
-            </a:r>
-            <a:endParaRPr lang="ko-KR" altLang="en-US" sz="4400" dirty="0">
-              <a:solidFill>
-                <a:schemeClr val="tx1">
-                  <a:lumMod val="75000"/>
-                  <a:lumOff val="25000"/>
-                </a:schemeClr>
-              </a:solidFill>
-              <a:latin typeface="Calibri" pitchFamily="34" charset="0"/>
-              <a:ea typeface="Arial Unicode MS" pitchFamily="50" charset="-127"/>
-              <a:cs typeface="Calibri" pitchFamily="34" charset="0"/>
-            </a:endParaRPr>
-          </a:p>
-        </p:txBody>
-      </p:sp>
-    </p:spTree>
-    <p:extLst>
-      <p:ext uri="{BB962C8B-B14F-4D97-AF65-F5344CB8AC3E}">
-        <p14:creationId xmlns:p14="http://schemas.microsoft.com/office/powerpoint/2010/main" xmlns="" val="891763176"/>
+        <p14:creationId xmlns="" xmlns:p14="http://schemas.microsoft.com/office/powerpoint/2010/main" val="2814019064"/>
       </p:ext>
     </p:extLst>
   </p:cSld>
@@ -4941,7 +4835,7 @@
       </p:grpSpPr>
       <p:sp>
         <p:nvSpPr>
-          <p:cNvPr id="7" name="Title 1"/>
+          <p:cNvPr id="2" name="Title 1"/>
           <p:cNvSpPr>
             <a:spLocks noGrp="1"/>
           </p:cNvSpPr>
@@ -4987,236 +4881,207 @@
           </a:p>
         </p:txBody>
       </p:sp>
-      <p:pic>
-        <p:nvPicPr>
-          <p:cNvPr id="6" name="Picture 3"/>
-          <p:cNvPicPr>
-            <a:picLocks noChangeAspect="1" noChangeArrowheads="1"/>
-          </p:cNvPicPr>
-          <p:nvPr/>
-        </p:nvPicPr>
-        <p:blipFill rotWithShape="1">
-          <a:blip r:embed="rId2">
-            <a:extLst>
-              <a:ext uri="{28A0092B-C50C-407E-A947-70E740481C1C}">
-                <a14:useLocalDpi xmlns:a14="http://schemas.microsoft.com/office/drawing/2010/main" xmlns="" val="0"/>
-              </a:ext>
-            </a:extLst>
-          </a:blip>
-          <a:srcRect l="6536" t="19856" r="63942" b="37837"/>
-          <a:stretch/>
-        </p:blipFill>
-        <p:spPr bwMode="auto">
-          <a:xfrm>
-            <a:off x="5072066" y="1319363"/>
-            <a:ext cx="3841160" cy="3143272"/>
-          </a:xfrm>
-          <a:prstGeom prst="rect">
-            <a:avLst/>
-          </a:prstGeom>
-          <a:noFill/>
-          <a:ln>
-            <a:solidFill>
-              <a:schemeClr val="tx1">
-                <a:lumMod val="95000"/>
-                <a:lumOff val="5000"/>
-              </a:schemeClr>
-            </a:solidFill>
-          </a:ln>
-          <a:effectLst>
-            <a:outerShdw blurRad="50800" dist="38100" dir="2700000" algn="tl" rotWithShape="0">
-              <a:prstClr val="black">
-                <a:alpha val="40000"/>
-              </a:prstClr>
-            </a:outerShdw>
-          </a:effectLst>
-          <a:extLst>
-            <a:ext uri="{909E8E84-426E-40DD-AFC4-6F175D3DCCD1}">
-              <a14:hiddenFill xmlns:a14="http://schemas.microsoft.com/office/drawing/2010/main" xmlns="">
-                <a:solidFill>
-                  <a:schemeClr val="accent1"/>
-                </a:solidFill>
-              </a14:hiddenFill>
-            </a:ext>
-            <a:ext uri="{91240B29-F687-4F45-9708-019B960494DF}">
-              <a14:hiddenLine xmlns:a14="http://schemas.microsoft.com/office/drawing/2010/main" xmlns="" w="9525">
-                <a:solidFill>
-                  <a:schemeClr val="tx1"/>
-                </a:solidFill>
-                <a:miter lim="800000"/>
-                <a:headEnd/>
-                <a:tailEnd/>
-              </a14:hiddenLine>
-            </a:ext>
-            <a:ext uri="{AF507438-7753-43E0-B8FC-AC1667EBCBE1}">
-              <a14:hiddenEffects xmlns:a14="http://schemas.microsoft.com/office/drawing/2010/main" xmlns="">
-                <a:effectLst>
-                  <a:outerShdw dist="35921" dir="2700000" algn="ctr" rotWithShape="0">
-                    <a:schemeClr val="bg2"/>
-                  </a:outerShdw>
-                </a:effectLst>
-              </a14:hiddenEffects>
-            </a:ext>
-          </a:extLst>
-        </p:spPr>
-      </p:pic>
-      <p:pic>
-        <p:nvPicPr>
-          <p:cNvPr id="2052" name="Picture 4"/>
-          <p:cNvPicPr>
-            <a:picLocks noChangeAspect="1" noChangeArrowheads="1"/>
-          </p:cNvPicPr>
-          <p:nvPr/>
-        </p:nvPicPr>
-        <p:blipFill rotWithShape="1">
-          <a:blip r:embed="rId3">
-            <a:extLst>
-              <a:ext uri="{28A0092B-C50C-407E-A947-70E740481C1C}">
-                <a14:useLocalDpi xmlns:a14="http://schemas.microsoft.com/office/drawing/2010/main" xmlns="" val="0"/>
-              </a:ext>
-            </a:extLst>
-          </a:blip>
-          <a:srcRect l="7617" t="19663" r="66002" b="37605"/>
-          <a:stretch/>
-        </p:blipFill>
-        <p:spPr bwMode="auto">
-          <a:xfrm>
-            <a:off x="1428728" y="1319363"/>
-            <a:ext cx="3432517" cy="3143271"/>
-          </a:xfrm>
-          <a:prstGeom prst="rect">
-            <a:avLst/>
-          </a:prstGeom>
-          <a:noFill/>
-          <a:ln>
-            <a:solidFill>
-              <a:schemeClr val="tx1">
-                <a:lumMod val="95000"/>
-                <a:lumOff val="5000"/>
-              </a:schemeClr>
-            </a:solidFill>
-          </a:ln>
-          <a:effectLst>
-            <a:outerShdw blurRad="50800" dist="38100" dir="2700000" algn="tl" rotWithShape="0">
-              <a:prstClr val="black">
-                <a:alpha val="40000"/>
-              </a:prstClr>
-            </a:outerShdw>
-          </a:effectLst>
-          <a:extLst>
-            <a:ext uri="{909E8E84-426E-40DD-AFC4-6F175D3DCCD1}">
-              <a14:hiddenFill xmlns:a14="http://schemas.microsoft.com/office/drawing/2010/main" xmlns="">
-                <a:solidFill>
-                  <a:schemeClr val="accent1"/>
-                </a:solidFill>
-              </a14:hiddenFill>
-            </a:ext>
-            <a:ext uri="{91240B29-F687-4F45-9708-019B960494DF}">
-              <a14:hiddenLine xmlns:a14="http://schemas.microsoft.com/office/drawing/2010/main" xmlns="" w="9525">
-                <a:solidFill>
-                  <a:schemeClr val="tx1"/>
-                </a:solidFill>
-                <a:miter lim="800000"/>
-                <a:headEnd/>
-                <a:tailEnd/>
-              </a14:hiddenLine>
-            </a:ext>
-            <a:ext uri="{AF507438-7753-43E0-B8FC-AC1667EBCBE1}">
-              <a14:hiddenEffects xmlns:a14="http://schemas.microsoft.com/office/drawing/2010/main" xmlns="">
-                <a:effectLst>
-                  <a:outerShdw dist="35921" dir="2700000" algn="ctr" rotWithShape="0">
-                    <a:schemeClr val="bg2"/>
-                  </a:outerShdw>
-                </a:effectLst>
-              </a14:hiddenEffects>
-            </a:ext>
-          </a:extLst>
-        </p:spPr>
-      </p:pic>
-      <p:pic>
-        <p:nvPicPr>
-          <p:cNvPr id="2053" name="Picture 5"/>
-          <p:cNvPicPr>
-            <a:picLocks noChangeAspect="1" noChangeArrowheads="1"/>
-          </p:cNvPicPr>
-          <p:nvPr/>
-        </p:nvPicPr>
-        <p:blipFill rotWithShape="1">
-          <a:blip r:embed="rId4">
-            <a:extLst>
-              <a:ext uri="{28A0092B-C50C-407E-A947-70E740481C1C}">
-                <a14:useLocalDpi xmlns:a14="http://schemas.microsoft.com/office/drawing/2010/main" xmlns="" val="0"/>
-              </a:ext>
-            </a:extLst>
-          </a:blip>
-          <a:srcRect l="7943" t="20048" r="9848" b="55144"/>
-          <a:stretch/>
-        </p:blipFill>
-        <p:spPr bwMode="auto">
-          <a:xfrm>
-            <a:off x="1428728" y="4680975"/>
-            <a:ext cx="7500990" cy="1248355"/>
-          </a:xfrm>
-          <a:prstGeom prst="rect">
-            <a:avLst/>
-          </a:prstGeom>
-          <a:noFill/>
-          <a:ln>
-            <a:solidFill>
-              <a:schemeClr val="tx1">
-                <a:lumMod val="95000"/>
-                <a:lumOff val="5000"/>
-              </a:schemeClr>
-            </a:solidFill>
-          </a:ln>
-          <a:effectLst>
-            <a:outerShdw blurRad="50800" dist="38100" dir="2700000" algn="tl" rotWithShape="0">
-              <a:prstClr val="black">
-                <a:alpha val="40000"/>
-              </a:prstClr>
-            </a:outerShdw>
-          </a:effectLst>
-          <a:extLst>
-            <a:ext uri="{909E8E84-426E-40DD-AFC4-6F175D3DCCD1}">
-              <a14:hiddenFill xmlns:a14="http://schemas.microsoft.com/office/drawing/2010/main" xmlns="">
-                <a:solidFill>
-                  <a:schemeClr val="accent1"/>
-                </a:solidFill>
-              </a14:hiddenFill>
-            </a:ext>
-            <a:ext uri="{91240B29-F687-4F45-9708-019B960494DF}">
-              <a14:hiddenLine xmlns:a14="http://schemas.microsoft.com/office/drawing/2010/main" xmlns="" w="9525">
-                <a:solidFill>
-                  <a:schemeClr val="tx1"/>
-                </a:solidFill>
-                <a:miter lim="800000"/>
-                <a:headEnd/>
-                <a:tailEnd/>
-              </a14:hiddenLine>
-            </a:ext>
-            <a:ext uri="{AF507438-7753-43E0-B8FC-AC1667EBCBE1}">
-              <a14:hiddenEffects xmlns:a14="http://schemas.microsoft.com/office/drawing/2010/main" xmlns="">
-                <a:effectLst>
-                  <a:outerShdw dist="35921" dir="2700000" algn="ctr" rotWithShape="0">
-                    <a:schemeClr val="bg2"/>
-                  </a:outerShdw>
-                </a:effectLst>
-              </a14:hiddenEffects>
-            </a:ext>
-          </a:extLst>
-        </p:spPr>
-      </p:pic>
+      <p:sp>
+        <p:nvSpPr>
+          <p:cNvPr id="3" name="Content Placeholder 2"/>
+          <p:cNvSpPr>
+            <a:spLocks noGrp="1"/>
+          </p:cNvSpPr>
+          <p:nvPr>
+            <p:ph idx="1"/>
+          </p:nvPr>
+        </p:nvSpPr>
+        <p:spPr>
+          <a:xfrm>
+            <a:off x="1835696" y="1484784"/>
+            <a:ext cx="6851104" cy="4525963"/>
+          </a:xfrm>
+        </p:spPr>
+        <p:txBody>
+          <a:bodyPr>
+            <a:normAutofit/>
+          </a:bodyPr>
+          <a:lstStyle/>
+          <a:p>
+            <a:pPr>
+              <a:lnSpc>
+                <a:spcPct val="120000"/>
+              </a:lnSpc>
+            </a:pPr>
+            <a:r>
+              <a:rPr lang="ko-KR" altLang="en-US" sz="3000" dirty="0" err="1" smtClean="0">
+                <a:solidFill>
+                  <a:schemeClr val="tx1">
+                    <a:lumMod val="75000"/>
+                    <a:lumOff val="25000"/>
+                  </a:schemeClr>
+                </a:solidFill>
+                <a:latin typeface="Calibri" pitchFamily="34" charset="0"/>
+                <a:cs typeface="Calibri" pitchFamily="34" charset="0"/>
+              </a:rPr>
+              <a:t>물질관리</a:t>
+            </a:r>
+            <a:endParaRPr lang="en-US" altLang="ko-KR" sz="3000" dirty="0" smtClean="0">
+              <a:solidFill>
+                <a:schemeClr val="tx1">
+                  <a:lumMod val="75000"/>
+                  <a:lumOff val="25000"/>
+                </a:schemeClr>
+              </a:solidFill>
+              <a:latin typeface="Calibri" pitchFamily="34" charset="0"/>
+              <a:cs typeface="Calibri" pitchFamily="34" charset="0"/>
+            </a:endParaRPr>
+          </a:p>
+          <a:p>
+            <a:pPr>
+              <a:lnSpc>
+                <a:spcPct val="120000"/>
+              </a:lnSpc>
+              <a:buFont typeface="Wingdings" pitchFamily="2" charset="2"/>
+              <a:buChar char="ü"/>
+            </a:pPr>
+            <a:r>
+              <a:rPr lang="ko-KR" altLang="en-US" sz="1900" dirty="0" smtClean="0">
+                <a:solidFill>
+                  <a:schemeClr val="tx1">
+                    <a:lumMod val="50000"/>
+                    <a:lumOff val="50000"/>
+                  </a:schemeClr>
+                </a:solidFill>
+                <a:latin typeface="Calibri" pitchFamily="34" charset="0"/>
+                <a:cs typeface="Calibri" pitchFamily="34" charset="0"/>
+              </a:rPr>
+              <a:t>물질 정보 등록</a:t>
+            </a:r>
+            <a:endParaRPr lang="en-US" altLang="ko-KR" sz="1900" dirty="0" smtClean="0">
+              <a:solidFill>
+                <a:schemeClr val="tx1">
+                  <a:lumMod val="50000"/>
+                  <a:lumOff val="50000"/>
+                </a:schemeClr>
+              </a:solidFill>
+              <a:latin typeface="Calibri" pitchFamily="34" charset="0"/>
+              <a:cs typeface="Calibri" pitchFamily="34" charset="0"/>
+            </a:endParaRPr>
+          </a:p>
+          <a:p>
+            <a:pPr>
+              <a:lnSpc>
+                <a:spcPct val="120000"/>
+              </a:lnSpc>
+              <a:buFont typeface="Wingdings" pitchFamily="2" charset="2"/>
+              <a:buChar char="ü"/>
+            </a:pPr>
+            <a:r>
+              <a:rPr lang="ko-KR" altLang="en-US" sz="1900" dirty="0" smtClean="0">
+                <a:solidFill>
+                  <a:schemeClr val="tx1">
+                    <a:lumMod val="50000"/>
+                    <a:lumOff val="50000"/>
+                  </a:schemeClr>
+                </a:solidFill>
+                <a:latin typeface="Calibri" pitchFamily="34" charset="0"/>
+                <a:cs typeface="Calibri" pitchFamily="34" charset="0"/>
+              </a:rPr>
+              <a:t>물질 정보 수정</a:t>
+            </a:r>
+            <a:endParaRPr lang="en-US" altLang="ko-KR" sz="1900" dirty="0" smtClean="0">
+              <a:solidFill>
+                <a:schemeClr val="tx1">
+                  <a:lumMod val="50000"/>
+                  <a:lumOff val="50000"/>
+                </a:schemeClr>
+              </a:solidFill>
+              <a:latin typeface="Calibri" pitchFamily="34" charset="0"/>
+              <a:cs typeface="Calibri" pitchFamily="34" charset="0"/>
+            </a:endParaRPr>
+          </a:p>
+          <a:p>
+            <a:pPr>
+              <a:lnSpc>
+                <a:spcPct val="120000"/>
+              </a:lnSpc>
+              <a:buFont typeface="Wingdings" pitchFamily="2" charset="2"/>
+              <a:buChar char="ü"/>
+            </a:pPr>
+            <a:r>
+              <a:rPr lang="ko-KR" altLang="en-US" sz="1900" dirty="0" smtClean="0">
+                <a:solidFill>
+                  <a:schemeClr val="tx1">
+                    <a:lumMod val="50000"/>
+                    <a:lumOff val="50000"/>
+                  </a:schemeClr>
+                </a:solidFill>
+                <a:latin typeface="Calibri" pitchFamily="34" charset="0"/>
+                <a:cs typeface="Calibri" pitchFamily="34" charset="0"/>
+              </a:rPr>
+              <a:t>물질 정보 삭제</a:t>
+            </a:r>
+            <a:endParaRPr lang="en-US" altLang="ko-KR" sz="1900" dirty="0">
+              <a:solidFill>
+                <a:schemeClr val="tx1">
+                  <a:lumMod val="50000"/>
+                  <a:lumOff val="50000"/>
+                </a:schemeClr>
+              </a:solidFill>
+            </a:endParaRPr>
+          </a:p>
+          <a:p>
+            <a:pPr>
+              <a:lnSpc>
+                <a:spcPct val="120000"/>
+              </a:lnSpc>
+              <a:buFont typeface="Wingdings" pitchFamily="2" charset="2"/>
+              <a:buChar char="ü"/>
+            </a:pPr>
+            <a:endParaRPr lang="en-US" altLang="ko-KR" sz="1900" dirty="0" smtClean="0">
+              <a:solidFill>
+                <a:schemeClr val="tx1">
+                  <a:lumMod val="50000"/>
+                  <a:lumOff val="50000"/>
+                </a:schemeClr>
+              </a:solidFill>
+              <a:latin typeface="Calibri" pitchFamily="34" charset="0"/>
+              <a:cs typeface="Calibri" pitchFamily="34" charset="0"/>
+            </a:endParaRPr>
+          </a:p>
+          <a:p>
+            <a:endParaRPr lang="en-US" altLang="ko-KR" sz="4000" dirty="0" smtClean="0">
+              <a:solidFill>
+                <a:schemeClr val="tx1">
+                  <a:lumMod val="75000"/>
+                  <a:lumOff val="25000"/>
+                </a:schemeClr>
+              </a:solidFill>
+              <a:latin typeface="Calibri" pitchFamily="34" charset="0"/>
+              <a:cs typeface="Calibri" pitchFamily="34" charset="0"/>
+            </a:endParaRPr>
+          </a:p>
+          <a:p>
+            <a:endParaRPr lang="en-US" altLang="ko-KR" sz="4000" dirty="0" smtClean="0">
+              <a:solidFill>
+                <a:schemeClr val="tx1">
+                  <a:lumMod val="50000"/>
+                  <a:lumOff val="50000"/>
+                </a:schemeClr>
+              </a:solidFill>
+              <a:latin typeface="Calibri" pitchFamily="34" charset="0"/>
+              <a:cs typeface="Calibri" pitchFamily="34" charset="0"/>
+            </a:endParaRPr>
+          </a:p>
+        </p:txBody>
+      </p:sp>
     </p:spTree>
     <p:extLst>
       <p:ext uri="{BB962C8B-B14F-4D97-AF65-F5344CB8AC3E}">
-        <p14:creationId xmlns:p14="http://schemas.microsoft.com/office/powerpoint/2010/main" xmlns="" val="891763176"/>
+        <p14:creationId xmlns="" xmlns:p14="http://schemas.microsoft.com/office/powerpoint/2010/main" val="891763176"/>
       </p:ext>
     </p:extLst>
   </p:cSld>
   <p:clrMapOvr>
     <a:masterClrMapping/>
   </p:clrMapOvr>
-  <p:transition advTm="0"/>
+  <p:transition/>
   <p:timing>
     <p:tnLst>
       <p:par>
@@ -5246,48 +5111,162 @@
       </p:grpSpPr>
       <p:sp>
         <p:nvSpPr>
-          <p:cNvPr id="2" name="제목 1"/>
+          <p:cNvPr id="3" name="Content Placeholder 2"/>
           <p:cNvSpPr>
             <a:spLocks noGrp="1"/>
           </p:cNvSpPr>
           <p:nvPr>
-            <p:ph type="title"/>
+            <p:ph idx="1"/>
           </p:nvPr>
         </p:nvSpPr>
         <p:spPr>
           <a:xfrm>
-            <a:off x="1285852" y="0"/>
-            <a:ext cx="9144000" cy="1124744"/>
+            <a:off x="1835696" y="1484784"/>
+            <a:ext cx="6851104" cy="4525963"/>
           </a:xfrm>
         </p:spPr>
         <p:txBody>
-          <a:bodyPr/>
+          <a:bodyPr>
+            <a:normAutofit/>
+          </a:bodyPr>
           <a:lstStyle/>
           <a:p>
-            <a:r>
-              <a:rPr lang="en-US" altLang="ko-KR" sz="4400" dirty="0" smtClean="0">
+            <a:endParaRPr lang="en-US" altLang="ko-KR" sz="4000" dirty="0" smtClean="0">
+              <a:solidFill>
+                <a:schemeClr val="tx1">
+                  <a:lumMod val="75000"/>
+                  <a:lumOff val="25000"/>
+                </a:schemeClr>
+              </a:solidFill>
+              <a:latin typeface="Calibri" pitchFamily="34" charset="0"/>
+              <a:cs typeface="Calibri" pitchFamily="34" charset="0"/>
+            </a:endParaRPr>
+          </a:p>
+          <a:p>
+            <a:endParaRPr lang="en-US" altLang="ko-KR" sz="4000" dirty="0" smtClean="0">
+              <a:solidFill>
+                <a:schemeClr val="tx1">
+                  <a:lumMod val="50000"/>
+                  <a:lumOff val="50000"/>
+                </a:schemeClr>
+              </a:solidFill>
+              <a:latin typeface="Calibri" pitchFamily="34" charset="0"/>
+              <a:cs typeface="Calibri" pitchFamily="34" charset="0"/>
+            </a:endParaRPr>
+          </a:p>
+        </p:txBody>
+      </p:sp>
+      <p:pic>
+        <p:nvPicPr>
+          <p:cNvPr id="1026" name="Picture 2"/>
+          <p:cNvPicPr>
+            <a:picLocks noChangeAspect="1" noChangeArrowheads="1"/>
+          </p:cNvPicPr>
+          <p:nvPr/>
+        </p:nvPicPr>
+        <p:blipFill rotWithShape="1">
+          <a:blip r:embed="rId2">
+            <a:extLst>
+              <a:ext uri="{28A0092B-C50C-407E-A947-70E740481C1C}">
+                <a14:useLocalDpi xmlns="" xmlns:a14="http://schemas.microsoft.com/office/drawing/2010/main" val="0"/>
+              </a:ext>
+            </a:extLst>
+          </a:blip>
+          <a:srcRect l="7255" t="20161" r="8071" b="13461"/>
+          <a:stretch/>
+        </p:blipFill>
+        <p:spPr bwMode="auto">
+          <a:xfrm>
+            <a:off x="1643041" y="2053002"/>
+            <a:ext cx="7206553" cy="3176197"/>
+          </a:xfrm>
+          <a:prstGeom prst="rect">
+            <a:avLst/>
+          </a:prstGeom>
+          <a:noFill/>
+          <a:ln>
+            <a:noFill/>
+          </a:ln>
+          <a:effectLst/>
+          <a:extLst>
+            <a:ext uri="{909E8E84-426E-40DD-AFC4-6F175D3DCCD1}">
+              <a14:hiddenFill xmlns="" xmlns:a14="http://schemas.microsoft.com/office/drawing/2010/main">
+                <a:solidFill>
+                  <a:schemeClr val="accent1"/>
+                </a:solidFill>
+              </a14:hiddenFill>
+            </a:ext>
+            <a:ext uri="{91240B29-F687-4F45-9708-019B960494DF}">
+              <a14:hiddenLine xmlns="" xmlns:a14="http://schemas.microsoft.com/office/drawing/2010/main" w="9525">
+                <a:solidFill>
+                  <a:schemeClr val="tx1"/>
+                </a:solidFill>
+                <a:miter lim="800000"/>
+                <a:headEnd/>
+                <a:tailEnd/>
+              </a14:hiddenLine>
+            </a:ext>
+            <a:ext uri="{AF507438-7753-43E0-B8FC-AC1667EBCBE1}">
+              <a14:hiddenEffects xmlns="" xmlns:a14="http://schemas.microsoft.com/office/drawing/2010/main">
+                <a:effectLst>
+                  <a:outerShdw dist="35921" dir="2700000" algn="ctr" rotWithShape="0">
+                    <a:schemeClr val="bg2"/>
+                  </a:outerShdw>
+                </a:effectLst>
+              </a14:hiddenEffects>
+            </a:ext>
+          </a:extLst>
+        </p:spPr>
+      </p:pic>
+      <p:sp>
+        <p:nvSpPr>
+          <p:cNvPr id="9" name="Title 1"/>
+          <p:cNvSpPr txBox="1">
+            <a:spLocks/>
+          </p:cNvSpPr>
+          <p:nvPr/>
+        </p:nvSpPr>
+        <p:spPr>
+          <a:xfrm>
+            <a:off x="1259632" y="0"/>
+            <a:ext cx="7884368" cy="1069514"/>
+          </a:xfrm>
+          <a:prstGeom prst="rect">
+            <a:avLst/>
+          </a:prstGeom>
+        </p:spPr>
+        <p:txBody>
+          <a:bodyPr anchor="ctr"/>
+          <a:lstStyle>
+            <a:lvl1pPr algn="l" defTabSz="914400" rtl="0" eaLnBrk="1" latinLnBrk="1" hangingPunct="1">
+              <a:spcBef>
+                <a:spcPct val="0"/>
+              </a:spcBef>
+              <a:buNone/>
+              <a:defRPr sz="4000" b="1" kern="1200" baseline="0">
+                <a:solidFill>
+                  <a:schemeClr val="tx1"/>
+                </a:solidFill>
+                <a:latin typeface="Arial" pitchFamily="34" charset="0"/>
+                <a:ea typeface="+mj-ea"/>
+                <a:cs typeface="Arial" pitchFamily="34" charset="0"/>
+              </a:defRPr>
+            </a:lvl1pPr>
+          </a:lstStyle>
+          <a:p>
+            <a:r>
+              <a:rPr lang="en-US" altLang="ko-KR" sz="4400" smtClean="0">
                 <a:solidFill>
                   <a:schemeClr val="tx1">
                     <a:lumMod val="75000"/>
                     <a:lumOff val="25000"/>
                   </a:schemeClr>
                 </a:solidFill>
-                <a:latin typeface="+mj-lt"/>
-              </a:rPr>
-              <a:t>Manchester United </a:t>
-            </a:r>
-            <a:r>
-              <a:rPr lang="ko-KR" altLang="en-US" sz="4400" dirty="0" smtClean="0">
-                <a:solidFill>
-                  <a:schemeClr val="tx1">
-                    <a:lumMod val="75000"/>
-                    <a:lumOff val="25000"/>
-                  </a:schemeClr>
-                </a:solidFill>
-                <a:latin typeface="굴림" pitchFamily="50" charset="-127"/>
-                <a:ea typeface="굴림" pitchFamily="50" charset="-127"/>
-              </a:rPr>
-              <a:t>구단관리</a:t>
+                <a:latin typeface="Calibri" pitchFamily="34" charset="0"/>
+                <a:ea typeface="Arial Unicode MS" pitchFamily="50" charset="-127"/>
+                <a:cs typeface="Calibri" pitchFamily="34" charset="0"/>
+              </a:rPr>
+              <a:t>Organic Molecules List </a:t>
             </a:r>
             <a:endParaRPr lang="ko-KR" altLang="en-US" sz="4400" dirty="0">
               <a:solidFill>
@@ -5296,210 +5275,19 @@
                   <a:lumOff val="25000"/>
                 </a:schemeClr>
               </a:solidFill>
-              <a:latin typeface="굴림" pitchFamily="50" charset="-127"/>
-              <a:ea typeface="굴림" pitchFamily="50" charset="-127"/>
-            </a:endParaRPr>
-          </a:p>
-        </p:txBody>
-      </p:sp>
-      <p:sp>
-        <p:nvSpPr>
-          <p:cNvPr id="3" name="내용 개체 틀 2"/>
-          <p:cNvSpPr>
-            <a:spLocks noGrp="1"/>
-          </p:cNvSpPr>
-          <p:nvPr>
-            <p:ph idx="1"/>
-          </p:nvPr>
-        </p:nvSpPr>
-        <p:spPr>
-          <a:xfrm>
-            <a:off x="1331640" y="1556792"/>
-            <a:ext cx="7355160" cy="4569371"/>
-          </a:xfrm>
-        </p:spPr>
-        <p:txBody>
-          <a:bodyPr/>
-          <a:lstStyle/>
-          <a:p>
-            <a:r>
-              <a:rPr lang="en-US" altLang="ko-KR" sz="3000" dirty="0" smtClean="0"/>
-              <a:t>Team </a:t>
-            </a:r>
-            <a:r>
-              <a:rPr lang="ko-KR" altLang="en-US" sz="3000" dirty="0" smtClean="0"/>
-              <a:t>관리</a:t>
-            </a:r>
-            <a:endParaRPr lang="en-US" altLang="ko-KR" sz="3000" dirty="0" smtClean="0"/>
-          </a:p>
-          <a:p>
-            <a:pPr>
-              <a:buFont typeface="Wingdings" pitchFamily="2" charset="2"/>
-              <a:buChar char="ü"/>
-            </a:pPr>
-            <a:r>
-              <a:rPr lang="ko-KR" altLang="en-US" sz="1900" dirty="0" smtClean="0">
-                <a:solidFill>
-                  <a:schemeClr val="tx1">
-                    <a:lumMod val="50000"/>
-                    <a:lumOff val="50000"/>
-                  </a:schemeClr>
-                </a:solidFill>
-              </a:rPr>
-              <a:t>구단 소속 팀 등록 </a:t>
-            </a:r>
-            <a:endParaRPr lang="en-US" altLang="ko-KR" sz="1900" dirty="0" smtClean="0">
-              <a:solidFill>
-                <a:schemeClr val="tx1">
-                  <a:lumMod val="50000"/>
-                  <a:lumOff val="50000"/>
-                </a:schemeClr>
-              </a:solidFill>
-            </a:endParaRPr>
-          </a:p>
-          <a:p>
-            <a:pPr>
-              <a:buFont typeface="Wingdings" pitchFamily="2" charset="2"/>
-              <a:buChar char="ü"/>
-            </a:pPr>
-            <a:r>
-              <a:rPr lang="ko-KR" altLang="en-US" sz="1900" dirty="0" smtClean="0">
-                <a:solidFill>
-                  <a:schemeClr val="tx1">
-                    <a:lumMod val="50000"/>
-                    <a:lumOff val="50000"/>
-                  </a:schemeClr>
-                </a:solidFill>
-              </a:rPr>
-              <a:t>구단 소속 팀 수정 </a:t>
-            </a:r>
-            <a:endParaRPr lang="en-US" altLang="ko-KR" sz="1900" dirty="0" smtClean="0">
-              <a:solidFill>
-                <a:schemeClr val="tx1">
-                  <a:lumMod val="50000"/>
-                  <a:lumOff val="50000"/>
-                </a:schemeClr>
-              </a:solidFill>
-            </a:endParaRPr>
-          </a:p>
-          <a:p>
-            <a:pPr>
-              <a:buFont typeface="Wingdings" pitchFamily="2" charset="2"/>
-              <a:buChar char="ü"/>
-            </a:pPr>
-            <a:r>
-              <a:rPr lang="ko-KR" altLang="en-US" sz="1900" dirty="0" smtClean="0">
-                <a:solidFill>
-                  <a:schemeClr val="tx1">
-                    <a:lumMod val="50000"/>
-                    <a:lumOff val="50000"/>
-                  </a:schemeClr>
-                </a:solidFill>
-              </a:rPr>
-              <a:t>구단 소속 팀 삭제</a:t>
-            </a:r>
-            <a:endParaRPr lang="en-US" altLang="ko-KR" sz="1900" dirty="0" smtClean="0">
-              <a:solidFill>
-                <a:schemeClr val="tx1">
-                  <a:lumMod val="50000"/>
-                  <a:lumOff val="50000"/>
-                </a:schemeClr>
-              </a:solidFill>
-            </a:endParaRPr>
-          </a:p>
-          <a:p>
-            <a:pPr lvl="1"/>
-            <a:endParaRPr lang="en-US" altLang="ko-KR" dirty="0" smtClean="0"/>
-          </a:p>
-          <a:p>
-            <a:r>
-              <a:rPr lang="en-US" altLang="ko-KR" sz="3000" dirty="0" smtClean="0"/>
-              <a:t>Member </a:t>
-            </a:r>
-            <a:r>
-              <a:rPr lang="ko-KR" altLang="en-US" sz="3000" dirty="0" smtClean="0"/>
-              <a:t>관리</a:t>
-            </a:r>
-            <a:endParaRPr lang="en-US" altLang="ko-KR" sz="3000" dirty="0" smtClean="0"/>
-          </a:p>
-          <a:p>
-            <a:pPr>
-              <a:buFont typeface="Wingdings" pitchFamily="2" charset="2"/>
-              <a:buChar char="ü"/>
-            </a:pPr>
-            <a:r>
-              <a:rPr lang="ko-KR" altLang="en-US" sz="1900" dirty="0" smtClean="0">
-                <a:solidFill>
-                  <a:schemeClr val="tx1">
-                    <a:lumMod val="50000"/>
-                    <a:lumOff val="50000"/>
-                  </a:schemeClr>
-                </a:solidFill>
-              </a:rPr>
-              <a:t>팀 멤버 등록 </a:t>
-            </a:r>
-            <a:endParaRPr lang="en-US" altLang="ko-KR" sz="1900" dirty="0" smtClean="0">
-              <a:solidFill>
-                <a:schemeClr val="tx1">
-                  <a:lumMod val="50000"/>
-                  <a:lumOff val="50000"/>
-                </a:schemeClr>
-              </a:solidFill>
-            </a:endParaRPr>
-          </a:p>
-          <a:p>
-            <a:pPr>
-              <a:buFont typeface="Wingdings" pitchFamily="2" charset="2"/>
-              <a:buChar char="ü"/>
-            </a:pPr>
-            <a:r>
-              <a:rPr lang="ko-KR" altLang="en-US" sz="1900" dirty="0" smtClean="0">
-                <a:solidFill>
-                  <a:schemeClr val="tx1">
-                    <a:lumMod val="50000"/>
-                    <a:lumOff val="50000"/>
-                  </a:schemeClr>
-                </a:solidFill>
-              </a:rPr>
-              <a:t>팀 멤버 수정 </a:t>
-            </a:r>
-            <a:endParaRPr lang="en-US" altLang="ko-KR" sz="1900" dirty="0" smtClean="0">
-              <a:solidFill>
-                <a:schemeClr val="tx1">
-                  <a:lumMod val="50000"/>
-                  <a:lumOff val="50000"/>
-                </a:schemeClr>
-              </a:solidFill>
-            </a:endParaRPr>
-          </a:p>
-          <a:p>
-            <a:pPr>
-              <a:buFont typeface="Wingdings" pitchFamily="2" charset="2"/>
-              <a:buChar char="ü"/>
-            </a:pPr>
-            <a:r>
-              <a:rPr lang="ko-KR" altLang="en-US" sz="1900" dirty="0" smtClean="0">
-                <a:solidFill>
-                  <a:schemeClr val="tx1">
-                    <a:lumMod val="50000"/>
-                    <a:lumOff val="50000"/>
-                  </a:schemeClr>
-                </a:solidFill>
-              </a:rPr>
-              <a:t>팀 멤버 삭제</a:t>
-            </a:r>
-            <a:endParaRPr lang="ko-KR" altLang="en-US" sz="1900" dirty="0">
-              <a:solidFill>
-                <a:schemeClr val="tx1">
-                  <a:lumMod val="50000"/>
-                  <a:lumOff val="50000"/>
-                </a:schemeClr>
-              </a:solidFill>
+              <a:latin typeface="Calibri" pitchFamily="34" charset="0"/>
+              <a:ea typeface="Arial Unicode MS" pitchFamily="50" charset="-127"/>
+              <a:cs typeface="Calibri" pitchFamily="34" charset="0"/>
             </a:endParaRPr>
           </a:p>
         </p:txBody>
       </p:sp>
     </p:spTree>
+    <p:extLst>
+      <p:ext uri="{BB962C8B-B14F-4D97-AF65-F5344CB8AC3E}">
+        <p14:creationId xmlns="" xmlns:p14="http://schemas.microsoft.com/office/powerpoint/2010/main" val="891763176"/>
+      </p:ext>
+    </p:extLst>
   </p:cSld>
   <p:clrMapOvr>
     <a:masterClrMapping/>
@@ -5532,32 +5320,9 @@
           <a:chExt cx="0" cy="0"/>
         </a:xfrm>
       </p:grpSpPr>
-      <p:pic>
-        <p:nvPicPr>
-          <p:cNvPr id="5" name="내용 개체 틀 4" descr="manu.png"/>
-          <p:cNvPicPr>
-            <a:picLocks noGrp="1" noChangeAspect="1"/>
-          </p:cNvPicPr>
-          <p:nvPr>
-            <p:ph idx="1"/>
-          </p:nvPr>
-        </p:nvPicPr>
-        <p:blipFill>
-          <a:blip r:embed="rId2" cstate="print"/>
-          <a:stretch>
-            <a:fillRect/>
-          </a:stretch>
-        </p:blipFill>
-        <p:spPr>
-          <a:xfrm>
-            <a:off x="1907704" y="1556792"/>
-            <a:ext cx="4536504" cy="4335996"/>
-          </a:xfrm>
-        </p:spPr>
-      </p:pic>
       <p:sp>
         <p:nvSpPr>
-          <p:cNvPr id="6" name="제목 1"/>
+          <p:cNvPr id="7" name="Title 1"/>
           <p:cNvSpPr>
             <a:spLocks noGrp="1"/>
           </p:cNvSpPr>
@@ -5567,8 +5332,8 @@
         </p:nvSpPr>
         <p:spPr>
           <a:xfrm>
-            <a:off x="1285852" y="0"/>
-            <a:ext cx="9144000" cy="1124744"/>
+            <a:off x="1259632" y="0"/>
+            <a:ext cx="7884368" cy="1069514"/>
           </a:xfrm>
         </p:spPr>
         <p:txBody>
@@ -5583,9 +5348,11 @@
                     <a:lumOff val="25000"/>
                   </a:schemeClr>
                 </a:solidFill>
-                <a:latin typeface="+mj-lt"/>
-              </a:rPr>
-              <a:t>Manchester United</a:t>
+                <a:latin typeface="Calibri" pitchFamily="34" charset="0"/>
+                <a:ea typeface="Arial Unicode MS" pitchFamily="50" charset="-127"/>
+                <a:cs typeface="Calibri" pitchFamily="34" charset="0"/>
+              </a:rPr>
+              <a:t>Organic Molecules List </a:t>
             </a:r>
             <a:endParaRPr lang="ko-KR" altLang="en-US" sz="4400" dirty="0">
               <a:solidFill>
@@ -5594,23 +5361,243 @@
                   <a:lumOff val="25000"/>
                 </a:schemeClr>
               </a:solidFill>
-              <a:latin typeface="굴림" pitchFamily="50" charset="-127"/>
-              <a:ea typeface="굴림" pitchFamily="50" charset="-127"/>
+              <a:latin typeface="Calibri" pitchFamily="34" charset="0"/>
+              <a:ea typeface="Arial Unicode MS" pitchFamily="50" charset="-127"/>
+              <a:cs typeface="Calibri" pitchFamily="34" charset="0"/>
             </a:endParaRPr>
           </a:p>
         </p:txBody>
       </p:sp>
+      <p:pic>
+        <p:nvPicPr>
+          <p:cNvPr id="6" name="Picture 3"/>
+          <p:cNvPicPr>
+            <a:picLocks noChangeAspect="1" noChangeArrowheads="1"/>
+          </p:cNvPicPr>
+          <p:nvPr/>
+        </p:nvPicPr>
+        <p:blipFill rotWithShape="1">
+          <a:blip r:embed="rId2">
+            <a:extLst>
+              <a:ext uri="{28A0092B-C50C-407E-A947-70E740481C1C}">
+                <a14:useLocalDpi xmlns="" xmlns:a14="http://schemas.microsoft.com/office/drawing/2010/main" val="0"/>
+              </a:ext>
+            </a:extLst>
+          </a:blip>
+          <a:srcRect l="6536" t="19856" r="63942" b="37837"/>
+          <a:stretch/>
+        </p:blipFill>
+        <p:spPr bwMode="auto">
+          <a:xfrm>
+            <a:off x="5072066" y="1319363"/>
+            <a:ext cx="3841160" cy="3143272"/>
+          </a:xfrm>
+          <a:prstGeom prst="rect">
+            <a:avLst/>
+          </a:prstGeom>
+          <a:noFill/>
+          <a:ln>
+            <a:solidFill>
+              <a:schemeClr val="tx1">
+                <a:lumMod val="95000"/>
+                <a:lumOff val="5000"/>
+              </a:schemeClr>
+            </a:solidFill>
+          </a:ln>
+          <a:effectLst>
+            <a:outerShdw blurRad="50800" dist="38100" dir="2700000" algn="tl" rotWithShape="0">
+              <a:prstClr val="black">
+                <a:alpha val="40000"/>
+              </a:prstClr>
+            </a:outerShdw>
+          </a:effectLst>
+          <a:extLst>
+            <a:ext uri="{909E8E84-426E-40DD-AFC4-6F175D3DCCD1}">
+              <a14:hiddenFill xmlns="" xmlns:a14="http://schemas.microsoft.com/office/drawing/2010/main">
+                <a:solidFill>
+                  <a:schemeClr val="accent1"/>
+                </a:solidFill>
+              </a14:hiddenFill>
+            </a:ext>
+            <a:ext uri="{91240B29-F687-4F45-9708-019B960494DF}">
+              <a14:hiddenLine xmlns="" xmlns:a14="http://schemas.microsoft.com/office/drawing/2010/main" w="9525">
+                <a:solidFill>
+                  <a:schemeClr val="tx1"/>
+                </a:solidFill>
+                <a:miter lim="800000"/>
+                <a:headEnd/>
+                <a:tailEnd/>
+              </a14:hiddenLine>
+            </a:ext>
+            <a:ext uri="{AF507438-7753-43E0-B8FC-AC1667EBCBE1}">
+              <a14:hiddenEffects xmlns="" xmlns:a14="http://schemas.microsoft.com/office/drawing/2010/main">
+                <a:effectLst>
+                  <a:outerShdw dist="35921" dir="2700000" algn="ctr" rotWithShape="0">
+                    <a:schemeClr val="bg2"/>
+                  </a:outerShdw>
+                </a:effectLst>
+              </a14:hiddenEffects>
+            </a:ext>
+          </a:extLst>
+        </p:spPr>
+      </p:pic>
+      <p:pic>
+        <p:nvPicPr>
+          <p:cNvPr id="2052" name="Picture 4"/>
+          <p:cNvPicPr>
+            <a:picLocks noChangeAspect="1" noChangeArrowheads="1"/>
+          </p:cNvPicPr>
+          <p:nvPr/>
+        </p:nvPicPr>
+        <p:blipFill rotWithShape="1">
+          <a:blip r:embed="rId3">
+            <a:extLst>
+              <a:ext uri="{28A0092B-C50C-407E-A947-70E740481C1C}">
+                <a14:useLocalDpi xmlns="" xmlns:a14="http://schemas.microsoft.com/office/drawing/2010/main" val="0"/>
+              </a:ext>
+            </a:extLst>
+          </a:blip>
+          <a:srcRect l="7617" t="19663" r="66002" b="37605"/>
+          <a:stretch/>
+        </p:blipFill>
+        <p:spPr bwMode="auto">
+          <a:xfrm>
+            <a:off x="1428728" y="1319363"/>
+            <a:ext cx="3432517" cy="3143271"/>
+          </a:xfrm>
+          <a:prstGeom prst="rect">
+            <a:avLst/>
+          </a:prstGeom>
+          <a:noFill/>
+          <a:ln>
+            <a:solidFill>
+              <a:schemeClr val="tx1">
+                <a:lumMod val="95000"/>
+                <a:lumOff val="5000"/>
+              </a:schemeClr>
+            </a:solidFill>
+          </a:ln>
+          <a:effectLst>
+            <a:outerShdw blurRad="50800" dist="38100" dir="2700000" algn="tl" rotWithShape="0">
+              <a:prstClr val="black">
+                <a:alpha val="40000"/>
+              </a:prstClr>
+            </a:outerShdw>
+          </a:effectLst>
+          <a:extLst>
+            <a:ext uri="{909E8E84-426E-40DD-AFC4-6F175D3DCCD1}">
+              <a14:hiddenFill xmlns="" xmlns:a14="http://schemas.microsoft.com/office/drawing/2010/main">
+                <a:solidFill>
+                  <a:schemeClr val="accent1"/>
+                </a:solidFill>
+              </a14:hiddenFill>
+            </a:ext>
+            <a:ext uri="{91240B29-F687-4F45-9708-019B960494DF}">
+              <a14:hiddenLine xmlns="" xmlns:a14="http://schemas.microsoft.com/office/drawing/2010/main" w="9525">
+                <a:solidFill>
+                  <a:schemeClr val="tx1"/>
+                </a:solidFill>
+                <a:miter lim="800000"/>
+                <a:headEnd/>
+                <a:tailEnd/>
+              </a14:hiddenLine>
+            </a:ext>
+            <a:ext uri="{AF507438-7753-43E0-B8FC-AC1667EBCBE1}">
+              <a14:hiddenEffects xmlns="" xmlns:a14="http://schemas.microsoft.com/office/drawing/2010/main">
+                <a:effectLst>
+                  <a:outerShdw dist="35921" dir="2700000" algn="ctr" rotWithShape="0">
+                    <a:schemeClr val="bg2"/>
+                  </a:outerShdw>
+                </a:effectLst>
+              </a14:hiddenEffects>
+            </a:ext>
+          </a:extLst>
+        </p:spPr>
+      </p:pic>
+      <p:pic>
+        <p:nvPicPr>
+          <p:cNvPr id="2053" name="Picture 5"/>
+          <p:cNvPicPr>
+            <a:picLocks noChangeAspect="1" noChangeArrowheads="1"/>
+          </p:cNvPicPr>
+          <p:nvPr/>
+        </p:nvPicPr>
+        <p:blipFill rotWithShape="1">
+          <a:blip r:embed="rId4">
+            <a:extLst>
+              <a:ext uri="{28A0092B-C50C-407E-A947-70E740481C1C}">
+                <a14:useLocalDpi xmlns="" xmlns:a14="http://schemas.microsoft.com/office/drawing/2010/main" val="0"/>
+              </a:ext>
+            </a:extLst>
+          </a:blip>
+          <a:srcRect l="7943" t="20048" r="9848" b="55144"/>
+          <a:stretch/>
+        </p:blipFill>
+        <p:spPr bwMode="auto">
+          <a:xfrm>
+            <a:off x="1428728" y="4680975"/>
+            <a:ext cx="7500990" cy="1248355"/>
+          </a:xfrm>
+          <a:prstGeom prst="rect">
+            <a:avLst/>
+          </a:prstGeom>
+          <a:noFill/>
+          <a:ln>
+            <a:solidFill>
+              <a:schemeClr val="tx1">
+                <a:lumMod val="95000"/>
+                <a:lumOff val="5000"/>
+              </a:schemeClr>
+            </a:solidFill>
+          </a:ln>
+          <a:effectLst>
+            <a:outerShdw blurRad="50800" dist="38100" dir="2700000" algn="tl" rotWithShape="0">
+              <a:prstClr val="black">
+                <a:alpha val="40000"/>
+              </a:prstClr>
+            </a:outerShdw>
+          </a:effectLst>
+          <a:extLst>
+            <a:ext uri="{909E8E84-426E-40DD-AFC4-6F175D3DCCD1}">
+              <a14:hiddenFill xmlns="" xmlns:a14="http://schemas.microsoft.com/office/drawing/2010/main">
+                <a:solidFill>
+                  <a:schemeClr val="accent1"/>
+                </a:solidFill>
+              </a14:hiddenFill>
+            </a:ext>
+            <a:ext uri="{91240B29-F687-4F45-9708-019B960494DF}">
+              <a14:hiddenLine xmlns="" xmlns:a14="http://schemas.microsoft.com/office/drawing/2010/main" w="9525">
+                <a:solidFill>
+                  <a:schemeClr val="tx1"/>
+                </a:solidFill>
+                <a:miter lim="800000"/>
+                <a:headEnd/>
+                <a:tailEnd/>
+              </a14:hiddenLine>
+            </a:ext>
+            <a:ext uri="{AF507438-7753-43E0-B8FC-AC1667EBCBE1}">
+              <a14:hiddenEffects xmlns="" xmlns:a14="http://schemas.microsoft.com/office/drawing/2010/main">
+                <a:effectLst>
+                  <a:outerShdw dist="35921" dir="2700000" algn="ctr" rotWithShape="0">
+                    <a:schemeClr val="bg2"/>
+                  </a:outerShdw>
+                </a:effectLst>
+              </a14:hiddenEffects>
+            </a:ext>
+          </a:extLst>
+        </p:spPr>
+      </p:pic>
     </p:spTree>
     <p:extLst>
       <p:ext uri="{BB962C8B-B14F-4D97-AF65-F5344CB8AC3E}">
-        <p14:creationId xmlns:p14="http://schemas.microsoft.com/office/powerpoint/2010/main" xmlns="" val="891763176"/>
+        <p14:creationId xmlns="" xmlns:p14="http://schemas.microsoft.com/office/powerpoint/2010/main" val="891763176"/>
       </p:ext>
     </p:extLst>
   </p:cSld>
   <p:clrMapOvr>
     <a:masterClrMapping/>
   </p:clrMapOvr>
-  <p:transition/>
+  <p:transition advTm="0"/>
   <p:timing>
     <p:tnLst>
       <p:par>
@@ -5638,118 +5625,261 @@
           <a:chExt cx="0" cy="0"/>
         </a:xfrm>
       </p:grpSpPr>
-      <p:pic>
-        <p:nvPicPr>
-          <p:cNvPr id="4" name="내용 개체 틀 3" descr="team.png"/>
-          <p:cNvPicPr>
-            <a:picLocks noGrp="1" noChangeAspect="1"/>
-          </p:cNvPicPr>
+      <p:sp>
+        <p:nvSpPr>
+          <p:cNvPr id="2" name="제목 1"/>
+          <p:cNvSpPr>
+            <a:spLocks noGrp="1"/>
+          </p:cNvSpPr>
+          <p:nvPr>
+            <p:ph type="title"/>
+          </p:nvPr>
+        </p:nvSpPr>
+        <p:spPr>
+          <a:xfrm>
+            <a:off x="1285852" y="0"/>
+            <a:ext cx="9144000" cy="1124744"/>
+          </a:xfrm>
+        </p:spPr>
+        <p:txBody>
+          <a:bodyPr/>
+          <a:lstStyle/>
+          <a:p>
+            <a:r>
+              <a:rPr lang="en-US" altLang="ko-KR" sz="4400" dirty="0" smtClean="0">
+                <a:solidFill>
+                  <a:schemeClr val="tx1">
+                    <a:lumMod val="75000"/>
+                    <a:lumOff val="25000"/>
+                  </a:schemeClr>
+                </a:solidFill>
+                <a:latin typeface="+mj-lt"/>
+              </a:rPr>
+              <a:t>Manchester United </a:t>
+            </a:r>
+            <a:r>
+              <a:rPr lang="ko-KR" altLang="en-US" sz="4400" dirty="0" smtClean="0">
+                <a:solidFill>
+                  <a:schemeClr val="tx1">
+                    <a:lumMod val="75000"/>
+                    <a:lumOff val="25000"/>
+                  </a:schemeClr>
+                </a:solidFill>
+                <a:latin typeface="굴림" pitchFamily="50" charset="-127"/>
+                <a:ea typeface="굴림" pitchFamily="50" charset="-127"/>
+              </a:rPr>
+              <a:t>구단관리</a:t>
+            </a:r>
+            <a:endParaRPr lang="ko-KR" altLang="en-US" sz="4400" dirty="0">
+              <a:solidFill>
+                <a:schemeClr val="tx1">
+                  <a:lumMod val="75000"/>
+                  <a:lumOff val="25000"/>
+                </a:schemeClr>
+              </a:solidFill>
+              <a:latin typeface="굴림" pitchFamily="50" charset="-127"/>
+              <a:ea typeface="굴림" pitchFamily="50" charset="-127"/>
+            </a:endParaRPr>
+          </a:p>
+        </p:txBody>
+      </p:sp>
+      <p:sp>
+        <p:nvSpPr>
+          <p:cNvPr id="3" name="내용 개체 틀 2"/>
+          <p:cNvSpPr>
+            <a:spLocks noGrp="1"/>
+          </p:cNvSpPr>
           <p:nvPr>
             <p:ph idx="1"/>
           </p:nvPr>
-        </p:nvPicPr>
-        <p:blipFill>
-          <a:blip r:embed="rId2" cstate="print"/>
-          <a:stretch>
-            <a:fillRect/>
-          </a:stretch>
-        </p:blipFill>
-        <p:spPr>
-          <a:xfrm>
-            <a:off x="1259632" y="548680"/>
-            <a:ext cx="6089925" cy="2376264"/>
-          </a:xfrm>
-          <a:ln>
-            <a:solidFill>
-              <a:schemeClr val="tx1">
-                <a:lumMod val="95000"/>
-                <a:lumOff val="5000"/>
-              </a:schemeClr>
-            </a:solidFill>
-          </a:ln>
-          <a:effectLst>
-            <a:outerShdw blurRad="50800" dist="38100" dir="2700000" algn="tl" rotWithShape="0">
-              <a:prstClr val="black">
-                <a:alpha val="40000"/>
-              </a:prstClr>
-            </a:outerShdw>
-          </a:effectLst>
-        </p:spPr>
-      </p:pic>
-      <p:pic>
-        <p:nvPicPr>
-          <p:cNvPr id="5" name="그림 4" descr="players.png"/>
-          <p:cNvPicPr>
-            <a:picLocks noChangeAspect="1"/>
-          </p:cNvPicPr>
-          <p:nvPr/>
-        </p:nvPicPr>
-        <p:blipFill>
-          <a:blip r:embed="rId3" cstate="print"/>
-          <a:stretch>
-            <a:fillRect/>
-          </a:stretch>
-        </p:blipFill>
-        <p:spPr>
-          <a:xfrm>
-            <a:off x="4283968" y="3212976"/>
-            <a:ext cx="4644008" cy="3275200"/>
-          </a:xfrm>
-          <a:prstGeom prst="rect">
-            <a:avLst/>
-          </a:prstGeom>
-          <a:ln>
-            <a:solidFill>
-              <a:schemeClr val="tx1">
-                <a:lumMod val="95000"/>
-                <a:lumOff val="5000"/>
-              </a:schemeClr>
-            </a:solidFill>
-          </a:ln>
-          <a:effectLst>
-            <a:outerShdw blurRad="50800" dist="38100" dir="2700000" algn="tl" rotWithShape="0">
-              <a:prstClr val="black">
-                <a:alpha val="40000"/>
-              </a:prstClr>
-            </a:outerShdw>
-          </a:effectLst>
-        </p:spPr>
-      </p:pic>
-      <p:cxnSp>
-        <p:nvCxnSpPr>
-          <p:cNvPr id="17" name="Shape 16"/>
-          <p:cNvCxnSpPr>
-            <a:endCxn id="5" idx="1"/>
-          </p:cNvCxnSpPr>
-          <p:nvPr/>
-        </p:nvCxnSpPr>
-        <p:spPr>
-          <a:xfrm rot="16200000" flipH="1">
-            <a:off x="2385048" y="2951656"/>
-            <a:ext cx="1925632" cy="1872208"/>
-          </a:xfrm>
-          <a:prstGeom prst="bentConnector2">
-            <a:avLst/>
-          </a:prstGeom>
-          <a:ln>
-            <a:tailEnd type="arrow"/>
-          </a:ln>
-        </p:spPr>
-        <p:style>
-          <a:lnRef idx="1">
-            <a:schemeClr val="accent1"/>
-          </a:lnRef>
-          <a:fillRef idx="0">
-            <a:schemeClr val="accent1"/>
-          </a:fillRef>
-          <a:effectRef idx="0">
-            <a:schemeClr val="accent1"/>
-          </a:effectRef>
-          <a:fontRef idx="minor">
-            <a:schemeClr val="tx1"/>
-          </a:fontRef>
-        </p:style>
-      </p:cxnSp>
+        </p:nvSpPr>
+        <p:spPr>
+          <a:xfrm>
+            <a:off x="1331640" y="1556792"/>
+            <a:ext cx="7355160" cy="4569371"/>
+          </a:xfrm>
+        </p:spPr>
+        <p:txBody>
+          <a:bodyPr/>
+          <a:lstStyle/>
+          <a:p>
+            <a:r>
+              <a:rPr lang="en-US" altLang="ko-KR" sz="3000" dirty="0" smtClean="0"/>
+              <a:t>Team </a:t>
+            </a:r>
+            <a:r>
+              <a:rPr lang="ko-KR" altLang="en-US" sz="3000" dirty="0" smtClean="0"/>
+              <a:t>관리</a:t>
+            </a:r>
+            <a:endParaRPr lang="en-US" altLang="ko-KR" sz="3000" dirty="0" smtClean="0"/>
+          </a:p>
+          <a:p>
+            <a:pPr>
+              <a:buFont typeface="Wingdings" pitchFamily="2" charset="2"/>
+              <a:buChar char="ü"/>
+            </a:pPr>
+            <a:r>
+              <a:rPr lang="ko-KR" altLang="en-US" sz="1900" dirty="0" smtClean="0">
+                <a:solidFill>
+                  <a:schemeClr val="tx1">
+                    <a:lumMod val="50000"/>
+                    <a:lumOff val="50000"/>
+                  </a:schemeClr>
+                </a:solidFill>
+              </a:rPr>
+              <a:t>구단 소속 팀 등록 </a:t>
+            </a:r>
+            <a:endParaRPr lang="en-US" altLang="ko-KR" sz="1900" dirty="0" smtClean="0">
+              <a:solidFill>
+                <a:schemeClr val="tx1">
+                  <a:lumMod val="50000"/>
+                  <a:lumOff val="50000"/>
+                </a:schemeClr>
+              </a:solidFill>
+            </a:endParaRPr>
+          </a:p>
+          <a:p>
+            <a:pPr>
+              <a:buFont typeface="Wingdings" pitchFamily="2" charset="2"/>
+              <a:buChar char="ü"/>
+            </a:pPr>
+            <a:r>
+              <a:rPr lang="ko-KR" altLang="en-US" sz="1900" dirty="0" smtClean="0">
+                <a:solidFill>
+                  <a:schemeClr val="tx1">
+                    <a:lumMod val="50000"/>
+                    <a:lumOff val="50000"/>
+                  </a:schemeClr>
+                </a:solidFill>
+              </a:rPr>
+              <a:t>구단 소속 팀 수정 </a:t>
+            </a:r>
+            <a:endParaRPr lang="en-US" altLang="ko-KR" sz="1900" dirty="0" smtClean="0">
+              <a:solidFill>
+                <a:schemeClr val="tx1">
+                  <a:lumMod val="50000"/>
+                  <a:lumOff val="50000"/>
+                </a:schemeClr>
+              </a:solidFill>
+            </a:endParaRPr>
+          </a:p>
+          <a:p>
+            <a:pPr>
+              <a:buFont typeface="Wingdings" pitchFamily="2" charset="2"/>
+              <a:buChar char="ü"/>
+            </a:pPr>
+            <a:r>
+              <a:rPr lang="ko-KR" altLang="en-US" sz="1900" dirty="0" smtClean="0">
+                <a:solidFill>
+                  <a:schemeClr val="tx1">
+                    <a:lumMod val="50000"/>
+                    <a:lumOff val="50000"/>
+                  </a:schemeClr>
+                </a:solidFill>
+              </a:rPr>
+              <a:t>구단 소속 팀 삭제</a:t>
+            </a:r>
+            <a:endParaRPr lang="en-US" altLang="ko-KR" sz="1900" dirty="0" smtClean="0">
+              <a:solidFill>
+                <a:schemeClr val="tx1">
+                  <a:lumMod val="50000"/>
+                  <a:lumOff val="50000"/>
+                </a:schemeClr>
+              </a:solidFill>
+            </a:endParaRPr>
+          </a:p>
+          <a:p>
+            <a:pPr lvl="1"/>
+            <a:endParaRPr lang="en-US" altLang="ko-KR" dirty="0" smtClean="0"/>
+          </a:p>
+          <a:p>
+            <a:r>
+              <a:rPr lang="en-US" altLang="ko-KR" sz="3000" dirty="0" smtClean="0"/>
+              <a:t>Member </a:t>
+            </a:r>
+            <a:r>
+              <a:rPr lang="ko-KR" altLang="en-US" sz="3000" dirty="0" smtClean="0"/>
+              <a:t>관리</a:t>
+            </a:r>
+            <a:endParaRPr lang="en-US" altLang="ko-KR" sz="3000" dirty="0" smtClean="0"/>
+          </a:p>
+          <a:p>
+            <a:pPr>
+              <a:buFont typeface="Wingdings" pitchFamily="2" charset="2"/>
+              <a:buChar char="ü"/>
+            </a:pPr>
+            <a:r>
+              <a:rPr lang="ko-KR" altLang="en-US" sz="1900" dirty="0" smtClean="0">
+                <a:solidFill>
+                  <a:schemeClr val="tx1">
+                    <a:lumMod val="50000"/>
+                    <a:lumOff val="50000"/>
+                  </a:schemeClr>
+                </a:solidFill>
+              </a:rPr>
+              <a:t>팀 멤버 등록 </a:t>
+            </a:r>
+            <a:endParaRPr lang="en-US" altLang="ko-KR" sz="1900" dirty="0" smtClean="0">
+              <a:solidFill>
+                <a:schemeClr val="tx1">
+                  <a:lumMod val="50000"/>
+                  <a:lumOff val="50000"/>
+                </a:schemeClr>
+              </a:solidFill>
+            </a:endParaRPr>
+          </a:p>
+          <a:p>
+            <a:pPr>
+              <a:buFont typeface="Wingdings" pitchFamily="2" charset="2"/>
+              <a:buChar char="ü"/>
+            </a:pPr>
+            <a:r>
+              <a:rPr lang="ko-KR" altLang="en-US" sz="1900" dirty="0" smtClean="0">
+                <a:solidFill>
+                  <a:schemeClr val="tx1">
+                    <a:lumMod val="50000"/>
+                    <a:lumOff val="50000"/>
+                  </a:schemeClr>
+                </a:solidFill>
+              </a:rPr>
+              <a:t>팀 멤버 수정 </a:t>
+            </a:r>
+            <a:endParaRPr lang="en-US" altLang="ko-KR" sz="1900" dirty="0" smtClean="0">
+              <a:solidFill>
+                <a:schemeClr val="tx1">
+                  <a:lumMod val="50000"/>
+                  <a:lumOff val="50000"/>
+                </a:schemeClr>
+              </a:solidFill>
+            </a:endParaRPr>
+          </a:p>
+          <a:p>
+            <a:pPr>
+              <a:buFont typeface="Wingdings" pitchFamily="2" charset="2"/>
+              <a:buChar char="ü"/>
+            </a:pPr>
+            <a:r>
+              <a:rPr lang="ko-KR" altLang="en-US" sz="1900" dirty="0" smtClean="0">
+                <a:solidFill>
+                  <a:schemeClr val="tx1">
+                    <a:lumMod val="50000"/>
+                    <a:lumOff val="50000"/>
+                  </a:schemeClr>
+                </a:solidFill>
+              </a:rPr>
+              <a:t>팀 멤버 삭제</a:t>
+            </a:r>
+            <a:endParaRPr lang="ko-KR" altLang="en-US" sz="1900" dirty="0">
+              <a:solidFill>
+                <a:schemeClr val="tx1">
+                  <a:lumMod val="50000"/>
+                  <a:lumOff val="50000"/>
+                </a:schemeClr>
+              </a:solidFill>
+            </a:endParaRPr>
+          </a:p>
+        </p:txBody>
+      </p:sp>
     </p:spTree>
   </p:cSld>
   <p:clrMapOvr>
@@ -5884,16 +6014,6 @@
               </a:rPr>
               <a:t>(Team Leader)</a:t>
             </a:r>
-            <a:endParaRPr lang="en-US" altLang="ko-KR" sz="3000" dirty="0" smtClean="0">
-              <a:solidFill>
-                <a:schemeClr val="tx1">
-                  <a:lumMod val="75000"/>
-                  <a:lumOff val="25000"/>
-                </a:schemeClr>
-              </a:solidFill>
-              <a:latin typeface="Calibri" pitchFamily="34" charset="0"/>
-              <a:cs typeface="Calibri" pitchFamily="34" charset="0"/>
-            </a:endParaRPr>
           </a:p>
           <a:p>
             <a:pPr>
@@ -6030,16 +6150,6 @@
               </a:rPr>
               <a:t>(Team Member)</a:t>
             </a:r>
-            <a:endParaRPr lang="en-US" altLang="ko-KR" sz="3000" dirty="0" smtClean="0">
-              <a:solidFill>
-                <a:schemeClr val="tx1">
-                  <a:lumMod val="75000"/>
-                  <a:lumOff val="25000"/>
-                </a:schemeClr>
-              </a:solidFill>
-              <a:latin typeface="Calibri" pitchFamily="34" charset="0"/>
-              <a:cs typeface="Calibri" pitchFamily="34" charset="0"/>
-            </a:endParaRPr>
           </a:p>
           <a:p>
             <a:pPr>
@@ -6122,20 +6232,7 @@
                 <a:latin typeface="Calibri" pitchFamily="34" charset="0"/>
                 <a:cs typeface="Calibri" pitchFamily="34" charset="0"/>
               </a:rPr>
-              <a:t>(</a:t>
-            </a:r>
-            <a:r>
-              <a:rPr lang="en-US" altLang="ko-KR" sz="3000" dirty="0" smtClean="0">
-                <a:solidFill>
-                  <a:schemeClr val="tx1">
-                    <a:lumMod val="75000"/>
-                    <a:lumOff val="25000"/>
-                  </a:schemeClr>
-                </a:solidFill>
-                <a:latin typeface="Calibri" pitchFamily="34" charset="0"/>
-                <a:cs typeface="Calibri" pitchFamily="34" charset="0"/>
-              </a:rPr>
-              <a:t>Team Member)</a:t>
+              <a:t>(Team Member)</a:t>
             </a:r>
           </a:p>
           <a:p>
@@ -6206,10 +6303,10 @@
                 <a:latin typeface="Calibri" pitchFamily="34" charset="0"/>
                 <a:cs typeface="Calibri" pitchFamily="34" charset="0"/>
               </a:rPr>
-              <a:t>이진</a:t>
-            </a:r>
-            <a:r>
-              <a:rPr lang="ko-KR" altLang="en-US" sz="3000" dirty="0" smtClean="0">
+              <a:t>이진주 </a:t>
+            </a:r>
+            <a:r>
+              <a:rPr lang="en-US" altLang="ko-KR" sz="3000" dirty="0" smtClean="0">
                 <a:solidFill>
                   <a:schemeClr val="tx1">
                     <a:lumMod val="75000"/>
@@ -6219,44 +6316,8 @@
                 <a:latin typeface="Calibri" pitchFamily="34" charset="0"/>
                 <a:cs typeface="Calibri" pitchFamily="34" charset="0"/>
               </a:rPr>
-              <a:t>주</a:t>
-            </a:r>
-            <a:r>
-              <a:rPr lang="ko-KR" altLang="en-US" sz="3000" dirty="0" smtClean="0">
-                <a:solidFill>
-                  <a:schemeClr val="tx1">
-                    <a:lumMod val="75000"/>
-                    <a:lumOff val="25000"/>
-                  </a:schemeClr>
-                </a:solidFill>
-                <a:latin typeface="Calibri" pitchFamily="34" charset="0"/>
-                <a:cs typeface="Calibri" pitchFamily="34" charset="0"/>
-              </a:rPr>
-              <a:t> </a:t>
-            </a:r>
-            <a:r>
-              <a:rPr lang="en-US" altLang="ko-KR" sz="3000" dirty="0" smtClean="0">
-                <a:solidFill>
-                  <a:schemeClr val="tx1">
-                    <a:lumMod val="75000"/>
-                    <a:lumOff val="25000"/>
-                  </a:schemeClr>
-                </a:solidFill>
-                <a:latin typeface="Calibri" pitchFamily="34" charset="0"/>
-                <a:cs typeface="Calibri" pitchFamily="34" charset="0"/>
-              </a:rPr>
               <a:t>(Team Member)</a:t>
             </a:r>
-            <a:endParaRPr lang="en-US" altLang="ko-KR" sz="3000" dirty="0" smtClean="0">
-              <a:solidFill>
-                <a:schemeClr val="tx1">
-                  <a:lumMod val="75000"/>
-                  <a:lumOff val="25000"/>
-                </a:schemeClr>
-              </a:solidFill>
-              <a:latin typeface="Calibri" pitchFamily="34" charset="0"/>
-              <a:cs typeface="Calibri" pitchFamily="34" charset="0"/>
-            </a:endParaRPr>
           </a:p>
           <a:p>
             <a:pPr>
@@ -6326,20 +6387,7 @@
                 <a:latin typeface="Calibri" pitchFamily="34" charset="0"/>
                 <a:cs typeface="Calibri" pitchFamily="34" charset="0"/>
               </a:rPr>
-              <a:t>남</a:t>
-            </a:r>
-            <a:r>
-              <a:rPr lang="ko-KR" altLang="en-US" dirty="0" smtClean="0">
-                <a:solidFill>
-                  <a:schemeClr val="tx1">
-                    <a:lumMod val="75000"/>
-                    <a:lumOff val="25000"/>
-                  </a:schemeClr>
-                </a:solidFill>
-                <a:latin typeface="Calibri" pitchFamily="34" charset="0"/>
-                <a:cs typeface="Calibri" pitchFamily="34" charset="0"/>
-              </a:rPr>
-              <a:t>상혁 </a:t>
+              <a:t>남상혁 </a:t>
             </a:r>
             <a:r>
               <a:rPr lang="en-US" altLang="ko-KR" dirty="0" smtClean="0">
@@ -6423,7 +6471,7 @@
     </p:spTree>
     <p:extLst>
       <p:ext uri="{BB962C8B-B14F-4D97-AF65-F5344CB8AC3E}">
-        <p14:creationId xmlns:p14="http://schemas.microsoft.com/office/powerpoint/2010/main" xmlns="" val="891763176"/>
+        <p14:creationId xmlns="" xmlns:p14="http://schemas.microsoft.com/office/powerpoint/2010/main" val="891763176"/>
       </p:ext>
     </p:extLst>
   </p:cSld>
@@ -6460,7 +6508,7 @@
       </p:grpSpPr>
       <p:pic>
         <p:nvPicPr>
-          <p:cNvPr id="9" name="내용 개체 틀 3" descr="team.png"/>
+          <p:cNvPr id="5" name="내용 개체 틀 4" descr="manu.png"/>
           <p:cNvPicPr>
             <a:picLocks noGrp="1" noChangeAspect="1"/>
           </p:cNvPicPr>
@@ -6476,97 +6524,14 @@
         </p:blipFill>
         <p:spPr>
           <a:xfrm>
-            <a:off x="1403649" y="1194411"/>
-            <a:ext cx="4811426" cy="1877399"/>
-          </a:xfrm>
-          <a:ln>
-            <a:solidFill>
-              <a:schemeClr val="tx1">
-                <a:lumMod val="75000"/>
-                <a:lumOff val="25000"/>
-              </a:schemeClr>
-            </a:solidFill>
-          </a:ln>
-          <a:effectLst>
-            <a:outerShdw blurRad="50800" dist="38100" dir="2700000" algn="tl" rotWithShape="0">
-              <a:prstClr val="black">
-                <a:alpha val="40000"/>
-              </a:prstClr>
-            </a:outerShdw>
-          </a:effectLst>
-        </p:spPr>
-      </p:pic>
-      <p:pic>
-        <p:nvPicPr>
-          <p:cNvPr id="1029" name="Picture 5" descr="C:\Users\java\Desktop\modal-regist.png"/>
-          <p:cNvPicPr>
-            <a:picLocks noChangeAspect="1" noChangeArrowheads="1"/>
-          </p:cNvPicPr>
-          <p:nvPr/>
-        </p:nvPicPr>
-        <p:blipFill>
-          <a:blip r:embed="rId3" cstate="print"/>
-          <a:srcRect/>
-          <a:stretch>
-            <a:fillRect/>
-          </a:stretch>
-        </p:blipFill>
-        <p:spPr bwMode="auto">
-          <a:xfrm>
-            <a:off x="1428728" y="3256772"/>
-            <a:ext cx="3214970" cy="1386674"/>
-          </a:xfrm>
-          <a:prstGeom prst="rect">
-            <a:avLst/>
-          </a:prstGeom>
-          <a:noFill/>
-          <a:ln>
-            <a:solidFill>
-              <a:schemeClr val="tx1">
-                <a:lumMod val="95000"/>
-                <a:lumOff val="5000"/>
-              </a:schemeClr>
-            </a:solidFill>
-          </a:ln>
-        </p:spPr>
-      </p:pic>
-      <p:pic>
-        <p:nvPicPr>
-          <p:cNvPr id="1031" name="Picture 7" descr="C:\Users\java\Desktop\modla_modify.png"/>
-          <p:cNvPicPr>
-            <a:picLocks noChangeAspect="1" noChangeArrowheads="1"/>
-          </p:cNvPicPr>
-          <p:nvPr/>
-        </p:nvPicPr>
-        <p:blipFill>
-          <a:blip r:embed="rId4" cstate="print"/>
-          <a:srcRect/>
-          <a:stretch>
-            <a:fillRect/>
-          </a:stretch>
-        </p:blipFill>
-        <p:spPr bwMode="auto">
-          <a:xfrm>
-            <a:off x="5180933" y="3271949"/>
-            <a:ext cx="3248719" cy="1800125"/>
-          </a:xfrm>
-          <a:prstGeom prst="rect">
-            <a:avLst/>
-          </a:prstGeom>
-          <a:noFill/>
-          <a:ln>
-            <a:solidFill>
-              <a:schemeClr val="tx1">
-                <a:lumMod val="95000"/>
-                <a:lumOff val="5000"/>
-              </a:schemeClr>
-            </a:solidFill>
-          </a:ln>
+            <a:off x="1907704" y="1556792"/>
+            <a:ext cx="4536504" cy="4335996"/>
+          </a:xfrm>
         </p:spPr>
       </p:pic>
       <p:sp>
         <p:nvSpPr>
-          <p:cNvPr id="13" name="제목 12"/>
+          <p:cNvPr id="6" name="제목 1"/>
           <p:cNvSpPr>
             <a:spLocks noGrp="1"/>
           </p:cNvSpPr>
@@ -6576,8 +6541,8 @@
         </p:nvSpPr>
         <p:spPr>
           <a:xfrm>
-            <a:off x="1285916" y="0"/>
-            <a:ext cx="9144000" cy="1069514"/>
+            <a:off x="1285852" y="0"/>
+            <a:ext cx="9144000" cy="1124744"/>
           </a:xfrm>
         </p:spPr>
         <p:txBody>
@@ -6588,61 +6553,33 @@
               <a:rPr lang="en-US" altLang="ko-KR" sz="4400" dirty="0" smtClean="0">
                 <a:solidFill>
                   <a:schemeClr val="tx1">
-                    <a:lumMod val="65000"/>
-                    <a:lumOff val="35000"/>
+                    <a:lumMod val="75000"/>
+                    <a:lumOff val="25000"/>
                   </a:schemeClr>
                 </a:solidFill>
                 <a:latin typeface="+mj-lt"/>
               </a:rPr>
-              <a:t>Team </a:t>
+              <a:t>Manchester United</a:t>
             </a:r>
             <a:endParaRPr lang="ko-KR" altLang="en-US" sz="4400" dirty="0">
               <a:solidFill>
                 <a:schemeClr val="tx1">
-                  <a:lumMod val="65000"/>
-                  <a:lumOff val="35000"/>
+                  <a:lumMod val="75000"/>
+                  <a:lumOff val="25000"/>
                 </a:schemeClr>
               </a:solidFill>
-              <a:latin typeface="+mj-lt"/>
+              <a:latin typeface="굴림" pitchFamily="50" charset="-127"/>
+              <a:ea typeface="굴림" pitchFamily="50" charset="-127"/>
             </a:endParaRPr>
           </a:p>
         </p:txBody>
       </p:sp>
-      <p:pic>
-        <p:nvPicPr>
-          <p:cNvPr id="1030" name="Picture 6" descr="C:\Users\java\Desktop\modla_delte.png"/>
-          <p:cNvPicPr>
-            <a:picLocks noChangeAspect="1" noChangeArrowheads="1"/>
-          </p:cNvPicPr>
-          <p:nvPr/>
-        </p:nvPicPr>
-        <p:blipFill>
-          <a:blip r:embed="rId5" cstate="print"/>
-          <a:srcRect/>
-          <a:stretch>
-            <a:fillRect/>
-          </a:stretch>
-        </p:blipFill>
-        <p:spPr bwMode="auto">
-          <a:xfrm>
-            <a:off x="1428728" y="5143512"/>
-            <a:ext cx="4024469" cy="1251825"/>
-          </a:xfrm>
-          <a:prstGeom prst="rect">
-            <a:avLst/>
-          </a:prstGeom>
-          <a:noFill/>
-          <a:ln>
-            <a:solidFill>
-              <a:schemeClr val="tx1">
-                <a:lumMod val="95000"/>
-                <a:lumOff val="5000"/>
-              </a:schemeClr>
-            </a:solidFill>
-          </a:ln>
-        </p:spPr>
-      </p:pic>
     </p:spTree>
+    <p:extLst>
+      <p:ext uri="{BB962C8B-B14F-4D97-AF65-F5344CB8AC3E}">
+        <p14:creationId xmlns="" xmlns:p14="http://schemas.microsoft.com/office/powerpoint/2010/main" val="891763176"/>
+      </p:ext>
+    </p:extLst>
   </p:cSld>
   <p:clrMapOvr>
     <a:masterClrMapping/>
@@ -6693,8 +6630,8 @@
         </p:blipFill>
         <p:spPr>
           <a:xfrm>
-            <a:off x="1403648" y="332656"/>
-            <a:ext cx="6274468" cy="2448272"/>
+            <a:off x="1259632" y="548680"/>
+            <a:ext cx="6089925" cy="2376264"/>
           </a:xfrm>
           <a:ln>
             <a:solidFill>
@@ -6715,28 +6652,26 @@
       </p:pic>
       <p:pic>
         <p:nvPicPr>
-          <p:cNvPr id="3074" name="Picture 2" descr="C:\Users\java\Desktop\20170411_104345.png"/>
+          <p:cNvPr id="5" name="그림 4" descr="players.png"/>
           <p:cNvPicPr>
-            <a:picLocks noChangeAspect="1" noChangeArrowheads="1"/>
+            <a:picLocks noChangeAspect="1"/>
           </p:cNvPicPr>
           <p:nvPr/>
         </p:nvPicPr>
         <p:blipFill>
           <a:blip r:embed="rId3" cstate="print"/>
-          <a:srcRect/>
           <a:stretch>
             <a:fillRect/>
           </a:stretch>
         </p:blipFill>
-        <p:spPr bwMode="auto">
-          <a:xfrm>
-            <a:off x="2195736" y="3068960"/>
-            <a:ext cx="6571307" cy="3473698"/>
+        <p:spPr>
+          <a:xfrm>
+            <a:off x="4283968" y="3212976"/>
+            <a:ext cx="4644008" cy="3275200"/>
           </a:xfrm>
           <a:prstGeom prst="rect">
             <a:avLst/>
           </a:prstGeom>
-          <a:noFill/>
           <a:ln>
             <a:solidFill>
               <a:schemeClr val="tx1">
@@ -6754,67 +6689,20 @@
           </a:effectLst>
         </p:spPr>
       </p:pic>
-      <p:sp>
-        <p:nvSpPr>
-          <p:cNvPr id="8" name="직사각형 7"/>
-          <p:cNvSpPr/>
-          <p:nvPr/>
-        </p:nvSpPr>
-        <p:spPr>
-          <a:xfrm>
-            <a:off x="4067944" y="1340768"/>
-            <a:ext cx="504056" cy="648072"/>
-          </a:xfrm>
-          <a:prstGeom prst="rect">
-            <a:avLst/>
-          </a:prstGeom>
-          <a:noFill/>
-          <a:effectLst>
-            <a:glow rad="63500">
-              <a:schemeClr val="accent2">
-                <a:satMod val="175000"/>
-                <a:alpha val="40000"/>
-              </a:schemeClr>
-            </a:glow>
-          </a:effectLst>
-        </p:spPr>
-        <p:style>
-          <a:lnRef idx="2">
-            <a:schemeClr val="accent1">
-              <a:shade val="50000"/>
-            </a:schemeClr>
-          </a:lnRef>
-          <a:fillRef idx="1">
-            <a:schemeClr val="accent1"/>
-          </a:fillRef>
-          <a:effectRef idx="0">
-            <a:schemeClr val="accent1"/>
-          </a:effectRef>
-          <a:fontRef idx="minor">
-            <a:schemeClr val="lt1"/>
-          </a:fontRef>
-        </p:style>
-        <p:txBody>
-          <a:bodyPr rtlCol="0" anchor="ctr"/>
-          <a:lstStyle/>
-          <a:p>
-            <a:pPr algn="ctr"/>
-            <a:endParaRPr lang="ko-KR" altLang="en-US"/>
-          </a:p>
-        </p:txBody>
-      </p:sp>
       <p:cxnSp>
         <p:nvCxnSpPr>
-          <p:cNvPr id="10" name="직선 화살표 연결선 9"/>
-          <p:cNvCxnSpPr/>
+          <p:cNvPr id="17" name="Shape 16"/>
+          <p:cNvCxnSpPr>
+            <a:endCxn id="5" idx="1"/>
+          </p:cNvCxnSpPr>
           <p:nvPr/>
         </p:nvCxnSpPr>
         <p:spPr>
-          <a:xfrm>
-            <a:off x="4334710" y="2039582"/>
-            <a:ext cx="0" cy="936104"/>
-          </a:xfrm>
-          <a:prstGeom prst="straightConnector1">
+          <a:xfrm rot="16200000" flipH="1">
+            <a:off x="2385048" y="2951656"/>
+            <a:ext cx="1925632" cy="1872208"/>
+          </a:xfrm>
+          <a:prstGeom prst="bentConnector2">
             <a:avLst/>
           </a:prstGeom>
           <a:ln>
@@ -6836,40 +6724,6 @@
           </a:fontRef>
         </p:style>
       </p:cxnSp>
-      <p:sp>
-        <p:nvSpPr>
-          <p:cNvPr id="11" name="TextBox 10"/>
-          <p:cNvSpPr txBox="1"/>
-          <p:nvPr/>
-        </p:nvSpPr>
-        <p:spPr>
-          <a:xfrm>
-            <a:off x="4516412" y="2316981"/>
-            <a:ext cx="3600400" cy="307777"/>
-          </a:xfrm>
-          <a:prstGeom prst="rect">
-            <a:avLst/>
-          </a:prstGeom>
-          <a:noFill/>
-        </p:spPr>
-        <p:txBody>
-          <a:bodyPr wrap="square" rtlCol="0">
-            <a:spAutoFit/>
-          </a:bodyPr>
-          <a:lstStyle/>
-          <a:p>
-            <a:r>
-              <a:rPr lang="en-US" altLang="ko-KR" sz="1400" dirty="0" smtClean="0"/>
-              <a:t>Click</a:t>
-            </a:r>
-            <a:r>
-              <a:rPr lang="ko-KR" altLang="en-US" sz="1400" dirty="0" smtClean="0"/>
-              <a:t>시 정보 페이지로 이동 </a:t>
-            </a:r>
-            <a:endParaRPr lang="ko-KR" altLang="en-US" sz="1400" dirty="0"/>
-          </a:p>
-        </p:txBody>
-      </p:sp>
     </p:spTree>
   </p:cSld>
   <p:clrMapOvr>
@@ -6905,33 +6759,30 @@
       </p:grpSpPr>
       <p:pic>
         <p:nvPicPr>
-          <p:cNvPr id="2050" name="Picture 2" descr="C:\Users\java\Desktop\players.png"/>
+          <p:cNvPr id="9" name="내용 개체 틀 3" descr="team.png"/>
           <p:cNvPicPr>
-            <a:picLocks noChangeAspect="1" noChangeArrowheads="1"/>
+            <a:picLocks noGrp="1" noChangeAspect="1"/>
           </p:cNvPicPr>
-          <p:nvPr/>
+          <p:nvPr>
+            <p:ph idx="1"/>
+          </p:nvPr>
         </p:nvPicPr>
         <p:blipFill>
           <a:blip r:embed="rId2" cstate="print"/>
-          <a:srcRect/>
           <a:stretch>
             <a:fillRect/>
           </a:stretch>
         </p:blipFill>
-        <p:spPr bwMode="auto">
-          <a:xfrm>
-            <a:off x="1259632" y="1052736"/>
-            <a:ext cx="7161460" cy="5050641"/>
-          </a:xfrm>
-          <a:prstGeom prst="rect">
-            <a:avLst/>
-          </a:prstGeom>
-          <a:noFill/>
+        <p:spPr>
+          <a:xfrm>
+            <a:off x="1403649" y="1194411"/>
+            <a:ext cx="4811426" cy="1877399"/>
+          </a:xfrm>
           <a:ln>
             <a:solidFill>
               <a:schemeClr val="tx1">
-                <a:lumMod val="95000"/>
-                <a:lumOff val="5000"/>
+                <a:lumMod val="75000"/>
+                <a:lumOff val="25000"/>
               </a:schemeClr>
             </a:solidFill>
           </a:ln>
@@ -6944,9 +6795,77 @@
           </a:effectLst>
         </p:spPr>
       </p:pic>
+      <p:pic>
+        <p:nvPicPr>
+          <p:cNvPr id="1029" name="Picture 5" descr="C:\Users\java\Desktop\modal-regist.png"/>
+          <p:cNvPicPr>
+            <a:picLocks noChangeAspect="1" noChangeArrowheads="1"/>
+          </p:cNvPicPr>
+          <p:nvPr/>
+        </p:nvPicPr>
+        <p:blipFill>
+          <a:blip r:embed="rId3" cstate="print"/>
+          <a:srcRect/>
+          <a:stretch>
+            <a:fillRect/>
+          </a:stretch>
+        </p:blipFill>
+        <p:spPr bwMode="auto">
+          <a:xfrm>
+            <a:off x="1428728" y="3256772"/>
+            <a:ext cx="3214970" cy="1386674"/>
+          </a:xfrm>
+          <a:prstGeom prst="rect">
+            <a:avLst/>
+          </a:prstGeom>
+          <a:noFill/>
+          <a:ln>
+            <a:solidFill>
+              <a:schemeClr val="tx1">
+                <a:lumMod val="95000"/>
+                <a:lumOff val="5000"/>
+              </a:schemeClr>
+            </a:solidFill>
+          </a:ln>
+        </p:spPr>
+      </p:pic>
+      <p:pic>
+        <p:nvPicPr>
+          <p:cNvPr id="1031" name="Picture 7" descr="C:\Users\java\Desktop\modla_modify.png"/>
+          <p:cNvPicPr>
+            <a:picLocks noChangeAspect="1" noChangeArrowheads="1"/>
+          </p:cNvPicPr>
+          <p:nvPr/>
+        </p:nvPicPr>
+        <p:blipFill>
+          <a:blip r:embed="rId4" cstate="print"/>
+          <a:srcRect/>
+          <a:stretch>
+            <a:fillRect/>
+          </a:stretch>
+        </p:blipFill>
+        <p:spPr bwMode="auto">
+          <a:xfrm>
+            <a:off x="5180933" y="3271949"/>
+            <a:ext cx="3248719" cy="1800125"/>
+          </a:xfrm>
+          <a:prstGeom prst="rect">
+            <a:avLst/>
+          </a:prstGeom>
+          <a:noFill/>
+          <a:ln>
+            <a:solidFill>
+              <a:schemeClr val="tx1">
+                <a:lumMod val="95000"/>
+                <a:lumOff val="5000"/>
+              </a:schemeClr>
+            </a:solidFill>
+          </a:ln>
+        </p:spPr>
+      </p:pic>
       <p:sp>
         <p:nvSpPr>
-          <p:cNvPr id="5" name="제목 1"/>
+          <p:cNvPr id="13" name="제목 12"/>
           <p:cNvSpPr>
             <a:spLocks noGrp="1"/>
           </p:cNvSpPr>
@@ -6968,19 +6887,19 @@
               <a:rPr lang="en-US" altLang="ko-KR" sz="4400" dirty="0" smtClean="0">
                 <a:solidFill>
                   <a:schemeClr val="tx1">
-                    <a:lumMod val="75000"/>
-                    <a:lumOff val="25000"/>
+                    <a:lumMod val="65000"/>
+                    <a:lumOff val="35000"/>
                   </a:schemeClr>
                 </a:solidFill>
                 <a:latin typeface="+mj-lt"/>
               </a:rPr>
-              <a:t>Members</a:t>
-            </a:r>
-            <a:endParaRPr lang="ko-KR" altLang="en-US" dirty="0">
+              <a:t>Team </a:t>
+            </a:r>
+            <a:endParaRPr lang="ko-KR" altLang="en-US" sz="4400" dirty="0">
               <a:solidFill>
                 <a:schemeClr val="tx1">
-                  <a:lumMod val="75000"/>
-                  <a:lumOff val="25000"/>
+                  <a:lumMod val="65000"/>
+                  <a:lumOff val="35000"/>
                 </a:schemeClr>
               </a:solidFill>
               <a:latin typeface="+mj-lt"/>
@@ -6988,6 +6907,40 @@
           </a:p>
         </p:txBody>
       </p:sp>
+      <p:pic>
+        <p:nvPicPr>
+          <p:cNvPr id="1030" name="Picture 6" descr="C:\Users\java\Desktop\modla_delte.png"/>
+          <p:cNvPicPr>
+            <a:picLocks noChangeAspect="1" noChangeArrowheads="1"/>
+          </p:cNvPicPr>
+          <p:nvPr/>
+        </p:nvPicPr>
+        <p:blipFill>
+          <a:blip r:embed="rId5" cstate="print"/>
+          <a:srcRect/>
+          <a:stretch>
+            <a:fillRect/>
+          </a:stretch>
+        </p:blipFill>
+        <p:spPr bwMode="auto">
+          <a:xfrm>
+            <a:off x="1428728" y="5143512"/>
+            <a:ext cx="4024469" cy="1251825"/>
+          </a:xfrm>
+          <a:prstGeom prst="rect">
+            <a:avLst/>
+          </a:prstGeom>
+          <a:noFill/>
+          <a:ln>
+            <a:solidFill>
+              <a:schemeClr val="tx1">
+                <a:lumMod val="95000"/>
+                <a:lumOff val="5000"/>
+              </a:schemeClr>
+            </a:solidFill>
+          </a:ln>
+        </p:spPr>
+      </p:pic>
     </p:spTree>
   </p:cSld>
   <p:clrMapOvr>
@@ -7023,14 +6976,52 @@
       </p:grpSpPr>
       <p:pic>
         <p:nvPicPr>
-          <p:cNvPr id="4106" name="Picture 10" descr="C:\Users\java\Desktop\member_regist.png"/>
+          <p:cNvPr id="4" name="내용 개체 틀 3" descr="team.png"/>
+          <p:cNvPicPr>
+            <a:picLocks noGrp="1" noChangeAspect="1"/>
+          </p:cNvPicPr>
+          <p:nvPr>
+            <p:ph idx="1"/>
+          </p:nvPr>
+        </p:nvPicPr>
+        <p:blipFill>
+          <a:blip r:embed="rId2" cstate="print"/>
+          <a:stretch>
+            <a:fillRect/>
+          </a:stretch>
+        </p:blipFill>
+        <p:spPr>
+          <a:xfrm>
+            <a:off x="1403648" y="332656"/>
+            <a:ext cx="6274468" cy="2448272"/>
+          </a:xfrm>
+          <a:ln>
+            <a:solidFill>
+              <a:schemeClr val="tx1">
+                <a:lumMod val="95000"/>
+                <a:lumOff val="5000"/>
+              </a:schemeClr>
+            </a:solidFill>
+          </a:ln>
+          <a:effectLst>
+            <a:outerShdw blurRad="50800" dist="38100" dir="2700000" algn="tl" rotWithShape="0">
+              <a:prstClr val="black">
+                <a:alpha val="40000"/>
+              </a:prstClr>
+            </a:outerShdw>
+          </a:effectLst>
+        </p:spPr>
+      </p:pic>
+      <p:pic>
+        <p:nvPicPr>
+          <p:cNvPr id="3074" name="Picture 2" descr="C:\Users\java\Desktop\20170411_104345.png"/>
           <p:cNvPicPr>
             <a:picLocks noChangeAspect="1" noChangeArrowheads="1"/>
           </p:cNvPicPr>
           <p:nvPr/>
         </p:nvPicPr>
         <p:blipFill>
-          <a:blip r:embed="rId2" cstate="print"/>
+          <a:blip r:embed="rId3" cstate="print"/>
           <a:srcRect/>
           <a:stretch>
             <a:fillRect/>
@@ -7038,8 +7029,8 @@
         </p:blipFill>
         <p:spPr bwMode="auto">
           <a:xfrm>
-            <a:off x="1394153" y="1285860"/>
-            <a:ext cx="3608547" cy="3600400"/>
+            <a:off x="2195736" y="3068960"/>
+            <a:ext cx="6571307" cy="3473698"/>
           </a:xfrm>
           <a:prstGeom prst="rect">
             <a:avLst/>
@@ -7062,57 +7053,16 @@
           </a:effectLst>
         </p:spPr>
       </p:pic>
-      <p:pic>
-        <p:nvPicPr>
-          <p:cNvPr id="4107" name="Picture 11" descr="C:\Users\java\Desktop\member_modify.png"/>
-          <p:cNvPicPr>
-            <a:picLocks noChangeAspect="1" noChangeArrowheads="1"/>
-          </p:cNvPicPr>
-          <p:nvPr/>
-        </p:nvPicPr>
-        <p:blipFill>
-          <a:blip r:embed="rId3" cstate="print"/>
-          <a:srcRect/>
-          <a:stretch>
-            <a:fillRect/>
-          </a:stretch>
-        </p:blipFill>
-        <p:spPr bwMode="auto">
-          <a:xfrm>
-            <a:off x="5138569" y="1300680"/>
-            <a:ext cx="3719711" cy="3488775"/>
-          </a:xfrm>
-          <a:prstGeom prst="rect">
-            <a:avLst/>
-          </a:prstGeom>
-          <a:noFill/>
-          <a:ln>
-            <a:solidFill>
-              <a:schemeClr val="tx1">
-                <a:lumMod val="95000"/>
-                <a:lumOff val="5000"/>
-              </a:schemeClr>
-            </a:solidFill>
-          </a:ln>
-          <a:effectLst>
-            <a:outerShdw blurRad="50800" dist="38100" dir="2700000" algn="tl" rotWithShape="0">
-              <a:prstClr val="black">
-                <a:alpha val="40000"/>
-              </a:prstClr>
-            </a:outerShdw>
-          </a:effectLst>
-        </p:spPr>
-      </p:pic>
       <p:sp>
         <p:nvSpPr>
-          <p:cNvPr id="15" name="직사각형 14"/>
+          <p:cNvPr id="8" name="직사각형 7"/>
           <p:cNvSpPr/>
           <p:nvPr/>
         </p:nvSpPr>
         <p:spPr>
           <a:xfrm>
-            <a:off x="2617151" y="4077072"/>
-            <a:ext cx="1944217" cy="216024"/>
+            <a:off x="4067944" y="1340768"/>
+            <a:ext cx="504056" cy="648072"/>
           </a:xfrm>
           <a:prstGeom prst="rect">
             <a:avLst/>
@@ -7152,279 +7102,73 @@
           </a:p>
         </p:txBody>
       </p:sp>
-      <p:sp>
-        <p:nvSpPr>
-          <p:cNvPr id="16" name="직사각형 15"/>
-          <p:cNvSpPr/>
+      <p:cxnSp>
+        <p:nvCxnSpPr>
+          <p:cNvPr id="10" name="직선 화살표 연결선 9"/>
+          <p:cNvCxnSpPr/>
           <p:nvPr/>
-        </p:nvSpPr>
-        <p:spPr>
-          <a:xfrm>
-            <a:off x="6405541" y="4041517"/>
-            <a:ext cx="2008014" cy="237290"/>
-          </a:xfrm>
-          <a:prstGeom prst="rect">
+        </p:nvCxnSpPr>
+        <p:spPr>
+          <a:xfrm>
+            <a:off x="4334710" y="2039582"/>
+            <a:ext cx="0" cy="936104"/>
+          </a:xfrm>
+          <a:prstGeom prst="straightConnector1">
             <a:avLst/>
           </a:prstGeom>
-          <a:noFill/>
-          <a:effectLst>
-            <a:glow rad="63500">
-              <a:schemeClr val="accent2">
-                <a:satMod val="175000"/>
-                <a:alpha val="40000"/>
-              </a:schemeClr>
-            </a:glow>
-          </a:effectLst>
+          <a:ln>
+            <a:tailEnd type="arrow"/>
+          </a:ln>
         </p:spPr>
         <p:style>
-          <a:lnRef idx="2">
-            <a:schemeClr val="accent1">
-              <a:shade val="50000"/>
-            </a:schemeClr>
+          <a:lnRef idx="1">
+            <a:schemeClr val="accent1"/>
           </a:lnRef>
-          <a:fillRef idx="1">
+          <a:fillRef idx="0">
             <a:schemeClr val="accent1"/>
           </a:fillRef>
           <a:effectRef idx="0">
             <a:schemeClr val="accent1"/>
           </a:effectRef>
           <a:fontRef idx="minor">
-            <a:schemeClr val="lt1"/>
+            <a:schemeClr val="tx1"/>
           </a:fontRef>
         </p:style>
+      </p:cxnSp>
+      <p:sp>
+        <p:nvSpPr>
+          <p:cNvPr id="11" name="TextBox 10"/>
+          <p:cNvSpPr txBox="1"/>
+          <p:nvPr/>
+        </p:nvSpPr>
+        <p:spPr>
+          <a:xfrm>
+            <a:off x="4516412" y="2316981"/>
+            <a:ext cx="3600400" cy="307777"/>
+          </a:xfrm>
+          <a:prstGeom prst="rect">
+            <a:avLst/>
+          </a:prstGeom>
+          <a:noFill/>
+        </p:spPr>
         <p:txBody>
-          <a:bodyPr rtlCol="0" anchor="ctr"/>
+          <a:bodyPr wrap="square" rtlCol="0">
+            <a:spAutoFit/>
+          </a:bodyPr>
           <a:lstStyle/>
           <a:p>
-            <a:pPr algn="ctr"/>
-            <a:endParaRPr lang="ko-KR" altLang="en-US"/>
+            <a:r>
+              <a:rPr lang="en-US" altLang="ko-KR" sz="1400" dirty="0" smtClean="0"/>
+              <a:t>Click</a:t>
+            </a:r>
+            <a:r>
+              <a:rPr lang="ko-KR" altLang="en-US" sz="1400" dirty="0" smtClean="0"/>
+              <a:t>시 정보 페이지로 이동 </a:t>
+            </a:r>
+            <a:endParaRPr lang="ko-KR" altLang="en-US" sz="1400" dirty="0"/>
           </a:p>
         </p:txBody>
       </p:sp>
-      <p:sp>
-        <p:nvSpPr>
-          <p:cNvPr id="9" name="제목 1"/>
-          <p:cNvSpPr txBox="1">
-            <a:spLocks/>
-          </p:cNvSpPr>
-          <p:nvPr/>
-        </p:nvSpPr>
-        <p:spPr>
-          <a:xfrm>
-            <a:off x="1285916" y="0"/>
-            <a:ext cx="9144000" cy="1069514"/>
-          </a:xfrm>
-          <a:prstGeom prst="rect">
-            <a:avLst/>
-          </a:prstGeom>
-        </p:spPr>
-        <p:txBody>
-          <a:bodyPr anchor="ctr"/>
-          <a:lstStyle/>
-          <a:p>
-            <a:pPr marL="0" marR="0" lvl="0" indent="0" algn="l" defTabSz="914400" rtl="0" eaLnBrk="1" fontAlgn="auto" latinLnBrk="1" hangingPunct="1">
-              <a:lnSpc>
-                <a:spcPct val="100000"/>
-              </a:lnSpc>
-              <a:spcBef>
-                <a:spcPct val="0"/>
-              </a:spcBef>
-              <a:spcAft>
-                <a:spcPts val="0"/>
-              </a:spcAft>
-              <a:buClrTx/>
-              <a:buSzTx/>
-              <a:buFontTx/>
-              <a:buNone/>
-              <a:tabLst/>
-              <a:defRPr/>
-            </a:pPr>
-            <a:r>
-              <a:rPr kumimoji="0" lang="en-US" altLang="ko-KR" sz="4400" b="1" i="0" u="none" strike="noStrike" kern="1200" cap="none" spc="0" normalizeH="0" baseline="0" noProof="0" smtClean="0">
-                <a:ln>
-                  <a:noFill/>
-                </a:ln>
-                <a:solidFill>
-                  <a:schemeClr val="tx1">
-                    <a:lumMod val="75000"/>
-                    <a:lumOff val="25000"/>
-                  </a:schemeClr>
-                </a:solidFill>
-                <a:effectLst/>
-                <a:uLnTx/>
-                <a:uFillTx/>
-                <a:latin typeface="+mj-lt"/>
-                <a:ea typeface="+mj-ea"/>
-                <a:cs typeface="Arial" pitchFamily="34" charset="0"/>
-              </a:rPr>
-              <a:t>Members</a:t>
-            </a:r>
-            <a:endParaRPr kumimoji="0" lang="ko-KR" altLang="en-US" sz="4000" b="1" i="0" u="none" strike="noStrike" kern="1200" cap="none" spc="0" normalizeH="0" baseline="0" noProof="0" dirty="0">
-              <a:ln>
-                <a:noFill/>
-              </a:ln>
-              <a:solidFill>
-                <a:schemeClr val="tx1">
-                  <a:lumMod val="75000"/>
-                  <a:lumOff val="25000"/>
-                </a:schemeClr>
-              </a:solidFill>
-              <a:effectLst/>
-              <a:uLnTx/>
-              <a:uFillTx/>
-              <a:latin typeface="+mj-lt"/>
-              <a:ea typeface="+mj-ea"/>
-              <a:cs typeface="Arial" pitchFamily="34" charset="0"/>
-            </a:endParaRPr>
-          </a:p>
-        </p:txBody>
-      </p:sp>
-      <p:sp>
-        <p:nvSpPr>
-          <p:cNvPr id="13" name="설명선 2 12"/>
-          <p:cNvSpPr/>
-          <p:nvPr/>
-        </p:nvSpPr>
-        <p:spPr>
-          <a:xfrm>
-            <a:off x="5143504" y="4929198"/>
-            <a:ext cx="1785950" cy="1714512"/>
-          </a:xfrm>
-          <a:prstGeom prst="borderCallout2">
-            <a:avLst>
-              <a:gd name="adj1" fmla="val 64379"/>
-              <a:gd name="adj2" fmla="val 103737"/>
-              <a:gd name="adj3" fmla="val 64379"/>
-              <a:gd name="adj4" fmla="val 135794"/>
-              <a:gd name="adj5" fmla="val -36832"/>
-              <a:gd name="adj6" fmla="val 164958"/>
-            </a:avLst>
-          </a:prstGeom>
-          <a:noFill/>
-          <a:ln>
-            <a:solidFill>
-              <a:schemeClr val="tx1">
-                <a:lumMod val="75000"/>
-                <a:lumOff val="25000"/>
-              </a:schemeClr>
-            </a:solidFill>
-          </a:ln>
-        </p:spPr>
-        <p:style>
-          <a:lnRef idx="2">
-            <a:schemeClr val="accent1">
-              <a:shade val="50000"/>
-            </a:schemeClr>
-          </a:lnRef>
-          <a:fillRef idx="1">
-            <a:schemeClr val="accent1"/>
-          </a:fillRef>
-          <a:effectRef idx="0">
-            <a:schemeClr val="accent1"/>
-          </a:effectRef>
-          <a:fontRef idx="minor">
-            <a:schemeClr val="lt1"/>
-          </a:fontRef>
-        </p:style>
-        <p:txBody>
-          <a:bodyPr rtlCol="0" anchor="ctr"/>
-          <a:lstStyle/>
-          <a:p>
-            <a:pPr algn="ctr"/>
-            <a:endParaRPr lang="ko-KR" altLang="en-US"/>
-          </a:p>
-        </p:txBody>
-      </p:sp>
-      <p:sp>
-        <p:nvSpPr>
-          <p:cNvPr id="12" name="설명선 2 11"/>
-          <p:cNvSpPr/>
-          <p:nvPr/>
-        </p:nvSpPr>
-        <p:spPr>
-          <a:xfrm>
-            <a:off x="5143504" y="4929198"/>
-            <a:ext cx="1785950" cy="1714512"/>
-          </a:xfrm>
-          <a:prstGeom prst="borderCallout2">
-            <a:avLst>
-              <a:gd name="adj1" fmla="val 65565"/>
-              <a:gd name="adj2" fmla="val -3213"/>
-              <a:gd name="adj3" fmla="val 65565"/>
-              <a:gd name="adj4" fmla="val -40560"/>
-              <a:gd name="adj5" fmla="val -36832"/>
-              <a:gd name="adj6" fmla="val -70560"/>
-            </a:avLst>
-          </a:prstGeom>
-          <a:noFill/>
-          <a:ln>
-            <a:solidFill>
-              <a:schemeClr val="tx1">
-                <a:lumMod val="75000"/>
-                <a:lumOff val="25000"/>
-              </a:schemeClr>
-            </a:solidFill>
-          </a:ln>
-        </p:spPr>
-        <p:style>
-          <a:lnRef idx="2">
-            <a:schemeClr val="accent1">
-              <a:shade val="50000"/>
-            </a:schemeClr>
-          </a:lnRef>
-          <a:fillRef idx="1">
-            <a:schemeClr val="accent1"/>
-          </a:fillRef>
-          <a:effectRef idx="0">
-            <a:schemeClr val="accent1"/>
-          </a:effectRef>
-          <a:fontRef idx="minor">
-            <a:schemeClr val="lt1"/>
-          </a:fontRef>
-        </p:style>
-        <p:txBody>
-          <a:bodyPr rtlCol="0" anchor="ctr"/>
-          <a:lstStyle/>
-          <a:p>
-            <a:pPr algn="ctr"/>
-            <a:endParaRPr lang="ko-KR" altLang="en-US"/>
-          </a:p>
-        </p:txBody>
-      </p:sp>
-      <p:pic>
-        <p:nvPicPr>
-          <p:cNvPr id="4108" name="Picture 12" descr="C:\Users\java\Desktop\date.png"/>
-          <p:cNvPicPr>
-            <a:picLocks noChangeAspect="1" noChangeArrowheads="1"/>
-          </p:cNvPicPr>
-          <p:nvPr/>
-        </p:nvPicPr>
-        <p:blipFill>
-          <a:blip r:embed="rId4" cstate="print"/>
-          <a:srcRect/>
-          <a:stretch>
-            <a:fillRect/>
-          </a:stretch>
-        </p:blipFill>
-        <p:spPr bwMode="auto">
-          <a:xfrm>
-            <a:off x="5143505" y="4929477"/>
-            <a:ext cx="1785950" cy="1714233"/>
-          </a:xfrm>
-          <a:prstGeom prst="rect">
-            <a:avLst/>
-          </a:prstGeom>
-          <a:noFill/>
-          <a:ln>
-            <a:solidFill>
-              <a:schemeClr val="tx1">
-                <a:lumMod val="75000"/>
-                <a:lumOff val="25000"/>
-              </a:schemeClr>
-            </a:solidFill>
-          </a:ln>
-        </p:spPr>
-      </p:pic>
     </p:spTree>
   </p:cSld>
   <p:clrMapOvr>
@@ -7458,6 +7202,561 @@
           <a:chExt cx="0" cy="0"/>
         </a:xfrm>
       </p:grpSpPr>
+      <p:pic>
+        <p:nvPicPr>
+          <p:cNvPr id="2050" name="Picture 2" descr="C:\Users\java\Desktop\players.png"/>
+          <p:cNvPicPr>
+            <a:picLocks noChangeAspect="1" noChangeArrowheads="1"/>
+          </p:cNvPicPr>
+          <p:nvPr/>
+        </p:nvPicPr>
+        <p:blipFill>
+          <a:blip r:embed="rId2" cstate="print"/>
+          <a:srcRect/>
+          <a:stretch>
+            <a:fillRect/>
+          </a:stretch>
+        </p:blipFill>
+        <p:spPr bwMode="auto">
+          <a:xfrm>
+            <a:off x="1259632" y="1052736"/>
+            <a:ext cx="7161460" cy="5050641"/>
+          </a:xfrm>
+          <a:prstGeom prst="rect">
+            <a:avLst/>
+          </a:prstGeom>
+          <a:noFill/>
+          <a:ln>
+            <a:solidFill>
+              <a:schemeClr val="tx1">
+                <a:lumMod val="95000"/>
+                <a:lumOff val="5000"/>
+              </a:schemeClr>
+            </a:solidFill>
+          </a:ln>
+          <a:effectLst>
+            <a:outerShdw blurRad="50800" dist="38100" dir="2700000" algn="tl" rotWithShape="0">
+              <a:prstClr val="black">
+                <a:alpha val="40000"/>
+              </a:prstClr>
+            </a:outerShdw>
+          </a:effectLst>
+        </p:spPr>
+      </p:pic>
+      <p:sp>
+        <p:nvSpPr>
+          <p:cNvPr id="5" name="제목 1"/>
+          <p:cNvSpPr>
+            <a:spLocks noGrp="1"/>
+          </p:cNvSpPr>
+          <p:nvPr>
+            <p:ph type="title"/>
+          </p:nvPr>
+        </p:nvSpPr>
+        <p:spPr>
+          <a:xfrm>
+            <a:off x="1285916" y="0"/>
+            <a:ext cx="9144000" cy="1069514"/>
+          </a:xfrm>
+        </p:spPr>
+        <p:txBody>
+          <a:bodyPr/>
+          <a:lstStyle/>
+          <a:p>
+            <a:r>
+              <a:rPr lang="en-US" altLang="ko-KR" sz="4400" dirty="0" smtClean="0">
+                <a:solidFill>
+                  <a:schemeClr val="tx1">
+                    <a:lumMod val="75000"/>
+                    <a:lumOff val="25000"/>
+                  </a:schemeClr>
+                </a:solidFill>
+                <a:latin typeface="+mj-lt"/>
+              </a:rPr>
+              <a:t>Members</a:t>
+            </a:r>
+            <a:endParaRPr lang="ko-KR" altLang="en-US" dirty="0">
+              <a:solidFill>
+                <a:schemeClr val="tx1">
+                  <a:lumMod val="75000"/>
+                  <a:lumOff val="25000"/>
+                </a:schemeClr>
+              </a:solidFill>
+              <a:latin typeface="+mj-lt"/>
+            </a:endParaRPr>
+          </a:p>
+        </p:txBody>
+      </p:sp>
+    </p:spTree>
+  </p:cSld>
+  <p:clrMapOvr>
+    <a:masterClrMapping/>
+  </p:clrMapOvr>
+  <p:transition/>
+  <p:timing>
+    <p:tnLst>
+      <p:par>
+        <p:cTn id="1" dur="indefinite" restart="never" nodeType="tmRoot"/>
+      </p:par>
+    </p:tnLst>
+  </p:timing>
+</p:sld>
+</file>
+
+<file path=ppt/slides/slide25.xml><?xml version="1.0" encoding="utf-8"?>
+<p:sld xmlns:a="http://schemas.openxmlformats.org/drawingml/2006/main" xmlns:r="http://schemas.openxmlformats.org/officeDocument/2006/relationships" xmlns:p="http://schemas.openxmlformats.org/presentationml/2006/main">
+  <p:cSld>
+    <p:spTree>
+      <p:nvGrpSpPr>
+        <p:cNvPr id="1" name=""/>
+        <p:cNvGrpSpPr/>
+        <p:nvPr/>
+      </p:nvGrpSpPr>
+      <p:grpSpPr>
+        <a:xfrm>
+          <a:off x="0" y="0"/>
+          <a:ext cx="0" cy="0"/>
+          <a:chOff x="0" y="0"/>
+          <a:chExt cx="0" cy="0"/>
+        </a:xfrm>
+      </p:grpSpPr>
+      <p:pic>
+        <p:nvPicPr>
+          <p:cNvPr id="4106" name="Picture 10" descr="C:\Users\java\Desktop\member_regist.png"/>
+          <p:cNvPicPr>
+            <a:picLocks noChangeAspect="1" noChangeArrowheads="1"/>
+          </p:cNvPicPr>
+          <p:nvPr/>
+        </p:nvPicPr>
+        <p:blipFill>
+          <a:blip r:embed="rId2" cstate="print"/>
+          <a:srcRect/>
+          <a:stretch>
+            <a:fillRect/>
+          </a:stretch>
+        </p:blipFill>
+        <p:spPr bwMode="auto">
+          <a:xfrm>
+            <a:off x="1394153" y="1285860"/>
+            <a:ext cx="3608547" cy="3600400"/>
+          </a:xfrm>
+          <a:prstGeom prst="rect">
+            <a:avLst/>
+          </a:prstGeom>
+          <a:noFill/>
+          <a:ln>
+            <a:solidFill>
+              <a:schemeClr val="tx1">
+                <a:lumMod val="95000"/>
+                <a:lumOff val="5000"/>
+              </a:schemeClr>
+            </a:solidFill>
+          </a:ln>
+          <a:effectLst>
+            <a:outerShdw blurRad="50800" dist="38100" dir="2700000" algn="tl" rotWithShape="0">
+              <a:prstClr val="black">
+                <a:alpha val="40000"/>
+              </a:prstClr>
+            </a:outerShdw>
+          </a:effectLst>
+        </p:spPr>
+      </p:pic>
+      <p:pic>
+        <p:nvPicPr>
+          <p:cNvPr id="4107" name="Picture 11" descr="C:\Users\java\Desktop\member_modify.png"/>
+          <p:cNvPicPr>
+            <a:picLocks noChangeAspect="1" noChangeArrowheads="1"/>
+          </p:cNvPicPr>
+          <p:nvPr/>
+        </p:nvPicPr>
+        <p:blipFill>
+          <a:blip r:embed="rId3" cstate="print"/>
+          <a:srcRect/>
+          <a:stretch>
+            <a:fillRect/>
+          </a:stretch>
+        </p:blipFill>
+        <p:spPr bwMode="auto">
+          <a:xfrm>
+            <a:off x="5138569" y="1300680"/>
+            <a:ext cx="3719711" cy="3488775"/>
+          </a:xfrm>
+          <a:prstGeom prst="rect">
+            <a:avLst/>
+          </a:prstGeom>
+          <a:noFill/>
+          <a:ln>
+            <a:solidFill>
+              <a:schemeClr val="tx1">
+                <a:lumMod val="95000"/>
+                <a:lumOff val="5000"/>
+              </a:schemeClr>
+            </a:solidFill>
+          </a:ln>
+          <a:effectLst>
+            <a:outerShdw blurRad="50800" dist="38100" dir="2700000" algn="tl" rotWithShape="0">
+              <a:prstClr val="black">
+                <a:alpha val="40000"/>
+              </a:prstClr>
+            </a:outerShdw>
+          </a:effectLst>
+        </p:spPr>
+      </p:pic>
+      <p:sp>
+        <p:nvSpPr>
+          <p:cNvPr id="15" name="직사각형 14"/>
+          <p:cNvSpPr/>
+          <p:nvPr/>
+        </p:nvSpPr>
+        <p:spPr>
+          <a:xfrm>
+            <a:off x="2617151" y="4077072"/>
+            <a:ext cx="1944217" cy="216024"/>
+          </a:xfrm>
+          <a:prstGeom prst="rect">
+            <a:avLst/>
+          </a:prstGeom>
+          <a:noFill/>
+          <a:effectLst>
+            <a:glow rad="63500">
+              <a:schemeClr val="accent2">
+                <a:satMod val="175000"/>
+                <a:alpha val="40000"/>
+              </a:schemeClr>
+            </a:glow>
+          </a:effectLst>
+        </p:spPr>
+        <p:style>
+          <a:lnRef idx="2">
+            <a:schemeClr val="accent1">
+              <a:shade val="50000"/>
+            </a:schemeClr>
+          </a:lnRef>
+          <a:fillRef idx="1">
+            <a:schemeClr val="accent1"/>
+          </a:fillRef>
+          <a:effectRef idx="0">
+            <a:schemeClr val="accent1"/>
+          </a:effectRef>
+          <a:fontRef idx="minor">
+            <a:schemeClr val="lt1"/>
+          </a:fontRef>
+        </p:style>
+        <p:txBody>
+          <a:bodyPr rtlCol="0" anchor="ctr"/>
+          <a:lstStyle/>
+          <a:p>
+            <a:pPr algn="ctr"/>
+            <a:endParaRPr lang="ko-KR" altLang="en-US"/>
+          </a:p>
+        </p:txBody>
+      </p:sp>
+      <p:sp>
+        <p:nvSpPr>
+          <p:cNvPr id="16" name="직사각형 15"/>
+          <p:cNvSpPr/>
+          <p:nvPr/>
+        </p:nvSpPr>
+        <p:spPr>
+          <a:xfrm>
+            <a:off x="6405541" y="4041517"/>
+            <a:ext cx="2008014" cy="237290"/>
+          </a:xfrm>
+          <a:prstGeom prst="rect">
+            <a:avLst/>
+          </a:prstGeom>
+          <a:noFill/>
+          <a:effectLst>
+            <a:glow rad="63500">
+              <a:schemeClr val="accent2">
+                <a:satMod val="175000"/>
+                <a:alpha val="40000"/>
+              </a:schemeClr>
+            </a:glow>
+          </a:effectLst>
+        </p:spPr>
+        <p:style>
+          <a:lnRef idx="2">
+            <a:schemeClr val="accent1">
+              <a:shade val="50000"/>
+            </a:schemeClr>
+          </a:lnRef>
+          <a:fillRef idx="1">
+            <a:schemeClr val="accent1"/>
+          </a:fillRef>
+          <a:effectRef idx="0">
+            <a:schemeClr val="accent1"/>
+          </a:effectRef>
+          <a:fontRef idx="minor">
+            <a:schemeClr val="lt1"/>
+          </a:fontRef>
+        </p:style>
+        <p:txBody>
+          <a:bodyPr rtlCol="0" anchor="ctr"/>
+          <a:lstStyle/>
+          <a:p>
+            <a:pPr algn="ctr"/>
+            <a:endParaRPr lang="ko-KR" altLang="en-US"/>
+          </a:p>
+        </p:txBody>
+      </p:sp>
+      <p:sp>
+        <p:nvSpPr>
+          <p:cNvPr id="9" name="제목 1"/>
+          <p:cNvSpPr txBox="1">
+            <a:spLocks/>
+          </p:cNvSpPr>
+          <p:nvPr/>
+        </p:nvSpPr>
+        <p:spPr>
+          <a:xfrm>
+            <a:off x="1285916" y="0"/>
+            <a:ext cx="9144000" cy="1069514"/>
+          </a:xfrm>
+          <a:prstGeom prst="rect">
+            <a:avLst/>
+          </a:prstGeom>
+        </p:spPr>
+        <p:txBody>
+          <a:bodyPr anchor="ctr"/>
+          <a:lstStyle/>
+          <a:p>
+            <a:pPr marL="0" marR="0" lvl="0" indent="0" algn="l" defTabSz="914400" rtl="0" eaLnBrk="1" fontAlgn="auto" latinLnBrk="1" hangingPunct="1">
+              <a:lnSpc>
+                <a:spcPct val="100000"/>
+              </a:lnSpc>
+              <a:spcBef>
+                <a:spcPct val="0"/>
+              </a:spcBef>
+              <a:spcAft>
+                <a:spcPts val="0"/>
+              </a:spcAft>
+              <a:buClrTx/>
+              <a:buSzTx/>
+              <a:buFontTx/>
+              <a:buNone/>
+              <a:tabLst/>
+              <a:defRPr/>
+            </a:pPr>
+            <a:r>
+              <a:rPr kumimoji="0" lang="en-US" altLang="ko-KR" sz="4400" b="1" i="0" u="none" strike="noStrike" kern="1200" cap="none" spc="0" normalizeH="0" baseline="0" noProof="0" smtClean="0">
+                <a:ln>
+                  <a:noFill/>
+                </a:ln>
+                <a:solidFill>
+                  <a:schemeClr val="tx1">
+                    <a:lumMod val="75000"/>
+                    <a:lumOff val="25000"/>
+                  </a:schemeClr>
+                </a:solidFill>
+                <a:effectLst/>
+                <a:uLnTx/>
+                <a:uFillTx/>
+                <a:latin typeface="+mj-lt"/>
+                <a:ea typeface="+mj-ea"/>
+                <a:cs typeface="Arial" pitchFamily="34" charset="0"/>
+              </a:rPr>
+              <a:t>Members</a:t>
+            </a:r>
+            <a:endParaRPr kumimoji="0" lang="ko-KR" altLang="en-US" sz="4000" b="1" i="0" u="none" strike="noStrike" kern="1200" cap="none" spc="0" normalizeH="0" baseline="0" noProof="0" dirty="0">
+              <a:ln>
+                <a:noFill/>
+              </a:ln>
+              <a:solidFill>
+                <a:schemeClr val="tx1">
+                  <a:lumMod val="75000"/>
+                  <a:lumOff val="25000"/>
+                </a:schemeClr>
+              </a:solidFill>
+              <a:effectLst/>
+              <a:uLnTx/>
+              <a:uFillTx/>
+              <a:latin typeface="+mj-lt"/>
+              <a:ea typeface="+mj-ea"/>
+              <a:cs typeface="Arial" pitchFamily="34" charset="0"/>
+            </a:endParaRPr>
+          </a:p>
+        </p:txBody>
+      </p:sp>
+      <p:sp>
+        <p:nvSpPr>
+          <p:cNvPr id="13" name="설명선 2 12"/>
+          <p:cNvSpPr/>
+          <p:nvPr/>
+        </p:nvSpPr>
+        <p:spPr>
+          <a:xfrm>
+            <a:off x="5143504" y="4929198"/>
+            <a:ext cx="1785950" cy="1714512"/>
+          </a:xfrm>
+          <a:prstGeom prst="borderCallout2">
+            <a:avLst>
+              <a:gd name="adj1" fmla="val 64379"/>
+              <a:gd name="adj2" fmla="val 103737"/>
+              <a:gd name="adj3" fmla="val 64379"/>
+              <a:gd name="adj4" fmla="val 135794"/>
+              <a:gd name="adj5" fmla="val -36832"/>
+              <a:gd name="adj6" fmla="val 164958"/>
+            </a:avLst>
+          </a:prstGeom>
+          <a:noFill/>
+          <a:ln>
+            <a:solidFill>
+              <a:schemeClr val="tx1">
+                <a:lumMod val="75000"/>
+                <a:lumOff val="25000"/>
+              </a:schemeClr>
+            </a:solidFill>
+          </a:ln>
+        </p:spPr>
+        <p:style>
+          <a:lnRef idx="2">
+            <a:schemeClr val="accent1">
+              <a:shade val="50000"/>
+            </a:schemeClr>
+          </a:lnRef>
+          <a:fillRef idx="1">
+            <a:schemeClr val="accent1"/>
+          </a:fillRef>
+          <a:effectRef idx="0">
+            <a:schemeClr val="accent1"/>
+          </a:effectRef>
+          <a:fontRef idx="minor">
+            <a:schemeClr val="lt1"/>
+          </a:fontRef>
+        </p:style>
+        <p:txBody>
+          <a:bodyPr rtlCol="0" anchor="ctr"/>
+          <a:lstStyle/>
+          <a:p>
+            <a:pPr algn="ctr"/>
+            <a:endParaRPr lang="ko-KR" altLang="en-US"/>
+          </a:p>
+        </p:txBody>
+      </p:sp>
+      <p:sp>
+        <p:nvSpPr>
+          <p:cNvPr id="12" name="설명선 2 11"/>
+          <p:cNvSpPr/>
+          <p:nvPr/>
+        </p:nvSpPr>
+        <p:spPr>
+          <a:xfrm>
+            <a:off x="5143504" y="4929198"/>
+            <a:ext cx="1785950" cy="1714512"/>
+          </a:xfrm>
+          <a:prstGeom prst="borderCallout2">
+            <a:avLst>
+              <a:gd name="adj1" fmla="val 65565"/>
+              <a:gd name="adj2" fmla="val -3213"/>
+              <a:gd name="adj3" fmla="val 65565"/>
+              <a:gd name="adj4" fmla="val -40560"/>
+              <a:gd name="adj5" fmla="val -36832"/>
+              <a:gd name="adj6" fmla="val -70560"/>
+            </a:avLst>
+          </a:prstGeom>
+          <a:noFill/>
+          <a:ln>
+            <a:solidFill>
+              <a:schemeClr val="tx1">
+                <a:lumMod val="75000"/>
+                <a:lumOff val="25000"/>
+              </a:schemeClr>
+            </a:solidFill>
+          </a:ln>
+        </p:spPr>
+        <p:style>
+          <a:lnRef idx="2">
+            <a:schemeClr val="accent1">
+              <a:shade val="50000"/>
+            </a:schemeClr>
+          </a:lnRef>
+          <a:fillRef idx="1">
+            <a:schemeClr val="accent1"/>
+          </a:fillRef>
+          <a:effectRef idx="0">
+            <a:schemeClr val="accent1"/>
+          </a:effectRef>
+          <a:fontRef idx="minor">
+            <a:schemeClr val="lt1"/>
+          </a:fontRef>
+        </p:style>
+        <p:txBody>
+          <a:bodyPr rtlCol="0" anchor="ctr"/>
+          <a:lstStyle/>
+          <a:p>
+            <a:pPr algn="ctr"/>
+            <a:endParaRPr lang="ko-KR" altLang="en-US"/>
+          </a:p>
+        </p:txBody>
+      </p:sp>
+      <p:pic>
+        <p:nvPicPr>
+          <p:cNvPr id="4108" name="Picture 12" descr="C:\Users\java\Desktop\date.png"/>
+          <p:cNvPicPr>
+            <a:picLocks noChangeAspect="1" noChangeArrowheads="1"/>
+          </p:cNvPicPr>
+          <p:nvPr/>
+        </p:nvPicPr>
+        <p:blipFill>
+          <a:blip r:embed="rId4" cstate="print"/>
+          <a:srcRect/>
+          <a:stretch>
+            <a:fillRect/>
+          </a:stretch>
+        </p:blipFill>
+        <p:spPr bwMode="auto">
+          <a:xfrm>
+            <a:off x="5143505" y="4929477"/>
+            <a:ext cx="1785950" cy="1714233"/>
+          </a:xfrm>
+          <a:prstGeom prst="rect">
+            <a:avLst/>
+          </a:prstGeom>
+          <a:noFill/>
+          <a:ln>
+            <a:solidFill>
+              <a:schemeClr val="tx1">
+                <a:lumMod val="75000"/>
+                <a:lumOff val="25000"/>
+              </a:schemeClr>
+            </a:solidFill>
+          </a:ln>
+        </p:spPr>
+      </p:pic>
+    </p:spTree>
+  </p:cSld>
+  <p:clrMapOvr>
+    <a:masterClrMapping/>
+  </p:clrMapOvr>
+  <p:transition/>
+  <p:timing>
+    <p:tnLst>
+      <p:par>
+        <p:cTn id="1" dur="indefinite" restart="never" nodeType="tmRoot"/>
+      </p:par>
+    </p:tnLst>
+  </p:timing>
+</p:sld>
+</file>
+
+<file path=ppt/slides/slide26.xml><?xml version="1.0" encoding="utf-8"?>
+<p:sld xmlns:a="http://schemas.openxmlformats.org/drawingml/2006/main" xmlns:r="http://schemas.openxmlformats.org/officeDocument/2006/relationships" xmlns:p="http://schemas.openxmlformats.org/presentationml/2006/main">
+  <p:cSld>
+    <p:spTree>
+      <p:nvGrpSpPr>
+        <p:cNvPr id="1" name=""/>
+        <p:cNvGrpSpPr/>
+        <p:nvPr/>
+      </p:nvGrpSpPr>
+      <p:grpSpPr>
+        <a:xfrm>
+          <a:off x="0" y="0"/>
+          <a:ext cx="0" cy="0"/>
+          <a:chOff x="0" y="0"/>
+          <a:chExt cx="0" cy="0"/>
+        </a:xfrm>
+      </p:grpSpPr>
       <p:sp>
         <p:nvSpPr>
           <p:cNvPr id="2" name="제목 1"/>
@@ -7559,7 +7858,7 @@
 </p:sld>
 </file>
 
-<file path=ppt/slides/slide25.xml><?xml version="1.0" encoding="utf-8"?>
+<file path=ppt/slides/slide27.xml><?xml version="1.0" encoding="utf-8"?>
 <p:sld xmlns:a="http://schemas.openxmlformats.org/drawingml/2006/main" xmlns:r="http://schemas.openxmlformats.org/officeDocument/2006/relationships" xmlns:p="http://schemas.openxmlformats.org/presentationml/2006/main">
   <p:cSld>
     <p:spTree>
@@ -7689,7 +7988,7 @@
                 <a:ea typeface="Arial Unicode MS" pitchFamily="50" charset="-127"/>
                 <a:cs typeface="Calibri" pitchFamily="34" charset="0"/>
               </a:rPr>
-              <a:t>Base Tables</a:t>
+              <a:t>System Environment</a:t>
             </a:r>
             <a:endParaRPr lang="ko-KR" altLang="en-US" sz="4400" dirty="0">
               <a:solidFill>
@@ -7705,92 +8004,375 @@
           </a:p>
         </p:txBody>
       </p:sp>
-      <p:pic>
-        <p:nvPicPr>
-          <p:cNvPr id="1028" name="Picture 4"/>
-          <p:cNvPicPr>
-            <a:picLocks noChangeAspect="1" noChangeArrowheads="1"/>
-          </p:cNvPicPr>
-          <p:nvPr/>
-        </p:nvPicPr>
-        <p:blipFill>
-          <a:blip r:embed="rId2"/>
-          <a:srcRect/>
-          <a:stretch>
-            <a:fillRect/>
-          </a:stretch>
-        </p:blipFill>
-        <p:spPr bwMode="auto">
-          <a:xfrm>
-            <a:off x="1500165" y="4017958"/>
-            <a:ext cx="6165714" cy="2340000"/>
-          </a:xfrm>
-          <a:prstGeom prst="rect">
-            <a:avLst/>
-          </a:prstGeom>
-          <a:noFill/>
-          <a:ln w="9525">
-            <a:solidFill>
-              <a:schemeClr val="tx1"/>
-            </a:solidFill>
-            <a:miter lim="800000"/>
-            <a:headEnd/>
-            <a:tailEnd/>
-          </a:ln>
-          <a:effectLst>
-            <a:outerShdw blurRad="50800" dist="38100" dir="2700000" algn="tl" rotWithShape="0">
-              <a:prstClr val="black">
-                <a:alpha val="40000"/>
-              </a:prstClr>
-            </a:outerShdw>
-          </a:effectLst>
-        </p:spPr>
-      </p:pic>
-      <p:pic>
-        <p:nvPicPr>
-          <p:cNvPr id="1029" name="Picture 5"/>
-          <p:cNvPicPr>
-            <a:picLocks noChangeAspect="1" noChangeArrowheads="1"/>
-          </p:cNvPicPr>
-          <p:nvPr/>
-        </p:nvPicPr>
-        <p:blipFill>
-          <a:blip r:embed="rId3"/>
-          <a:srcRect/>
-          <a:stretch>
-            <a:fillRect/>
-          </a:stretch>
-        </p:blipFill>
-        <p:spPr bwMode="auto">
-          <a:xfrm>
-            <a:off x="1500166" y="1086190"/>
-            <a:ext cx="5268624" cy="2700000"/>
-          </a:xfrm>
-          <a:prstGeom prst="rect">
-            <a:avLst/>
-          </a:prstGeom>
-          <a:noFill/>
-          <a:ln w="9525">
-            <a:solidFill>
-              <a:schemeClr val="tx1"/>
-            </a:solidFill>
-            <a:miter lim="800000"/>
-            <a:headEnd/>
-            <a:tailEnd/>
-          </a:ln>
-          <a:effectLst>
-            <a:outerShdw blurRad="50800" dist="38100" dir="2700000" algn="tl" rotWithShape="0">
-              <a:prstClr val="black">
-                <a:alpha val="40000"/>
-              </a:prstClr>
-            </a:outerShdw>
-          </a:effectLst>
-        </p:spPr>
-      </p:pic>
+      <p:sp>
+        <p:nvSpPr>
+          <p:cNvPr id="3" name="Content Placeholder 2"/>
+          <p:cNvSpPr>
+            <a:spLocks noGrp="1"/>
+          </p:cNvSpPr>
+          <p:nvPr>
+            <p:ph idx="1"/>
+          </p:nvPr>
+        </p:nvSpPr>
+        <p:spPr>
+          <a:xfrm>
+            <a:off x="1835696" y="1500174"/>
+            <a:ext cx="6851104" cy="4525963"/>
+          </a:xfrm>
+        </p:spPr>
+        <p:txBody>
+          <a:bodyPr>
+            <a:normAutofit fontScale="92500" lnSpcReduction="20000"/>
+          </a:bodyPr>
+          <a:lstStyle/>
+          <a:p>
+            <a:r>
+              <a:rPr lang="en-US" altLang="ko-KR" sz="4000" dirty="0" smtClean="0">
+                <a:solidFill>
+                  <a:schemeClr val="tx1">
+                    <a:lumMod val="75000"/>
+                    <a:lumOff val="25000"/>
+                  </a:schemeClr>
+                </a:solidFill>
+                <a:latin typeface="Calibri" pitchFamily="34" charset="0"/>
+                <a:cs typeface="Calibri" pitchFamily="34" charset="0"/>
+              </a:rPr>
+              <a:t>OS</a:t>
+            </a:r>
+          </a:p>
+          <a:p>
+            <a:pPr>
+              <a:buFont typeface="Wingdings" pitchFamily="2" charset="2"/>
+              <a:buChar char="ü"/>
+            </a:pPr>
+            <a:r>
+              <a:rPr lang="en-US" altLang="ko-KR" sz="2700" dirty="0" err="1" smtClean="0">
+                <a:solidFill>
+                  <a:schemeClr val="tx1">
+                    <a:lumMod val="50000"/>
+                    <a:lumOff val="50000"/>
+                  </a:schemeClr>
+                </a:solidFill>
+                <a:latin typeface="Calibri" pitchFamily="34" charset="0"/>
+                <a:cs typeface="Calibri" pitchFamily="34" charset="0"/>
+              </a:rPr>
+              <a:t>VMWare</a:t>
+            </a:r>
+            <a:r>
+              <a:rPr lang="en-US" altLang="ko-KR" sz="2700" dirty="0" smtClean="0">
+                <a:solidFill>
+                  <a:schemeClr val="tx1">
+                    <a:lumMod val="50000"/>
+                    <a:lumOff val="50000"/>
+                  </a:schemeClr>
+                </a:solidFill>
+                <a:latin typeface="Calibri" pitchFamily="34" charset="0"/>
+                <a:cs typeface="Calibri" pitchFamily="34" charset="0"/>
+              </a:rPr>
+              <a:t> Workstation Pro </a:t>
+            </a:r>
+            <a:r>
+              <a:rPr lang="en-US" altLang="ko-KR" sz="2700" dirty="0" err="1" smtClean="0">
+                <a:solidFill>
+                  <a:schemeClr val="tx1">
+                    <a:lumMod val="50000"/>
+                    <a:lumOff val="50000"/>
+                  </a:schemeClr>
+                </a:solidFill>
+                <a:latin typeface="Calibri" pitchFamily="34" charset="0"/>
+                <a:cs typeface="Calibri" pitchFamily="34" charset="0"/>
+              </a:rPr>
+              <a:t>V12.5.5</a:t>
+            </a:r>
+            <a:endParaRPr lang="en-US" altLang="ko-KR" sz="2700" dirty="0" smtClean="0">
+              <a:solidFill>
+                <a:schemeClr val="tx1">
+                  <a:lumMod val="50000"/>
+                  <a:lumOff val="50000"/>
+                </a:schemeClr>
+              </a:solidFill>
+              <a:latin typeface="Calibri" pitchFamily="34" charset="0"/>
+              <a:cs typeface="Calibri" pitchFamily="34" charset="0"/>
+            </a:endParaRPr>
+          </a:p>
+          <a:p>
+            <a:pPr>
+              <a:buFont typeface="Wingdings" pitchFamily="2" charset="2"/>
+              <a:buChar char="ü"/>
+            </a:pPr>
+            <a:r>
+              <a:rPr lang="en-US" altLang="ko-KR" sz="2700" dirty="0" smtClean="0">
+                <a:solidFill>
+                  <a:schemeClr val="tx1">
+                    <a:lumMod val="50000"/>
+                    <a:lumOff val="50000"/>
+                  </a:schemeClr>
+                </a:solidFill>
+                <a:latin typeface="Calibri" pitchFamily="34" charset="0"/>
+                <a:cs typeface="Calibri" pitchFamily="34" charset="0"/>
+              </a:rPr>
+              <a:t>Linux (</a:t>
+            </a:r>
+            <a:r>
+              <a:rPr lang="en-US" altLang="ko-KR" sz="2700" dirty="0" err="1" smtClean="0">
+                <a:solidFill>
+                  <a:schemeClr val="tx1">
+                    <a:lumMod val="50000"/>
+                    <a:lumOff val="50000"/>
+                  </a:schemeClr>
+                </a:solidFill>
+                <a:latin typeface="Calibri" pitchFamily="34" charset="0"/>
+                <a:cs typeface="Calibri" pitchFamily="34" charset="0"/>
+              </a:rPr>
+              <a:t>ubuntu</a:t>
+            </a:r>
+            <a:r>
+              <a:rPr lang="en-US" altLang="ko-KR" sz="2700" dirty="0" smtClean="0">
+                <a:solidFill>
+                  <a:schemeClr val="tx1">
+                    <a:lumMod val="50000"/>
+                    <a:lumOff val="50000"/>
+                  </a:schemeClr>
+                </a:solidFill>
+                <a:latin typeface="Calibri" pitchFamily="34" charset="0"/>
+                <a:cs typeface="Calibri" pitchFamily="34" charset="0"/>
+              </a:rPr>
+              <a:t> </a:t>
+            </a:r>
+            <a:r>
+              <a:rPr lang="en-US" altLang="ko-KR" sz="2700" dirty="0" err="1" smtClean="0">
+                <a:solidFill>
+                  <a:schemeClr val="tx1">
+                    <a:lumMod val="50000"/>
+                    <a:lumOff val="50000"/>
+                  </a:schemeClr>
+                </a:solidFill>
+                <a:latin typeface="Calibri" pitchFamily="34" charset="0"/>
+                <a:cs typeface="Calibri" pitchFamily="34" charset="0"/>
+              </a:rPr>
+              <a:t>16.04LTS</a:t>
+            </a:r>
+            <a:r>
+              <a:rPr lang="en-US" altLang="ko-KR" sz="2700" dirty="0" smtClean="0">
+                <a:solidFill>
+                  <a:schemeClr val="tx1">
+                    <a:lumMod val="50000"/>
+                    <a:lumOff val="50000"/>
+                  </a:schemeClr>
+                </a:solidFill>
+                <a:latin typeface="Calibri" pitchFamily="34" charset="0"/>
+                <a:cs typeface="Calibri" pitchFamily="34" charset="0"/>
+              </a:rPr>
+              <a:t>)</a:t>
+            </a:r>
+          </a:p>
+          <a:p>
+            <a:pPr>
+              <a:buFont typeface="Wingdings" pitchFamily="2" charset="2"/>
+              <a:buChar char="ü"/>
+            </a:pPr>
+            <a:r>
+              <a:rPr lang="en-US" altLang="ko-KR" sz="2700" dirty="0" smtClean="0">
+                <a:solidFill>
+                  <a:schemeClr val="tx1">
+                    <a:lumMod val="50000"/>
+                    <a:lumOff val="50000"/>
+                  </a:schemeClr>
+                </a:solidFill>
+                <a:latin typeface="Calibri" pitchFamily="34" charset="0"/>
+                <a:cs typeface="Calibri" pitchFamily="34" charset="0"/>
+              </a:rPr>
+              <a:t>Windows 7</a:t>
+            </a:r>
+            <a:endParaRPr lang="en-US" altLang="ko-KR" sz="2700" dirty="0" smtClean="0">
+              <a:solidFill>
+                <a:schemeClr val="tx1">
+                  <a:lumMod val="50000"/>
+                  <a:lumOff val="50000"/>
+                </a:schemeClr>
+              </a:solidFill>
+              <a:latin typeface="Calibri" pitchFamily="34" charset="0"/>
+              <a:cs typeface="Calibri" pitchFamily="34" charset="0"/>
+            </a:endParaRPr>
+          </a:p>
+          <a:p>
+            <a:r>
+              <a:rPr lang="en-US" altLang="ko-KR" sz="4000" dirty="0" smtClean="0">
+                <a:solidFill>
+                  <a:schemeClr val="tx1">
+                    <a:lumMod val="75000"/>
+                    <a:lumOff val="25000"/>
+                  </a:schemeClr>
+                </a:solidFill>
+                <a:latin typeface="Calibri" pitchFamily="34" charset="0"/>
+                <a:cs typeface="Calibri" pitchFamily="34" charset="0"/>
+              </a:rPr>
+              <a:t>Dev</a:t>
+            </a:r>
+            <a:endParaRPr lang="en-US" altLang="ko-KR" sz="4000" dirty="0" smtClean="0">
+              <a:solidFill>
+                <a:schemeClr val="tx1">
+                  <a:lumMod val="75000"/>
+                  <a:lumOff val="25000"/>
+                </a:schemeClr>
+              </a:solidFill>
+              <a:latin typeface="Calibri" pitchFamily="34" charset="0"/>
+              <a:cs typeface="Calibri" pitchFamily="34" charset="0"/>
+            </a:endParaRPr>
+          </a:p>
+          <a:p>
+            <a:pPr>
+              <a:buFont typeface="Wingdings" pitchFamily="2" charset="2"/>
+              <a:buChar char="ü"/>
+            </a:pPr>
+            <a:r>
+              <a:rPr lang="en-US" altLang="ko-KR" sz="2500" dirty="0" smtClean="0">
+                <a:solidFill>
+                  <a:schemeClr val="tx1">
+                    <a:lumMod val="50000"/>
+                    <a:lumOff val="50000"/>
+                  </a:schemeClr>
+                </a:solidFill>
+                <a:latin typeface="Calibri" pitchFamily="34" charset="0"/>
+                <a:cs typeface="Calibri" pitchFamily="34" charset="0"/>
+              </a:rPr>
+              <a:t>java </a:t>
+            </a:r>
+            <a:r>
+              <a:rPr lang="en-US" altLang="ko-KR" sz="2500" dirty="0" smtClean="0">
+                <a:solidFill>
+                  <a:schemeClr val="tx1">
+                    <a:lumMod val="50000"/>
+                    <a:lumOff val="50000"/>
+                  </a:schemeClr>
+                </a:solidFill>
+                <a:latin typeface="Calibri" pitchFamily="34" charset="0"/>
+                <a:cs typeface="Calibri" pitchFamily="34" charset="0"/>
+              </a:rPr>
+              <a:t>1.8.0_121</a:t>
+            </a:r>
+          </a:p>
+          <a:p>
+            <a:pPr>
+              <a:buFont typeface="Wingdings" pitchFamily="2" charset="2"/>
+              <a:buChar char="ü"/>
+            </a:pPr>
+            <a:r>
+              <a:rPr lang="en-US" altLang="ko-KR" sz="2500" dirty="0" smtClean="0">
+                <a:solidFill>
+                  <a:schemeClr val="tx1">
+                    <a:lumMod val="50000"/>
+                    <a:lumOff val="50000"/>
+                  </a:schemeClr>
+                </a:solidFill>
+                <a:latin typeface="Calibri" pitchFamily="34" charset="0"/>
+                <a:cs typeface="Calibri" pitchFamily="34" charset="0"/>
+              </a:rPr>
+              <a:t>Spring 1.5.2</a:t>
+            </a:r>
+          </a:p>
+          <a:p>
+            <a:r>
+              <a:rPr lang="en-US" altLang="ko-KR" sz="4000" dirty="0" smtClean="0">
+                <a:solidFill>
+                  <a:schemeClr val="tx1">
+                    <a:lumMod val="75000"/>
+                    <a:lumOff val="25000"/>
+                  </a:schemeClr>
+                </a:solidFill>
+                <a:latin typeface="Calibri" pitchFamily="34" charset="0"/>
+                <a:cs typeface="Calibri" pitchFamily="34" charset="0"/>
+              </a:rPr>
+              <a:t>Database</a:t>
+            </a:r>
+            <a:endParaRPr lang="en-US" altLang="ko-KR" sz="4000" dirty="0" smtClean="0">
+              <a:solidFill>
+                <a:schemeClr val="tx1">
+                  <a:lumMod val="75000"/>
+                  <a:lumOff val="25000"/>
+                </a:schemeClr>
+              </a:solidFill>
+              <a:latin typeface="Calibri" pitchFamily="34" charset="0"/>
+              <a:cs typeface="Calibri" pitchFamily="34" charset="0"/>
+            </a:endParaRPr>
+          </a:p>
+          <a:p>
+            <a:pPr>
+              <a:buFont typeface="Wingdings" pitchFamily="2" charset="2"/>
+              <a:buChar char="ü"/>
+            </a:pPr>
+            <a:r>
+              <a:rPr lang="en-US" altLang="ko-KR" sz="2300" dirty="0" smtClean="0">
+                <a:solidFill>
+                  <a:schemeClr val="tx1">
+                    <a:lumMod val="50000"/>
+                    <a:lumOff val="50000"/>
+                  </a:schemeClr>
+                </a:solidFill>
+                <a:latin typeface="Calibri" pitchFamily="34" charset="0"/>
+                <a:cs typeface="Calibri" pitchFamily="34" charset="0"/>
+              </a:rPr>
+              <a:t>Amazon </a:t>
+            </a:r>
+            <a:r>
+              <a:rPr lang="en-US" altLang="ko-KR" sz="2300" dirty="0" err="1" smtClean="0">
+                <a:solidFill>
+                  <a:schemeClr val="tx1">
+                    <a:lumMod val="50000"/>
+                    <a:lumOff val="50000"/>
+                  </a:schemeClr>
+                </a:solidFill>
+                <a:latin typeface="Calibri" pitchFamily="34" charset="0"/>
+                <a:cs typeface="Calibri" pitchFamily="34" charset="0"/>
+              </a:rPr>
+              <a:t>RDS</a:t>
+            </a:r>
+            <a:endParaRPr lang="en-US" altLang="ko-KR" sz="2300" dirty="0" smtClean="0">
+              <a:solidFill>
+                <a:schemeClr val="tx1">
+                  <a:lumMod val="50000"/>
+                  <a:lumOff val="50000"/>
+                </a:schemeClr>
+              </a:solidFill>
+              <a:latin typeface="Calibri" pitchFamily="34" charset="0"/>
+              <a:cs typeface="Calibri" pitchFamily="34" charset="0"/>
+            </a:endParaRPr>
+          </a:p>
+          <a:p>
+            <a:pPr>
+              <a:buFont typeface="Wingdings" pitchFamily="2" charset="2"/>
+              <a:buChar char="ü"/>
+            </a:pPr>
+            <a:r>
+              <a:rPr lang="en-US" altLang="ko-KR" sz="2300" dirty="0" smtClean="0">
+                <a:solidFill>
+                  <a:schemeClr val="tx1">
+                    <a:lumMod val="50000"/>
+                    <a:lumOff val="50000"/>
+                  </a:schemeClr>
+                </a:solidFill>
+                <a:latin typeface="Calibri" pitchFamily="34" charset="0"/>
+                <a:cs typeface="Calibri" pitchFamily="34" charset="0"/>
+              </a:rPr>
+              <a:t>Oracle</a:t>
+            </a:r>
+            <a:endParaRPr lang="en-US" altLang="ko-KR" sz="2300" dirty="0" smtClean="0">
+              <a:solidFill>
+                <a:schemeClr val="tx1">
+                  <a:lumMod val="50000"/>
+                  <a:lumOff val="50000"/>
+                </a:schemeClr>
+              </a:solidFill>
+              <a:latin typeface="Calibri" pitchFamily="34" charset="0"/>
+              <a:cs typeface="Calibri" pitchFamily="34" charset="0"/>
+            </a:endParaRPr>
+          </a:p>
+        </p:txBody>
+      </p:sp>
     </p:spTree>
     <p:extLst>
       <p:ext uri="{BB962C8B-B14F-4D97-AF65-F5344CB8AC3E}">
-        <p14:creationId xmlns:p14="http://schemas.microsoft.com/office/powerpoint/2010/main" xmlns="" val="891763176"/>
+        <p14:creationId xmlns="" xmlns:p14="http://schemas.microsoft.com/office/powerpoint/2010/main" val="891763176"/>
       </p:ext>
     </p:extLst>
   </p:cSld>
@@ -7825,6 +8407,191 @@
           <a:chExt cx="0" cy="0"/>
         </a:xfrm>
       </p:grpSpPr>
+      <p:cxnSp>
+        <p:nvCxnSpPr>
+          <p:cNvPr id="19" name="직선 연결선 18"/>
+          <p:cNvCxnSpPr/>
+          <p:nvPr/>
+        </p:nvCxnSpPr>
+        <p:spPr>
+          <a:xfrm rot="5400000">
+            <a:off x="2786844" y="2570950"/>
+            <a:ext cx="571504" cy="1588"/>
+          </a:xfrm>
+          <a:prstGeom prst="line">
+            <a:avLst/>
+          </a:prstGeom>
+          <a:ln>
+            <a:solidFill>
+              <a:schemeClr val="accent2">
+                <a:lumMod val="60000"/>
+                <a:lumOff val="40000"/>
+              </a:schemeClr>
+            </a:solidFill>
+          </a:ln>
+        </p:spPr>
+        <p:style>
+          <a:lnRef idx="2">
+            <a:schemeClr val="accent6"/>
+          </a:lnRef>
+          <a:fillRef idx="0">
+            <a:schemeClr val="accent6"/>
+          </a:fillRef>
+          <a:effectRef idx="1">
+            <a:schemeClr val="accent6"/>
+          </a:effectRef>
+          <a:fontRef idx="minor">
+            <a:schemeClr val="tx1"/>
+          </a:fontRef>
+        </p:style>
+      </p:cxnSp>
+      <p:cxnSp>
+        <p:nvCxnSpPr>
+          <p:cNvPr id="17" name="직선 연결선 16"/>
+          <p:cNvCxnSpPr/>
+          <p:nvPr/>
+        </p:nvCxnSpPr>
+        <p:spPr>
+          <a:xfrm>
+            <a:off x="5357818" y="5143512"/>
+            <a:ext cx="428628" cy="1588"/>
+          </a:xfrm>
+          <a:prstGeom prst="line">
+            <a:avLst/>
+          </a:prstGeom>
+          <a:ln>
+            <a:solidFill>
+              <a:schemeClr val="accent3">
+                <a:lumMod val="50000"/>
+              </a:schemeClr>
+            </a:solidFill>
+          </a:ln>
+        </p:spPr>
+        <p:style>
+          <a:lnRef idx="2">
+            <a:schemeClr val="accent6"/>
+          </a:lnRef>
+          <a:fillRef idx="0">
+            <a:schemeClr val="accent6"/>
+          </a:fillRef>
+          <a:effectRef idx="1">
+            <a:schemeClr val="accent6"/>
+          </a:effectRef>
+          <a:fontRef idx="minor">
+            <a:schemeClr val="tx1"/>
+          </a:fontRef>
+        </p:style>
+      </p:cxnSp>
+      <p:cxnSp>
+        <p:nvCxnSpPr>
+          <p:cNvPr id="16" name="직선 연결선 15"/>
+          <p:cNvCxnSpPr/>
+          <p:nvPr/>
+        </p:nvCxnSpPr>
+        <p:spPr>
+          <a:xfrm>
+            <a:off x="4000496" y="5143512"/>
+            <a:ext cx="428628" cy="1588"/>
+          </a:xfrm>
+          <a:prstGeom prst="line">
+            <a:avLst/>
+          </a:prstGeom>
+          <a:ln>
+            <a:solidFill>
+              <a:schemeClr val="accent3">
+                <a:lumMod val="50000"/>
+              </a:schemeClr>
+            </a:solidFill>
+          </a:ln>
+        </p:spPr>
+        <p:style>
+          <a:lnRef idx="2">
+            <a:schemeClr val="accent6"/>
+          </a:lnRef>
+          <a:fillRef idx="0">
+            <a:schemeClr val="accent6"/>
+          </a:fillRef>
+          <a:effectRef idx="1">
+            <a:schemeClr val="accent6"/>
+          </a:effectRef>
+          <a:fontRef idx="minor">
+            <a:schemeClr val="tx1"/>
+          </a:fontRef>
+        </p:style>
+      </p:cxnSp>
+      <p:cxnSp>
+        <p:nvCxnSpPr>
+          <p:cNvPr id="13" name="직선 연결선 12"/>
+          <p:cNvCxnSpPr/>
+          <p:nvPr/>
+        </p:nvCxnSpPr>
+        <p:spPr>
+          <a:xfrm>
+            <a:off x="3643306" y="3357562"/>
+            <a:ext cx="428628" cy="1588"/>
+          </a:xfrm>
+          <a:prstGeom prst="line">
+            <a:avLst/>
+          </a:prstGeom>
+          <a:ln>
+            <a:solidFill>
+              <a:schemeClr val="tx2"/>
+            </a:solidFill>
+          </a:ln>
+        </p:spPr>
+        <p:style>
+          <a:lnRef idx="2">
+            <a:schemeClr val="accent6"/>
+          </a:lnRef>
+          <a:fillRef idx="0">
+            <a:schemeClr val="accent6"/>
+          </a:fillRef>
+          <a:effectRef idx="1">
+            <a:schemeClr val="accent6"/>
+          </a:effectRef>
+          <a:fontRef idx="minor">
+            <a:schemeClr val="tx1"/>
+          </a:fontRef>
+        </p:style>
+      </p:cxnSp>
+      <p:cxnSp>
+        <p:nvCxnSpPr>
+          <p:cNvPr id="11" name="직선 연결선 10"/>
+          <p:cNvCxnSpPr/>
+          <p:nvPr/>
+        </p:nvCxnSpPr>
+        <p:spPr>
+          <a:xfrm rot="5400000">
+            <a:off x="2786844" y="4071148"/>
+            <a:ext cx="571504" cy="1588"/>
+          </a:xfrm>
+          <a:prstGeom prst="line">
+            <a:avLst/>
+          </a:prstGeom>
+          <a:ln>
+            <a:solidFill>
+              <a:schemeClr val="tx2">
+                <a:lumMod val="60000"/>
+                <a:lumOff val="40000"/>
+              </a:schemeClr>
+            </a:solidFill>
+          </a:ln>
+        </p:spPr>
+        <p:style>
+          <a:lnRef idx="2">
+            <a:schemeClr val="accent6"/>
+          </a:lnRef>
+          <a:fillRef idx="0">
+            <a:schemeClr val="accent6"/>
+          </a:fillRef>
+          <a:effectRef idx="1">
+            <a:schemeClr val="accent6"/>
+          </a:effectRef>
+          <a:fontRef idx="minor">
+            <a:schemeClr val="tx1"/>
+          </a:fontRef>
+        </p:style>
+      </p:cxnSp>
       <p:sp>
         <p:nvSpPr>
           <p:cNvPr id="2" name="Title 1"/>
@@ -7857,7 +8624,7 @@
                 <a:ea typeface="Arial Unicode MS" pitchFamily="50" charset="-127"/>
                 <a:cs typeface="Calibri" pitchFamily="34" charset="0"/>
               </a:rPr>
-              <a:t>Base Tables</a:t>
+              <a:t>System Tree</a:t>
             </a:r>
             <a:endParaRPr lang="ko-KR" altLang="en-US" sz="4400" dirty="0">
               <a:solidFill>
@@ -7873,92 +8640,349 @@
           </a:p>
         </p:txBody>
       </p:sp>
-      <p:pic>
-        <p:nvPicPr>
-          <p:cNvPr id="2050" name="Picture 2"/>
-          <p:cNvPicPr>
-            <a:picLocks noChangeAspect="1" noChangeArrowheads="1"/>
-          </p:cNvPicPr>
+      <p:sp>
+        <p:nvSpPr>
+          <p:cNvPr id="5" name="모서리가 둥근 직사각형 4"/>
+          <p:cNvSpPr/>
           <p:nvPr/>
-        </p:nvPicPr>
-        <p:blipFill>
-          <a:blip r:embed="rId2"/>
-          <a:srcRect/>
-          <a:stretch>
-            <a:fillRect/>
-          </a:stretch>
-        </p:blipFill>
-        <p:spPr bwMode="auto">
-          <a:xfrm>
-            <a:off x="1571604" y="1071546"/>
-            <a:ext cx="4785538" cy="2520000"/>
-          </a:xfrm>
-          <a:prstGeom prst="rect">
+        </p:nvSpPr>
+        <p:spPr>
+          <a:xfrm>
+            <a:off x="2071670" y="4214818"/>
+            <a:ext cx="1941815" cy="1857388"/>
+          </a:xfrm>
+          <a:prstGeom prst="roundRect">
             <a:avLst/>
           </a:prstGeom>
-          <a:noFill/>
-          <a:ln w="9525">
+        </p:spPr>
+        <p:style>
+          <a:lnRef idx="2">
+            <a:schemeClr val="accent6"/>
+          </a:lnRef>
+          <a:fillRef idx="1">
+            <a:schemeClr val="lt1"/>
+          </a:fillRef>
+          <a:effectRef idx="0">
+            <a:schemeClr val="accent6"/>
+          </a:effectRef>
+          <a:fontRef idx="minor">
+            <a:schemeClr val="dk1"/>
+          </a:fontRef>
+        </p:style>
+        <p:txBody>
+          <a:bodyPr rtlCol="0" anchor="ctr"/>
+          <a:lstStyle/>
+          <a:p>
+            <a:pPr algn="ctr"/>
+            <a:r>
+              <a:rPr lang="en-US" altLang="ko-KR" sz="2400" dirty="0" smtClean="0"/>
+              <a:t>Web</a:t>
+            </a:r>
+          </a:p>
+          <a:p>
+            <a:pPr algn="ctr"/>
+            <a:r>
+              <a:rPr lang="en-US" altLang="ko-KR" sz="2400" dirty="0" smtClean="0"/>
+              <a:t>Server</a:t>
+            </a:r>
+          </a:p>
+          <a:p>
+            <a:pPr algn="ctr"/>
+            <a:r>
+              <a:rPr lang="en-US" altLang="ko-KR" sz="2400" dirty="0" smtClean="0"/>
+              <a:t>[</a:t>
+            </a:r>
+            <a:r>
+              <a:rPr lang="en-US" altLang="ko-KR" sz="2400" dirty="0" err="1" smtClean="0"/>
+              <a:t>Windows7</a:t>
+            </a:r>
+            <a:r>
+              <a:rPr lang="en-US" altLang="ko-KR" sz="2400" dirty="0" smtClean="0"/>
+              <a:t>]</a:t>
+            </a:r>
+            <a:endParaRPr lang="ko-KR" altLang="en-US" sz="2400" dirty="0"/>
+          </a:p>
+        </p:txBody>
+      </p:sp>
+      <p:sp>
+        <p:nvSpPr>
+          <p:cNvPr id="6" name="모서리가 둥근 직사각형 5"/>
+          <p:cNvSpPr/>
+          <p:nvPr/>
+        </p:nvSpPr>
+        <p:spPr>
+          <a:xfrm>
+            <a:off x="2357422" y="2714620"/>
+            <a:ext cx="1357322" cy="1298308"/>
+          </a:xfrm>
+          <a:prstGeom prst="roundRect">
+            <a:avLst/>
+          </a:prstGeom>
+          <a:ln>
             <a:solidFill>
-              <a:schemeClr val="tx1"/>
+              <a:schemeClr val="tx2">
+                <a:lumMod val="60000"/>
+                <a:lumOff val="40000"/>
+              </a:schemeClr>
             </a:solidFill>
-            <a:miter lim="800000"/>
-            <a:headEnd/>
-            <a:tailEnd/>
           </a:ln>
-          <a:effectLst>
-            <a:outerShdw blurRad="50800" dist="38100" dir="2700000" algn="tl" rotWithShape="0">
-              <a:prstClr val="black">
-                <a:alpha val="40000"/>
-              </a:prstClr>
-            </a:outerShdw>
-          </a:effectLst>
-        </p:spPr>
-      </p:pic>
-      <p:pic>
-        <p:nvPicPr>
-          <p:cNvPr id="2052" name="Picture 4"/>
-          <p:cNvPicPr>
-            <a:picLocks noChangeAspect="1" noChangeArrowheads="1"/>
-          </p:cNvPicPr>
+        </p:spPr>
+        <p:style>
+          <a:lnRef idx="2">
+            <a:schemeClr val="accent6"/>
+          </a:lnRef>
+          <a:fillRef idx="1">
+            <a:schemeClr val="lt1"/>
+          </a:fillRef>
+          <a:effectRef idx="0">
+            <a:schemeClr val="accent6"/>
+          </a:effectRef>
+          <a:fontRef idx="minor">
+            <a:schemeClr val="dk1"/>
+          </a:fontRef>
+        </p:style>
+        <p:txBody>
+          <a:bodyPr rtlCol="0" anchor="ctr"/>
+          <a:lstStyle/>
+          <a:p>
+            <a:pPr algn="ctr"/>
+            <a:r>
+              <a:rPr lang="en-US" altLang="ko-KR" dirty="0" err="1" smtClean="0"/>
+              <a:t>VM</a:t>
+            </a:r>
+            <a:endParaRPr lang="en-US" altLang="ko-KR" dirty="0" smtClean="0"/>
+          </a:p>
+          <a:p>
+            <a:pPr algn="ctr"/>
+            <a:r>
+              <a:rPr lang="en-US" altLang="ko-KR" dirty="0" smtClean="0"/>
+              <a:t>[Linux]</a:t>
+            </a:r>
+            <a:endParaRPr lang="ko-KR" altLang="en-US" dirty="0"/>
+          </a:p>
+        </p:txBody>
+      </p:sp>
+      <p:sp>
+        <p:nvSpPr>
+          <p:cNvPr id="7" name="모서리가 둥근 직사각형 6"/>
+          <p:cNvSpPr/>
           <p:nvPr/>
-        </p:nvPicPr>
-        <p:blipFill>
-          <a:blip r:embed="rId3"/>
-          <a:srcRect/>
-          <a:stretch>
-            <a:fillRect/>
-          </a:stretch>
-        </p:blipFill>
-        <p:spPr bwMode="auto">
-          <a:xfrm>
-            <a:off x="1571604" y="3837958"/>
-            <a:ext cx="5040000" cy="2520000"/>
-          </a:xfrm>
-          <a:prstGeom prst="rect">
+        </p:nvSpPr>
+        <p:spPr>
+          <a:xfrm>
+            <a:off x="4000496" y="2857496"/>
+            <a:ext cx="1000132" cy="956648"/>
+          </a:xfrm>
+          <a:prstGeom prst="roundRect">
             <a:avLst/>
           </a:prstGeom>
-          <a:noFill/>
-          <a:ln w="9525">
+          <a:ln>
             <a:solidFill>
-              <a:schemeClr val="tx1"/>
+              <a:schemeClr val="tx2"/>
             </a:solidFill>
-            <a:miter lim="800000"/>
-            <a:headEnd/>
-            <a:tailEnd/>
           </a:ln>
-          <a:effectLst>
-            <a:outerShdw blurRad="50800" dist="38100" dir="2700000" algn="tl" rotWithShape="0">
-              <a:prstClr val="black">
-                <a:alpha val="40000"/>
-              </a:prstClr>
-            </a:outerShdw>
-          </a:effectLst>
-        </p:spPr>
-      </p:pic>
+        </p:spPr>
+        <p:style>
+          <a:lnRef idx="2">
+            <a:schemeClr val="accent6"/>
+          </a:lnRef>
+          <a:fillRef idx="1">
+            <a:schemeClr val="lt1"/>
+          </a:fillRef>
+          <a:effectRef idx="0">
+            <a:schemeClr val="accent6"/>
+          </a:effectRef>
+          <a:fontRef idx="minor">
+            <a:schemeClr val="dk1"/>
+          </a:fontRef>
+        </p:style>
+        <p:txBody>
+          <a:bodyPr rtlCol="0" anchor="ctr"/>
+          <a:lstStyle/>
+          <a:p>
+            <a:pPr algn="ctr"/>
+            <a:r>
+              <a:rPr lang="en-US" altLang="ko-KR" sz="1400" dirty="0" smtClean="0"/>
+              <a:t>Spring</a:t>
+            </a:r>
+          </a:p>
+          <a:p>
+            <a:pPr algn="ctr"/>
+            <a:r>
+              <a:rPr lang="en-US" altLang="ko-KR" sz="1400" dirty="0" smtClean="0"/>
+              <a:t>Project</a:t>
+            </a:r>
+            <a:endParaRPr lang="ko-KR" altLang="en-US" sz="1400" dirty="0"/>
+          </a:p>
+        </p:txBody>
+      </p:sp>
+      <p:sp>
+        <p:nvSpPr>
+          <p:cNvPr id="14" name="모서리가 둥근 직사각형 13"/>
+          <p:cNvSpPr/>
+          <p:nvPr/>
+        </p:nvSpPr>
+        <p:spPr>
+          <a:xfrm>
+            <a:off x="5715008" y="4500570"/>
+            <a:ext cx="1357322" cy="1298308"/>
+          </a:xfrm>
+          <a:prstGeom prst="roundRect">
+            <a:avLst/>
+          </a:prstGeom>
+        </p:spPr>
+        <p:style>
+          <a:lnRef idx="2">
+            <a:schemeClr val="accent6"/>
+          </a:lnRef>
+          <a:fillRef idx="1">
+            <a:schemeClr val="lt1"/>
+          </a:fillRef>
+          <a:effectRef idx="0">
+            <a:schemeClr val="accent6"/>
+          </a:effectRef>
+          <a:fontRef idx="minor">
+            <a:schemeClr val="dk1"/>
+          </a:fontRef>
+        </p:style>
+        <p:txBody>
+          <a:bodyPr rtlCol="0" anchor="ctr"/>
+          <a:lstStyle/>
+          <a:p>
+            <a:pPr algn="ctr"/>
+            <a:r>
+              <a:rPr lang="en-US" altLang="ko-KR" dirty="0" smtClean="0"/>
+              <a:t>Client</a:t>
+            </a:r>
+            <a:endParaRPr lang="ko-KR" altLang="en-US" dirty="0"/>
+          </a:p>
+        </p:txBody>
+      </p:sp>
+      <p:sp>
+        <p:nvSpPr>
+          <p:cNvPr id="15" name="모서리가 둥근 직사각형 14"/>
+          <p:cNvSpPr/>
+          <p:nvPr/>
+        </p:nvSpPr>
+        <p:spPr>
+          <a:xfrm>
+            <a:off x="4357686" y="4643446"/>
+            <a:ext cx="1000132" cy="956648"/>
+          </a:xfrm>
+          <a:prstGeom prst="roundRect">
+            <a:avLst/>
+          </a:prstGeom>
+          <a:ln>
+            <a:solidFill>
+              <a:schemeClr val="accent3">
+                <a:lumMod val="50000"/>
+              </a:schemeClr>
+            </a:solidFill>
+          </a:ln>
+        </p:spPr>
+        <p:style>
+          <a:lnRef idx="2">
+            <a:schemeClr val="accent6"/>
+          </a:lnRef>
+          <a:fillRef idx="1">
+            <a:schemeClr val="lt1"/>
+          </a:fillRef>
+          <a:effectRef idx="0">
+            <a:schemeClr val="accent6"/>
+          </a:effectRef>
+          <a:fontRef idx="minor">
+            <a:schemeClr val="dk1"/>
+          </a:fontRef>
+        </p:style>
+        <p:txBody>
+          <a:bodyPr rtlCol="0" anchor="ctr"/>
+          <a:lstStyle/>
+          <a:p>
+            <a:pPr algn="ctr"/>
+            <a:r>
+              <a:rPr lang="en-US" altLang="ko-KR" sz="1400" dirty="0" smtClean="0"/>
+              <a:t>Web</a:t>
+            </a:r>
+          </a:p>
+          <a:p>
+            <a:pPr algn="ctr"/>
+            <a:r>
+              <a:rPr lang="en-US" altLang="ko-KR" sz="1400" dirty="0" smtClean="0"/>
+              <a:t>Browser</a:t>
+            </a:r>
+            <a:endParaRPr lang="ko-KR" altLang="en-US" sz="1400" dirty="0"/>
+          </a:p>
+        </p:txBody>
+      </p:sp>
+      <p:sp>
+        <p:nvSpPr>
+          <p:cNvPr id="18" name="모서리가 둥근 직사각형 17"/>
+          <p:cNvSpPr/>
+          <p:nvPr/>
+        </p:nvSpPr>
+        <p:spPr>
+          <a:xfrm>
+            <a:off x="2357422" y="1201998"/>
+            <a:ext cx="1357322" cy="1298308"/>
+          </a:xfrm>
+          <a:prstGeom prst="roundRect">
+            <a:avLst/>
+          </a:prstGeom>
+          <a:ln>
+            <a:solidFill>
+              <a:schemeClr val="accent2">
+                <a:lumMod val="60000"/>
+                <a:lumOff val="40000"/>
+              </a:schemeClr>
+            </a:solidFill>
+          </a:ln>
+        </p:spPr>
+        <p:style>
+          <a:lnRef idx="2">
+            <a:schemeClr val="accent6"/>
+          </a:lnRef>
+          <a:fillRef idx="1">
+            <a:schemeClr val="lt1"/>
+          </a:fillRef>
+          <a:effectRef idx="0">
+            <a:schemeClr val="accent6"/>
+          </a:effectRef>
+          <a:fontRef idx="minor">
+            <a:schemeClr val="dk1"/>
+          </a:fontRef>
+        </p:style>
+        <p:txBody>
+          <a:bodyPr rtlCol="0" anchor="ctr"/>
+          <a:lstStyle/>
+          <a:p>
+            <a:pPr algn="ctr"/>
+            <a:r>
+              <a:rPr lang="en-US" altLang="ko-KR" dirty="0" smtClean="0"/>
+              <a:t>Amazon</a:t>
+            </a:r>
+          </a:p>
+          <a:p>
+            <a:pPr algn="ctr"/>
+            <a:r>
+              <a:rPr lang="en-US" altLang="ko-KR" dirty="0" err="1" smtClean="0"/>
+              <a:t>RDS</a:t>
+            </a:r>
+            <a:endParaRPr lang="en-US" altLang="ko-KR" dirty="0" smtClean="0"/>
+          </a:p>
+          <a:p>
+            <a:pPr algn="ctr"/>
+            <a:r>
+              <a:rPr lang="en-US" altLang="ko-KR" dirty="0" smtClean="0"/>
+              <a:t>[Oracle]</a:t>
+            </a:r>
+            <a:endParaRPr lang="ko-KR" altLang="en-US" dirty="0"/>
+          </a:p>
+        </p:txBody>
+      </p:sp>
     </p:spTree>
     <p:extLst>
       <p:ext uri="{BB962C8B-B14F-4D97-AF65-F5344CB8AC3E}">
-        <p14:creationId xmlns:p14="http://schemas.microsoft.com/office/powerpoint/2010/main" xmlns="" val="891763176"/>
+        <p14:creationId xmlns="" xmlns:p14="http://schemas.microsoft.com/office/powerpoint/2010/main" val="891763176"/>
       </p:ext>
     </p:extLst>
   </p:cSld>
@@ -8025,7 +9049,7 @@
                 <a:ea typeface="Arial Unicode MS" pitchFamily="50" charset="-127"/>
                 <a:cs typeface="Calibri" pitchFamily="34" charset="0"/>
               </a:rPr>
-              <a:t>Account Management</a:t>
+              <a:t>Base Tables</a:t>
             </a:r>
             <a:endParaRPr lang="ko-KR" altLang="en-US" sz="4400" dirty="0">
               <a:solidFill>
@@ -8041,378 +9065,92 @@
           </a:p>
         </p:txBody>
       </p:sp>
-      <p:sp>
-        <p:nvSpPr>
-          <p:cNvPr id="3" name="Content Placeholder 2"/>
-          <p:cNvSpPr>
-            <a:spLocks noGrp="1"/>
-          </p:cNvSpPr>
-          <p:nvPr>
-            <p:ph idx="1"/>
-          </p:nvPr>
-        </p:nvSpPr>
-        <p:spPr>
-          <a:xfrm>
-            <a:off x="1835696" y="1484784"/>
-            <a:ext cx="6851104" cy="4525963"/>
-          </a:xfrm>
-        </p:spPr>
-        <p:txBody>
-          <a:bodyPr>
-            <a:normAutofit fontScale="92500" lnSpcReduction="10000"/>
-          </a:bodyPr>
-          <a:lstStyle/>
-          <a:p>
-            <a:pPr>
-              <a:lnSpc>
-                <a:spcPct val="120000"/>
-              </a:lnSpc>
-            </a:pPr>
-            <a:r>
-              <a:rPr lang="ko-KR" altLang="en-US" sz="3000" dirty="0" smtClean="0">
-                <a:solidFill>
-                  <a:schemeClr val="tx1">
-                    <a:lumMod val="75000"/>
-                    <a:lumOff val="25000"/>
-                  </a:schemeClr>
-                </a:solidFill>
-                <a:latin typeface="Calibri" pitchFamily="34" charset="0"/>
-                <a:cs typeface="Calibri" pitchFamily="34" charset="0"/>
-              </a:rPr>
-              <a:t>회원 가입 페이지</a:t>
-            </a:r>
-            <a:endParaRPr lang="en-US" altLang="ko-KR" sz="3000" dirty="0" smtClean="0">
-              <a:solidFill>
-                <a:schemeClr val="tx1">
-                  <a:lumMod val="75000"/>
-                  <a:lumOff val="25000"/>
-                </a:schemeClr>
-              </a:solidFill>
-              <a:latin typeface="Calibri" pitchFamily="34" charset="0"/>
-              <a:cs typeface="Calibri" pitchFamily="34" charset="0"/>
-            </a:endParaRPr>
-          </a:p>
-          <a:p>
-            <a:pPr>
-              <a:lnSpc>
-                <a:spcPct val="120000"/>
-              </a:lnSpc>
-              <a:buFont typeface="Wingdings" pitchFamily="2" charset="2"/>
-              <a:buChar char="ü"/>
-            </a:pPr>
-            <a:r>
-              <a:rPr lang="ko-KR" altLang="en-US" sz="1900" dirty="0" smtClean="0">
-                <a:solidFill>
-                  <a:schemeClr val="tx1">
-                    <a:lumMod val="50000"/>
-                    <a:lumOff val="50000"/>
-                  </a:schemeClr>
-                </a:solidFill>
-                <a:latin typeface="Calibri" pitchFamily="34" charset="0"/>
-                <a:cs typeface="Calibri" pitchFamily="34" charset="0"/>
-              </a:rPr>
-              <a:t>일반 사용자가 웹 사이트를 사용하기 위해 회원 가입을 할 수 있는 폼이 있음</a:t>
-            </a:r>
-            <a:endParaRPr lang="en-US" altLang="ko-KR" sz="1900" dirty="0" smtClean="0">
-              <a:solidFill>
-                <a:schemeClr val="tx1">
-                  <a:lumMod val="50000"/>
-                  <a:lumOff val="50000"/>
-                </a:schemeClr>
-              </a:solidFill>
-              <a:latin typeface="Calibri" pitchFamily="34" charset="0"/>
-              <a:cs typeface="Calibri" pitchFamily="34" charset="0"/>
-            </a:endParaRPr>
-          </a:p>
-          <a:p>
-            <a:pPr>
-              <a:buFont typeface="Wingdings" pitchFamily="2" charset="2"/>
-              <a:buChar char="ü"/>
-            </a:pPr>
-            <a:endParaRPr lang="en-US" altLang="ko-KR" sz="2200" dirty="0" smtClean="0">
-              <a:solidFill>
-                <a:schemeClr val="tx1">
-                  <a:lumMod val="50000"/>
-                  <a:lumOff val="50000"/>
-                </a:schemeClr>
-              </a:solidFill>
-              <a:latin typeface="Calibri" pitchFamily="34" charset="0"/>
-              <a:cs typeface="Calibri" pitchFamily="34" charset="0"/>
-            </a:endParaRPr>
-          </a:p>
-          <a:p>
-            <a:pPr>
-              <a:lnSpc>
-                <a:spcPct val="120000"/>
-              </a:lnSpc>
-            </a:pPr>
-            <a:r>
-              <a:rPr lang="ko-KR" altLang="en-US" sz="3000" dirty="0" smtClean="0">
-                <a:solidFill>
-                  <a:schemeClr val="tx1">
-                    <a:lumMod val="75000"/>
-                    <a:lumOff val="25000"/>
-                  </a:schemeClr>
-                </a:solidFill>
-                <a:latin typeface="Calibri" pitchFamily="34" charset="0"/>
-                <a:cs typeface="Calibri" pitchFamily="34" charset="0"/>
-              </a:rPr>
-              <a:t>관리자 회원 관리</a:t>
-            </a:r>
-            <a:endParaRPr lang="en-US" altLang="ko-KR" sz="3000" dirty="0" smtClean="0">
-              <a:solidFill>
-                <a:schemeClr val="tx1">
-                  <a:lumMod val="75000"/>
-                  <a:lumOff val="25000"/>
-                </a:schemeClr>
-              </a:solidFill>
-              <a:latin typeface="Calibri" pitchFamily="34" charset="0"/>
-              <a:cs typeface="Calibri" pitchFamily="34" charset="0"/>
-            </a:endParaRPr>
-          </a:p>
-          <a:p>
-            <a:pPr>
-              <a:lnSpc>
-                <a:spcPct val="120000"/>
-              </a:lnSpc>
-              <a:buFont typeface="Wingdings" pitchFamily="2" charset="2"/>
-              <a:buChar char="ü"/>
-            </a:pPr>
-            <a:r>
-              <a:rPr lang="ko-KR" altLang="en-US" sz="1900" dirty="0" smtClean="0">
-                <a:solidFill>
-                  <a:schemeClr val="tx1">
-                    <a:lumMod val="50000"/>
-                    <a:lumOff val="50000"/>
-                  </a:schemeClr>
-                </a:solidFill>
-                <a:latin typeface="Calibri" pitchFamily="34" charset="0"/>
-                <a:cs typeface="Calibri" pitchFamily="34" charset="0"/>
-              </a:rPr>
-              <a:t>관리자는 회원의 관리 및 권한 설정 가능</a:t>
-            </a:r>
-            <a:endParaRPr lang="en-US" altLang="ko-KR" sz="1900" dirty="0" smtClean="0">
-              <a:solidFill>
-                <a:schemeClr val="tx1">
-                  <a:lumMod val="50000"/>
-                  <a:lumOff val="50000"/>
-                </a:schemeClr>
-              </a:solidFill>
-              <a:latin typeface="Calibri" pitchFamily="34" charset="0"/>
-              <a:cs typeface="Calibri" pitchFamily="34" charset="0"/>
-            </a:endParaRPr>
-          </a:p>
-          <a:p>
-            <a:pPr>
-              <a:lnSpc>
-                <a:spcPct val="120000"/>
-              </a:lnSpc>
-              <a:buFont typeface="Wingdings" pitchFamily="2" charset="2"/>
-              <a:buChar char="ü"/>
-            </a:pPr>
-            <a:r>
-              <a:rPr lang="ko-KR" altLang="en-US" sz="1900" dirty="0" smtClean="0">
-                <a:solidFill>
-                  <a:schemeClr val="tx1">
-                    <a:lumMod val="50000"/>
-                    <a:lumOff val="50000"/>
-                  </a:schemeClr>
-                </a:solidFill>
-                <a:latin typeface="Calibri" pitchFamily="34" charset="0"/>
-                <a:cs typeface="Calibri" pitchFamily="34" charset="0"/>
-              </a:rPr>
-              <a:t>새로 가입한 회원의 로그인 허용 여부 설정</a:t>
-            </a:r>
-            <a:endParaRPr lang="en-US" altLang="ko-KR" sz="1900" dirty="0" smtClean="0">
-              <a:solidFill>
-                <a:schemeClr val="tx1">
-                  <a:lumMod val="50000"/>
-                  <a:lumOff val="50000"/>
-                </a:schemeClr>
-              </a:solidFill>
-              <a:latin typeface="Calibri" pitchFamily="34" charset="0"/>
-              <a:cs typeface="Calibri" pitchFamily="34" charset="0"/>
-            </a:endParaRPr>
-          </a:p>
-          <a:p>
-            <a:pPr>
-              <a:buFont typeface="Wingdings" pitchFamily="2" charset="2"/>
-              <a:buChar char="ü"/>
-            </a:pPr>
-            <a:endParaRPr lang="en-US" altLang="ko-KR" sz="2400" dirty="0" smtClean="0">
-              <a:solidFill>
-                <a:schemeClr val="tx1">
-                  <a:lumMod val="50000"/>
-                  <a:lumOff val="50000"/>
-                </a:schemeClr>
-              </a:solidFill>
-              <a:latin typeface="Calibri" pitchFamily="34" charset="0"/>
-              <a:cs typeface="Calibri" pitchFamily="34" charset="0"/>
-            </a:endParaRPr>
-          </a:p>
-          <a:p>
-            <a:pPr>
-              <a:lnSpc>
-                <a:spcPct val="120000"/>
-              </a:lnSpc>
-            </a:pPr>
-            <a:r>
-              <a:rPr lang="ko-KR" altLang="en-US" sz="3000" dirty="0" smtClean="0">
-                <a:solidFill>
-                  <a:schemeClr val="tx1">
-                    <a:lumMod val="75000"/>
-                    <a:lumOff val="25000"/>
-                  </a:schemeClr>
-                </a:solidFill>
-                <a:latin typeface="Calibri" pitchFamily="34" charset="0"/>
-                <a:cs typeface="Calibri" pitchFamily="34" charset="0"/>
-              </a:rPr>
-              <a:t>로그인 시스템</a:t>
-            </a:r>
-            <a:endParaRPr lang="en-US" altLang="ko-KR" sz="3000" dirty="0" smtClean="0">
-              <a:solidFill>
-                <a:schemeClr val="tx1">
-                  <a:lumMod val="75000"/>
-                  <a:lumOff val="25000"/>
-                </a:schemeClr>
-              </a:solidFill>
-              <a:latin typeface="Calibri" pitchFamily="34" charset="0"/>
-              <a:cs typeface="Calibri" pitchFamily="34" charset="0"/>
-            </a:endParaRPr>
-          </a:p>
-          <a:p>
-            <a:pPr>
-              <a:lnSpc>
-                <a:spcPct val="120000"/>
-              </a:lnSpc>
-              <a:buFont typeface="Wingdings" pitchFamily="2" charset="2"/>
-              <a:buChar char="ü"/>
-            </a:pPr>
-            <a:r>
-              <a:rPr lang="ko-KR" altLang="en-US" sz="1900" dirty="0" smtClean="0">
-                <a:solidFill>
-                  <a:schemeClr val="tx1">
-                    <a:lumMod val="50000"/>
-                    <a:lumOff val="50000"/>
-                  </a:schemeClr>
-                </a:solidFill>
-                <a:latin typeface="Calibri" pitchFamily="34" charset="0"/>
-                <a:cs typeface="Calibri" pitchFamily="34" charset="0"/>
-              </a:rPr>
-              <a:t>회원 </a:t>
-            </a:r>
-            <a:r>
-              <a:rPr lang="en-US" altLang="ko-KR" sz="1900" dirty="0" smtClean="0">
-                <a:solidFill>
-                  <a:schemeClr val="tx1">
-                    <a:lumMod val="50000"/>
-                    <a:lumOff val="50000"/>
-                  </a:schemeClr>
-                </a:solidFill>
-                <a:latin typeface="Calibri" pitchFamily="34" charset="0"/>
-                <a:cs typeface="Calibri" pitchFamily="34" charset="0"/>
-              </a:rPr>
-              <a:t>DB</a:t>
-            </a:r>
-            <a:r>
-              <a:rPr lang="ko-KR" altLang="en-US" sz="1900" dirty="0" smtClean="0">
-                <a:solidFill>
-                  <a:schemeClr val="tx1">
-                    <a:lumMod val="50000"/>
-                    <a:lumOff val="50000"/>
-                  </a:schemeClr>
-                </a:solidFill>
-                <a:latin typeface="Calibri" pitchFamily="34" charset="0"/>
-                <a:cs typeface="Calibri" pitchFamily="34" charset="0"/>
-              </a:rPr>
-              <a:t>기반 로그인 시스템</a:t>
-            </a:r>
-            <a:endParaRPr lang="en-US" altLang="ko-KR" sz="1900" dirty="0" smtClean="0">
-              <a:solidFill>
-                <a:schemeClr val="tx1">
-                  <a:lumMod val="50000"/>
-                  <a:lumOff val="50000"/>
-                </a:schemeClr>
-              </a:solidFill>
-              <a:latin typeface="Calibri" pitchFamily="34" charset="0"/>
-              <a:cs typeface="Calibri" pitchFamily="34" charset="0"/>
-            </a:endParaRPr>
-          </a:p>
-          <a:p>
-            <a:pPr>
-              <a:lnSpc>
-                <a:spcPct val="120000"/>
-              </a:lnSpc>
-              <a:buFont typeface="Wingdings" pitchFamily="2" charset="2"/>
-              <a:buChar char="ü"/>
-            </a:pPr>
-            <a:r>
-              <a:rPr lang="en-US" altLang="ko-KR" sz="1900" dirty="0" smtClean="0">
-                <a:solidFill>
-                  <a:schemeClr val="tx1">
-                    <a:lumMod val="50000"/>
-                    <a:lumOff val="50000"/>
-                  </a:schemeClr>
-                </a:solidFill>
-                <a:latin typeface="Calibri" pitchFamily="34" charset="0"/>
-                <a:cs typeface="Calibri" pitchFamily="34" charset="0"/>
-              </a:rPr>
-              <a:t>Session </a:t>
-            </a:r>
-            <a:r>
-              <a:rPr lang="ko-KR" altLang="en-US" sz="1900" dirty="0" smtClean="0">
-                <a:solidFill>
-                  <a:schemeClr val="tx1">
-                    <a:lumMod val="50000"/>
-                    <a:lumOff val="50000"/>
-                  </a:schemeClr>
-                </a:solidFill>
-                <a:latin typeface="Calibri" pitchFamily="34" charset="0"/>
-                <a:cs typeface="Calibri" pitchFamily="34" charset="0"/>
-              </a:rPr>
-              <a:t>을 이용한 로그인</a:t>
-            </a:r>
-            <a:endParaRPr lang="en-US" altLang="ko-KR" sz="1900" dirty="0" smtClean="0">
-              <a:solidFill>
-                <a:schemeClr val="tx1">
-                  <a:lumMod val="50000"/>
-                  <a:lumOff val="50000"/>
-                </a:schemeClr>
-              </a:solidFill>
-              <a:latin typeface="Calibri" pitchFamily="34" charset="0"/>
-              <a:cs typeface="Calibri" pitchFamily="34" charset="0"/>
-            </a:endParaRPr>
-          </a:p>
-          <a:p>
-            <a:endParaRPr lang="en-US" altLang="ko-KR" sz="4000" dirty="0" smtClean="0">
-              <a:solidFill>
-                <a:schemeClr val="tx1">
-                  <a:lumMod val="75000"/>
-                  <a:lumOff val="25000"/>
-                </a:schemeClr>
-              </a:solidFill>
-              <a:latin typeface="Calibri" pitchFamily="34" charset="0"/>
-              <a:cs typeface="Calibri" pitchFamily="34" charset="0"/>
-            </a:endParaRPr>
-          </a:p>
-          <a:p>
-            <a:endParaRPr lang="en-US" altLang="ko-KR" sz="4000" dirty="0" smtClean="0">
-              <a:solidFill>
-                <a:schemeClr val="tx1">
-                  <a:lumMod val="50000"/>
-                  <a:lumOff val="50000"/>
-                </a:schemeClr>
-              </a:solidFill>
-              <a:latin typeface="Calibri" pitchFamily="34" charset="0"/>
-              <a:cs typeface="Calibri" pitchFamily="34" charset="0"/>
-            </a:endParaRPr>
-          </a:p>
-        </p:txBody>
-      </p:sp>
+      <p:pic>
+        <p:nvPicPr>
+          <p:cNvPr id="1028" name="Picture 4"/>
+          <p:cNvPicPr>
+            <a:picLocks noChangeAspect="1" noChangeArrowheads="1"/>
+          </p:cNvPicPr>
+          <p:nvPr/>
+        </p:nvPicPr>
+        <p:blipFill>
+          <a:blip r:embed="rId2"/>
+          <a:srcRect/>
+          <a:stretch>
+            <a:fillRect/>
+          </a:stretch>
+        </p:blipFill>
+        <p:spPr bwMode="auto">
+          <a:xfrm>
+            <a:off x="1500165" y="4017958"/>
+            <a:ext cx="6165714" cy="2340000"/>
+          </a:xfrm>
+          <a:prstGeom prst="rect">
+            <a:avLst/>
+          </a:prstGeom>
+          <a:noFill/>
+          <a:ln w="9525">
+            <a:solidFill>
+              <a:schemeClr val="tx1"/>
+            </a:solidFill>
+            <a:miter lim="800000"/>
+            <a:headEnd/>
+            <a:tailEnd/>
+          </a:ln>
+          <a:effectLst>
+            <a:outerShdw blurRad="50800" dist="38100" dir="2700000" algn="tl" rotWithShape="0">
+              <a:prstClr val="black">
+                <a:alpha val="40000"/>
+              </a:prstClr>
+            </a:outerShdw>
+          </a:effectLst>
+        </p:spPr>
+      </p:pic>
+      <p:pic>
+        <p:nvPicPr>
+          <p:cNvPr id="1029" name="Picture 5"/>
+          <p:cNvPicPr>
+            <a:picLocks noChangeAspect="1" noChangeArrowheads="1"/>
+          </p:cNvPicPr>
+          <p:nvPr/>
+        </p:nvPicPr>
+        <p:blipFill>
+          <a:blip r:embed="rId3"/>
+          <a:srcRect/>
+          <a:stretch>
+            <a:fillRect/>
+          </a:stretch>
+        </p:blipFill>
+        <p:spPr bwMode="auto">
+          <a:xfrm>
+            <a:off x="1500166" y="1086190"/>
+            <a:ext cx="5268624" cy="2700000"/>
+          </a:xfrm>
+          <a:prstGeom prst="rect">
+            <a:avLst/>
+          </a:prstGeom>
+          <a:noFill/>
+          <a:ln w="9525">
+            <a:solidFill>
+              <a:schemeClr val="tx1"/>
+            </a:solidFill>
+            <a:miter lim="800000"/>
+            <a:headEnd/>
+            <a:tailEnd/>
+          </a:ln>
+          <a:effectLst>
+            <a:outerShdw blurRad="50800" dist="38100" dir="2700000" algn="tl" rotWithShape="0">
+              <a:prstClr val="black">
+                <a:alpha val="40000"/>
+              </a:prstClr>
+            </a:outerShdw>
+          </a:effectLst>
+        </p:spPr>
+      </p:pic>
     </p:spTree>
     <p:extLst>
       <p:ext uri="{BB962C8B-B14F-4D97-AF65-F5344CB8AC3E}">
-        <p14:creationId xmlns:p14="http://schemas.microsoft.com/office/powerpoint/2010/main" xmlns="" val="891763176"/>
+        <p14:creationId xmlns="" xmlns:p14="http://schemas.microsoft.com/office/powerpoint/2010/main" val="891763176"/>
       </p:ext>
     </p:extLst>
   </p:cSld>
@@ -8479,7 +9217,7 @@
                 <a:ea typeface="Arial Unicode MS" pitchFamily="50" charset="-127"/>
                 <a:cs typeface="Calibri" pitchFamily="34" charset="0"/>
               </a:rPr>
-              <a:t>Account Management</a:t>
+              <a:t>Base Tables</a:t>
             </a:r>
             <a:endParaRPr lang="ko-KR" altLang="en-US" sz="4400" dirty="0">
               <a:solidFill>
@@ -8490,53 +9228,6 @@
               </a:solidFill>
               <a:latin typeface="Calibri" pitchFamily="34" charset="0"/>
               <a:ea typeface="Arial Unicode MS" pitchFamily="50" charset="-127"/>
-              <a:cs typeface="Calibri" pitchFamily="34" charset="0"/>
-            </a:endParaRPr>
-          </a:p>
-        </p:txBody>
-      </p:sp>
-      <p:sp>
-        <p:nvSpPr>
-          <p:cNvPr id="3" name="Content Placeholder 2"/>
-          <p:cNvSpPr>
-            <a:spLocks noGrp="1"/>
-          </p:cNvSpPr>
-          <p:nvPr>
-            <p:ph idx="1"/>
-          </p:nvPr>
-        </p:nvSpPr>
-        <p:spPr>
-          <a:xfrm>
-            <a:off x="1835696" y="1484784"/>
-            <a:ext cx="6851104" cy="4525963"/>
-          </a:xfrm>
-        </p:spPr>
-        <p:txBody>
-          <a:bodyPr>
-            <a:normAutofit/>
-          </a:bodyPr>
-          <a:lstStyle/>
-          <a:p>
-            <a:endParaRPr lang="en-US" altLang="ko-KR" sz="4000" dirty="0" smtClean="0">
-              <a:solidFill>
-                <a:schemeClr val="tx1">
-                  <a:lumMod val="75000"/>
-                  <a:lumOff val="25000"/>
-                </a:schemeClr>
-              </a:solidFill>
-              <a:latin typeface="Calibri" pitchFamily="34" charset="0"/>
-              <a:cs typeface="Calibri" pitchFamily="34" charset="0"/>
-            </a:endParaRPr>
-          </a:p>
-          <a:p>
-            <a:endParaRPr lang="en-US" altLang="ko-KR" sz="4000" dirty="0" smtClean="0">
-              <a:solidFill>
-                <a:schemeClr val="tx1">
-                  <a:lumMod val="50000"/>
-                  <a:lumOff val="50000"/>
-                </a:schemeClr>
-              </a:solidFill>
-              <a:latin typeface="Calibri" pitchFamily="34" charset="0"/>
               <a:cs typeface="Calibri" pitchFamily="34" charset="0"/>
             </a:endParaRPr>
           </a:p>
@@ -8559,8 +9250,8 @@
         </p:blipFill>
         <p:spPr bwMode="auto">
           <a:xfrm>
-            <a:off x="1428729" y="1214422"/>
-            <a:ext cx="5857916" cy="2745057"/>
+            <a:off x="1571604" y="1071546"/>
+            <a:ext cx="4785538" cy="2520000"/>
           </a:xfrm>
           <a:prstGeom prst="rect">
             <a:avLst/>
@@ -8585,7 +9276,7 @@
       </p:pic>
       <p:pic>
         <p:nvPicPr>
-          <p:cNvPr id="2051" name="Picture 3"/>
+          <p:cNvPr id="2052" name="Picture 4"/>
           <p:cNvPicPr>
             <a:picLocks noChangeAspect="1" noChangeArrowheads="1"/>
           </p:cNvPicPr>
@@ -8600,8 +9291,8 @@
         </p:blipFill>
         <p:spPr bwMode="auto">
           <a:xfrm>
-            <a:off x="2357422" y="3732109"/>
-            <a:ext cx="6500858" cy="2811830"/>
+            <a:off x="1571604" y="3837958"/>
+            <a:ext cx="5040000" cy="2520000"/>
           </a:xfrm>
           <a:prstGeom prst="rect">
             <a:avLst/>
@@ -8627,7 +9318,7 @@
     </p:spTree>
     <p:extLst>
       <p:ext uri="{BB962C8B-B14F-4D97-AF65-F5344CB8AC3E}">
-        <p14:creationId xmlns:p14="http://schemas.microsoft.com/office/powerpoint/2010/main" xmlns="" val="891763176"/>
+        <p14:creationId xmlns="" xmlns:p14="http://schemas.microsoft.com/office/powerpoint/2010/main" val="891763176"/>
       </p:ext>
     </p:extLst>
   </p:cSld>
@@ -8694,7 +9385,7 @@
                 <a:ea typeface="Arial Unicode MS" pitchFamily="50" charset="-127"/>
                 <a:cs typeface="Calibri" pitchFamily="34" charset="0"/>
               </a:rPr>
-              <a:t>Salary Management</a:t>
+              <a:t>Account Management</a:t>
             </a:r>
             <a:endParaRPr lang="ko-KR" altLang="en-US" sz="4400" dirty="0">
               <a:solidFill>
@@ -8738,7 +9429,7 @@
               </a:lnSpc>
             </a:pPr>
             <a:r>
-              <a:rPr lang="ko-KR" altLang="en-US" sz="3600" dirty="0" smtClean="0">
+              <a:rPr lang="ko-KR" altLang="en-US" sz="3000" dirty="0" smtClean="0">
                 <a:solidFill>
                   <a:schemeClr val="tx1">
                     <a:lumMod val="75000"/>
@@ -8748,9 +9439,9 @@
                 <a:latin typeface="Calibri" pitchFamily="34" charset="0"/>
                 <a:cs typeface="Calibri" pitchFamily="34" charset="0"/>
               </a:rPr>
-              <a:t>급여 관리 페이지</a:t>
-            </a:r>
-            <a:endParaRPr lang="en-US" altLang="ko-KR" sz="3600" dirty="0" smtClean="0">
+              <a:t>회원 가입 페이지</a:t>
+            </a:r>
+            <a:endParaRPr lang="en-US" altLang="ko-KR" sz="3000" dirty="0" smtClean="0">
               <a:solidFill>
                 <a:schemeClr val="tx1">
                   <a:lumMod val="75000"/>
@@ -8770,7 +9461,7 @@
               <a:buChar char="ü"/>
             </a:pPr>
             <a:r>
-              <a:rPr lang="ko-KR" altLang="en-US" sz="2100" dirty="0" smtClean="0">
+              <a:rPr lang="ko-KR" altLang="en-US" sz="1900" dirty="0" smtClean="0">
                 <a:solidFill>
                   <a:schemeClr val="tx1">
                     <a:lumMod val="50000"/>
@@ -8780,26 +9471,8 @@
                 <a:latin typeface="Calibri" pitchFamily="34" charset="0"/>
                 <a:cs typeface="Calibri" pitchFamily="34" charset="0"/>
               </a:rPr>
-              <a:t>회원 및 관리자의 급여를 관리할 수 있는 폼</a:t>
-            </a:r>
-            <a:endParaRPr lang="en-US" altLang="ko-KR" sz="2100" dirty="0" smtClean="0">
-              <a:solidFill>
-                <a:schemeClr val="tx1">
-                  <a:lumMod val="50000"/>
-                  <a:lumOff val="50000"/>
-                </a:schemeClr>
-              </a:solidFill>
-              <a:latin typeface="Calibri" pitchFamily="34" charset="0"/>
-              <a:cs typeface="Calibri" pitchFamily="34" charset="0"/>
-            </a:endParaRPr>
-          </a:p>
-          <a:p>
-            <a:pPr>
-              <a:lnSpc>
-                <a:spcPct val="120000"/>
-              </a:lnSpc>
-              <a:buNone/>
-            </a:pPr>
+              <a:t>일반 사용자가 웹 사이트를 사용하기 위해 회원 가입을 할 수 있는 폼이 있음</a:t>
+            </a:r>
             <a:endParaRPr lang="en-US" altLang="ko-KR" sz="1900" dirty="0" smtClean="0">
               <a:solidFill>
                 <a:schemeClr val="tx1">
@@ -8813,12 +9486,28 @@
           </a:p>
           <a:p>
             <a:pPr>
+              <a:buFont typeface="Wingdings" pitchFamily="2" charset="2"/>
+              <a:buChar char="ü"/>
+            </a:pPr>
+            <a:endParaRPr lang="en-US" altLang="ko-KR" sz="2200" dirty="0" smtClean="0">
+              <a:solidFill>
+                <a:schemeClr val="tx1">
+                  <a:lumMod val="50000"/>
+                  <a:lumOff val="50000"/>
+                </a:schemeClr>
+              </a:solidFill>
+              <a:latin typeface="Calibri" pitchFamily="34" charset="0"/>
+              <a:cs typeface="Calibri" pitchFamily="34" charset="0"/>
+            </a:endParaRPr>
+          </a:p>
+          <a:p>
+            <a:pPr>
               <a:lnSpc>
                 <a:spcPct val="120000"/>
               </a:lnSpc>
             </a:pPr>
             <a:r>
-              <a:rPr lang="ko-KR" altLang="en-US" sz="3600" dirty="0" smtClean="0">
+              <a:rPr lang="ko-KR" altLang="en-US" sz="3000" dirty="0" smtClean="0">
                 <a:solidFill>
                   <a:schemeClr val="tx1">
                     <a:lumMod val="75000"/>
@@ -8828,9 +9517,9 @@
                 <a:latin typeface="Calibri" pitchFamily="34" charset="0"/>
                 <a:cs typeface="Calibri" pitchFamily="34" charset="0"/>
               </a:rPr>
-              <a:t>관리자 급여 관리</a:t>
-            </a:r>
-            <a:endParaRPr lang="en-US" altLang="ko-KR" sz="3600" dirty="0" smtClean="0">
+              <a:t>관리자 회원 관리</a:t>
+            </a:r>
+            <a:endParaRPr lang="en-US" altLang="ko-KR" sz="3000" dirty="0" smtClean="0">
               <a:solidFill>
                 <a:schemeClr val="tx1">
                   <a:lumMod val="75000"/>
@@ -8850,7 +9539,7 @@
               <a:buChar char="ü"/>
             </a:pPr>
             <a:r>
-              <a:rPr lang="ko-KR" altLang="en-US" sz="2100" dirty="0" smtClean="0">
+              <a:rPr lang="ko-KR" altLang="en-US" sz="1900" dirty="0" smtClean="0">
                 <a:solidFill>
                   <a:schemeClr val="tx1">
                     <a:lumMod val="50000"/>
@@ -8860,89 +9549,9 @@
                 <a:latin typeface="Calibri" pitchFamily="34" charset="0"/>
                 <a:cs typeface="Calibri" pitchFamily="34" charset="0"/>
               </a:rPr>
-              <a:t>관리자는 회원의 급여 관리  </a:t>
-            </a:r>
-            <a:r>
-              <a:rPr lang="ko-KR" altLang="en-US" sz="2100" dirty="0" err="1" smtClean="0">
-                <a:solidFill>
-                  <a:schemeClr val="tx1">
-                    <a:lumMod val="50000"/>
-                    <a:lumOff val="50000"/>
-                  </a:schemeClr>
-                </a:solidFill>
-                <a:latin typeface="Calibri" pitchFamily="34" charset="0"/>
-                <a:cs typeface="Calibri" pitchFamily="34" charset="0"/>
-              </a:rPr>
-              <a:t>추가</a:t>
-            </a:r>
-            <a:r>
-              <a:rPr lang="ko-KR" altLang="en-US" sz="2100" dirty="0" err="1" smtClean="0">
-                <a:solidFill>
-                  <a:schemeClr val="tx1">
-                    <a:lumMod val="50000"/>
-                    <a:lumOff val="50000"/>
-                  </a:schemeClr>
-                </a:solidFill>
-                <a:latin typeface="굴림체"/>
-                <a:ea typeface="굴림체"/>
-                <a:cs typeface="Calibri" pitchFamily="34" charset="0"/>
-              </a:rPr>
-              <a:t>ㆍ</a:t>
-            </a:r>
-            <a:r>
-              <a:rPr lang="ko-KR" altLang="en-US" sz="2100" dirty="0" err="1" smtClean="0">
-                <a:solidFill>
-                  <a:schemeClr val="tx1">
-                    <a:lumMod val="50000"/>
-                    <a:lumOff val="50000"/>
-                  </a:schemeClr>
-                </a:solidFill>
-                <a:latin typeface="Calibri" pitchFamily="34" charset="0"/>
-                <a:cs typeface="Calibri" pitchFamily="34" charset="0"/>
-              </a:rPr>
-              <a:t>수정</a:t>
-            </a:r>
-            <a:r>
-              <a:rPr lang="ko-KR" altLang="en-US" sz="2100" dirty="0" err="1" smtClean="0">
-                <a:solidFill>
-                  <a:schemeClr val="tx1">
-                    <a:lumMod val="50000"/>
-                    <a:lumOff val="50000"/>
-                  </a:schemeClr>
-                </a:solidFill>
-                <a:latin typeface="굴림체"/>
-                <a:ea typeface="굴림체"/>
-                <a:cs typeface="Calibri" pitchFamily="34" charset="0"/>
-              </a:rPr>
-              <a:t>ㆍ</a:t>
-            </a:r>
-            <a:r>
-              <a:rPr lang="ko-KR" altLang="en-US" sz="2100" dirty="0" err="1" smtClean="0">
-                <a:solidFill>
-                  <a:schemeClr val="tx1">
-                    <a:lumMod val="50000"/>
-                    <a:lumOff val="50000"/>
-                  </a:schemeClr>
-                </a:solidFill>
-                <a:latin typeface="Calibri" pitchFamily="34" charset="0"/>
-                <a:cs typeface="Calibri" pitchFamily="34" charset="0"/>
-              </a:rPr>
-              <a:t>삭제</a:t>
-            </a:r>
-            <a:r>
-              <a:rPr lang="ko-KR" altLang="en-US" sz="2100" dirty="0" smtClean="0">
-                <a:solidFill>
-                  <a:schemeClr val="tx1">
-                    <a:lumMod val="50000"/>
-                    <a:lumOff val="50000"/>
-                  </a:schemeClr>
-                </a:solidFill>
-                <a:latin typeface="Calibri" pitchFamily="34" charset="0"/>
-                <a:cs typeface="Calibri" pitchFamily="34" charset="0"/>
-              </a:rPr>
-              <a:t>  가능</a:t>
-            </a:r>
-            <a:endParaRPr lang="en-US" altLang="ko-KR" sz="2100" dirty="0" smtClean="0">
+              <a:t>관리자는 회원의 관리 및 권한 설정 가능</a:t>
+            </a:r>
+            <a:endParaRPr lang="en-US" altLang="ko-KR" sz="1900" dirty="0" smtClean="0">
               <a:solidFill>
                 <a:schemeClr val="tx1">
                   <a:lumMod val="50000"/>
@@ -8962,7 +9571,7 @@
               <a:buChar char="ü"/>
             </a:pPr>
             <a:r>
-              <a:rPr lang="ko-KR" altLang="en-US" sz="2100" dirty="0" smtClean="0">
+              <a:rPr lang="ko-KR" altLang="en-US" sz="1900" dirty="0" smtClean="0">
                 <a:solidFill>
                   <a:schemeClr val="tx1">
                     <a:lumMod val="50000"/>
@@ -8972,89 +9581,9 @@
                 <a:latin typeface="Calibri" pitchFamily="34" charset="0"/>
                 <a:cs typeface="Calibri" pitchFamily="34" charset="0"/>
               </a:rPr>
-              <a:t>급여 등록 시 관리자 및 회원의 코드번호 조회 가능</a:t>
-            </a:r>
-            <a:endParaRPr lang="en-US" altLang="ko-KR" sz="2100" dirty="0" smtClean="0">
-              <a:solidFill>
-                <a:schemeClr val="tx1">
-                  <a:lumMod val="50000"/>
-                  <a:lumOff val="50000"/>
-                </a:schemeClr>
-              </a:solidFill>
-              <a:latin typeface="Calibri" pitchFamily="34" charset="0"/>
-              <a:cs typeface="Calibri" pitchFamily="34" charset="0"/>
-            </a:endParaRPr>
-          </a:p>
-          <a:p>
-            <a:pPr>
-              <a:lnSpc>
-                <a:spcPct val="120000"/>
-              </a:lnSpc>
-              <a:buNone/>
-            </a:pPr>
-            <a:endParaRPr lang="en-US" altLang="ko-KR" sz="2800" dirty="0" smtClean="0">
-              <a:solidFill>
-                <a:schemeClr val="tx1">
-                  <a:lumMod val="50000"/>
-                  <a:lumOff val="50000"/>
-                </a:schemeClr>
-              </a:solidFill>
-              <a:latin typeface="Calibri" pitchFamily="34" charset="0"/>
-              <a:cs typeface="Calibri" pitchFamily="34" charset="0"/>
-            </a:endParaRPr>
-          </a:p>
-          <a:p>
-            <a:pPr>
-              <a:lnSpc>
-                <a:spcPct val="120000"/>
-              </a:lnSpc>
-            </a:pPr>
-            <a:r>
-              <a:rPr lang="ko-KR" altLang="en-US" sz="3600" dirty="0" smtClean="0">
-                <a:solidFill>
-                  <a:schemeClr val="tx1">
-                    <a:lumMod val="75000"/>
-                    <a:lumOff val="25000"/>
-                  </a:schemeClr>
-                </a:solidFill>
-                <a:latin typeface="Calibri" pitchFamily="34" charset="0"/>
-                <a:cs typeface="Calibri" pitchFamily="34" charset="0"/>
-              </a:rPr>
-              <a:t>회원 급여 관리</a:t>
-            </a:r>
-            <a:endParaRPr lang="en-US" altLang="ko-KR" sz="3600" dirty="0" smtClean="0">
-              <a:solidFill>
-                <a:schemeClr val="tx1">
-                  <a:lumMod val="75000"/>
-                  <a:lumOff val="25000"/>
-                </a:schemeClr>
-              </a:solidFill>
-              <a:latin typeface="Calibri" pitchFamily="34" charset="0"/>
-              <a:cs typeface="Calibri" pitchFamily="34" charset="0"/>
-            </a:endParaRPr>
-          </a:p>
-          <a:p>
-            <a:pPr>
-              <a:lnSpc>
-                <a:spcPct val="120000"/>
-              </a:lnSpc>
-              <a:buFont typeface="Wingdings" pitchFamily="2" charset="2"/>
-              <a:buChar char="ü"/>
-            </a:pPr>
-            <a:r>
-              <a:rPr lang="ko-KR" altLang="en-US" sz="2100" dirty="0" smtClean="0">
-                <a:solidFill>
-                  <a:schemeClr val="tx1">
-                    <a:lumMod val="50000"/>
-                    <a:lumOff val="50000"/>
-                  </a:schemeClr>
-                </a:solidFill>
-                <a:latin typeface="Calibri" pitchFamily="34" charset="0"/>
-                <a:cs typeface="Calibri" pitchFamily="34" charset="0"/>
-              </a:rPr>
-              <a:t>회원은 자신의 급여 정보 및 코드번호 확인 가능 </a:t>
-            </a:r>
-            <a:endParaRPr lang="en-US" altLang="ko-KR" sz="2100" dirty="0" smtClean="0">
+              <a:t>새로 가입한 회원의 로그인 허용 여부 설정</a:t>
+            </a:r>
+            <a:endParaRPr lang="en-US" altLang="ko-KR" sz="1900" dirty="0" smtClean="0">
               <a:solidFill>
                 <a:schemeClr val="tx1">
                   <a:lumMod val="50000"/>
@@ -9082,6 +9611,139 @@
             </a:endParaRPr>
           </a:p>
           <a:p>
+            <a:pPr>
+              <a:lnSpc>
+                <a:spcPct val="120000"/>
+              </a:lnSpc>
+            </a:pPr>
+            <a:r>
+              <a:rPr lang="ko-KR" altLang="en-US" sz="3000" dirty="0" smtClean="0">
+                <a:solidFill>
+                  <a:schemeClr val="tx1">
+                    <a:lumMod val="75000"/>
+                    <a:lumOff val="25000"/>
+                  </a:schemeClr>
+                </a:solidFill>
+                <a:latin typeface="Calibri" pitchFamily="34" charset="0"/>
+                <a:cs typeface="Calibri" pitchFamily="34" charset="0"/>
+              </a:rPr>
+              <a:t>로그인 시스템</a:t>
+            </a:r>
+            <a:endParaRPr lang="en-US" altLang="ko-KR" sz="3000" dirty="0" smtClean="0">
+              <a:solidFill>
+                <a:schemeClr val="tx1">
+                  <a:lumMod val="75000"/>
+                  <a:lumOff val="25000"/>
+                </a:schemeClr>
+              </a:solidFill>
+              <a:latin typeface="Calibri" pitchFamily="34" charset="0"/>
+              <a:cs typeface="Calibri" pitchFamily="34" charset="0"/>
+            </a:endParaRPr>
+          </a:p>
+          <a:p>
+            <a:pPr>
+              <a:lnSpc>
+                <a:spcPct val="120000"/>
+              </a:lnSpc>
+              <a:buFont typeface="Wingdings" pitchFamily="2" charset="2"/>
+              <a:buChar char="ü"/>
+            </a:pPr>
+            <a:r>
+              <a:rPr lang="ko-KR" altLang="en-US" sz="1900" dirty="0" smtClean="0">
+                <a:solidFill>
+                  <a:schemeClr val="tx1">
+                    <a:lumMod val="50000"/>
+                    <a:lumOff val="50000"/>
+                  </a:schemeClr>
+                </a:solidFill>
+                <a:latin typeface="Calibri" pitchFamily="34" charset="0"/>
+                <a:cs typeface="Calibri" pitchFamily="34" charset="0"/>
+              </a:rPr>
+              <a:t>회원 </a:t>
+            </a:r>
+            <a:r>
+              <a:rPr lang="en-US" altLang="ko-KR" sz="1900" dirty="0" smtClean="0">
+                <a:solidFill>
+                  <a:schemeClr val="tx1">
+                    <a:lumMod val="50000"/>
+                    <a:lumOff val="50000"/>
+                  </a:schemeClr>
+                </a:solidFill>
+                <a:latin typeface="Calibri" pitchFamily="34" charset="0"/>
+                <a:cs typeface="Calibri" pitchFamily="34" charset="0"/>
+              </a:rPr>
+              <a:t>DB</a:t>
+            </a:r>
+            <a:r>
+              <a:rPr lang="ko-KR" altLang="en-US" sz="1900" dirty="0" smtClean="0">
+                <a:solidFill>
+                  <a:schemeClr val="tx1">
+                    <a:lumMod val="50000"/>
+                    <a:lumOff val="50000"/>
+                  </a:schemeClr>
+                </a:solidFill>
+                <a:latin typeface="Calibri" pitchFamily="34" charset="0"/>
+                <a:cs typeface="Calibri" pitchFamily="34" charset="0"/>
+              </a:rPr>
+              <a:t>기반 로그인 시스템</a:t>
+            </a:r>
+            <a:endParaRPr lang="en-US" altLang="ko-KR" sz="1900" dirty="0" smtClean="0">
+              <a:solidFill>
+                <a:schemeClr val="tx1">
+                  <a:lumMod val="50000"/>
+                  <a:lumOff val="50000"/>
+                </a:schemeClr>
+              </a:solidFill>
+              <a:latin typeface="Calibri" pitchFamily="34" charset="0"/>
+              <a:cs typeface="Calibri" pitchFamily="34" charset="0"/>
+            </a:endParaRPr>
+          </a:p>
+          <a:p>
+            <a:pPr>
+              <a:lnSpc>
+                <a:spcPct val="120000"/>
+              </a:lnSpc>
+              <a:buFont typeface="Wingdings" pitchFamily="2" charset="2"/>
+              <a:buChar char="ü"/>
+            </a:pPr>
+            <a:r>
+              <a:rPr lang="en-US" altLang="ko-KR" sz="1900" dirty="0" smtClean="0">
+                <a:solidFill>
+                  <a:schemeClr val="tx1">
+                    <a:lumMod val="50000"/>
+                    <a:lumOff val="50000"/>
+                  </a:schemeClr>
+                </a:solidFill>
+                <a:latin typeface="Calibri" pitchFamily="34" charset="0"/>
+                <a:cs typeface="Calibri" pitchFamily="34" charset="0"/>
+              </a:rPr>
+              <a:t>Session </a:t>
+            </a:r>
+            <a:r>
+              <a:rPr lang="ko-KR" altLang="en-US" sz="1900" dirty="0" smtClean="0">
+                <a:solidFill>
+                  <a:schemeClr val="tx1">
+                    <a:lumMod val="50000"/>
+                    <a:lumOff val="50000"/>
+                  </a:schemeClr>
+                </a:solidFill>
+                <a:latin typeface="Calibri" pitchFamily="34" charset="0"/>
+                <a:cs typeface="Calibri" pitchFamily="34" charset="0"/>
+              </a:rPr>
+              <a:t>을 이용한 로그인</a:t>
+            </a:r>
+            <a:endParaRPr lang="en-US" altLang="ko-KR" sz="1900" dirty="0" smtClean="0">
+              <a:solidFill>
+                <a:schemeClr val="tx1">
+                  <a:lumMod val="50000"/>
+                  <a:lumOff val="50000"/>
+                </a:schemeClr>
+              </a:solidFill>
+              <a:latin typeface="Calibri" pitchFamily="34" charset="0"/>
+              <a:cs typeface="Calibri" pitchFamily="34" charset="0"/>
+            </a:endParaRPr>
+          </a:p>
+          <a:p>
             <a:endParaRPr lang="en-US" altLang="ko-KR" sz="4000" dirty="0" smtClean="0">
               <a:solidFill>
                 <a:schemeClr val="tx1">
@@ -9110,7 +9772,7 @@
     </p:spTree>
     <p:extLst>
       <p:ext uri="{BB962C8B-B14F-4D97-AF65-F5344CB8AC3E}">
-        <p14:creationId xmlns:p14="http://schemas.microsoft.com/office/powerpoint/2010/main" xmlns="" val="891763176"/>
+        <p14:creationId xmlns="" xmlns:p14="http://schemas.microsoft.com/office/powerpoint/2010/main" val="891763176"/>
       </p:ext>
     </p:extLst>
   </p:cSld>
@@ -9177,7 +9839,7 @@
                 <a:ea typeface="Arial Unicode MS" pitchFamily="50" charset="-127"/>
                 <a:cs typeface="Calibri" pitchFamily="34" charset="0"/>
               </a:rPr>
-              <a:t>Salary Management</a:t>
+              <a:t>Account Management</a:t>
             </a:r>
             <a:endParaRPr lang="ko-KR" altLang="en-US" sz="4400" dirty="0">
               <a:solidFill>
@@ -9193,9 +9855,56 @@
           </a:p>
         </p:txBody>
       </p:sp>
+      <p:sp>
+        <p:nvSpPr>
+          <p:cNvPr id="3" name="Content Placeholder 2"/>
+          <p:cNvSpPr>
+            <a:spLocks noGrp="1"/>
+          </p:cNvSpPr>
+          <p:nvPr>
+            <p:ph idx="1"/>
+          </p:nvPr>
+        </p:nvSpPr>
+        <p:spPr>
+          <a:xfrm>
+            <a:off x="1835696" y="1484784"/>
+            <a:ext cx="6851104" cy="4525963"/>
+          </a:xfrm>
+        </p:spPr>
+        <p:txBody>
+          <a:bodyPr>
+            <a:normAutofit/>
+          </a:bodyPr>
+          <a:lstStyle/>
+          <a:p>
+            <a:endParaRPr lang="en-US" altLang="ko-KR" sz="4000" dirty="0" smtClean="0">
+              <a:solidFill>
+                <a:schemeClr val="tx1">
+                  <a:lumMod val="75000"/>
+                  <a:lumOff val="25000"/>
+                </a:schemeClr>
+              </a:solidFill>
+              <a:latin typeface="Calibri" pitchFamily="34" charset="0"/>
+              <a:cs typeface="Calibri" pitchFamily="34" charset="0"/>
+            </a:endParaRPr>
+          </a:p>
+          <a:p>
+            <a:endParaRPr lang="en-US" altLang="ko-KR" sz="4000" dirty="0" smtClean="0">
+              <a:solidFill>
+                <a:schemeClr val="tx1">
+                  <a:lumMod val="50000"/>
+                  <a:lumOff val="50000"/>
+                </a:schemeClr>
+              </a:solidFill>
+              <a:latin typeface="Calibri" pitchFamily="34" charset="0"/>
+              <a:cs typeface="Calibri" pitchFamily="34" charset="0"/>
+            </a:endParaRPr>
+          </a:p>
+        </p:txBody>
+      </p:sp>
       <p:pic>
         <p:nvPicPr>
-          <p:cNvPr id="1027" name="Picture 3"/>
+          <p:cNvPr id="2050" name="Picture 2"/>
           <p:cNvPicPr>
             <a:picLocks noChangeAspect="1" noChangeArrowheads="1"/>
           </p:cNvPicPr>
@@ -9210,8 +9919,8 @@
         </p:blipFill>
         <p:spPr bwMode="auto">
           <a:xfrm>
-            <a:off x="1428728" y="1195343"/>
-            <a:ext cx="5500725" cy="2948037"/>
+            <a:off x="1428729" y="1214422"/>
+            <a:ext cx="5857916" cy="2745057"/>
           </a:xfrm>
           <a:prstGeom prst="rect">
             <a:avLst/>
@@ -9236,7 +9945,7 @@
       </p:pic>
       <p:pic>
         <p:nvPicPr>
-          <p:cNvPr id="1026" name="Picture 2"/>
+          <p:cNvPr id="2051" name="Picture 3"/>
           <p:cNvPicPr>
             <a:picLocks noChangeAspect="1" noChangeArrowheads="1"/>
           </p:cNvPicPr>
@@ -9251,8 +9960,8 @@
         </p:blipFill>
         <p:spPr bwMode="auto">
           <a:xfrm>
-            <a:off x="2675767" y="4572008"/>
-            <a:ext cx="6182513" cy="1428760"/>
+            <a:off x="2357422" y="3732109"/>
+            <a:ext cx="6500858" cy="2811830"/>
           </a:xfrm>
           <a:prstGeom prst="rect">
             <a:avLst/>
@@ -9278,14 +9987,14 @@
     </p:spTree>
     <p:extLst>
       <p:ext uri="{BB962C8B-B14F-4D97-AF65-F5344CB8AC3E}">
-        <p14:creationId xmlns:p14="http://schemas.microsoft.com/office/powerpoint/2010/main" xmlns="" val="891763176"/>
+        <p14:creationId xmlns="" xmlns:p14="http://schemas.microsoft.com/office/powerpoint/2010/main" val="891763176"/>
       </p:ext>
     </p:extLst>
   </p:cSld>
   <p:clrMapOvr>
     <a:masterClrMapping/>
   </p:clrMapOvr>
-  <p:transition advTm="0"/>
+  <p:transition/>
   <p:timing>
     <p:tnLst>
       <p:par>
@@ -9313,47 +10022,6 @@
           <a:chExt cx="0" cy="0"/>
         </a:xfrm>
       </p:grpSpPr>
-      <p:pic>
-        <p:nvPicPr>
-          <p:cNvPr id="3075" name="Picture 3"/>
-          <p:cNvPicPr>
-            <a:picLocks noChangeAspect="1" noChangeArrowheads="1"/>
-          </p:cNvPicPr>
-          <p:nvPr/>
-        </p:nvPicPr>
-        <p:blipFill>
-          <a:blip r:embed="rId2"/>
-          <a:srcRect/>
-          <a:stretch>
-            <a:fillRect/>
-          </a:stretch>
-        </p:blipFill>
-        <p:spPr bwMode="auto">
-          <a:xfrm>
-            <a:off x="1500166" y="4214818"/>
-            <a:ext cx="3749363" cy="2071702"/>
-          </a:xfrm>
-          <a:prstGeom prst="rect">
-            <a:avLst/>
-          </a:prstGeom>
-          <a:noFill/>
-          <a:ln w="9525">
-            <a:solidFill>
-              <a:schemeClr val="tx1"/>
-            </a:solidFill>
-            <a:miter lim="800000"/>
-            <a:headEnd/>
-            <a:tailEnd/>
-          </a:ln>
-          <a:effectLst>
-            <a:outerShdw blurRad="50800" dist="38100" dir="2700000" algn="tl" rotWithShape="0">
-              <a:prstClr val="black">
-                <a:alpha val="40000"/>
-              </a:prstClr>
-            </a:outerShdw>
-          </a:effectLst>
-        </p:spPr>
-      </p:pic>
       <p:sp>
         <p:nvSpPr>
           <p:cNvPr id="2" name="Title 1"/>
@@ -9402,101 +10070,414 @@
           </a:p>
         </p:txBody>
       </p:sp>
-      <p:pic>
-        <p:nvPicPr>
-          <p:cNvPr id="5" name="Picture 2"/>
-          <p:cNvPicPr>
-            <a:picLocks noChangeAspect="1" noChangeArrowheads="1"/>
-          </p:cNvPicPr>
-          <p:nvPr/>
-        </p:nvPicPr>
-        <p:blipFill>
-          <a:blip r:embed="rId3"/>
-          <a:srcRect/>
-          <a:stretch>
-            <a:fillRect/>
-          </a:stretch>
-        </p:blipFill>
-        <p:spPr bwMode="auto">
-          <a:xfrm>
-            <a:off x="1451053" y="1142984"/>
-            <a:ext cx="3906765" cy="2000264"/>
-          </a:xfrm>
-          <a:prstGeom prst="rect">
-            <a:avLst/>
-          </a:prstGeom>
-          <a:noFill/>
-          <a:ln w="9525">
-            <a:solidFill>
-              <a:schemeClr val="tx1"/>
-            </a:solidFill>
-            <a:miter lim="800000"/>
-            <a:headEnd/>
-            <a:tailEnd/>
-          </a:ln>
-          <a:effectLst>
-            <a:outerShdw blurRad="50800" dist="38100" dir="2700000" algn="tl" rotWithShape="0">
-              <a:prstClr val="black">
-                <a:alpha val="40000"/>
-              </a:prstClr>
-            </a:outerShdw>
-          </a:effectLst>
-        </p:spPr>
-      </p:pic>
-      <p:pic>
-        <p:nvPicPr>
-          <p:cNvPr id="2051" name="Picture 3"/>
-          <p:cNvPicPr>
-            <a:picLocks noGrp="1" noChangeAspect="1" noChangeArrowheads="1"/>
-          </p:cNvPicPr>
+      <p:sp>
+        <p:nvSpPr>
+          <p:cNvPr id="3" name="Content Placeholder 2"/>
+          <p:cNvSpPr>
+            <a:spLocks noGrp="1"/>
+          </p:cNvSpPr>
           <p:nvPr>
             <p:ph idx="1"/>
           </p:nvPr>
-        </p:nvPicPr>
-        <p:blipFill>
-          <a:blip r:embed="rId4"/>
-          <a:srcRect/>
-          <a:stretch>
-            <a:fillRect/>
-          </a:stretch>
-        </p:blipFill>
-        <p:spPr bwMode="auto">
-          <a:xfrm>
-            <a:off x="4807252" y="2928934"/>
-            <a:ext cx="3836714" cy="2143140"/>
-          </a:xfrm>
-          <a:prstGeom prst="rect">
-            <a:avLst/>
-          </a:prstGeom>
-          <a:noFill/>
-          <a:ln w="9525">
-            <a:solidFill>
-              <a:schemeClr val="tx1"/>
-            </a:solidFill>
-            <a:miter lim="800000"/>
-            <a:headEnd/>
-            <a:tailEnd/>
-          </a:ln>
-          <a:effectLst>
-            <a:outerShdw blurRad="50800" dist="38100" dir="2700000" algn="tl" rotWithShape="0">
-              <a:prstClr val="black">
-                <a:alpha val="40000"/>
-              </a:prstClr>
-            </a:outerShdw>
-          </a:effectLst>
-        </p:spPr>
-      </p:pic>
+        </p:nvSpPr>
+        <p:spPr>
+          <a:xfrm>
+            <a:off x="1835696" y="1484784"/>
+            <a:ext cx="6851104" cy="4525963"/>
+          </a:xfrm>
+        </p:spPr>
+        <p:txBody>
+          <a:bodyPr>
+            <a:normAutofit fontScale="92500" lnSpcReduction="10000"/>
+          </a:bodyPr>
+          <a:lstStyle/>
+          <a:p>
+            <a:pPr>
+              <a:lnSpc>
+                <a:spcPct val="120000"/>
+              </a:lnSpc>
+            </a:pPr>
+            <a:r>
+              <a:rPr lang="ko-KR" altLang="en-US" sz="3600" dirty="0" smtClean="0">
+                <a:solidFill>
+                  <a:schemeClr val="tx1">
+                    <a:lumMod val="75000"/>
+                    <a:lumOff val="25000"/>
+                  </a:schemeClr>
+                </a:solidFill>
+                <a:latin typeface="Calibri" pitchFamily="34" charset="0"/>
+                <a:cs typeface="Calibri" pitchFamily="34" charset="0"/>
+              </a:rPr>
+              <a:t>급여 관리 페이지</a:t>
+            </a:r>
+            <a:endParaRPr lang="en-US" altLang="ko-KR" sz="3600" dirty="0" smtClean="0">
+              <a:solidFill>
+                <a:schemeClr val="tx1">
+                  <a:lumMod val="75000"/>
+                  <a:lumOff val="25000"/>
+                </a:schemeClr>
+              </a:solidFill>
+              <a:latin typeface="Calibri" pitchFamily="34" charset="0"/>
+              <a:cs typeface="Calibri" pitchFamily="34" charset="0"/>
+            </a:endParaRPr>
+          </a:p>
+          <a:p>
+            <a:pPr>
+              <a:lnSpc>
+                <a:spcPct val="120000"/>
+              </a:lnSpc>
+              <a:buFont typeface="Wingdings" pitchFamily="2" charset="2"/>
+              <a:buChar char="ü"/>
+            </a:pPr>
+            <a:r>
+              <a:rPr lang="ko-KR" altLang="en-US" sz="2100" dirty="0" smtClean="0">
+                <a:solidFill>
+                  <a:schemeClr val="tx1">
+                    <a:lumMod val="50000"/>
+                    <a:lumOff val="50000"/>
+                  </a:schemeClr>
+                </a:solidFill>
+                <a:latin typeface="Calibri" pitchFamily="34" charset="0"/>
+                <a:cs typeface="Calibri" pitchFamily="34" charset="0"/>
+              </a:rPr>
+              <a:t>회원 및 관리자의 급여를 관리할 수 있는 폼</a:t>
+            </a:r>
+            <a:endParaRPr lang="en-US" altLang="ko-KR" sz="2100" dirty="0" smtClean="0">
+              <a:solidFill>
+                <a:schemeClr val="tx1">
+                  <a:lumMod val="50000"/>
+                  <a:lumOff val="50000"/>
+                </a:schemeClr>
+              </a:solidFill>
+              <a:latin typeface="Calibri" pitchFamily="34" charset="0"/>
+              <a:cs typeface="Calibri" pitchFamily="34" charset="0"/>
+            </a:endParaRPr>
+          </a:p>
+          <a:p>
+            <a:pPr>
+              <a:lnSpc>
+                <a:spcPct val="120000"/>
+              </a:lnSpc>
+              <a:buNone/>
+            </a:pPr>
+            <a:endParaRPr lang="en-US" altLang="ko-KR" sz="1900" dirty="0" smtClean="0">
+              <a:solidFill>
+                <a:schemeClr val="tx1">
+                  <a:lumMod val="50000"/>
+                  <a:lumOff val="50000"/>
+                </a:schemeClr>
+              </a:solidFill>
+              <a:latin typeface="Calibri" pitchFamily="34" charset="0"/>
+              <a:cs typeface="Calibri" pitchFamily="34" charset="0"/>
+            </a:endParaRPr>
+          </a:p>
+          <a:p>
+            <a:pPr>
+              <a:lnSpc>
+                <a:spcPct val="120000"/>
+              </a:lnSpc>
+            </a:pPr>
+            <a:r>
+              <a:rPr lang="ko-KR" altLang="en-US" sz="3600" dirty="0" smtClean="0">
+                <a:solidFill>
+                  <a:schemeClr val="tx1">
+                    <a:lumMod val="75000"/>
+                    <a:lumOff val="25000"/>
+                  </a:schemeClr>
+                </a:solidFill>
+                <a:latin typeface="Calibri" pitchFamily="34" charset="0"/>
+                <a:cs typeface="Calibri" pitchFamily="34" charset="0"/>
+              </a:rPr>
+              <a:t>관리자 급여 관리</a:t>
+            </a:r>
+            <a:endParaRPr lang="en-US" altLang="ko-KR" sz="3600" dirty="0" smtClean="0">
+              <a:solidFill>
+                <a:schemeClr val="tx1">
+                  <a:lumMod val="75000"/>
+                  <a:lumOff val="25000"/>
+                </a:schemeClr>
+              </a:solidFill>
+              <a:latin typeface="Calibri" pitchFamily="34" charset="0"/>
+              <a:cs typeface="Calibri" pitchFamily="34" charset="0"/>
+            </a:endParaRPr>
+          </a:p>
+          <a:p>
+            <a:pPr>
+              <a:lnSpc>
+                <a:spcPct val="120000"/>
+              </a:lnSpc>
+              <a:buFont typeface="Wingdings" pitchFamily="2" charset="2"/>
+              <a:buChar char="ü"/>
+            </a:pPr>
+            <a:r>
+              <a:rPr lang="ko-KR" altLang="en-US" sz="2100" dirty="0" smtClean="0">
+                <a:solidFill>
+                  <a:schemeClr val="tx1">
+                    <a:lumMod val="50000"/>
+                    <a:lumOff val="50000"/>
+                  </a:schemeClr>
+                </a:solidFill>
+                <a:latin typeface="Calibri" pitchFamily="34" charset="0"/>
+                <a:cs typeface="Calibri" pitchFamily="34" charset="0"/>
+              </a:rPr>
+              <a:t>관리자는 회원의 급여 관리  </a:t>
+            </a:r>
+            <a:r>
+              <a:rPr lang="ko-KR" altLang="en-US" sz="2100" dirty="0" err="1" smtClean="0">
+                <a:solidFill>
+                  <a:schemeClr val="tx1">
+                    <a:lumMod val="50000"/>
+                    <a:lumOff val="50000"/>
+                  </a:schemeClr>
+                </a:solidFill>
+                <a:latin typeface="Calibri" pitchFamily="34" charset="0"/>
+                <a:cs typeface="Calibri" pitchFamily="34" charset="0"/>
+              </a:rPr>
+              <a:t>추가</a:t>
+            </a:r>
+            <a:r>
+              <a:rPr lang="ko-KR" altLang="en-US" sz="2100" dirty="0" err="1" smtClean="0">
+                <a:solidFill>
+                  <a:schemeClr val="tx1">
+                    <a:lumMod val="50000"/>
+                    <a:lumOff val="50000"/>
+                  </a:schemeClr>
+                </a:solidFill>
+                <a:latin typeface="굴림체"/>
+                <a:ea typeface="굴림체"/>
+                <a:cs typeface="Calibri" pitchFamily="34" charset="0"/>
+              </a:rPr>
+              <a:t>ㆍ</a:t>
+            </a:r>
+            <a:r>
+              <a:rPr lang="ko-KR" altLang="en-US" sz="2100" dirty="0" err="1" smtClean="0">
+                <a:solidFill>
+                  <a:schemeClr val="tx1">
+                    <a:lumMod val="50000"/>
+                    <a:lumOff val="50000"/>
+                  </a:schemeClr>
+                </a:solidFill>
+                <a:latin typeface="Calibri" pitchFamily="34" charset="0"/>
+                <a:cs typeface="Calibri" pitchFamily="34" charset="0"/>
+              </a:rPr>
+              <a:t>수정</a:t>
+            </a:r>
+            <a:r>
+              <a:rPr lang="ko-KR" altLang="en-US" sz="2100" dirty="0" err="1" smtClean="0">
+                <a:solidFill>
+                  <a:schemeClr val="tx1">
+                    <a:lumMod val="50000"/>
+                    <a:lumOff val="50000"/>
+                  </a:schemeClr>
+                </a:solidFill>
+                <a:latin typeface="굴림체"/>
+                <a:ea typeface="굴림체"/>
+                <a:cs typeface="Calibri" pitchFamily="34" charset="0"/>
+              </a:rPr>
+              <a:t>ㆍ</a:t>
+            </a:r>
+            <a:r>
+              <a:rPr lang="ko-KR" altLang="en-US" sz="2100" dirty="0" err="1" smtClean="0">
+                <a:solidFill>
+                  <a:schemeClr val="tx1">
+                    <a:lumMod val="50000"/>
+                    <a:lumOff val="50000"/>
+                  </a:schemeClr>
+                </a:solidFill>
+                <a:latin typeface="Calibri" pitchFamily="34" charset="0"/>
+                <a:cs typeface="Calibri" pitchFamily="34" charset="0"/>
+              </a:rPr>
+              <a:t>삭제</a:t>
+            </a:r>
+            <a:r>
+              <a:rPr lang="ko-KR" altLang="en-US" sz="2100" dirty="0" smtClean="0">
+                <a:solidFill>
+                  <a:schemeClr val="tx1">
+                    <a:lumMod val="50000"/>
+                    <a:lumOff val="50000"/>
+                  </a:schemeClr>
+                </a:solidFill>
+                <a:latin typeface="Calibri" pitchFamily="34" charset="0"/>
+                <a:cs typeface="Calibri" pitchFamily="34" charset="0"/>
+              </a:rPr>
+              <a:t>  가능</a:t>
+            </a:r>
+            <a:endParaRPr lang="en-US" altLang="ko-KR" sz="2100" dirty="0" smtClean="0">
+              <a:solidFill>
+                <a:schemeClr val="tx1">
+                  <a:lumMod val="50000"/>
+                  <a:lumOff val="50000"/>
+                </a:schemeClr>
+              </a:solidFill>
+              <a:latin typeface="Calibri" pitchFamily="34" charset="0"/>
+              <a:cs typeface="Calibri" pitchFamily="34" charset="0"/>
+            </a:endParaRPr>
+          </a:p>
+          <a:p>
+            <a:pPr>
+              <a:lnSpc>
+                <a:spcPct val="120000"/>
+              </a:lnSpc>
+              <a:buFont typeface="Wingdings" pitchFamily="2" charset="2"/>
+              <a:buChar char="ü"/>
+            </a:pPr>
+            <a:r>
+              <a:rPr lang="ko-KR" altLang="en-US" sz="2100" dirty="0" smtClean="0">
+                <a:solidFill>
+                  <a:schemeClr val="tx1">
+                    <a:lumMod val="50000"/>
+                    <a:lumOff val="50000"/>
+                  </a:schemeClr>
+                </a:solidFill>
+                <a:latin typeface="Calibri" pitchFamily="34" charset="0"/>
+                <a:cs typeface="Calibri" pitchFamily="34" charset="0"/>
+              </a:rPr>
+              <a:t>급여 등록 시 관리자 및 회원의 코드번호 조회 가능</a:t>
+            </a:r>
+            <a:endParaRPr lang="en-US" altLang="ko-KR" sz="2100" dirty="0" smtClean="0">
+              <a:solidFill>
+                <a:schemeClr val="tx1">
+                  <a:lumMod val="50000"/>
+                  <a:lumOff val="50000"/>
+                </a:schemeClr>
+              </a:solidFill>
+              <a:latin typeface="Calibri" pitchFamily="34" charset="0"/>
+              <a:cs typeface="Calibri" pitchFamily="34" charset="0"/>
+            </a:endParaRPr>
+          </a:p>
+          <a:p>
+            <a:pPr>
+              <a:lnSpc>
+                <a:spcPct val="120000"/>
+              </a:lnSpc>
+              <a:buNone/>
+            </a:pPr>
+            <a:endParaRPr lang="en-US" altLang="ko-KR" sz="2800" dirty="0" smtClean="0">
+              <a:solidFill>
+                <a:schemeClr val="tx1">
+                  <a:lumMod val="50000"/>
+                  <a:lumOff val="50000"/>
+                </a:schemeClr>
+              </a:solidFill>
+              <a:latin typeface="Calibri" pitchFamily="34" charset="0"/>
+              <a:cs typeface="Calibri" pitchFamily="34" charset="0"/>
+            </a:endParaRPr>
+          </a:p>
+          <a:p>
+            <a:pPr>
+              <a:lnSpc>
+                <a:spcPct val="120000"/>
+              </a:lnSpc>
+            </a:pPr>
+            <a:r>
+              <a:rPr lang="ko-KR" altLang="en-US" sz="3600" dirty="0" smtClean="0">
+                <a:solidFill>
+                  <a:schemeClr val="tx1">
+                    <a:lumMod val="75000"/>
+                    <a:lumOff val="25000"/>
+                  </a:schemeClr>
+                </a:solidFill>
+                <a:latin typeface="Calibri" pitchFamily="34" charset="0"/>
+                <a:cs typeface="Calibri" pitchFamily="34" charset="0"/>
+              </a:rPr>
+              <a:t>회원 급여 관리</a:t>
+            </a:r>
+            <a:endParaRPr lang="en-US" altLang="ko-KR" sz="3600" dirty="0" smtClean="0">
+              <a:solidFill>
+                <a:schemeClr val="tx1">
+                  <a:lumMod val="75000"/>
+                  <a:lumOff val="25000"/>
+                </a:schemeClr>
+              </a:solidFill>
+              <a:latin typeface="Calibri" pitchFamily="34" charset="0"/>
+              <a:cs typeface="Calibri" pitchFamily="34" charset="0"/>
+            </a:endParaRPr>
+          </a:p>
+          <a:p>
+            <a:pPr>
+              <a:lnSpc>
+                <a:spcPct val="120000"/>
+              </a:lnSpc>
+              <a:buFont typeface="Wingdings" pitchFamily="2" charset="2"/>
+              <a:buChar char="ü"/>
+            </a:pPr>
+            <a:r>
+              <a:rPr lang="ko-KR" altLang="en-US" sz="2100" dirty="0" smtClean="0">
+                <a:solidFill>
+                  <a:schemeClr val="tx1">
+                    <a:lumMod val="50000"/>
+                    <a:lumOff val="50000"/>
+                  </a:schemeClr>
+                </a:solidFill>
+                <a:latin typeface="Calibri" pitchFamily="34" charset="0"/>
+                <a:cs typeface="Calibri" pitchFamily="34" charset="0"/>
+              </a:rPr>
+              <a:t>회원은 자신의 급여 정보 및 코드번호 확인 가능 </a:t>
+            </a:r>
+            <a:endParaRPr lang="en-US" altLang="ko-KR" sz="2100" dirty="0" smtClean="0">
+              <a:solidFill>
+                <a:schemeClr val="tx1">
+                  <a:lumMod val="50000"/>
+                  <a:lumOff val="50000"/>
+                </a:schemeClr>
+              </a:solidFill>
+              <a:latin typeface="Calibri" pitchFamily="34" charset="0"/>
+              <a:cs typeface="Calibri" pitchFamily="34" charset="0"/>
+            </a:endParaRPr>
+          </a:p>
+          <a:p>
+            <a:pPr>
+              <a:buFont typeface="Wingdings" pitchFamily="2" charset="2"/>
+              <a:buChar char="ü"/>
+            </a:pPr>
+            <a:endParaRPr lang="en-US" altLang="ko-KR" sz="2400" dirty="0" smtClean="0">
+              <a:solidFill>
+                <a:schemeClr val="tx1">
+                  <a:lumMod val="50000"/>
+                  <a:lumOff val="50000"/>
+                </a:schemeClr>
+              </a:solidFill>
+              <a:latin typeface="Calibri" pitchFamily="34" charset="0"/>
+              <a:cs typeface="Calibri" pitchFamily="34" charset="0"/>
+            </a:endParaRPr>
+          </a:p>
+          <a:p>
+            <a:endParaRPr lang="en-US" altLang="ko-KR" sz="4000" dirty="0" smtClean="0">
+              <a:solidFill>
+                <a:schemeClr val="tx1">
+                  <a:lumMod val="75000"/>
+                  <a:lumOff val="25000"/>
+                </a:schemeClr>
+              </a:solidFill>
+              <a:latin typeface="Calibri" pitchFamily="34" charset="0"/>
+              <a:cs typeface="Calibri" pitchFamily="34" charset="0"/>
+            </a:endParaRPr>
+          </a:p>
+          <a:p>
+            <a:endParaRPr lang="en-US" altLang="ko-KR" sz="4000" dirty="0" smtClean="0">
+              <a:solidFill>
+                <a:schemeClr val="tx1">
+                  <a:lumMod val="50000"/>
+                  <a:lumOff val="50000"/>
+                </a:schemeClr>
+              </a:solidFill>
+              <a:latin typeface="Calibri" pitchFamily="34" charset="0"/>
+              <a:cs typeface="Calibri" pitchFamily="34" charset="0"/>
+            </a:endParaRPr>
+          </a:p>
+        </p:txBody>
+      </p:sp>
     </p:spTree>
     <p:extLst>
       <p:ext uri="{BB962C8B-B14F-4D97-AF65-F5344CB8AC3E}">
-        <p14:creationId xmlns:p14="http://schemas.microsoft.com/office/powerpoint/2010/main" xmlns="" val="891763176"/>
+        <p14:creationId xmlns="" xmlns:p14="http://schemas.microsoft.com/office/powerpoint/2010/main" val="891763176"/>
       </p:ext>
     </p:extLst>
   </p:cSld>
   <p:clrMapOvr>
     <a:masterClrMapping/>
   </p:clrMapOvr>
-  <p:transition advTm="0"/>
+  <p:transition/>
   <p:timing>
     <p:tnLst>
       <p:par>
